--- a/vertx.pptx
+++ b/vertx.pptx
@@ -6,14 +6,15 @@
   </p:sldMasterIdLst>
   <p:sldIdLst>
     <p:sldId id="256" r:id="rId2"/>
-    <p:sldId id="257" r:id="rId3"/>
-    <p:sldId id="258" r:id="rId4"/>
-    <p:sldId id="259" r:id="rId5"/>
-    <p:sldId id="260" r:id="rId6"/>
-    <p:sldId id="262" r:id="rId7"/>
-    <p:sldId id="261" r:id="rId8"/>
-    <p:sldId id="263" r:id="rId9"/>
-    <p:sldId id="264" r:id="rId10"/>
+    <p:sldId id="265" r:id="rId3"/>
+    <p:sldId id="257" r:id="rId4"/>
+    <p:sldId id="258" r:id="rId5"/>
+    <p:sldId id="259" r:id="rId6"/>
+    <p:sldId id="260" r:id="rId7"/>
+    <p:sldId id="262" r:id="rId8"/>
+    <p:sldId id="261" r:id="rId9"/>
+    <p:sldId id="263" r:id="rId10"/>
+    <p:sldId id="264" r:id="rId11"/>
   </p:sldIdLst>
   <p:sldSz cx="9144000" cy="6858000" type="screen4x3"/>
   <p:notesSz cx="6858000" cy="9144000"/>
@@ -112,6 +113,22 @@
       </a:defRPr>
     </a:lvl9pPr>
   </p:defaultTextStyle>
+  <p:extLst>
+    <p:ext uri="{EFAFB233-063F-42B5-8137-9DF3F51BA10A}">
+      <p15:sldGuideLst xmlns:p15="http://schemas.microsoft.com/office/powerpoint/2012/main">
+        <p15:guide id="1" orient="horz" pos="2160">
+          <p15:clr>
+            <a:srgbClr val="A4A3A4"/>
+          </p15:clr>
+        </p15:guide>
+        <p15:guide id="2" pos="2880">
+          <p15:clr>
+            <a:srgbClr val="A4A3A4"/>
+          </p15:clr>
+        </p15:guide>
+      </p15:sldGuideLst>
+    </p:ext>
+  </p:extLst>
 </p:presentation>
 </file>
 
@@ -162,7 +179,7 @@
           </a:lstStyle>
           <a:p>
             <a:r>
-              <a:rPr lang="sk-SK" smtClean="0"/>
+              <a:rPr lang="sk-SK"/>
               <a:t>Upravte štýly predlohy textu</a:t>
             </a:r>
             <a:endParaRPr lang="en-US" dirty="0"/>
@@ -283,7 +300,7 @@
           </a:lstStyle>
           <a:p>
             <a:r>
-              <a:rPr lang="sk-SK" smtClean="0"/>
+              <a:rPr lang="sk-SK"/>
               <a:t>Upravte štýl predlohy podnadpisov</a:t>
             </a:r>
             <a:endParaRPr lang="en-US" dirty="0"/>
@@ -307,7 +324,7 @@
           <a:p>
             <a:fld id="{BF92E2F3-A957-4897-AE39-228CC061DCDB}" type="datetimeFigureOut">
               <a:rPr lang="sk-SK" smtClean="0"/>
-              <a:t>16. 12. 2014</a:t>
+              <a:t>30.6.2016</a:t>
             </a:fld>
             <a:endParaRPr lang="sk-SK"/>
           </a:p>
@@ -396,7 +413,7 @@
           <a:lstStyle/>
           <a:p>
             <a:r>
-              <a:rPr lang="sk-SK" smtClean="0"/>
+              <a:rPr lang="sk-SK"/>
               <a:t>Upravte štýly predlohy textu</a:t>
             </a:r>
             <a:endParaRPr lang="en-US" dirty="0"/>
@@ -420,35 +437,35 @@
           <a:p>
             <a:pPr lvl="0"/>
             <a:r>
-              <a:rPr lang="sk-SK" smtClean="0"/>
+              <a:rPr lang="sk-SK"/>
               <a:t>Upravte štýl predlohy textu.</a:t>
             </a:r>
           </a:p>
           <a:p>
             <a:pPr lvl="1"/>
             <a:r>
-              <a:rPr lang="sk-SK" smtClean="0"/>
+              <a:rPr lang="sk-SK"/>
               <a:t>Druhá úroveň</a:t>
             </a:r>
           </a:p>
           <a:p>
             <a:pPr lvl="2"/>
             <a:r>
-              <a:rPr lang="sk-SK" smtClean="0"/>
+              <a:rPr lang="sk-SK"/>
               <a:t>Tretia úroveň</a:t>
             </a:r>
           </a:p>
           <a:p>
             <a:pPr lvl="3"/>
             <a:r>
-              <a:rPr lang="sk-SK" smtClean="0"/>
+              <a:rPr lang="sk-SK"/>
               <a:t>Štvrtá úroveň</a:t>
             </a:r>
           </a:p>
           <a:p>
             <a:pPr lvl="4"/>
             <a:r>
-              <a:rPr lang="sk-SK" smtClean="0"/>
+              <a:rPr lang="sk-SK"/>
               <a:t>Piata úroveň</a:t>
             </a:r>
             <a:endParaRPr lang="en-US"/>
@@ -472,7 +489,7 @@
           <a:p>
             <a:fld id="{BF92E2F3-A957-4897-AE39-228CC061DCDB}" type="datetimeFigureOut">
               <a:rPr lang="sk-SK" smtClean="0"/>
-              <a:t>16. 12. 2014</a:t>
+              <a:t>30.6.2016</a:t>
             </a:fld>
             <a:endParaRPr lang="sk-SK"/>
           </a:p>
@@ -566,7 +583,7 @@
           <a:lstStyle/>
           <a:p>
             <a:r>
-              <a:rPr lang="sk-SK" smtClean="0"/>
+              <a:rPr lang="sk-SK"/>
               <a:t>Upravte štýly predlohy textu</a:t>
             </a:r>
             <a:endParaRPr lang="en-US" dirty="0"/>
@@ -595,35 +612,35 @@
           <a:p>
             <a:pPr lvl="0"/>
             <a:r>
-              <a:rPr lang="sk-SK" smtClean="0"/>
+              <a:rPr lang="sk-SK"/>
               <a:t>Upravte štýl predlohy textu.</a:t>
             </a:r>
           </a:p>
           <a:p>
             <a:pPr lvl="1"/>
             <a:r>
-              <a:rPr lang="sk-SK" smtClean="0"/>
+              <a:rPr lang="sk-SK"/>
               <a:t>Druhá úroveň</a:t>
             </a:r>
           </a:p>
           <a:p>
             <a:pPr lvl="2"/>
             <a:r>
-              <a:rPr lang="sk-SK" smtClean="0"/>
+              <a:rPr lang="sk-SK"/>
               <a:t>Tretia úroveň</a:t>
             </a:r>
           </a:p>
           <a:p>
             <a:pPr lvl="3"/>
             <a:r>
-              <a:rPr lang="sk-SK" smtClean="0"/>
+              <a:rPr lang="sk-SK"/>
               <a:t>Štvrtá úroveň</a:t>
             </a:r>
           </a:p>
           <a:p>
             <a:pPr lvl="4"/>
             <a:r>
-              <a:rPr lang="sk-SK" smtClean="0"/>
+              <a:rPr lang="sk-SK"/>
               <a:t>Piata úroveň</a:t>
             </a:r>
             <a:endParaRPr lang="en-US"/>
@@ -647,7 +664,7 @@
           <a:p>
             <a:fld id="{BF92E2F3-A957-4897-AE39-228CC061DCDB}" type="datetimeFigureOut">
               <a:rPr lang="sk-SK" smtClean="0"/>
-              <a:t>16. 12. 2014</a:t>
+              <a:t>30.6.2016</a:t>
             </a:fld>
             <a:endParaRPr lang="sk-SK"/>
           </a:p>
@@ -736,7 +753,7 @@
           <a:lstStyle/>
           <a:p>
             <a:r>
-              <a:rPr lang="sk-SK" smtClean="0"/>
+              <a:rPr lang="sk-SK"/>
               <a:t>Upravte štýly predlohy textu</a:t>
             </a:r>
             <a:endParaRPr lang="en-US" dirty="0"/>
@@ -778,38 +795,38 @@
           <a:p>
             <a:pPr lvl="0"/>
             <a:r>
-              <a:rPr lang="sk-SK" smtClean="0"/>
+              <a:rPr lang="sk-SK"/>
               <a:t>Upravte štýl predlohy textu.</a:t>
             </a:r>
           </a:p>
           <a:p>
             <a:pPr lvl="1"/>
             <a:r>
-              <a:rPr lang="sk-SK" smtClean="0"/>
+              <a:rPr lang="sk-SK"/>
               <a:t>Druhá úroveň</a:t>
             </a:r>
           </a:p>
           <a:p>
             <a:pPr lvl="2"/>
             <a:r>
-              <a:rPr lang="sk-SK" smtClean="0"/>
+              <a:rPr lang="sk-SK"/>
               <a:t>Tretia úroveň</a:t>
             </a:r>
           </a:p>
           <a:p>
             <a:pPr lvl="3"/>
             <a:r>
-              <a:rPr lang="sk-SK" smtClean="0"/>
+              <a:rPr lang="sk-SK"/>
               <a:t>Štvrtá úroveň</a:t>
             </a:r>
           </a:p>
           <a:p>
             <a:pPr lvl="4"/>
             <a:r>
-              <a:rPr lang="sk-SK" smtClean="0"/>
+              <a:rPr lang="sk-SK"/>
               <a:t>Piata úroveň</a:t>
             </a:r>
-            <a:endParaRPr lang="en-US" dirty="0" smtClean="0"/>
+            <a:endParaRPr lang="en-US" dirty="0"/>
           </a:p>
         </p:txBody>
       </p:sp>
@@ -830,7 +847,7 @@
           <a:p>
             <a:fld id="{BF92E2F3-A957-4897-AE39-228CC061DCDB}" type="datetimeFigureOut">
               <a:rPr lang="sk-SK" smtClean="0"/>
-              <a:t>16. 12. 2014</a:t>
+              <a:t>30.6.2016</a:t>
             </a:fld>
             <a:endParaRPr lang="sk-SK"/>
           </a:p>
@@ -949,7 +966,7 @@
           </a:lstStyle>
           <a:p>
             <a:r>
-              <a:rPr lang="sk-SK" smtClean="0"/>
+              <a:rPr lang="sk-SK"/>
               <a:t>Upravte štýly predlohy textu</a:t>
             </a:r>
             <a:endParaRPr lang="en-US" dirty="0"/>
@@ -1069,7 +1086,7 @@
           <a:p>
             <a:pPr lvl="0"/>
             <a:r>
-              <a:rPr lang="sk-SK" smtClean="0"/>
+              <a:rPr lang="sk-SK"/>
               <a:t>Upravte štýl predlohy textu.</a:t>
             </a:r>
           </a:p>
@@ -1092,7 +1109,7 @@
           <a:p>
             <a:fld id="{BF92E2F3-A957-4897-AE39-228CC061DCDB}" type="datetimeFigureOut">
               <a:rPr lang="sk-SK" smtClean="0"/>
-              <a:t>16. 12. 2014</a:t>
+              <a:t>30.6.2016</a:t>
             </a:fld>
             <a:endParaRPr lang="sk-SK"/>
           </a:p>
@@ -1331,7 +1348,7 @@
           <a:lstStyle/>
           <a:p>
             <a:r>
-              <a:rPr lang="sk-SK" smtClean="0"/>
+              <a:rPr lang="sk-SK"/>
               <a:t>Upravte štýly predlohy textu</a:t>
             </a:r>
             <a:endParaRPr lang="en-US"/>
@@ -1388,38 +1405,38 @@
           <a:p>
             <a:pPr lvl="0"/>
             <a:r>
-              <a:rPr lang="sk-SK" smtClean="0"/>
+              <a:rPr lang="sk-SK"/>
               <a:t>Upravte štýl predlohy textu.</a:t>
             </a:r>
           </a:p>
           <a:p>
             <a:pPr lvl="1"/>
             <a:r>
-              <a:rPr lang="sk-SK" smtClean="0"/>
+              <a:rPr lang="sk-SK"/>
               <a:t>Druhá úroveň</a:t>
             </a:r>
           </a:p>
           <a:p>
             <a:pPr lvl="2"/>
             <a:r>
-              <a:rPr lang="sk-SK" smtClean="0"/>
+              <a:rPr lang="sk-SK"/>
               <a:t>Tretia úroveň</a:t>
             </a:r>
           </a:p>
           <a:p>
             <a:pPr lvl="3"/>
             <a:r>
-              <a:rPr lang="sk-SK" smtClean="0"/>
+              <a:rPr lang="sk-SK"/>
               <a:t>Štvrtá úroveň</a:t>
             </a:r>
           </a:p>
           <a:p>
             <a:pPr lvl="4"/>
             <a:r>
-              <a:rPr lang="sk-SK" smtClean="0"/>
+              <a:rPr lang="sk-SK"/>
               <a:t>Piata úroveň</a:t>
             </a:r>
-            <a:endParaRPr lang="en-US" dirty="0" smtClean="0"/>
+            <a:endParaRPr lang="en-US" dirty="0"/>
           </a:p>
         </p:txBody>
       </p:sp>
@@ -1440,7 +1457,7 @@
           <a:p>
             <a:fld id="{BF92E2F3-A957-4897-AE39-228CC061DCDB}" type="datetimeFigureOut">
               <a:rPr lang="sk-SK" smtClean="0"/>
-              <a:t>16. 12. 2014</a:t>
+              <a:t>30.6.2016</a:t>
             </a:fld>
             <a:endParaRPr lang="sk-SK"/>
           </a:p>
@@ -1510,35 +1527,35 @@
           <a:p>
             <a:pPr lvl="0"/>
             <a:r>
-              <a:rPr lang="sk-SK" smtClean="0"/>
+              <a:rPr lang="sk-SK"/>
               <a:t>Upravte štýl predlohy textu.</a:t>
             </a:r>
           </a:p>
           <a:p>
             <a:pPr lvl="1"/>
             <a:r>
-              <a:rPr lang="sk-SK" smtClean="0"/>
+              <a:rPr lang="sk-SK"/>
               <a:t>Druhá úroveň</a:t>
             </a:r>
           </a:p>
           <a:p>
             <a:pPr lvl="2"/>
             <a:r>
-              <a:rPr lang="sk-SK" smtClean="0"/>
+              <a:rPr lang="sk-SK"/>
               <a:t>Tretia úroveň</a:t>
             </a:r>
           </a:p>
           <a:p>
             <a:pPr lvl="3"/>
             <a:r>
-              <a:rPr lang="sk-SK" smtClean="0"/>
+              <a:rPr lang="sk-SK"/>
               <a:t>Štvrtá úroveň</a:t>
             </a:r>
           </a:p>
           <a:p>
             <a:pPr lvl="4"/>
             <a:r>
-              <a:rPr lang="sk-SK" smtClean="0"/>
+              <a:rPr lang="sk-SK"/>
               <a:t>Piata úroveň</a:t>
             </a:r>
             <a:endParaRPr lang="en-US"/>
@@ -1590,7 +1607,7 @@
           </a:lstStyle>
           <a:p>
             <a:r>
-              <a:rPr lang="sk-SK" smtClean="0"/>
+              <a:rPr lang="sk-SK"/>
               <a:t>Upravte štýly predlohy textu</a:t>
             </a:r>
             <a:endParaRPr lang="en-US"/>
@@ -1658,7 +1675,7 @@
           <a:p>
             <a:pPr lvl="0"/>
             <a:r>
-              <a:rPr lang="sk-SK" smtClean="0"/>
+              <a:rPr lang="sk-SK"/>
               <a:t>Upravte štýl predlohy textu.</a:t>
             </a:r>
           </a:p>
@@ -1725,7 +1742,7 @@
           <a:p>
             <a:pPr lvl="0"/>
             <a:r>
-              <a:rPr lang="sk-SK" smtClean="0"/>
+              <a:rPr lang="sk-SK"/>
               <a:t>Upravte štýl predlohy textu.</a:t>
             </a:r>
           </a:p>
@@ -1748,7 +1765,7 @@
           <a:p>
             <a:fld id="{BF92E2F3-A957-4897-AE39-228CC061DCDB}" type="datetimeFigureOut">
               <a:rPr lang="sk-SK" smtClean="0"/>
-              <a:t>16. 12. 2014</a:t>
+              <a:t>30.6.2016</a:t>
             </a:fld>
             <a:endParaRPr lang="sk-SK"/>
           </a:p>
@@ -1818,35 +1835,35 @@
           <a:p>
             <a:pPr lvl="0"/>
             <a:r>
-              <a:rPr lang="sk-SK" smtClean="0"/>
+              <a:rPr lang="sk-SK"/>
               <a:t>Upravte štýl predlohy textu.</a:t>
             </a:r>
           </a:p>
           <a:p>
             <a:pPr lvl="1"/>
             <a:r>
-              <a:rPr lang="sk-SK" smtClean="0"/>
+              <a:rPr lang="sk-SK"/>
               <a:t>Druhá úroveň</a:t>
             </a:r>
           </a:p>
           <a:p>
             <a:pPr lvl="2"/>
             <a:r>
-              <a:rPr lang="sk-SK" smtClean="0"/>
+              <a:rPr lang="sk-SK"/>
               <a:t>Tretia úroveň</a:t>
             </a:r>
           </a:p>
           <a:p>
             <a:pPr lvl="3"/>
             <a:r>
-              <a:rPr lang="sk-SK" smtClean="0"/>
+              <a:rPr lang="sk-SK"/>
               <a:t>Štvrtá úroveň</a:t>
             </a:r>
           </a:p>
           <a:p>
             <a:pPr lvl="4"/>
             <a:r>
-              <a:rPr lang="sk-SK" smtClean="0"/>
+              <a:rPr lang="sk-SK"/>
               <a:t>Piata úroveň</a:t>
             </a:r>
             <a:endParaRPr lang="en-US" dirty="0"/>
@@ -1875,35 +1892,35 @@
           <a:p>
             <a:pPr lvl="0"/>
             <a:r>
-              <a:rPr lang="sk-SK" smtClean="0"/>
+              <a:rPr lang="sk-SK"/>
               <a:t>Upravte štýl predlohy textu.</a:t>
             </a:r>
           </a:p>
           <a:p>
             <a:pPr lvl="1"/>
             <a:r>
-              <a:rPr lang="sk-SK" smtClean="0"/>
+              <a:rPr lang="sk-SK"/>
               <a:t>Druhá úroveň</a:t>
             </a:r>
           </a:p>
           <a:p>
             <a:pPr lvl="2"/>
             <a:r>
-              <a:rPr lang="sk-SK" smtClean="0"/>
+              <a:rPr lang="sk-SK"/>
               <a:t>Tretia úroveň</a:t>
             </a:r>
           </a:p>
           <a:p>
             <a:pPr lvl="3"/>
             <a:r>
-              <a:rPr lang="sk-SK" smtClean="0"/>
+              <a:rPr lang="sk-SK"/>
               <a:t>Štvrtá úroveň</a:t>
             </a:r>
           </a:p>
           <a:p>
             <a:pPr lvl="4"/>
             <a:r>
-              <a:rPr lang="sk-SK" smtClean="0"/>
+              <a:rPr lang="sk-SK"/>
               <a:t>Piata úroveň</a:t>
             </a:r>
             <a:endParaRPr lang="en-US" dirty="0"/>
@@ -1951,7 +1968,7 @@
           <a:lstStyle/>
           <a:p>
             <a:r>
-              <a:rPr lang="sk-SK" smtClean="0"/>
+              <a:rPr lang="sk-SK"/>
               <a:t>Upravte štýly predlohy textu</a:t>
             </a:r>
             <a:endParaRPr lang="en-US" dirty="0"/>
@@ -1975,7 +1992,7 @@
           <a:p>
             <a:fld id="{BF92E2F3-A957-4897-AE39-228CC061DCDB}" type="datetimeFigureOut">
               <a:rPr lang="sk-SK" smtClean="0"/>
-              <a:t>16. 12. 2014</a:t>
+              <a:t>30.6.2016</a:t>
             </a:fld>
             <a:endParaRPr lang="sk-SK"/>
           </a:p>
@@ -2065,7 +2082,7 @@
           <a:p>
             <a:fld id="{BF92E2F3-A957-4897-AE39-228CC061DCDB}" type="datetimeFigureOut">
               <a:rPr lang="sk-SK" smtClean="0"/>
-              <a:t>16. 12. 2014</a:t>
+              <a:t>30.6.2016</a:t>
             </a:fld>
             <a:endParaRPr lang="sk-SK"/>
           </a:p>
@@ -2174,7 +2191,7 @@
           </a:lstStyle>
           <a:p>
             <a:r>
-              <a:rPr lang="sk-SK" smtClean="0"/>
+              <a:rPr lang="sk-SK"/>
               <a:t>Upravte štýly predlohy textu</a:t>
             </a:r>
             <a:endParaRPr lang="en-US" dirty="0"/>
@@ -2231,35 +2248,35 @@
           <a:p>
             <a:pPr lvl="0"/>
             <a:r>
-              <a:rPr lang="sk-SK" smtClean="0"/>
+              <a:rPr lang="sk-SK"/>
               <a:t>Upravte štýl predlohy textu.</a:t>
             </a:r>
           </a:p>
           <a:p>
             <a:pPr lvl="1"/>
             <a:r>
-              <a:rPr lang="sk-SK" smtClean="0"/>
+              <a:rPr lang="sk-SK"/>
               <a:t>Druhá úroveň</a:t>
             </a:r>
           </a:p>
           <a:p>
             <a:pPr lvl="2"/>
             <a:r>
-              <a:rPr lang="sk-SK" smtClean="0"/>
+              <a:rPr lang="sk-SK"/>
               <a:t>Tretia úroveň</a:t>
             </a:r>
           </a:p>
           <a:p>
             <a:pPr lvl="3"/>
             <a:r>
-              <a:rPr lang="sk-SK" smtClean="0"/>
+              <a:rPr lang="sk-SK"/>
               <a:t>Štvrtá úroveň</a:t>
             </a:r>
           </a:p>
           <a:p>
             <a:pPr lvl="4"/>
             <a:r>
-              <a:rPr lang="sk-SK" smtClean="0"/>
+              <a:rPr lang="sk-SK"/>
               <a:t>Piata úroveň</a:t>
             </a:r>
             <a:endParaRPr lang="en-US" dirty="0"/>
@@ -2330,7 +2347,7 @@
           <a:p>
             <a:pPr lvl="0"/>
             <a:r>
-              <a:rPr lang="sk-SK" smtClean="0"/>
+              <a:rPr lang="sk-SK"/>
               <a:t>Upravte štýl predlohy textu.</a:t>
             </a:r>
           </a:p>
@@ -2353,7 +2370,7 @@
           <a:p>
             <a:fld id="{BF92E2F3-A957-4897-AE39-228CC061DCDB}" type="datetimeFigureOut">
               <a:rPr lang="sk-SK" smtClean="0"/>
-              <a:t>16. 12. 2014</a:t>
+              <a:t>30.6.2016</a:t>
             </a:fld>
             <a:endParaRPr lang="sk-SK"/>
           </a:p>
@@ -2454,7 +2471,7 @@
           </a:lstStyle>
           <a:p>
             <a:r>
-              <a:rPr lang="sk-SK" smtClean="0"/>
+              <a:rPr lang="sk-SK"/>
               <a:t>Upravte štýly predlohy textu</a:t>
             </a:r>
             <a:endParaRPr lang="en-US" dirty="0"/>
@@ -2531,7 +2548,7 @@
           </a:lstStyle>
           <a:p>
             <a:r>
-              <a:rPr lang="sk-SK" smtClean="0"/>
+              <a:rPr lang="sk-SK"/>
               <a:t>Ak chcete pridať obrázok, kliknite na ikonu</a:t>
             </a:r>
             <a:endParaRPr lang="en-US" dirty="0"/>
@@ -2599,7 +2616,7 @@
           <a:p>
             <a:pPr lvl="0"/>
             <a:r>
-              <a:rPr lang="sk-SK" smtClean="0"/>
+              <a:rPr lang="sk-SK"/>
               <a:t>Upravte štýl predlohy textu.</a:t>
             </a:r>
           </a:p>
@@ -2622,7 +2639,7 @@
           <a:p>
             <a:fld id="{BF92E2F3-A957-4897-AE39-228CC061DCDB}" type="datetimeFigureOut">
               <a:rPr lang="sk-SK" smtClean="0"/>
-              <a:t>16. 12. 2014</a:t>
+              <a:t>30.6.2016</a:t>
             </a:fld>
             <a:endParaRPr lang="sk-SK"/>
           </a:p>
@@ -2726,7 +2743,7 @@
           <a:lstStyle/>
           <a:p>
             <a:r>
-              <a:rPr lang="sk-SK" smtClean="0"/>
+              <a:rPr lang="sk-SK"/>
               <a:t>Upravte štýly predlohy textu</a:t>
             </a:r>
             <a:endParaRPr lang="en-US" dirty="0"/>
@@ -2760,38 +2777,38 @@
           <a:p>
             <a:pPr lvl="0"/>
             <a:r>
-              <a:rPr lang="sk-SK" smtClean="0"/>
+              <a:rPr lang="sk-SK"/>
               <a:t>Upravte štýl predlohy textu.</a:t>
             </a:r>
           </a:p>
           <a:p>
             <a:pPr lvl="1"/>
             <a:r>
-              <a:rPr lang="sk-SK" smtClean="0"/>
+              <a:rPr lang="sk-SK"/>
               <a:t>Druhá úroveň</a:t>
             </a:r>
           </a:p>
           <a:p>
             <a:pPr lvl="2"/>
             <a:r>
-              <a:rPr lang="sk-SK" smtClean="0"/>
+              <a:rPr lang="sk-SK"/>
               <a:t>Tretia úroveň</a:t>
             </a:r>
           </a:p>
           <a:p>
             <a:pPr lvl="3"/>
             <a:r>
-              <a:rPr lang="sk-SK" smtClean="0"/>
+              <a:rPr lang="sk-SK"/>
               <a:t>Štvrtá úroveň</a:t>
             </a:r>
           </a:p>
           <a:p>
             <a:pPr lvl="4"/>
             <a:r>
-              <a:rPr lang="sk-SK" smtClean="0"/>
+              <a:rPr lang="sk-SK"/>
               <a:t>Piata úroveň</a:t>
             </a:r>
-            <a:endParaRPr lang="en-US" dirty="0" smtClean="0"/>
+            <a:endParaRPr lang="en-US" dirty="0"/>
           </a:p>
         </p:txBody>
       </p:sp>
@@ -2832,7 +2849,7 @@
           <a:p>
             <a:fld id="{BF92E2F3-A957-4897-AE39-228CC061DCDB}" type="datetimeFigureOut">
               <a:rPr lang="sk-SK" smtClean="0"/>
-              <a:t>16. 12. 2014</a:t>
+              <a:t>30.6.2016</a:t>
             </a:fld>
             <a:endParaRPr lang="sk-SK"/>
           </a:p>
@@ -3366,12 +3383,8 @@
           <a:lstStyle/>
           <a:p>
             <a:r>
-              <a:rPr lang="en-US" dirty="0" err="1" smtClean="0"/>
-              <a:t>Vert.x</a:t>
-            </a:r>
-            <a:r>
-              <a:rPr lang="en-US" dirty="0" smtClean="0"/>
-              <a:t> coding beer</a:t>
+              <a:rPr lang="en-US" dirty="0"/>
+              <a:t>Node.js – like development in Java</a:t>
             </a:r>
             <a:endParaRPr lang="sk-SK" dirty="0"/>
           </a:p>
@@ -3393,8 +3406,16 @@
           <a:lstStyle/>
           <a:p>
             <a:r>
-              <a:rPr lang="en-US" dirty="0" smtClean="0"/>
-              <a:t>16. 12. 2014 @ ERNI SK</a:t>
+              <a:rPr lang="en-US" dirty="0"/>
+              <a:t>30. 6. 2016 @ </a:t>
+            </a:r>
+            <a:r>
+              <a:rPr lang="en-US" dirty="0" err="1"/>
+              <a:t>Mimacom</a:t>
+            </a:r>
+            <a:r>
+              <a:rPr lang="en-US" dirty="0"/>
+              <a:t> SK</a:t>
             </a:r>
             <a:endParaRPr lang="sk-SK" dirty="0"/>
           </a:p>
@@ -3410,13 +3431,141 @@
   <p:clrMapOvr>
     <a:masterClrMapping/>
   </p:clrMapOvr>
-  <p:timing>
-    <p:tnLst>
-      <p:par>
-        <p:cTn id="1" dur="indefinite" restart="never" nodeType="tmRoot"/>
-      </p:par>
-    </p:tnLst>
-  </p:timing>
+</p:sld>
+</file>
+
+<file path=ppt/slides/slide10.xml><?xml version="1.0" encoding="utf-8"?>
+<p:sld xmlns:a="http://schemas.openxmlformats.org/drawingml/2006/main" xmlns:r="http://schemas.openxmlformats.org/officeDocument/2006/relationships" xmlns:p="http://schemas.openxmlformats.org/presentationml/2006/main">
+  <p:cSld>
+    <p:spTree>
+      <p:nvGrpSpPr>
+        <p:cNvPr id="1" name=""/>
+        <p:cNvGrpSpPr/>
+        <p:nvPr/>
+      </p:nvGrpSpPr>
+      <p:grpSpPr>
+        <a:xfrm>
+          <a:off x="0" y="0"/>
+          <a:ext cx="0" cy="0"/>
+          <a:chOff x="0" y="0"/>
+          <a:chExt cx="0" cy="0"/>
+        </a:xfrm>
+      </p:grpSpPr>
+      <p:sp>
+        <p:nvSpPr>
+          <p:cNvPr id="2" name="Nadpis 1"/>
+          <p:cNvSpPr>
+            <a:spLocks noGrp="1"/>
+          </p:cNvSpPr>
+          <p:nvPr>
+            <p:ph type="title"/>
+          </p:nvPr>
+        </p:nvSpPr>
+        <p:spPr/>
+        <p:txBody>
+          <a:bodyPr/>
+          <a:lstStyle/>
+          <a:p>
+            <a:r>
+              <a:rPr lang="en-US" dirty="0"/>
+              <a:t>Enjoy!</a:t>
+            </a:r>
+            <a:endParaRPr lang="sk-SK" dirty="0"/>
+          </a:p>
+        </p:txBody>
+      </p:sp>
+      <p:pic>
+        <p:nvPicPr>
+          <p:cNvPr id="7170" name="Picture 2" descr="http://www.citymania.cz/wp-content/uploads/pizza_kreslena2.jpg"/>
+          <p:cNvPicPr>
+            <a:picLocks noChangeAspect="1" noChangeArrowheads="1"/>
+          </p:cNvPicPr>
+          <p:nvPr/>
+        </p:nvPicPr>
+        <p:blipFill>
+          <a:blip r:embed="rId2">
+            <a:extLst>
+              <a:ext uri="{28A0092B-C50C-407E-A947-70E740481C1C}">
+                <a14:useLocalDpi xmlns:a14="http://schemas.microsoft.com/office/drawing/2010/main" val="0"/>
+              </a:ext>
+            </a:extLst>
+          </a:blip>
+          <a:srcRect/>
+          <a:stretch>
+            <a:fillRect/>
+          </a:stretch>
+        </p:blipFill>
+        <p:spPr bwMode="auto">
+          <a:xfrm>
+            <a:off x="1115616" y="2780928"/>
+            <a:ext cx="2688299" cy="2016224"/>
+          </a:xfrm>
+          <a:prstGeom prst="rect">
+            <a:avLst/>
+          </a:prstGeom>
+          <a:noFill/>
+          <a:extLst>
+            <a:ext uri="{909E8E84-426E-40DD-AFC4-6F175D3DCCD1}">
+              <a14:hiddenFill xmlns:a14="http://schemas.microsoft.com/office/drawing/2010/main">
+                <a:solidFill>
+                  <a:srgbClr val="FFFFFF"/>
+                </a:solidFill>
+              </a14:hiddenFill>
+            </a:ext>
+          </a:extLst>
+        </p:spPr>
+      </p:pic>
+      <p:pic>
+        <p:nvPicPr>
+          <p:cNvPr id="7174" name="Picture 6" descr="http://images.free-extras.com/pics/h/homer_and_duff_beer-1092.jpg"/>
+          <p:cNvPicPr>
+            <a:picLocks noChangeAspect="1" noChangeArrowheads="1"/>
+          </p:cNvPicPr>
+          <p:nvPr/>
+        </p:nvPicPr>
+        <p:blipFill>
+          <a:blip r:embed="rId3">
+            <a:extLst>
+              <a:ext uri="{28A0092B-C50C-407E-A947-70E740481C1C}">
+                <a14:useLocalDpi xmlns:a14="http://schemas.microsoft.com/office/drawing/2010/main" val="0"/>
+              </a:ext>
+            </a:extLst>
+          </a:blip>
+          <a:srcRect/>
+          <a:stretch>
+            <a:fillRect/>
+          </a:stretch>
+        </p:blipFill>
+        <p:spPr bwMode="auto">
+          <a:xfrm>
+            <a:off x="5220072" y="2564904"/>
+            <a:ext cx="2880320" cy="2163441"/>
+          </a:xfrm>
+          <a:prstGeom prst="rect">
+            <a:avLst/>
+          </a:prstGeom>
+          <a:noFill/>
+          <a:extLst>
+            <a:ext uri="{909E8E84-426E-40DD-AFC4-6F175D3DCCD1}">
+              <a14:hiddenFill xmlns:a14="http://schemas.microsoft.com/office/drawing/2010/main">
+                <a:solidFill>
+                  <a:srgbClr val="FFFFFF"/>
+                </a:solidFill>
+              </a14:hiddenFill>
+            </a:ext>
+          </a:extLst>
+        </p:spPr>
+      </p:pic>
+    </p:spTree>
+    <p:extLst>
+      <p:ext uri="{BB962C8B-B14F-4D97-AF65-F5344CB8AC3E}">
+        <p14:creationId xmlns:p14="http://schemas.microsoft.com/office/powerpoint/2010/main" val="3253973345"/>
+      </p:ext>
+    </p:extLst>
+  </p:cSld>
+  <p:clrMapOvr>
+    <a:masterClrMapping/>
+  </p:clrMapOvr>
 </p:sld>
 </file>
 
@@ -3452,17 +3601,13 @@
           <a:bodyPr/>
           <a:lstStyle/>
           <a:p>
-            <a:r>
-              <a:rPr lang="en-US" dirty="0" err="1" smtClean="0"/>
-              <a:t>Vert.x</a:t>
-            </a:r>
-            <a:endParaRPr lang="sk-SK" dirty="0"/>
-          </a:p>
-        </p:txBody>
-      </p:sp>
-      <p:sp>
-        <p:nvSpPr>
-          <p:cNvPr id="3" name="Zástupný symbol obsahu 2"/>
+            <a:endParaRPr lang="sk-SK"/>
+          </a:p>
+        </p:txBody>
+      </p:sp>
+      <p:sp>
+        <p:nvSpPr>
+          <p:cNvPr id="3" name="Zástupný objekt pre obsah 2"/>
           <p:cNvSpPr>
             <a:spLocks noGrp="1"/>
           </p:cNvSpPr>
@@ -3475,106 +3620,20 @@
           <a:bodyPr/>
           <a:lstStyle/>
           <a:p>
-            <a:r>
-              <a:rPr lang="en-US" dirty="0" smtClean="0">
-                <a:solidFill>
-                  <a:schemeClr val="tx1"/>
-                </a:solidFill>
-              </a:rPr>
-              <a:t>Asynchronous event-driven model (similar to node.js)</a:t>
-            </a:r>
-          </a:p>
-          <a:p>
-            <a:r>
-              <a:rPr lang="en-US" dirty="0" smtClean="0">
-                <a:solidFill>
-                  <a:schemeClr val="tx1"/>
-                </a:solidFill>
-              </a:rPr>
-              <a:t>Easy to build heavily concurrent applications thanks to simple Actor-like concurrency model</a:t>
-            </a:r>
-          </a:p>
-          <a:p>
-            <a:r>
-              <a:rPr lang="en-US" dirty="0" smtClean="0">
-                <a:solidFill>
-                  <a:schemeClr val="tx1"/>
-                </a:solidFill>
-              </a:rPr>
-              <a:t>Supports many languages (Java, </a:t>
-            </a:r>
-            <a:r>
-              <a:rPr lang="en-US" dirty="0" err="1" smtClean="0">
-                <a:solidFill>
-                  <a:schemeClr val="tx1"/>
-                </a:solidFill>
-              </a:rPr>
-              <a:t>Javascript</a:t>
-            </a:r>
-            <a:r>
-              <a:rPr lang="en-US" dirty="0" smtClean="0">
-                <a:solidFill>
-                  <a:schemeClr val="tx1"/>
-                </a:solidFill>
-              </a:rPr>
-              <a:t>, Ruby, Groovy, …) basically anything that can run on JVM</a:t>
-            </a:r>
-          </a:p>
-          <a:p>
-            <a:r>
-              <a:rPr lang="en-US" dirty="0" smtClean="0">
-                <a:solidFill>
-                  <a:schemeClr val="tx1"/>
-                </a:solidFill>
-              </a:rPr>
-              <a:t>Fully multithreaded (thanks to JVM)</a:t>
-            </a:r>
-          </a:p>
-          <a:p>
-            <a:r>
-              <a:rPr lang="en-US" dirty="0" smtClean="0">
-                <a:solidFill>
-                  <a:schemeClr val="tx1"/>
-                </a:solidFill>
-              </a:rPr>
-              <a:t>Event handlers (</a:t>
-            </a:r>
-            <a:r>
-              <a:rPr lang="en-US" dirty="0" err="1" smtClean="0">
-                <a:solidFill>
-                  <a:schemeClr val="tx1"/>
-                </a:solidFill>
-              </a:rPr>
-              <a:t>async</a:t>
-            </a:r>
-            <a:r>
-              <a:rPr lang="en-US" dirty="0" smtClean="0">
-                <a:solidFill>
-                  <a:schemeClr val="tx1"/>
-                </a:solidFill>
-              </a:rPr>
-              <a:t>) can use synchronous code as well (so the traditional Java APIs can be used)</a:t>
-            </a:r>
+            <a:endParaRPr lang="sk-SK"/>
           </a:p>
         </p:txBody>
       </p:sp>
     </p:spTree>
     <p:extLst>
       <p:ext uri="{BB962C8B-B14F-4D97-AF65-F5344CB8AC3E}">
-        <p14:creationId xmlns:p14="http://schemas.microsoft.com/office/powerpoint/2010/main" val="3200369175"/>
+        <p14:creationId xmlns:p14="http://schemas.microsoft.com/office/powerpoint/2010/main" val="328097150"/>
       </p:ext>
     </p:extLst>
   </p:cSld>
   <p:clrMapOvr>
     <a:masterClrMapping/>
   </p:clrMapOvr>
-  <p:timing>
-    <p:tnLst>
-      <p:par>
-        <p:cTn id="1" dur="indefinite" restart="never" nodeType="tmRoot"/>
-      </p:par>
-    </p:tnLst>
-  </p:timing>
 </p:sld>
 </file>
 
@@ -3611,11 +3670,162 @@
           <a:lstStyle/>
           <a:p>
             <a:r>
-              <a:rPr lang="en-US" dirty="0" err="1" smtClean="0"/>
+              <a:rPr lang="en-US" dirty="0" err="1"/>
               <a:t>Vert.x</a:t>
             </a:r>
-            <a:r>
-              <a:rPr lang="en-US" dirty="0" smtClean="0"/>
+            <a:endParaRPr lang="sk-SK" dirty="0"/>
+          </a:p>
+        </p:txBody>
+      </p:sp>
+      <p:sp>
+        <p:nvSpPr>
+          <p:cNvPr id="3" name="Zástupný symbol obsahu 2"/>
+          <p:cNvSpPr>
+            <a:spLocks noGrp="1"/>
+          </p:cNvSpPr>
+          <p:nvPr>
+            <p:ph idx="1"/>
+          </p:nvPr>
+        </p:nvSpPr>
+        <p:spPr/>
+        <p:txBody>
+          <a:bodyPr/>
+          <a:lstStyle/>
+          <a:p>
+            <a:r>
+              <a:rPr lang="en-US" dirty="0">
+                <a:solidFill>
+                  <a:schemeClr val="tx1"/>
+                </a:solidFill>
+              </a:rPr>
+              <a:t>Asynchronous event-driven model (similar to node.js)</a:t>
+            </a:r>
+          </a:p>
+          <a:p>
+            <a:r>
+              <a:rPr lang="en-US" dirty="0">
+                <a:solidFill>
+                  <a:schemeClr val="tx1"/>
+                </a:solidFill>
+              </a:rPr>
+              <a:t>Easy to build heavily concurrent applications thanks to simple Actor-like concurrency model</a:t>
+            </a:r>
+          </a:p>
+          <a:p>
+            <a:r>
+              <a:rPr lang="en-US" dirty="0">
+                <a:solidFill>
+                  <a:schemeClr val="tx1"/>
+                </a:solidFill>
+              </a:rPr>
+              <a:t>Supports many languages (Java, </a:t>
+            </a:r>
+            <a:r>
+              <a:rPr lang="en-US" dirty="0" err="1">
+                <a:solidFill>
+                  <a:schemeClr val="tx1"/>
+                </a:solidFill>
+              </a:rPr>
+              <a:t>Javascript</a:t>
+            </a:r>
+            <a:r>
+              <a:rPr lang="en-US" dirty="0">
+                <a:solidFill>
+                  <a:schemeClr val="tx1"/>
+                </a:solidFill>
+              </a:rPr>
+              <a:t>, Ruby, Groovy, …) basically anything that can run on JVM</a:t>
+            </a:r>
+          </a:p>
+          <a:p>
+            <a:r>
+              <a:rPr lang="en-US" dirty="0">
+                <a:solidFill>
+                  <a:schemeClr val="tx1"/>
+                </a:solidFill>
+              </a:rPr>
+              <a:t>Fully multithreaded (thanks to JVM)</a:t>
+            </a:r>
+          </a:p>
+          <a:p>
+            <a:r>
+              <a:rPr lang="en-US" dirty="0">
+                <a:solidFill>
+                  <a:schemeClr val="tx1"/>
+                </a:solidFill>
+              </a:rPr>
+              <a:t>Event handlers (</a:t>
+            </a:r>
+            <a:r>
+              <a:rPr lang="en-US" dirty="0" err="1">
+                <a:solidFill>
+                  <a:schemeClr val="tx1"/>
+                </a:solidFill>
+              </a:rPr>
+              <a:t>async</a:t>
+            </a:r>
+            <a:r>
+              <a:rPr lang="en-US" dirty="0">
+                <a:solidFill>
+                  <a:schemeClr val="tx1"/>
+                </a:solidFill>
+              </a:rPr>
+              <a:t>) can use synchronous code as well (so the traditional Java APIs can be used)</a:t>
+            </a:r>
+          </a:p>
+        </p:txBody>
+      </p:sp>
+    </p:spTree>
+    <p:extLst>
+      <p:ext uri="{BB962C8B-B14F-4D97-AF65-F5344CB8AC3E}">
+        <p14:creationId xmlns:p14="http://schemas.microsoft.com/office/powerpoint/2010/main" val="3200369175"/>
+      </p:ext>
+    </p:extLst>
+  </p:cSld>
+  <p:clrMapOvr>
+    <a:masterClrMapping/>
+  </p:clrMapOvr>
+</p:sld>
+</file>
+
+<file path=ppt/slides/slide4.xml><?xml version="1.0" encoding="utf-8"?>
+<p:sld xmlns:a="http://schemas.openxmlformats.org/drawingml/2006/main" xmlns:r="http://schemas.openxmlformats.org/officeDocument/2006/relationships" xmlns:p="http://schemas.openxmlformats.org/presentationml/2006/main">
+  <p:cSld>
+    <p:spTree>
+      <p:nvGrpSpPr>
+        <p:cNvPr id="1" name=""/>
+        <p:cNvGrpSpPr/>
+        <p:nvPr/>
+      </p:nvGrpSpPr>
+      <p:grpSpPr>
+        <a:xfrm>
+          <a:off x="0" y="0"/>
+          <a:ext cx="0" cy="0"/>
+          <a:chOff x="0" y="0"/>
+          <a:chExt cx="0" cy="0"/>
+        </a:xfrm>
+      </p:grpSpPr>
+      <p:sp>
+        <p:nvSpPr>
+          <p:cNvPr id="2" name="Nadpis 1"/>
+          <p:cNvSpPr>
+            <a:spLocks noGrp="1"/>
+          </p:cNvSpPr>
+          <p:nvPr>
+            <p:ph type="title"/>
+          </p:nvPr>
+        </p:nvSpPr>
+        <p:spPr/>
+        <p:txBody>
+          <a:bodyPr/>
+          <a:lstStyle/>
+          <a:p>
+            <a:r>
+              <a:rPr lang="en-US" dirty="0" err="1"/>
+              <a:t>Vert.x</a:t>
+            </a:r>
+            <a:r>
+              <a:rPr lang="en-US" dirty="0"/>
               <a:t> performance</a:t>
             </a:r>
             <a:endParaRPr lang="sk-SK" dirty="0"/>
@@ -3644,23 +3854,17 @@
           <a:lstStyle/>
           <a:p>
             <a:r>
-              <a:rPr lang="en-US" sz="1200" dirty="0" smtClean="0"/>
+              <a:rPr lang="en-US" sz="1200" dirty="0"/>
               <a:t>Source: </a:t>
             </a:r>
             <a:r>
               <a:rPr lang="sk-SK" sz="1200" dirty="0">
                 <a:hlinkClick r:id="rId2"/>
               </a:rPr>
-              <a:t>http://vertxproject.wordpress.com/2012/05/09/vert-x-vs-node-js-simple-http-benchmarks</a:t>
-            </a:r>
-            <a:r>
-              <a:rPr lang="sk-SK" sz="1200" dirty="0" smtClean="0">
-                <a:hlinkClick r:id="rId2"/>
-              </a:rPr>
-              <a:t>/</a:t>
-            </a:r>
-            <a:r>
-              <a:rPr lang="en-US" sz="1200" dirty="0" smtClean="0"/>
+              <a:t>http://vertxproject.wordpress.com/2012/05/09/vert-x-vs-node-js-simple-http-benchmarks/</a:t>
+            </a:r>
+            <a:r>
+              <a:rPr lang="en-US" sz="1200" dirty="0"/>
               <a:t>  </a:t>
             </a:r>
             <a:endParaRPr lang="sk-SK" sz="1200" dirty="0"/>
@@ -3718,17 +3922,10 @@
   <p:clrMapOvr>
     <a:masterClrMapping/>
   </p:clrMapOvr>
-  <p:timing>
-    <p:tnLst>
-      <p:par>
-        <p:cTn id="1" dur="indefinite" restart="never" nodeType="tmRoot"/>
-      </p:par>
-    </p:tnLst>
-  </p:timing>
 </p:sld>
 </file>
 
-<file path=ppt/slides/slide4.xml><?xml version="1.0" encoding="utf-8"?>
+<file path=ppt/slides/slide5.xml><?xml version="1.0" encoding="utf-8"?>
 <p:sld xmlns:a="http://schemas.openxmlformats.org/drawingml/2006/main" xmlns:r="http://schemas.openxmlformats.org/officeDocument/2006/relationships" xmlns:p="http://schemas.openxmlformats.org/presentationml/2006/main">
   <p:cSld>
     <p:spTree>
@@ -3786,7 +3983,7 @@
           <a:lstStyle/>
           <a:p>
             <a:r>
-              <a:rPr lang="en-US" dirty="0" err="1" smtClean="0">
+              <a:rPr lang="en-US" dirty="0" err="1">
                 <a:solidFill>
                   <a:schemeClr val="tx2"/>
                 </a:solidFill>
@@ -3794,7 +3991,7 @@
               <a:t>Vert.x</a:t>
             </a:r>
             <a:r>
-              <a:rPr lang="en-US" dirty="0" smtClean="0">
+              <a:rPr lang="en-US" dirty="0">
                 <a:solidFill>
                   <a:schemeClr val="tx2"/>
                 </a:solidFill>
@@ -3830,7 +4027,7 @@
           <a:lstStyle/>
           <a:p>
             <a:r>
-              <a:rPr lang="en-US" dirty="0" smtClean="0"/>
+              <a:rPr lang="en-US" dirty="0"/>
               <a:t>Architecture</a:t>
             </a:r>
             <a:endParaRPr lang="sk-SK" dirty="0"/>
@@ -3874,11 +4071,11 @@
           <a:p>
             <a:pPr algn="ctr"/>
             <a:r>
-              <a:rPr lang="en-US" dirty="0" err="1" smtClean="0"/>
+              <a:rPr lang="en-US" dirty="0" err="1"/>
               <a:t>Verticle</a:t>
             </a:r>
             <a:r>
-              <a:rPr lang="en-US" dirty="0" smtClean="0"/>
+              <a:rPr lang="en-US" dirty="0"/>
               <a:t> instance 1</a:t>
             </a:r>
             <a:endParaRPr lang="sk-SK" dirty="0"/>
@@ -3922,11 +4119,11 @@
           <a:p>
             <a:pPr algn="ctr"/>
             <a:r>
-              <a:rPr lang="en-US" dirty="0" err="1" smtClean="0"/>
+              <a:rPr lang="en-US" dirty="0" err="1"/>
               <a:t>Verticle</a:t>
             </a:r>
             <a:r>
-              <a:rPr lang="en-US" dirty="0" smtClean="0"/>
+              <a:rPr lang="en-US" dirty="0"/>
               <a:t> instance 2</a:t>
             </a:r>
             <a:endParaRPr lang="sk-SK" dirty="0"/>
@@ -3970,11 +4167,11 @@
           <a:p>
             <a:pPr algn="ctr"/>
             <a:r>
-              <a:rPr lang="en-US" dirty="0" err="1" smtClean="0"/>
+              <a:rPr lang="en-US" dirty="0" err="1"/>
               <a:t>Verticle</a:t>
             </a:r>
             <a:r>
-              <a:rPr lang="en-US" dirty="0" smtClean="0"/>
+              <a:rPr lang="en-US" dirty="0"/>
               <a:t> instance 3</a:t>
             </a:r>
             <a:endParaRPr lang="sk-SK" dirty="0"/>
@@ -4107,7 +4304,7 @@
           <a:p>
             <a:pPr algn="ctr"/>
             <a:r>
-              <a:rPr lang="en-US" dirty="0" err="1" smtClean="0">
+              <a:rPr lang="en-US" dirty="0" err="1">
                 <a:solidFill>
                   <a:schemeClr val="tx1"/>
                 </a:solidFill>
@@ -4115,7 +4312,7 @@
               <a:t>Vert.x</a:t>
             </a:r>
             <a:r>
-              <a:rPr lang="en-US" dirty="0" smtClean="0">
+              <a:rPr lang="en-US" dirty="0">
                 <a:solidFill>
                   <a:schemeClr val="tx1"/>
                 </a:solidFill>
@@ -5240,7 +5437,7 @@
 </p:sld>
 </file>
 
-<file path=ppt/slides/slide5.xml><?xml version="1.0" encoding="utf-8"?>
+<file path=ppt/slides/slide6.xml><?xml version="1.0" encoding="utf-8"?>
 <p:sld xmlns:a="http://schemas.openxmlformats.org/drawingml/2006/main" xmlns:r="http://schemas.openxmlformats.org/officeDocument/2006/relationships" xmlns:p="http://schemas.openxmlformats.org/presentationml/2006/main">
   <p:cSld>
     <p:spTree>
@@ -5278,7 +5475,7 @@
           <a:lstStyle/>
           <a:p>
             <a:r>
-              <a:rPr lang="en-US" dirty="0" smtClean="0"/>
+              <a:rPr lang="en-US" dirty="0"/>
               <a:t>Pong</a:t>
             </a:r>
             <a:endParaRPr lang="sk-SK" dirty="0"/>
@@ -5349,17 +5546,10 @@
   <p:clrMapOvr>
     <a:masterClrMapping/>
   </p:clrMapOvr>
-  <p:timing>
-    <p:tnLst>
-      <p:par>
-        <p:cTn id="1" dur="indefinite" restart="never" nodeType="tmRoot"/>
-      </p:par>
-    </p:tnLst>
-  </p:timing>
 </p:sld>
 </file>
 
-<file path=ppt/slides/slide6.xml><?xml version="1.0" encoding="utf-8"?>
+<file path=ppt/slides/slide7.xml><?xml version="1.0" encoding="utf-8"?>
 <p:sld xmlns:a="http://schemas.openxmlformats.org/drawingml/2006/main" xmlns:r="http://schemas.openxmlformats.org/officeDocument/2006/relationships" xmlns:p="http://schemas.openxmlformats.org/presentationml/2006/main">
   <p:cSld>
     <p:spTree>
@@ -5416,7 +5606,7 @@
           <a:p>
             <a:pPr algn="ctr"/>
             <a:r>
-              <a:rPr lang="en-US" sz="1600" dirty="0" smtClean="0"/>
+              <a:rPr lang="en-US" sz="1600" dirty="0"/>
               <a:t>Reply queue</a:t>
             </a:r>
             <a:endParaRPr lang="sk-SK" sz="1600" dirty="0"/>
@@ -5444,7 +5634,7 @@
           <a:lstStyle/>
           <a:p>
             <a:r>
-              <a:rPr lang="en-US" dirty="0" smtClean="0"/>
+              <a:rPr lang="en-US" dirty="0"/>
               <a:t>Pong messaging</a:t>
             </a:r>
             <a:endParaRPr lang="sk-SK" dirty="0"/>
@@ -5488,11 +5678,11 @@
           <a:p>
             <a:pPr algn="ctr"/>
             <a:r>
-              <a:rPr lang="en-US" dirty="0" smtClean="0"/>
+              <a:rPr lang="en-US" dirty="0"/>
               <a:t>Lobby </a:t>
             </a:r>
             <a:r>
-              <a:rPr lang="en-US" dirty="0" err="1" smtClean="0"/>
+              <a:rPr lang="en-US" dirty="0" err="1"/>
               <a:t>verticle</a:t>
             </a:r>
             <a:endParaRPr lang="sk-SK" dirty="0"/>
@@ -5577,11 +5767,11 @@
           <a:p>
             <a:pPr algn="ctr"/>
             <a:r>
-              <a:rPr lang="en-US" dirty="0" smtClean="0"/>
+              <a:rPr lang="en-US" dirty="0"/>
               <a:t>Game </a:t>
             </a:r>
             <a:r>
-              <a:rPr lang="en-US" dirty="0" err="1" smtClean="0"/>
+              <a:rPr lang="en-US" dirty="0" err="1"/>
               <a:t>verticle</a:t>
             </a:r>
             <a:endParaRPr lang="sk-SK" dirty="0"/>
@@ -5871,7 +6061,7 @@
           <a:lstStyle/>
           <a:p>
             <a:r>
-              <a:rPr lang="en-US" dirty="0" smtClean="0"/>
+              <a:rPr lang="en-US" dirty="0"/>
               <a:t>Game state topic</a:t>
             </a:r>
             <a:endParaRPr lang="sk-SK" dirty="0"/>
@@ -5888,17 +6078,10 @@
   <p:clrMapOvr>
     <a:masterClrMapping/>
   </p:clrMapOvr>
-  <p:timing>
-    <p:tnLst>
-      <p:par>
-        <p:cTn id="1" dur="indefinite" restart="never" nodeType="tmRoot"/>
-      </p:par>
-    </p:tnLst>
-  </p:timing>
 </p:sld>
 </file>
 
-<file path=ppt/slides/slide7.xml><?xml version="1.0" encoding="utf-8"?>
+<file path=ppt/slides/slide8.xml><?xml version="1.0" encoding="utf-8"?>
 <p:sld xmlns:a="http://schemas.openxmlformats.org/drawingml/2006/main" xmlns:r="http://schemas.openxmlformats.org/officeDocument/2006/relationships" xmlns:p="http://schemas.openxmlformats.org/presentationml/2006/main">
   <p:cSld>
     <p:spTree>
@@ -6003,7 +6186,7 @@
           <a:lstStyle/>
           <a:p>
             <a:r>
-              <a:rPr lang="en-US" dirty="0" smtClean="0">
+              <a:rPr lang="en-US" dirty="0">
                 <a:solidFill>
                   <a:schemeClr val="tx2"/>
                 </a:solidFill>
@@ -6058,7 +6241,7 @@
           <a:p>
             <a:pPr algn="ctr"/>
             <a:r>
-              <a:rPr lang="en-US" dirty="0" smtClean="0">
+              <a:rPr lang="en-US" dirty="0">
                 <a:solidFill>
                   <a:schemeClr val="tx1"/>
                 </a:solidFill>
@@ -6094,7 +6277,7 @@
           <a:lstStyle/>
           <a:p>
             <a:r>
-              <a:rPr lang="en-US" dirty="0" smtClean="0"/>
+              <a:rPr lang="en-US" dirty="0"/>
               <a:t>Pong messaging</a:t>
             </a:r>
             <a:endParaRPr lang="sk-SK" dirty="0"/>
@@ -6138,11 +6321,11 @@
           <a:p>
             <a:pPr algn="ctr"/>
             <a:r>
-              <a:rPr lang="en-US" dirty="0" smtClean="0"/>
+              <a:rPr lang="en-US" dirty="0"/>
               <a:t>Game Lobby </a:t>
             </a:r>
             <a:r>
-              <a:rPr lang="en-US" dirty="0" err="1" smtClean="0"/>
+              <a:rPr lang="en-US" dirty="0" err="1"/>
               <a:t>verticle</a:t>
             </a:r>
             <a:endParaRPr lang="sk-SK" dirty="0"/>
@@ -6205,11 +6388,11 @@
             <a:p>
               <a:pPr algn="ctr"/>
               <a:r>
-                <a:rPr lang="en-US" dirty="0" smtClean="0"/>
+                <a:rPr lang="en-US" dirty="0"/>
                 <a:t>Game </a:t>
               </a:r>
               <a:r>
-                <a:rPr lang="en-US" dirty="0" err="1" smtClean="0"/>
+                <a:rPr lang="en-US" dirty="0" err="1"/>
                 <a:t>verticle</a:t>
               </a:r>
               <a:endParaRPr lang="sk-SK" dirty="0"/>
@@ -6258,11 +6441,11 @@
             <a:p>
               <a:pPr algn="ctr"/>
               <a:r>
-                <a:rPr lang="en-US" dirty="0" smtClean="0"/>
+                <a:rPr lang="en-US" dirty="0"/>
                 <a:t>Game </a:t>
               </a:r>
               <a:r>
-                <a:rPr lang="en-US" dirty="0" err="1" smtClean="0"/>
+                <a:rPr lang="en-US" dirty="0" err="1"/>
                 <a:t>verticle</a:t>
               </a:r>
               <a:endParaRPr lang="sk-SK" dirty="0"/>
@@ -6306,15 +6489,15 @@
             <a:p>
               <a:pPr algn="ctr"/>
               <a:r>
-                <a:rPr lang="en-US" dirty="0" smtClean="0"/>
+                <a:rPr lang="en-US" dirty="0"/>
                 <a:t>Game </a:t>
               </a:r>
               <a:r>
-                <a:rPr lang="en-US" dirty="0" err="1" smtClean="0"/>
+                <a:rPr lang="en-US" dirty="0" err="1"/>
                 <a:t>verticle</a:t>
               </a:r>
               <a:r>
-                <a:rPr lang="en-US" dirty="0" smtClean="0"/>
+                <a:rPr lang="en-US" dirty="0"/>
                 <a:t> instances</a:t>
               </a:r>
               <a:endParaRPr lang="sk-SK" dirty="0"/>
@@ -6362,7 +6545,7 @@
           <a:p>
             <a:pPr algn="ctr"/>
             <a:r>
-              <a:rPr lang="en-US" dirty="0" smtClean="0">
+              <a:rPr lang="en-US" dirty="0">
                 <a:solidFill>
                   <a:schemeClr val="tx1"/>
                 </a:solidFill>
@@ -6417,7 +6600,7 @@
           <a:p>
             <a:pPr algn="ctr"/>
             <a:r>
-              <a:rPr lang="en-US" sz="1600" dirty="0" smtClean="0"/>
+              <a:rPr lang="en-US" sz="1600" dirty="0"/>
               <a:t>Public queue</a:t>
             </a:r>
             <a:endParaRPr lang="sk-SK" sz="1600" dirty="0"/>
@@ -6464,7 +6647,7 @@
           <a:p>
             <a:pPr algn="ctr"/>
             <a:r>
-              <a:rPr lang="en-US" sz="1600" dirty="0" smtClean="0"/>
+              <a:rPr lang="en-US" sz="1600" dirty="0"/>
               <a:t>Input queue</a:t>
             </a:r>
             <a:endParaRPr lang="sk-SK" sz="1600" dirty="0"/>
@@ -6634,7 +6817,7 @@
           <a:p>
             <a:pPr algn="ctr"/>
             <a:r>
-              <a:rPr lang="en-US" sz="1600" dirty="0" smtClean="0"/>
+              <a:rPr lang="en-US" sz="1600" dirty="0"/>
               <a:t>State topic</a:t>
             </a:r>
             <a:endParaRPr lang="sk-SK" sz="1600" dirty="0"/>
@@ -6664,7 +6847,7 @@
           <a:lstStyle/>
           <a:p>
             <a:r>
-              <a:rPr lang="en-US" dirty="0" smtClean="0"/>
+              <a:rPr lang="en-US" dirty="0"/>
               <a:t>Game lobby private queue</a:t>
             </a:r>
             <a:endParaRPr lang="sk-SK" dirty="0"/>
@@ -6681,192 +6864,6 @@
   <p:clrMapOvr>
     <a:masterClrMapping/>
   </p:clrMapOvr>
-  <p:timing>
-    <p:tnLst>
-      <p:par>
-        <p:cTn id="1" dur="indefinite" restart="never" nodeType="tmRoot"/>
-      </p:par>
-    </p:tnLst>
-  </p:timing>
-</p:sld>
-</file>
-
-<file path=ppt/slides/slide8.xml><?xml version="1.0" encoding="utf-8"?>
-<p:sld xmlns:a="http://schemas.openxmlformats.org/drawingml/2006/main" xmlns:r="http://schemas.openxmlformats.org/officeDocument/2006/relationships" xmlns:p="http://schemas.openxmlformats.org/presentationml/2006/main">
-  <p:cSld>
-    <p:spTree>
-      <p:nvGrpSpPr>
-        <p:cNvPr id="1" name=""/>
-        <p:cNvGrpSpPr/>
-        <p:nvPr/>
-      </p:nvGrpSpPr>
-      <p:grpSpPr>
-        <a:xfrm>
-          <a:off x="0" y="0"/>
-          <a:ext cx="0" cy="0"/>
-          <a:chOff x="0" y="0"/>
-          <a:chExt cx="0" cy="0"/>
-        </a:xfrm>
-      </p:grpSpPr>
-      <p:sp>
-        <p:nvSpPr>
-          <p:cNvPr id="3" name="Zástupný symbol obsahu 2"/>
-          <p:cNvSpPr>
-            <a:spLocks noGrp="1"/>
-          </p:cNvSpPr>
-          <p:nvPr>
-            <p:ph idx="1"/>
-          </p:nvPr>
-        </p:nvSpPr>
-        <p:spPr>
-          <a:xfrm>
-            <a:off x="457200" y="2852936"/>
-            <a:ext cx="8229600" cy="3273227"/>
-          </a:xfrm>
-        </p:spPr>
-        <p:txBody>
-          <a:bodyPr>
-            <a:normAutofit/>
-          </a:bodyPr>
-          <a:lstStyle/>
-          <a:p>
-            <a:r>
-              <a:rPr lang="en-US" sz="2000" dirty="0" smtClean="0">
-                <a:solidFill>
-                  <a:schemeClr val="tx1"/>
-                </a:solidFill>
-              </a:rPr>
-              <a:t>To start coding, clone </a:t>
-            </a:r>
-            <a:r>
-              <a:rPr lang="en-US" sz="2000" dirty="0">
-                <a:solidFill>
-                  <a:schemeClr val="tx1"/>
-                </a:solidFill>
-              </a:rPr>
-              <a:t>this repository: </a:t>
-            </a:r>
-            <a:r>
-              <a:rPr lang="en-US" sz="2000" b="1" dirty="0">
-                <a:hlinkClick r:id="rId2"/>
-              </a:rPr>
-              <a:t>https://</a:t>
-            </a:r>
-            <a:r>
-              <a:rPr lang="en-US" sz="2000" b="1" dirty="0" smtClean="0">
-                <a:hlinkClick r:id="rId2"/>
-              </a:rPr>
-              <a:t>github.com/michalboska/codingbeer-vertx-template</a:t>
-            </a:r>
-            <a:endParaRPr lang="en-US" sz="2000" b="1" dirty="0" smtClean="0"/>
-          </a:p>
-          <a:p>
-            <a:r>
-              <a:rPr lang="en-US" sz="2000" dirty="0" smtClean="0">
-                <a:solidFill>
-                  <a:schemeClr val="tx1"/>
-                </a:solidFill>
-              </a:rPr>
-              <a:t>To see the </a:t>
-            </a:r>
-            <a:r>
-              <a:rPr lang="en-US" sz="2000" dirty="0">
-                <a:solidFill>
-                  <a:schemeClr val="tx1"/>
-                </a:solidFill>
-              </a:rPr>
-              <a:t>complete code, see </a:t>
-            </a:r>
-            <a:r>
-              <a:rPr lang="en-US" sz="2000" b="1" dirty="0">
-                <a:hlinkClick r:id="rId3"/>
-              </a:rPr>
-              <a:t>https://</a:t>
-            </a:r>
-            <a:r>
-              <a:rPr lang="en-US" sz="2000" b="1" dirty="0" smtClean="0">
-                <a:hlinkClick r:id="rId3"/>
-              </a:rPr>
-              <a:t>github.com/michalboska/codingbeer-vertx</a:t>
-            </a:r>
-            <a:r>
-              <a:rPr lang="en-US" sz="2000" dirty="0" smtClean="0"/>
-              <a:t> </a:t>
-            </a:r>
-          </a:p>
-          <a:p>
-            <a:pPr marL="0" indent="0">
-              <a:buNone/>
-            </a:pPr>
-            <a:r>
-              <a:rPr lang="en-US" sz="3600" b="1" dirty="0">
-                <a:solidFill>
-                  <a:srgbClr val="FF0000"/>
-                </a:solidFill>
-              </a:rPr>
-              <a:t>  </a:t>
-            </a:r>
-            <a:r>
-              <a:rPr lang="en-US" sz="3600" b="1" dirty="0" smtClean="0">
-                <a:solidFill>
-                  <a:srgbClr val="FF0000"/>
-                </a:solidFill>
-              </a:rPr>
-              <a:t>  (don’t cheat :P )</a:t>
-            </a:r>
-            <a:endParaRPr lang="sk-SK" sz="3600" b="1" dirty="0">
-              <a:solidFill>
-                <a:srgbClr val="FF0000"/>
-              </a:solidFill>
-            </a:endParaRPr>
-          </a:p>
-        </p:txBody>
-      </p:sp>
-      <p:sp>
-        <p:nvSpPr>
-          <p:cNvPr id="4" name="Title 1"/>
-          <p:cNvSpPr>
-            <a:spLocks noGrp="1"/>
-          </p:cNvSpPr>
-          <p:nvPr>
-            <p:ph type="title"/>
-          </p:nvPr>
-        </p:nvSpPr>
-        <p:spPr>
-          <a:xfrm>
-            <a:off x="457200" y="0"/>
-            <a:ext cx="8229600" cy="1600200"/>
-          </a:xfrm>
-        </p:spPr>
-        <p:txBody>
-          <a:bodyPr/>
-          <a:lstStyle/>
-          <a:p>
-            <a:r>
-              <a:rPr lang="en-US" dirty="0" smtClean="0"/>
-              <a:t>&lt;*)))&gt;{</a:t>
-            </a:r>
-            <a:endParaRPr lang="en-US" dirty="0"/>
-          </a:p>
-        </p:txBody>
-      </p:sp>
-    </p:spTree>
-    <p:extLst>
-      <p:ext uri="{BB962C8B-B14F-4D97-AF65-F5344CB8AC3E}">
-        <p14:creationId xmlns:p14="http://schemas.microsoft.com/office/powerpoint/2010/main" val="3622538159"/>
-      </p:ext>
-    </p:extLst>
-  </p:cSld>
-  <p:clrMapOvr>
-    <a:masterClrMapping/>
-  </p:clrMapOvr>
-  <p:timing>
-    <p:tnLst>
-      <p:par>
-        <p:cTn id="1" dur="indefinite" restart="never" nodeType="tmRoot"/>
-      </p:par>
-    </p:tnLst>
-  </p:timing>
 </p:sld>
 </file>
 
@@ -6889,7 +6886,85 @@
       </p:grpSpPr>
       <p:sp>
         <p:nvSpPr>
-          <p:cNvPr id="2" name="Nadpis 1"/>
+          <p:cNvPr id="3" name="Zástupný symbol obsahu 2"/>
+          <p:cNvSpPr>
+            <a:spLocks noGrp="1"/>
+          </p:cNvSpPr>
+          <p:nvPr>
+            <p:ph idx="1"/>
+          </p:nvPr>
+        </p:nvSpPr>
+        <p:spPr>
+          <a:xfrm>
+            <a:off x="457200" y="2852936"/>
+            <a:ext cx="8229600" cy="3273227"/>
+          </a:xfrm>
+        </p:spPr>
+        <p:txBody>
+          <a:bodyPr>
+            <a:normAutofit/>
+          </a:bodyPr>
+          <a:lstStyle/>
+          <a:p>
+            <a:r>
+              <a:rPr lang="en-US" sz="2000" dirty="0">
+                <a:solidFill>
+                  <a:schemeClr val="tx1"/>
+                </a:solidFill>
+              </a:rPr>
+              <a:t>To start coding, clone this repository: </a:t>
+            </a:r>
+            <a:r>
+              <a:rPr lang="en-US" sz="2000" b="1" dirty="0">
+                <a:hlinkClick r:id="rId2"/>
+              </a:rPr>
+              <a:t>https://github.com/michalboska/codingbeer-vertx-template</a:t>
+            </a:r>
+            <a:endParaRPr lang="en-US" sz="2000" b="1" dirty="0"/>
+          </a:p>
+          <a:p>
+            <a:r>
+              <a:rPr lang="en-US" sz="2000" dirty="0">
+                <a:solidFill>
+                  <a:schemeClr val="tx1"/>
+                </a:solidFill>
+              </a:rPr>
+              <a:t>To see the complete code, see </a:t>
+            </a:r>
+            <a:r>
+              <a:rPr lang="en-US" sz="2000" b="1" dirty="0">
+                <a:hlinkClick r:id="rId3"/>
+              </a:rPr>
+              <a:t>https://github.com/michalboska/codingbeer-vertx</a:t>
+            </a:r>
+            <a:r>
+              <a:rPr lang="en-US" sz="2000" dirty="0"/>
+              <a:t> </a:t>
+            </a:r>
+          </a:p>
+          <a:p>
+            <a:pPr marL="0" indent="0">
+              <a:buNone/>
+            </a:pPr>
+            <a:r>
+              <a:rPr lang="en-US" sz="3600" b="1" dirty="0">
+                <a:solidFill>
+                  <a:srgbClr val="FF0000"/>
+                </a:solidFill>
+              </a:rPr>
+              <a:t>    (don’t cheat :P )</a:t>
+            </a:r>
+            <a:endParaRPr lang="sk-SK" sz="3600" b="1" dirty="0">
+              <a:solidFill>
+                <a:srgbClr val="FF0000"/>
+              </a:solidFill>
+            </a:endParaRPr>
+          </a:p>
+        </p:txBody>
+      </p:sp>
+      <p:sp>
+        <p:nvSpPr>
+          <p:cNvPr id="4" name="Title 1"/>
           <p:cNvSpPr>
             <a:spLocks noGrp="1"/>
           </p:cNvSpPr>
@@ -6897,118 +6972,33 @@
             <p:ph type="title"/>
           </p:nvPr>
         </p:nvSpPr>
-        <p:spPr/>
+        <p:spPr>
+          <a:xfrm>
+            <a:off x="457200" y="0"/>
+            <a:ext cx="8229600" cy="1600200"/>
+          </a:xfrm>
+        </p:spPr>
         <p:txBody>
           <a:bodyPr/>
           <a:lstStyle/>
           <a:p>
             <a:r>
-              <a:rPr lang="en-US" dirty="0" smtClean="0"/>
-              <a:t>Enjoy!</a:t>
-            </a:r>
-            <a:endParaRPr lang="sk-SK" dirty="0"/>
-          </a:p>
-        </p:txBody>
-      </p:sp>
-      <p:pic>
-        <p:nvPicPr>
-          <p:cNvPr id="7170" name="Picture 2" descr="http://www.citymania.cz/wp-content/uploads/pizza_kreslena2.jpg"/>
-          <p:cNvPicPr>
-            <a:picLocks noChangeAspect="1" noChangeArrowheads="1"/>
-          </p:cNvPicPr>
-          <p:nvPr/>
-        </p:nvPicPr>
-        <p:blipFill>
-          <a:blip r:embed="rId2">
-            <a:extLst>
-              <a:ext uri="{28A0092B-C50C-407E-A947-70E740481C1C}">
-                <a14:useLocalDpi xmlns:a14="http://schemas.microsoft.com/office/drawing/2010/main" val="0"/>
-              </a:ext>
-            </a:extLst>
-          </a:blip>
-          <a:srcRect/>
-          <a:stretch>
-            <a:fillRect/>
-          </a:stretch>
-        </p:blipFill>
-        <p:spPr bwMode="auto">
-          <a:xfrm>
-            <a:off x="1115616" y="2780928"/>
-            <a:ext cx="2688299" cy="2016224"/>
-          </a:xfrm>
-          <a:prstGeom prst="rect">
-            <a:avLst/>
-          </a:prstGeom>
-          <a:noFill/>
-          <a:extLst>
-            <a:ext uri="{909E8E84-426E-40DD-AFC4-6F175D3DCCD1}">
-              <a14:hiddenFill xmlns:a14="http://schemas.microsoft.com/office/drawing/2010/main">
-                <a:solidFill>
-                  <a:srgbClr val="FFFFFF"/>
-                </a:solidFill>
-              </a14:hiddenFill>
-            </a:ext>
-          </a:extLst>
-        </p:spPr>
-      </p:pic>
-      <p:pic>
-        <p:nvPicPr>
-          <p:cNvPr id="7174" name="Picture 6" descr="http://images.free-extras.com/pics/h/homer_and_duff_beer-1092.jpg"/>
-          <p:cNvPicPr>
-            <a:picLocks noChangeAspect="1" noChangeArrowheads="1"/>
-          </p:cNvPicPr>
-          <p:nvPr/>
-        </p:nvPicPr>
-        <p:blipFill>
-          <a:blip r:embed="rId3">
-            <a:extLst>
-              <a:ext uri="{28A0092B-C50C-407E-A947-70E740481C1C}">
-                <a14:useLocalDpi xmlns:a14="http://schemas.microsoft.com/office/drawing/2010/main" val="0"/>
-              </a:ext>
-            </a:extLst>
-          </a:blip>
-          <a:srcRect/>
-          <a:stretch>
-            <a:fillRect/>
-          </a:stretch>
-        </p:blipFill>
-        <p:spPr bwMode="auto">
-          <a:xfrm>
-            <a:off x="5220072" y="2564904"/>
-            <a:ext cx="2880320" cy="2163441"/>
-          </a:xfrm>
-          <a:prstGeom prst="rect">
-            <a:avLst/>
-          </a:prstGeom>
-          <a:noFill/>
-          <a:extLst>
-            <a:ext uri="{909E8E84-426E-40DD-AFC4-6F175D3DCCD1}">
-              <a14:hiddenFill xmlns:a14="http://schemas.microsoft.com/office/drawing/2010/main">
-                <a:solidFill>
-                  <a:srgbClr val="FFFFFF"/>
-                </a:solidFill>
-              </a14:hiddenFill>
-            </a:ext>
-          </a:extLst>
-        </p:spPr>
-      </p:pic>
+              <a:rPr lang="en-US" dirty="0"/>
+              <a:t>&lt;*)))&gt;{</a:t>
+            </a:r>
+          </a:p>
+        </p:txBody>
+      </p:sp>
     </p:spTree>
     <p:extLst>
       <p:ext uri="{BB962C8B-B14F-4D97-AF65-F5344CB8AC3E}">
-        <p14:creationId xmlns:p14="http://schemas.microsoft.com/office/powerpoint/2010/main" val="3253973345"/>
+        <p14:creationId xmlns:p14="http://schemas.microsoft.com/office/powerpoint/2010/main" val="3622538159"/>
       </p:ext>
     </p:extLst>
   </p:cSld>
   <p:clrMapOvr>
     <a:masterClrMapping/>
   </p:clrMapOvr>
-  <p:timing>
-    <p:tnLst>
-      <p:par>
-        <p:cTn id="1" dur="indefinite" restart="never" nodeType="tmRoot"/>
-      </p:par>
-    </p:tnLst>
-  </p:timing>
 </p:sld>
 </file>
 

--- a/vertx.pptx
+++ b/vertx.pptx
@@ -13,8 +13,14 @@
     <p:sldId id="260" r:id="rId7"/>
     <p:sldId id="262" r:id="rId8"/>
     <p:sldId id="261" r:id="rId9"/>
-    <p:sldId id="263" r:id="rId10"/>
-    <p:sldId id="264" r:id="rId11"/>
+    <p:sldId id="266" r:id="rId10"/>
+    <p:sldId id="267" r:id="rId11"/>
+    <p:sldId id="268" r:id="rId12"/>
+    <p:sldId id="269" r:id="rId13"/>
+    <p:sldId id="270" r:id="rId14"/>
+    <p:sldId id="271" r:id="rId15"/>
+    <p:sldId id="263" r:id="rId16"/>
+    <p:sldId id="264" r:id="rId17"/>
   </p:sldIdLst>
   <p:sldSz cx="9144000" cy="6858000" type="screen4x3"/>
   <p:notesSz cx="6858000" cy="9144000"/>
@@ -3468,6 +3474,3075 @@
           <a:p>
             <a:r>
               <a:rPr lang="en-US" dirty="0"/>
+              <a:t>Communication: </a:t>
+            </a:r>
+            <a:br>
+              <a:rPr lang="en-US" dirty="0"/>
+            </a:br>
+            <a:r>
+              <a:rPr lang="en-US" dirty="0"/>
+              <a:t>The event bus</a:t>
+            </a:r>
+            <a:endParaRPr lang="sk-SK" dirty="0"/>
+          </a:p>
+        </p:txBody>
+      </p:sp>
+      <p:sp>
+        <p:nvSpPr>
+          <p:cNvPr id="3" name="Zástupný objekt pre obsah 2"/>
+          <p:cNvSpPr>
+            <a:spLocks noGrp="1"/>
+          </p:cNvSpPr>
+          <p:nvPr>
+            <p:ph idx="1"/>
+          </p:nvPr>
+        </p:nvSpPr>
+        <p:spPr/>
+        <p:txBody>
+          <a:bodyPr>
+            <a:normAutofit lnSpcReduction="10000"/>
+          </a:bodyPr>
+          <a:lstStyle/>
+          <a:p>
+            <a:pPr marL="0" indent="0">
+              <a:buNone/>
+            </a:pPr>
+            <a:r>
+              <a:rPr lang="sk-SK" dirty="0" err="1">
+                <a:solidFill>
+                  <a:schemeClr val="tx1"/>
+                </a:solidFill>
+                <a:latin typeface="Consolas" panose="020B0609020204030204" pitchFamily="49" charset="0"/>
+                <a:cs typeface="Consolas" panose="020B0609020204030204" pitchFamily="49" charset="0"/>
+              </a:rPr>
+              <a:t>EventBus</a:t>
+            </a:r>
+            <a:r>
+              <a:rPr lang="sk-SK" dirty="0">
+                <a:solidFill>
+                  <a:schemeClr val="tx1"/>
+                </a:solidFill>
+                <a:latin typeface="Consolas" panose="020B0609020204030204" pitchFamily="49" charset="0"/>
+                <a:cs typeface="Consolas" panose="020B0609020204030204" pitchFamily="49" charset="0"/>
+              </a:rPr>
+              <a:t> </a:t>
+            </a:r>
+            <a:r>
+              <a:rPr lang="sk-SK" dirty="0" err="1">
+                <a:solidFill>
+                  <a:schemeClr val="tx1"/>
+                </a:solidFill>
+                <a:latin typeface="Consolas" panose="020B0609020204030204" pitchFamily="49" charset="0"/>
+                <a:cs typeface="Consolas" panose="020B0609020204030204" pitchFamily="49" charset="0"/>
+              </a:rPr>
+              <a:t>eb</a:t>
+            </a:r>
+            <a:r>
+              <a:rPr lang="sk-SK" dirty="0">
+                <a:solidFill>
+                  <a:schemeClr val="tx1"/>
+                </a:solidFill>
+                <a:latin typeface="Consolas" panose="020B0609020204030204" pitchFamily="49" charset="0"/>
+                <a:cs typeface="Consolas" panose="020B0609020204030204" pitchFamily="49" charset="0"/>
+              </a:rPr>
+              <a:t> = </a:t>
+            </a:r>
+            <a:r>
+              <a:rPr lang="sk-SK" dirty="0" err="1">
+                <a:solidFill>
+                  <a:schemeClr val="tx1"/>
+                </a:solidFill>
+                <a:latin typeface="Consolas" panose="020B0609020204030204" pitchFamily="49" charset="0"/>
+                <a:cs typeface="Consolas" panose="020B0609020204030204" pitchFamily="49" charset="0"/>
+              </a:rPr>
+              <a:t>vertx.eventBus</a:t>
+            </a:r>
+            <a:r>
+              <a:rPr lang="sk-SK" dirty="0">
+                <a:solidFill>
+                  <a:schemeClr val="tx1"/>
+                </a:solidFill>
+                <a:latin typeface="Consolas" panose="020B0609020204030204" pitchFamily="49" charset="0"/>
+                <a:cs typeface="Consolas" panose="020B0609020204030204" pitchFamily="49" charset="0"/>
+              </a:rPr>
+              <a:t>();</a:t>
+            </a:r>
+            <a:endParaRPr lang="en-US" dirty="0">
+              <a:solidFill>
+                <a:schemeClr val="tx1"/>
+              </a:solidFill>
+              <a:latin typeface="Consolas" panose="020B0609020204030204" pitchFamily="49" charset="0"/>
+              <a:cs typeface="Consolas" panose="020B0609020204030204" pitchFamily="49" charset="0"/>
+            </a:endParaRPr>
+          </a:p>
+          <a:p>
+            <a:pPr marL="0" indent="0">
+              <a:buNone/>
+            </a:pPr>
+            <a:endParaRPr lang="en-US" dirty="0">
+              <a:solidFill>
+                <a:schemeClr val="tx1"/>
+              </a:solidFill>
+              <a:latin typeface="Consolas" panose="020B0609020204030204" pitchFamily="49" charset="0"/>
+              <a:cs typeface="Consolas" panose="020B0609020204030204" pitchFamily="49" charset="0"/>
+            </a:endParaRPr>
+          </a:p>
+          <a:p>
+            <a:pPr marL="0" indent="0">
+              <a:buNone/>
+            </a:pPr>
+            <a:r>
+              <a:rPr lang="en-US" dirty="0" err="1">
+                <a:solidFill>
+                  <a:schemeClr val="tx1"/>
+                </a:solidFill>
+                <a:latin typeface="Consolas" panose="020B0609020204030204" pitchFamily="49" charset="0"/>
+                <a:cs typeface="Consolas" panose="020B0609020204030204" pitchFamily="49" charset="0"/>
+              </a:rPr>
+              <a:t>eb.send</a:t>
+            </a:r>
+            <a:r>
+              <a:rPr lang="en-US" dirty="0">
+                <a:solidFill>
+                  <a:schemeClr val="tx1"/>
+                </a:solidFill>
+                <a:latin typeface="Consolas" panose="020B0609020204030204" pitchFamily="49" charset="0"/>
+                <a:cs typeface="Consolas" panose="020B0609020204030204" pitchFamily="49" charset="0"/>
+              </a:rPr>
+              <a:t>(“</a:t>
+            </a:r>
+            <a:r>
+              <a:rPr lang="en-US" dirty="0" err="1">
+                <a:solidFill>
+                  <a:schemeClr val="tx1"/>
+                </a:solidFill>
+                <a:latin typeface="Consolas" panose="020B0609020204030204" pitchFamily="49" charset="0"/>
+                <a:cs typeface="Consolas" panose="020B0609020204030204" pitchFamily="49" charset="0"/>
+              </a:rPr>
+              <a:t>sk.mimacom.hello</a:t>
+            </a:r>
+            <a:r>
+              <a:rPr lang="en-US" dirty="0">
+                <a:solidFill>
+                  <a:schemeClr val="tx1"/>
+                </a:solidFill>
+                <a:latin typeface="Consolas" panose="020B0609020204030204" pitchFamily="49" charset="0"/>
+                <a:cs typeface="Consolas" panose="020B0609020204030204" pitchFamily="49" charset="0"/>
+              </a:rPr>
+              <a:t>”, “</a:t>
+            </a:r>
+            <a:r>
+              <a:rPr lang="en-US" dirty="0" err="1">
+                <a:solidFill>
+                  <a:schemeClr val="tx1"/>
+                </a:solidFill>
+                <a:latin typeface="Consolas" panose="020B0609020204030204" pitchFamily="49" charset="0"/>
+                <a:cs typeface="Consolas" panose="020B0609020204030204" pitchFamily="49" charset="0"/>
+              </a:rPr>
+              <a:t>Hello,world</a:t>
+            </a:r>
+            <a:r>
+              <a:rPr lang="en-US" dirty="0">
+                <a:solidFill>
+                  <a:schemeClr val="tx1"/>
+                </a:solidFill>
+                <a:latin typeface="Consolas" panose="020B0609020204030204" pitchFamily="49" charset="0"/>
+                <a:cs typeface="Consolas" panose="020B0609020204030204" pitchFamily="49" charset="0"/>
+              </a:rPr>
+              <a:t>!”);</a:t>
+            </a:r>
+          </a:p>
+          <a:p>
+            <a:pPr marL="0" indent="0">
+              <a:buNone/>
+            </a:pPr>
+            <a:endParaRPr lang="en-US" dirty="0">
+              <a:solidFill>
+                <a:schemeClr val="tx1"/>
+              </a:solidFill>
+              <a:latin typeface="Consolas" panose="020B0609020204030204" pitchFamily="49" charset="0"/>
+              <a:cs typeface="Consolas" panose="020B0609020204030204" pitchFamily="49" charset="0"/>
+            </a:endParaRPr>
+          </a:p>
+          <a:p>
+            <a:pPr marL="0" indent="0">
+              <a:buNone/>
+            </a:pPr>
+            <a:r>
+              <a:rPr lang="en-US" dirty="0" err="1">
+                <a:solidFill>
+                  <a:schemeClr val="tx1"/>
+                </a:solidFill>
+                <a:latin typeface="Consolas" panose="020B0609020204030204" pitchFamily="49" charset="0"/>
+                <a:cs typeface="Consolas" panose="020B0609020204030204" pitchFamily="49" charset="0"/>
+              </a:rPr>
+              <a:t>eb.publish</a:t>
+            </a:r>
+            <a:r>
+              <a:rPr lang="en-US" dirty="0">
+                <a:solidFill>
+                  <a:schemeClr val="tx1"/>
+                </a:solidFill>
+                <a:latin typeface="Consolas" panose="020B0609020204030204" pitchFamily="49" charset="0"/>
+                <a:cs typeface="Consolas" panose="020B0609020204030204" pitchFamily="49" charset="0"/>
+              </a:rPr>
+              <a:t>(“</a:t>
+            </a:r>
+            <a:r>
+              <a:rPr lang="en-US" dirty="0" err="1">
+                <a:solidFill>
+                  <a:schemeClr val="tx1"/>
+                </a:solidFill>
+                <a:latin typeface="Consolas" panose="020B0609020204030204" pitchFamily="49" charset="0"/>
+                <a:cs typeface="Consolas" panose="020B0609020204030204" pitchFamily="49" charset="0"/>
+              </a:rPr>
+              <a:t>sk.mimacom.hello</a:t>
+            </a:r>
+            <a:r>
+              <a:rPr lang="en-US" dirty="0">
+                <a:solidFill>
+                  <a:schemeClr val="tx1"/>
+                </a:solidFill>
+                <a:latin typeface="Consolas" panose="020B0609020204030204" pitchFamily="49" charset="0"/>
+                <a:cs typeface="Consolas" panose="020B0609020204030204" pitchFamily="49" charset="0"/>
+              </a:rPr>
+              <a:t>”, “</a:t>
+            </a:r>
+            <a:r>
+              <a:rPr lang="en-US" dirty="0" err="1">
+                <a:solidFill>
+                  <a:schemeClr val="tx1"/>
+                </a:solidFill>
+                <a:latin typeface="Consolas" panose="020B0609020204030204" pitchFamily="49" charset="0"/>
+                <a:cs typeface="Consolas" panose="020B0609020204030204" pitchFamily="49" charset="0"/>
+              </a:rPr>
+              <a:t>Hello,world</a:t>
+            </a:r>
+            <a:r>
+              <a:rPr lang="en-US" dirty="0">
+                <a:solidFill>
+                  <a:schemeClr val="tx1"/>
+                </a:solidFill>
+                <a:latin typeface="Consolas" panose="020B0609020204030204" pitchFamily="49" charset="0"/>
+                <a:cs typeface="Consolas" panose="020B0609020204030204" pitchFamily="49" charset="0"/>
+              </a:rPr>
+              <a:t>!”);</a:t>
+            </a:r>
+          </a:p>
+          <a:p>
+            <a:pPr marL="0" indent="0">
+              <a:buNone/>
+            </a:pPr>
+            <a:endParaRPr lang="en-US" dirty="0">
+              <a:solidFill>
+                <a:schemeClr val="tx1"/>
+              </a:solidFill>
+            </a:endParaRPr>
+          </a:p>
+          <a:p>
+            <a:pPr marL="0" indent="0">
+              <a:buNone/>
+            </a:pPr>
+            <a:r>
+              <a:rPr lang="en-US" dirty="0" err="1">
+                <a:solidFill>
+                  <a:schemeClr val="tx1"/>
+                </a:solidFill>
+                <a:latin typeface="Consolas" panose="020B0609020204030204" pitchFamily="49" charset="0"/>
+                <a:cs typeface="Consolas" panose="020B0609020204030204" pitchFamily="49" charset="0"/>
+              </a:rPr>
+              <a:t>eb.send</a:t>
+            </a:r>
+            <a:r>
+              <a:rPr lang="en-US" dirty="0">
+                <a:solidFill>
+                  <a:schemeClr val="tx1"/>
+                </a:solidFill>
+                <a:latin typeface="Consolas" panose="020B0609020204030204" pitchFamily="49" charset="0"/>
+                <a:cs typeface="Consolas" panose="020B0609020204030204" pitchFamily="49" charset="0"/>
+              </a:rPr>
+              <a:t>(“</a:t>
+            </a:r>
+            <a:r>
+              <a:rPr lang="en-US" dirty="0" err="1">
+                <a:solidFill>
+                  <a:schemeClr val="tx1"/>
+                </a:solidFill>
+                <a:latin typeface="Consolas" panose="020B0609020204030204" pitchFamily="49" charset="0"/>
+                <a:cs typeface="Consolas" panose="020B0609020204030204" pitchFamily="49" charset="0"/>
+              </a:rPr>
+              <a:t>sk.mimacom.hello</a:t>
+            </a:r>
+            <a:r>
+              <a:rPr lang="en-US" dirty="0">
+                <a:solidFill>
+                  <a:schemeClr val="tx1"/>
+                </a:solidFill>
+                <a:latin typeface="Consolas" panose="020B0609020204030204" pitchFamily="49" charset="0"/>
+                <a:cs typeface="Consolas" panose="020B0609020204030204" pitchFamily="49" charset="0"/>
+              </a:rPr>
+              <a:t>”, “</a:t>
+            </a:r>
+            <a:r>
+              <a:rPr lang="en-US" dirty="0" err="1">
+                <a:solidFill>
+                  <a:schemeClr val="tx1"/>
+                </a:solidFill>
+                <a:latin typeface="Consolas" panose="020B0609020204030204" pitchFamily="49" charset="0"/>
+                <a:cs typeface="Consolas" panose="020B0609020204030204" pitchFamily="49" charset="0"/>
+              </a:rPr>
+              <a:t>Hello,world</a:t>
+            </a:r>
+            <a:r>
+              <a:rPr lang="en-US" dirty="0">
+                <a:solidFill>
+                  <a:schemeClr val="tx1"/>
+                </a:solidFill>
+                <a:latin typeface="Consolas" panose="020B0609020204030204" pitchFamily="49" charset="0"/>
+                <a:cs typeface="Consolas" panose="020B0609020204030204" pitchFamily="49" charset="0"/>
+              </a:rPr>
+              <a:t>!”, reply -&gt; { //</a:t>
+            </a:r>
+            <a:r>
+              <a:rPr lang="en-US" dirty="0" err="1">
+                <a:solidFill>
+                  <a:schemeClr val="tx1"/>
+                </a:solidFill>
+                <a:latin typeface="Consolas" panose="020B0609020204030204" pitchFamily="49" charset="0"/>
+                <a:cs typeface="Consolas" panose="020B0609020204030204" pitchFamily="49" charset="0"/>
+              </a:rPr>
+              <a:t>AsyncResult</a:t>
+            </a:r>
+            <a:r>
+              <a:rPr lang="en-US" dirty="0">
+                <a:solidFill>
+                  <a:schemeClr val="tx1"/>
+                </a:solidFill>
+                <a:latin typeface="Consolas" panose="020B0609020204030204" pitchFamily="49" charset="0"/>
+                <a:cs typeface="Consolas" panose="020B0609020204030204" pitchFamily="49" charset="0"/>
+              </a:rPr>
+              <a:t>&lt;Message&lt;String&gt;&gt;</a:t>
+            </a:r>
+          </a:p>
+          <a:p>
+            <a:pPr marL="0" indent="0">
+              <a:buNone/>
+            </a:pPr>
+            <a:r>
+              <a:rPr lang="en-US" dirty="0">
+                <a:solidFill>
+                  <a:schemeClr val="tx1"/>
+                </a:solidFill>
+                <a:latin typeface="Consolas" panose="020B0609020204030204" pitchFamily="49" charset="0"/>
+                <a:cs typeface="Consolas" panose="020B0609020204030204" pitchFamily="49" charset="0"/>
+              </a:rPr>
+              <a:t>	</a:t>
+            </a:r>
+            <a:r>
+              <a:rPr lang="en-US" u="sng" dirty="0" err="1">
+                <a:solidFill>
+                  <a:schemeClr val="tx1"/>
+                </a:solidFill>
+                <a:latin typeface="Consolas" panose="020B0609020204030204" pitchFamily="49" charset="0"/>
+                <a:cs typeface="Consolas" panose="020B0609020204030204" pitchFamily="49" charset="0"/>
+              </a:rPr>
+              <a:t>ar.result</a:t>
+            </a:r>
+            <a:r>
+              <a:rPr lang="en-US" dirty="0" err="1">
+                <a:solidFill>
+                  <a:schemeClr val="tx1"/>
+                </a:solidFill>
+                <a:latin typeface="Consolas" panose="020B0609020204030204" pitchFamily="49" charset="0"/>
+                <a:cs typeface="Consolas" panose="020B0609020204030204" pitchFamily="49" charset="0"/>
+              </a:rPr>
+              <a:t>.reply</a:t>
+            </a:r>
+            <a:r>
+              <a:rPr lang="en-US" dirty="0">
+                <a:solidFill>
+                  <a:schemeClr val="tx1"/>
+                </a:solidFill>
+                <a:latin typeface="Consolas" panose="020B0609020204030204" pitchFamily="49" charset="0"/>
+                <a:cs typeface="Consolas" panose="020B0609020204030204" pitchFamily="49" charset="0"/>
+              </a:rPr>
+              <a:t>(“...”); </a:t>
+            </a:r>
+          </a:p>
+          <a:p>
+            <a:pPr marL="0" indent="0">
+              <a:buNone/>
+            </a:pPr>
+            <a:r>
+              <a:rPr lang="en-US" dirty="0">
+                <a:solidFill>
+                  <a:schemeClr val="tx1"/>
+                </a:solidFill>
+                <a:latin typeface="Consolas" panose="020B0609020204030204" pitchFamily="49" charset="0"/>
+                <a:cs typeface="Consolas" panose="020B0609020204030204" pitchFamily="49" charset="0"/>
+              </a:rPr>
+              <a:t>	</a:t>
+            </a:r>
+            <a:r>
+              <a:rPr lang="en-US" u="sng" dirty="0" err="1">
+                <a:solidFill>
+                  <a:schemeClr val="tx1"/>
+                </a:solidFill>
+                <a:latin typeface="Consolas" panose="020B0609020204030204" pitchFamily="49" charset="0"/>
+                <a:cs typeface="Consolas" panose="020B0609020204030204" pitchFamily="49" charset="0"/>
+              </a:rPr>
+              <a:t>ar.result</a:t>
+            </a:r>
+            <a:r>
+              <a:rPr lang="en-US" dirty="0" err="1">
+                <a:solidFill>
+                  <a:schemeClr val="tx1"/>
+                </a:solidFill>
+                <a:latin typeface="Consolas" panose="020B0609020204030204" pitchFamily="49" charset="0"/>
+                <a:cs typeface="Consolas" panose="020B0609020204030204" pitchFamily="49" charset="0"/>
+              </a:rPr>
+              <a:t>.fail</a:t>
+            </a:r>
+            <a:r>
+              <a:rPr lang="en-US" dirty="0">
+                <a:solidFill>
+                  <a:schemeClr val="tx1"/>
+                </a:solidFill>
+                <a:latin typeface="Consolas" panose="020B0609020204030204" pitchFamily="49" charset="0"/>
+                <a:cs typeface="Consolas" panose="020B0609020204030204" pitchFamily="49" charset="0"/>
+              </a:rPr>
+              <a:t> (“...”);</a:t>
+            </a:r>
+          </a:p>
+          <a:p>
+            <a:pPr marL="0" indent="0">
+              <a:buNone/>
+            </a:pPr>
+            <a:r>
+              <a:rPr lang="en-US" dirty="0">
+                <a:solidFill>
+                  <a:schemeClr val="tx1"/>
+                </a:solidFill>
+                <a:latin typeface="Consolas" panose="020B0609020204030204" pitchFamily="49" charset="0"/>
+                <a:cs typeface="Consolas" panose="020B0609020204030204" pitchFamily="49" charset="0"/>
+              </a:rPr>
+              <a:t>});</a:t>
+            </a:r>
+            <a:endParaRPr lang="en-US" dirty="0">
+              <a:solidFill>
+                <a:schemeClr val="tx1"/>
+              </a:solidFill>
+            </a:endParaRPr>
+          </a:p>
+          <a:p>
+            <a:pPr marL="0" indent="0">
+              <a:buNone/>
+            </a:pPr>
+            <a:endParaRPr lang="en-US" dirty="0">
+              <a:solidFill>
+                <a:schemeClr val="tx1"/>
+              </a:solidFill>
+            </a:endParaRPr>
+          </a:p>
+        </p:txBody>
+      </p:sp>
+    </p:spTree>
+    <p:extLst>
+      <p:ext uri="{BB962C8B-B14F-4D97-AF65-F5344CB8AC3E}">
+        <p14:creationId xmlns:p14="http://schemas.microsoft.com/office/powerpoint/2010/main" val="1840203008"/>
+      </p:ext>
+    </p:extLst>
+  </p:cSld>
+  <p:clrMapOvr>
+    <a:masterClrMapping/>
+  </p:clrMapOvr>
+</p:sld>
+</file>
+
+<file path=ppt/slides/slide11.xml><?xml version="1.0" encoding="utf-8"?>
+<p:sld xmlns:a="http://schemas.openxmlformats.org/drawingml/2006/main" xmlns:r="http://schemas.openxmlformats.org/officeDocument/2006/relationships" xmlns:p="http://schemas.openxmlformats.org/presentationml/2006/main">
+  <p:cSld>
+    <p:spTree>
+      <p:nvGrpSpPr>
+        <p:cNvPr id="1" name=""/>
+        <p:cNvGrpSpPr/>
+        <p:nvPr/>
+      </p:nvGrpSpPr>
+      <p:grpSpPr>
+        <a:xfrm>
+          <a:off x="0" y="0"/>
+          <a:ext cx="0" cy="0"/>
+          <a:chOff x="0" y="0"/>
+          <a:chExt cx="0" cy="0"/>
+        </a:xfrm>
+      </p:grpSpPr>
+      <p:sp>
+        <p:nvSpPr>
+          <p:cNvPr id="2" name="Nadpis 1"/>
+          <p:cNvSpPr>
+            <a:spLocks noGrp="1"/>
+          </p:cNvSpPr>
+          <p:nvPr>
+            <p:ph type="title"/>
+          </p:nvPr>
+        </p:nvSpPr>
+        <p:spPr/>
+        <p:txBody>
+          <a:bodyPr/>
+          <a:lstStyle/>
+          <a:p>
+            <a:r>
+              <a:rPr lang="en-US" dirty="0" err="1"/>
+              <a:t>Eventbus</a:t>
+            </a:r>
+            <a:r>
+              <a:rPr lang="en-US" dirty="0"/>
+              <a:t>: </a:t>
+            </a:r>
+            <a:br>
+              <a:rPr lang="en-US" dirty="0"/>
+            </a:br>
+            <a:r>
+              <a:rPr lang="en-US" dirty="0"/>
+              <a:t>Service proxies</a:t>
+            </a:r>
+            <a:endParaRPr lang="sk-SK" dirty="0"/>
+          </a:p>
+        </p:txBody>
+      </p:sp>
+      <p:sp>
+        <p:nvSpPr>
+          <p:cNvPr id="5" name="BlokTextu 4"/>
+          <p:cNvSpPr txBox="1"/>
+          <p:nvPr/>
+        </p:nvSpPr>
+        <p:spPr>
+          <a:xfrm>
+            <a:off x="107504" y="1600200"/>
+            <a:ext cx="8784976" cy="3693319"/>
+          </a:xfrm>
+          <a:prstGeom prst="rect">
+            <a:avLst/>
+          </a:prstGeom>
+          <a:noFill/>
+        </p:spPr>
+        <p:txBody>
+          <a:bodyPr wrap="square" rtlCol="0">
+            <a:spAutoFit/>
+          </a:bodyPr>
+          <a:lstStyle/>
+          <a:p>
+            <a:r>
+              <a:rPr lang="sk-SK" dirty="0" err="1">
+                <a:latin typeface="Consolas" panose="020B0609020204030204" pitchFamily="49" charset="0"/>
+                <a:cs typeface="Consolas" panose="020B0609020204030204" pitchFamily="49" charset="0"/>
+              </a:rPr>
+              <a:t>JsonObject</a:t>
+            </a:r>
+            <a:r>
+              <a:rPr lang="sk-SK" dirty="0">
+                <a:latin typeface="Consolas" panose="020B0609020204030204" pitchFamily="49" charset="0"/>
+                <a:cs typeface="Consolas" panose="020B0609020204030204" pitchFamily="49" charset="0"/>
+              </a:rPr>
+              <a:t> </a:t>
+            </a:r>
+            <a:r>
+              <a:rPr lang="sk-SK" dirty="0" err="1">
+                <a:latin typeface="Consolas" panose="020B0609020204030204" pitchFamily="49" charset="0"/>
+                <a:cs typeface="Consolas" panose="020B0609020204030204" pitchFamily="49" charset="0"/>
+              </a:rPr>
+              <a:t>message</a:t>
+            </a:r>
+            <a:r>
+              <a:rPr lang="sk-SK" dirty="0">
+                <a:latin typeface="Consolas" panose="020B0609020204030204" pitchFamily="49" charset="0"/>
+                <a:cs typeface="Consolas" panose="020B0609020204030204" pitchFamily="49" charset="0"/>
+              </a:rPr>
+              <a:t> = new </a:t>
+            </a:r>
+            <a:r>
+              <a:rPr lang="sk-SK" dirty="0" err="1">
+                <a:latin typeface="Consolas" panose="020B0609020204030204" pitchFamily="49" charset="0"/>
+                <a:cs typeface="Consolas" panose="020B0609020204030204" pitchFamily="49" charset="0"/>
+              </a:rPr>
+              <a:t>JsonObject</a:t>
+            </a:r>
+            <a:r>
+              <a:rPr lang="sk-SK" dirty="0">
+                <a:latin typeface="Consolas" panose="020B0609020204030204" pitchFamily="49" charset="0"/>
+                <a:cs typeface="Consolas" panose="020B0609020204030204" pitchFamily="49" charset="0"/>
+              </a:rPr>
+              <a:t>();</a:t>
+            </a:r>
+            <a:endParaRPr lang="en-US" dirty="0">
+              <a:latin typeface="Consolas" panose="020B0609020204030204" pitchFamily="49" charset="0"/>
+              <a:cs typeface="Consolas" panose="020B0609020204030204" pitchFamily="49" charset="0"/>
+            </a:endParaRPr>
+          </a:p>
+          <a:p>
+            <a:endParaRPr lang="sk-SK" dirty="0">
+              <a:latin typeface="Consolas" panose="020B0609020204030204" pitchFamily="49" charset="0"/>
+              <a:cs typeface="Consolas" panose="020B0609020204030204" pitchFamily="49" charset="0"/>
+            </a:endParaRPr>
+          </a:p>
+          <a:p>
+            <a:r>
+              <a:rPr lang="sk-SK" dirty="0" err="1">
+                <a:latin typeface="Consolas" panose="020B0609020204030204" pitchFamily="49" charset="0"/>
+                <a:cs typeface="Consolas" panose="020B0609020204030204" pitchFamily="49" charset="0"/>
+              </a:rPr>
+              <a:t>message.put</a:t>
+            </a:r>
+            <a:r>
+              <a:rPr lang="sk-SK" dirty="0">
+                <a:latin typeface="Consolas" panose="020B0609020204030204" pitchFamily="49" charset="0"/>
+                <a:cs typeface="Consolas" panose="020B0609020204030204" pitchFamily="49" charset="0"/>
+              </a:rPr>
+              <a:t>("</a:t>
+            </a:r>
+            <a:r>
+              <a:rPr lang="sk-SK" dirty="0" err="1">
+                <a:latin typeface="Consolas" panose="020B0609020204030204" pitchFamily="49" charset="0"/>
+                <a:cs typeface="Consolas" panose="020B0609020204030204" pitchFamily="49" charset="0"/>
+              </a:rPr>
+              <a:t>collection</a:t>
+            </a:r>
+            <a:r>
+              <a:rPr lang="sk-SK" dirty="0">
+                <a:latin typeface="Consolas" panose="020B0609020204030204" pitchFamily="49" charset="0"/>
+                <a:cs typeface="Consolas" panose="020B0609020204030204" pitchFamily="49" charset="0"/>
+              </a:rPr>
+              <a:t>", "</a:t>
+            </a:r>
+            <a:r>
+              <a:rPr lang="sk-SK" dirty="0" err="1">
+                <a:latin typeface="Consolas" panose="020B0609020204030204" pitchFamily="49" charset="0"/>
+                <a:cs typeface="Consolas" panose="020B0609020204030204" pitchFamily="49" charset="0"/>
+              </a:rPr>
+              <a:t>mycollection</a:t>
+            </a:r>
+            <a:r>
+              <a:rPr lang="sk-SK" dirty="0">
+                <a:latin typeface="Consolas" panose="020B0609020204030204" pitchFamily="49" charset="0"/>
+                <a:cs typeface="Consolas" panose="020B0609020204030204" pitchFamily="49" charset="0"/>
+              </a:rPr>
+              <a:t>")</a:t>
+            </a:r>
+          </a:p>
+          <a:p>
+            <a:r>
+              <a:rPr lang="sk-SK" dirty="0">
+                <a:latin typeface="Consolas" panose="020B0609020204030204" pitchFamily="49" charset="0"/>
+                <a:cs typeface="Consolas" panose="020B0609020204030204" pitchFamily="49" charset="0"/>
+              </a:rPr>
+              <a:t>    .</a:t>
+            </a:r>
+            <a:r>
+              <a:rPr lang="sk-SK" dirty="0" err="1">
+                <a:latin typeface="Consolas" panose="020B0609020204030204" pitchFamily="49" charset="0"/>
+                <a:cs typeface="Consolas" panose="020B0609020204030204" pitchFamily="49" charset="0"/>
+              </a:rPr>
+              <a:t>put</a:t>
+            </a:r>
+            <a:r>
+              <a:rPr lang="sk-SK" dirty="0">
+                <a:latin typeface="Consolas" panose="020B0609020204030204" pitchFamily="49" charset="0"/>
+                <a:cs typeface="Consolas" panose="020B0609020204030204" pitchFamily="49" charset="0"/>
+              </a:rPr>
+              <a:t>("</a:t>
+            </a:r>
+            <a:r>
+              <a:rPr lang="sk-SK" dirty="0" err="1">
+                <a:latin typeface="Consolas" panose="020B0609020204030204" pitchFamily="49" charset="0"/>
+                <a:cs typeface="Consolas" panose="020B0609020204030204" pitchFamily="49" charset="0"/>
+              </a:rPr>
+              <a:t>document</a:t>
+            </a:r>
+            <a:r>
+              <a:rPr lang="sk-SK" dirty="0">
+                <a:latin typeface="Consolas" panose="020B0609020204030204" pitchFamily="49" charset="0"/>
+                <a:cs typeface="Consolas" panose="020B0609020204030204" pitchFamily="49" charset="0"/>
+              </a:rPr>
+              <a:t>", new </a:t>
+            </a:r>
+            <a:r>
+              <a:rPr lang="sk-SK" dirty="0" err="1">
+                <a:latin typeface="Consolas" panose="020B0609020204030204" pitchFamily="49" charset="0"/>
+                <a:cs typeface="Consolas" panose="020B0609020204030204" pitchFamily="49" charset="0"/>
+              </a:rPr>
+              <a:t>JsonObject</a:t>
+            </a:r>
+            <a:r>
+              <a:rPr lang="sk-SK" dirty="0">
+                <a:latin typeface="Consolas" panose="020B0609020204030204" pitchFamily="49" charset="0"/>
+                <a:cs typeface="Consolas" panose="020B0609020204030204" pitchFamily="49" charset="0"/>
+              </a:rPr>
+              <a:t>().</a:t>
+            </a:r>
+            <a:r>
+              <a:rPr lang="sk-SK" dirty="0" err="1">
+                <a:latin typeface="Consolas" panose="020B0609020204030204" pitchFamily="49" charset="0"/>
+                <a:cs typeface="Consolas" panose="020B0609020204030204" pitchFamily="49" charset="0"/>
+              </a:rPr>
+              <a:t>put</a:t>
+            </a:r>
+            <a:r>
+              <a:rPr lang="sk-SK" dirty="0">
+                <a:latin typeface="Consolas" panose="020B0609020204030204" pitchFamily="49" charset="0"/>
+                <a:cs typeface="Consolas" panose="020B0609020204030204" pitchFamily="49" charset="0"/>
+              </a:rPr>
+              <a:t>("</a:t>
+            </a:r>
+            <a:r>
+              <a:rPr lang="sk-SK" dirty="0" err="1">
+                <a:latin typeface="Consolas" panose="020B0609020204030204" pitchFamily="49" charset="0"/>
+                <a:cs typeface="Consolas" panose="020B0609020204030204" pitchFamily="49" charset="0"/>
+              </a:rPr>
+              <a:t>name</a:t>
+            </a:r>
+            <a:r>
+              <a:rPr lang="sk-SK" dirty="0">
+                <a:latin typeface="Consolas" panose="020B0609020204030204" pitchFamily="49" charset="0"/>
+                <a:cs typeface="Consolas" panose="020B0609020204030204" pitchFamily="49" charset="0"/>
+              </a:rPr>
+              <a:t>", "</a:t>
+            </a:r>
+            <a:r>
+              <a:rPr lang="sk-SK" dirty="0" err="1">
+                <a:latin typeface="Consolas" panose="020B0609020204030204" pitchFamily="49" charset="0"/>
+                <a:cs typeface="Consolas" panose="020B0609020204030204" pitchFamily="49" charset="0"/>
+              </a:rPr>
+              <a:t>tim</a:t>
+            </a:r>
+            <a:r>
+              <a:rPr lang="sk-SK" dirty="0">
+                <a:latin typeface="Consolas" panose="020B0609020204030204" pitchFamily="49" charset="0"/>
+                <a:cs typeface="Consolas" panose="020B0609020204030204" pitchFamily="49" charset="0"/>
+              </a:rPr>
+              <a:t>"));</a:t>
+            </a:r>
+            <a:endParaRPr lang="en-US" dirty="0">
+              <a:latin typeface="Consolas" panose="020B0609020204030204" pitchFamily="49" charset="0"/>
+              <a:cs typeface="Consolas" panose="020B0609020204030204" pitchFamily="49" charset="0"/>
+            </a:endParaRPr>
+          </a:p>
+          <a:p>
+            <a:endParaRPr lang="sk-SK" dirty="0">
+              <a:latin typeface="Consolas" panose="020B0609020204030204" pitchFamily="49" charset="0"/>
+              <a:cs typeface="Consolas" panose="020B0609020204030204" pitchFamily="49" charset="0"/>
+            </a:endParaRPr>
+          </a:p>
+          <a:p>
+            <a:r>
+              <a:rPr lang="sk-SK" dirty="0" err="1">
+                <a:latin typeface="Consolas" panose="020B0609020204030204" pitchFamily="49" charset="0"/>
+                <a:cs typeface="Consolas" panose="020B0609020204030204" pitchFamily="49" charset="0"/>
+              </a:rPr>
+              <a:t>vertx.eventBus</a:t>
+            </a:r>
+            <a:r>
+              <a:rPr lang="sk-SK" dirty="0">
+                <a:latin typeface="Consolas" panose="020B0609020204030204" pitchFamily="49" charset="0"/>
+                <a:cs typeface="Consolas" panose="020B0609020204030204" pitchFamily="49" charset="0"/>
+              </a:rPr>
+              <a:t>().</a:t>
+            </a:r>
+            <a:r>
+              <a:rPr lang="sk-SK" dirty="0" err="1">
+                <a:latin typeface="Consolas" panose="020B0609020204030204" pitchFamily="49" charset="0"/>
+                <a:cs typeface="Consolas" panose="020B0609020204030204" pitchFamily="49" charset="0"/>
+              </a:rPr>
+              <a:t>send</a:t>
+            </a:r>
+            <a:r>
+              <a:rPr lang="sk-SK" dirty="0">
+                <a:latin typeface="Consolas" panose="020B0609020204030204" pitchFamily="49" charset="0"/>
+                <a:cs typeface="Consolas" panose="020B0609020204030204" pitchFamily="49" charset="0"/>
+              </a:rPr>
+              <a:t>("</a:t>
+            </a:r>
+            <a:r>
+              <a:rPr lang="sk-SK" dirty="0" err="1">
+                <a:latin typeface="Consolas" panose="020B0609020204030204" pitchFamily="49" charset="0"/>
+                <a:cs typeface="Consolas" panose="020B0609020204030204" pitchFamily="49" charset="0"/>
+              </a:rPr>
+              <a:t>database-service-address</a:t>
+            </a:r>
+            <a:r>
+              <a:rPr lang="sk-SK" dirty="0">
+                <a:latin typeface="Consolas" panose="020B0609020204030204" pitchFamily="49" charset="0"/>
+                <a:cs typeface="Consolas" panose="020B0609020204030204" pitchFamily="49" charset="0"/>
+              </a:rPr>
+              <a:t>", </a:t>
+            </a:r>
+            <a:r>
+              <a:rPr lang="sk-SK" dirty="0" err="1">
+                <a:latin typeface="Consolas" panose="020B0609020204030204" pitchFamily="49" charset="0"/>
+                <a:cs typeface="Consolas" panose="020B0609020204030204" pitchFamily="49" charset="0"/>
+              </a:rPr>
+              <a:t>message</a:t>
+            </a:r>
+            <a:r>
+              <a:rPr lang="sk-SK" dirty="0">
+                <a:latin typeface="Consolas" panose="020B0609020204030204" pitchFamily="49" charset="0"/>
+                <a:cs typeface="Consolas" panose="020B0609020204030204" pitchFamily="49" charset="0"/>
+              </a:rPr>
+              <a:t>, </a:t>
+            </a:r>
+            <a:r>
+              <a:rPr lang="sk-SK" dirty="0" err="1">
+                <a:latin typeface="Consolas" panose="020B0609020204030204" pitchFamily="49" charset="0"/>
+                <a:cs typeface="Consolas" panose="020B0609020204030204" pitchFamily="49" charset="0"/>
+              </a:rPr>
+              <a:t>options</a:t>
+            </a:r>
+            <a:r>
+              <a:rPr lang="sk-SK" dirty="0">
+                <a:latin typeface="Consolas" panose="020B0609020204030204" pitchFamily="49" charset="0"/>
+                <a:cs typeface="Consolas" panose="020B0609020204030204" pitchFamily="49" charset="0"/>
+              </a:rPr>
+              <a:t>, res2 -&gt; {</a:t>
+            </a:r>
+          </a:p>
+          <a:p>
+            <a:r>
+              <a:rPr lang="sk-SK" dirty="0">
+                <a:latin typeface="Consolas" panose="020B0609020204030204" pitchFamily="49" charset="0"/>
+                <a:cs typeface="Consolas" panose="020B0609020204030204" pitchFamily="49" charset="0"/>
+              </a:rPr>
+              <a:t>  </a:t>
+            </a:r>
+            <a:r>
+              <a:rPr lang="sk-SK" dirty="0" err="1">
+                <a:latin typeface="Consolas" panose="020B0609020204030204" pitchFamily="49" charset="0"/>
+                <a:cs typeface="Consolas" panose="020B0609020204030204" pitchFamily="49" charset="0"/>
+              </a:rPr>
+              <a:t>if</a:t>
+            </a:r>
+            <a:r>
+              <a:rPr lang="sk-SK" dirty="0">
+                <a:latin typeface="Consolas" panose="020B0609020204030204" pitchFamily="49" charset="0"/>
+                <a:cs typeface="Consolas" panose="020B0609020204030204" pitchFamily="49" charset="0"/>
+              </a:rPr>
+              <a:t> (res2.succeeded()) {</a:t>
+            </a:r>
+          </a:p>
+          <a:p>
+            <a:r>
+              <a:rPr lang="sk-SK" dirty="0">
+                <a:latin typeface="Consolas" panose="020B0609020204030204" pitchFamily="49" charset="0"/>
+                <a:cs typeface="Consolas" panose="020B0609020204030204" pitchFamily="49" charset="0"/>
+              </a:rPr>
+              <a:t>    // done</a:t>
+            </a:r>
+          </a:p>
+          <a:p>
+            <a:r>
+              <a:rPr lang="sk-SK" dirty="0">
+                <a:latin typeface="Consolas" panose="020B0609020204030204" pitchFamily="49" charset="0"/>
+                <a:cs typeface="Consolas" panose="020B0609020204030204" pitchFamily="49" charset="0"/>
+              </a:rPr>
+              <a:t>  } </a:t>
+            </a:r>
+            <a:r>
+              <a:rPr lang="sk-SK" dirty="0" err="1">
+                <a:latin typeface="Consolas" panose="020B0609020204030204" pitchFamily="49" charset="0"/>
+                <a:cs typeface="Consolas" panose="020B0609020204030204" pitchFamily="49" charset="0"/>
+              </a:rPr>
+              <a:t>else</a:t>
+            </a:r>
+            <a:r>
+              <a:rPr lang="sk-SK" dirty="0">
+                <a:latin typeface="Consolas" panose="020B0609020204030204" pitchFamily="49" charset="0"/>
+                <a:cs typeface="Consolas" panose="020B0609020204030204" pitchFamily="49" charset="0"/>
+              </a:rPr>
+              <a:t> {</a:t>
+            </a:r>
+          </a:p>
+          <a:p>
+            <a:r>
+              <a:rPr lang="sk-SK" dirty="0">
+                <a:latin typeface="Consolas" panose="020B0609020204030204" pitchFamily="49" charset="0"/>
+                <a:cs typeface="Consolas" panose="020B0609020204030204" pitchFamily="49" charset="0"/>
+              </a:rPr>
+              <a:t>    // </a:t>
+            </a:r>
+            <a:r>
+              <a:rPr lang="sk-SK" dirty="0" err="1">
+                <a:latin typeface="Consolas" panose="020B0609020204030204" pitchFamily="49" charset="0"/>
+                <a:cs typeface="Consolas" panose="020B0609020204030204" pitchFamily="49" charset="0"/>
+              </a:rPr>
+              <a:t>failure</a:t>
+            </a:r>
+            <a:endParaRPr lang="sk-SK" dirty="0">
+              <a:latin typeface="Consolas" panose="020B0609020204030204" pitchFamily="49" charset="0"/>
+              <a:cs typeface="Consolas" panose="020B0609020204030204" pitchFamily="49" charset="0"/>
+            </a:endParaRPr>
+          </a:p>
+          <a:p>
+            <a:r>
+              <a:rPr lang="sk-SK" dirty="0">
+                <a:latin typeface="Consolas" panose="020B0609020204030204" pitchFamily="49" charset="0"/>
+                <a:cs typeface="Consolas" panose="020B0609020204030204" pitchFamily="49" charset="0"/>
+              </a:rPr>
+              <a:t>  }</a:t>
+            </a:r>
+          </a:p>
+          <a:p>
+            <a:r>
+              <a:rPr lang="sk-SK" dirty="0">
+                <a:latin typeface="Consolas" panose="020B0609020204030204" pitchFamily="49" charset="0"/>
+                <a:cs typeface="Consolas" panose="020B0609020204030204" pitchFamily="49" charset="0"/>
+              </a:rPr>
+              <a:t>});</a:t>
+            </a:r>
+          </a:p>
+        </p:txBody>
+      </p:sp>
+      <p:sp>
+        <p:nvSpPr>
+          <p:cNvPr id="7" name="BlokTextu 6"/>
+          <p:cNvSpPr txBox="1"/>
+          <p:nvPr/>
+        </p:nvSpPr>
+        <p:spPr>
+          <a:xfrm>
+            <a:off x="2483768" y="5293519"/>
+            <a:ext cx="504056" cy="1323439"/>
+          </a:xfrm>
+          <a:prstGeom prst="rect">
+            <a:avLst/>
+          </a:prstGeom>
+          <a:noFill/>
+        </p:spPr>
+        <p:txBody>
+          <a:bodyPr wrap="square" rtlCol="0">
+            <a:spAutoFit/>
+          </a:bodyPr>
+          <a:lstStyle/>
+          <a:p>
+            <a:r>
+              <a:rPr lang="en-US" sz="8000" dirty="0">
+                <a:latin typeface="+mj-lt"/>
+                <a:sym typeface="Wingdings" panose="05000000000000000000" pitchFamily="2" charset="2"/>
+              </a:rPr>
+              <a:t></a:t>
+            </a:r>
+            <a:endParaRPr lang="sk-SK" sz="8000" dirty="0">
+              <a:latin typeface="+mj-lt"/>
+            </a:endParaRPr>
+          </a:p>
+        </p:txBody>
+      </p:sp>
+    </p:spTree>
+    <p:extLst>
+      <p:ext uri="{BB962C8B-B14F-4D97-AF65-F5344CB8AC3E}">
+        <p14:creationId xmlns:p14="http://schemas.microsoft.com/office/powerpoint/2010/main" val="714993289"/>
+      </p:ext>
+    </p:extLst>
+  </p:cSld>
+  <p:clrMapOvr>
+    <a:masterClrMapping/>
+  </p:clrMapOvr>
+  <p:timing>
+    <p:tnLst>
+      <p:par>
+        <p:cTn id="1" dur="indefinite" restart="never" nodeType="tmRoot">
+          <p:childTnLst>
+            <p:seq concurrent="1" nextAc="seek">
+              <p:cTn id="2" dur="indefinite" nodeType="mainSeq">
+                <p:childTnLst>
+                  <p:par>
+                    <p:cTn id="3" fill="hold">
+                      <p:stCondLst>
+                        <p:cond delay="indefinite"/>
+                      </p:stCondLst>
+                      <p:childTnLst>
+                        <p:par>
+                          <p:cTn id="4" fill="hold">
+                            <p:stCondLst>
+                              <p:cond delay="0"/>
+                            </p:stCondLst>
+                            <p:childTnLst>
+                              <p:par>
+                                <p:cTn id="5" presetID="10" presetClass="entr" presetSubtype="0" fill="hold" grpId="0" nodeType="clickEffect">
+                                  <p:stCondLst>
+                                    <p:cond delay="0"/>
+                                  </p:stCondLst>
+                                  <p:childTnLst>
+                                    <p:set>
+                                      <p:cBhvr>
+                                        <p:cTn id="6" dur="1" fill="hold">
+                                          <p:stCondLst>
+                                            <p:cond delay="0"/>
+                                          </p:stCondLst>
+                                        </p:cTn>
+                                        <p:tgtEl>
+                                          <p:spTgt spid="7"/>
+                                        </p:tgtEl>
+                                        <p:attrNameLst>
+                                          <p:attrName>style.visibility</p:attrName>
+                                        </p:attrNameLst>
+                                      </p:cBhvr>
+                                      <p:to>
+                                        <p:strVal val="visible"/>
+                                      </p:to>
+                                    </p:set>
+                                    <p:animEffect transition="in" filter="fade">
+                                      <p:cBhvr>
+                                        <p:cTn id="7" dur="500"/>
+                                        <p:tgtEl>
+                                          <p:spTgt spid="7"/>
+                                        </p:tgtEl>
+                                      </p:cBhvr>
+                                    </p:animEffect>
+                                  </p:childTnLst>
+                                </p:cTn>
+                              </p:par>
+                            </p:childTnLst>
+                          </p:cTn>
+                        </p:par>
+                      </p:childTnLst>
+                    </p:cTn>
+                  </p:par>
+                </p:childTnLst>
+              </p:cTn>
+              <p:prevCondLst>
+                <p:cond evt="onPrev" delay="0">
+                  <p:tgtEl>
+                    <p:sldTgt/>
+                  </p:tgtEl>
+                </p:cond>
+              </p:prevCondLst>
+              <p:nextCondLst>
+                <p:cond evt="onNext" delay="0">
+                  <p:tgtEl>
+                    <p:sldTgt/>
+                  </p:tgtEl>
+                </p:cond>
+              </p:nextCondLst>
+            </p:seq>
+          </p:childTnLst>
+        </p:cTn>
+      </p:par>
+    </p:tnLst>
+    <p:bldLst>
+      <p:bldP spid="7" grpId="0"/>
+    </p:bldLst>
+  </p:timing>
+</p:sld>
+</file>
+
+<file path=ppt/slides/slide12.xml><?xml version="1.0" encoding="utf-8"?>
+<p:sld xmlns:a="http://schemas.openxmlformats.org/drawingml/2006/main" xmlns:r="http://schemas.openxmlformats.org/officeDocument/2006/relationships" xmlns:p="http://schemas.openxmlformats.org/presentationml/2006/main">
+  <p:cSld>
+    <p:spTree>
+      <p:nvGrpSpPr>
+        <p:cNvPr id="1" name=""/>
+        <p:cNvGrpSpPr/>
+        <p:nvPr/>
+      </p:nvGrpSpPr>
+      <p:grpSpPr>
+        <a:xfrm>
+          <a:off x="0" y="0"/>
+          <a:ext cx="0" cy="0"/>
+          <a:chOff x="0" y="0"/>
+          <a:chExt cx="0" cy="0"/>
+        </a:xfrm>
+      </p:grpSpPr>
+      <p:sp>
+        <p:nvSpPr>
+          <p:cNvPr id="2" name="Nadpis 1"/>
+          <p:cNvSpPr>
+            <a:spLocks noGrp="1"/>
+          </p:cNvSpPr>
+          <p:nvPr>
+            <p:ph type="title"/>
+          </p:nvPr>
+        </p:nvSpPr>
+        <p:spPr/>
+        <p:txBody>
+          <a:bodyPr/>
+          <a:lstStyle/>
+          <a:p>
+            <a:r>
+              <a:rPr lang="en-US" dirty="0" err="1"/>
+              <a:t>Eventbus</a:t>
+            </a:r>
+            <a:r>
+              <a:rPr lang="en-US" dirty="0"/>
+              <a:t>: </a:t>
+            </a:r>
+            <a:br>
+              <a:rPr lang="en-US" dirty="0"/>
+            </a:br>
+            <a:r>
+              <a:rPr lang="en-US" dirty="0"/>
+              <a:t>Service proxies</a:t>
+            </a:r>
+            <a:endParaRPr lang="sk-SK" dirty="0"/>
+          </a:p>
+        </p:txBody>
+      </p:sp>
+      <p:sp>
+        <p:nvSpPr>
+          <p:cNvPr id="5" name="BlokTextu 4"/>
+          <p:cNvSpPr txBox="1"/>
+          <p:nvPr/>
+        </p:nvSpPr>
+        <p:spPr>
+          <a:xfrm>
+            <a:off x="107504" y="1600200"/>
+            <a:ext cx="8784976" cy="4801314"/>
+          </a:xfrm>
+          <a:prstGeom prst="rect">
+            <a:avLst/>
+          </a:prstGeom>
+          <a:noFill/>
+        </p:spPr>
+        <p:txBody>
+          <a:bodyPr wrap="square" rtlCol="0">
+            <a:spAutoFit/>
+          </a:bodyPr>
+          <a:lstStyle/>
+          <a:p>
+            <a:r>
+              <a:rPr lang="sk-SK" dirty="0">
+                <a:latin typeface="Consolas" panose="020B0609020204030204" pitchFamily="49" charset="0"/>
+                <a:cs typeface="Consolas" panose="020B0609020204030204" pitchFamily="49" charset="0"/>
+              </a:rPr>
+              <a:t>@</a:t>
+            </a:r>
+            <a:r>
+              <a:rPr lang="sk-SK" dirty="0" err="1">
+                <a:latin typeface="Consolas" panose="020B0609020204030204" pitchFamily="49" charset="0"/>
+                <a:cs typeface="Consolas" panose="020B0609020204030204" pitchFamily="49" charset="0"/>
+              </a:rPr>
+              <a:t>ProxyGen</a:t>
+            </a:r>
+            <a:endParaRPr lang="sk-SK" dirty="0">
+              <a:latin typeface="Consolas" panose="020B0609020204030204" pitchFamily="49" charset="0"/>
+              <a:cs typeface="Consolas" panose="020B0609020204030204" pitchFamily="49" charset="0"/>
+            </a:endParaRPr>
+          </a:p>
+          <a:p>
+            <a:r>
+              <a:rPr lang="sk-SK" dirty="0" err="1">
+                <a:latin typeface="Consolas" panose="020B0609020204030204" pitchFamily="49" charset="0"/>
+                <a:cs typeface="Consolas" panose="020B0609020204030204" pitchFamily="49" charset="0"/>
+              </a:rPr>
+              <a:t>public</a:t>
+            </a:r>
+            <a:r>
+              <a:rPr lang="sk-SK" dirty="0">
+                <a:latin typeface="Consolas" panose="020B0609020204030204" pitchFamily="49" charset="0"/>
+                <a:cs typeface="Consolas" panose="020B0609020204030204" pitchFamily="49" charset="0"/>
+              </a:rPr>
+              <a:t> interface </a:t>
+            </a:r>
+            <a:r>
+              <a:rPr lang="sk-SK" dirty="0" err="1">
+                <a:latin typeface="Consolas" panose="020B0609020204030204" pitchFamily="49" charset="0"/>
+                <a:cs typeface="Consolas" panose="020B0609020204030204" pitchFamily="49" charset="0"/>
+              </a:rPr>
+              <a:t>SomeDatabaseService</a:t>
+            </a:r>
+            <a:r>
+              <a:rPr lang="sk-SK" dirty="0">
+                <a:latin typeface="Consolas" panose="020B0609020204030204" pitchFamily="49" charset="0"/>
+                <a:cs typeface="Consolas" panose="020B0609020204030204" pitchFamily="49" charset="0"/>
+              </a:rPr>
+              <a:t> {</a:t>
+            </a:r>
+          </a:p>
+          <a:p>
+            <a:endParaRPr lang="sk-SK" dirty="0">
+              <a:latin typeface="Consolas" panose="020B0609020204030204" pitchFamily="49" charset="0"/>
+              <a:cs typeface="Consolas" panose="020B0609020204030204" pitchFamily="49" charset="0"/>
+            </a:endParaRPr>
+          </a:p>
+          <a:p>
+            <a:r>
+              <a:rPr lang="sk-SK" dirty="0">
+                <a:latin typeface="Consolas" panose="020B0609020204030204" pitchFamily="49" charset="0"/>
+                <a:cs typeface="Consolas" panose="020B0609020204030204" pitchFamily="49" charset="0"/>
+              </a:rPr>
+              <a:t>  // A </a:t>
+            </a:r>
+            <a:r>
+              <a:rPr lang="sk-SK" dirty="0" err="1">
+                <a:latin typeface="Consolas" panose="020B0609020204030204" pitchFamily="49" charset="0"/>
+                <a:cs typeface="Consolas" panose="020B0609020204030204" pitchFamily="49" charset="0"/>
+              </a:rPr>
+              <a:t>couple</a:t>
+            </a:r>
+            <a:r>
+              <a:rPr lang="sk-SK" dirty="0">
+                <a:latin typeface="Consolas" panose="020B0609020204030204" pitchFamily="49" charset="0"/>
+                <a:cs typeface="Consolas" panose="020B0609020204030204" pitchFamily="49" charset="0"/>
+              </a:rPr>
+              <a:t> of </a:t>
+            </a:r>
+            <a:r>
+              <a:rPr lang="sk-SK" dirty="0" err="1">
+                <a:latin typeface="Consolas" panose="020B0609020204030204" pitchFamily="49" charset="0"/>
+                <a:cs typeface="Consolas" panose="020B0609020204030204" pitchFamily="49" charset="0"/>
+              </a:rPr>
+              <a:t>factory</a:t>
+            </a:r>
+            <a:r>
+              <a:rPr lang="sk-SK" dirty="0">
+                <a:latin typeface="Consolas" panose="020B0609020204030204" pitchFamily="49" charset="0"/>
+                <a:cs typeface="Consolas" panose="020B0609020204030204" pitchFamily="49" charset="0"/>
+              </a:rPr>
+              <a:t> </a:t>
+            </a:r>
+            <a:r>
+              <a:rPr lang="sk-SK" dirty="0" err="1">
+                <a:latin typeface="Consolas" panose="020B0609020204030204" pitchFamily="49" charset="0"/>
+                <a:cs typeface="Consolas" panose="020B0609020204030204" pitchFamily="49" charset="0"/>
+              </a:rPr>
+              <a:t>methods</a:t>
+            </a:r>
+            <a:r>
+              <a:rPr lang="sk-SK" dirty="0">
+                <a:latin typeface="Consolas" panose="020B0609020204030204" pitchFamily="49" charset="0"/>
+                <a:cs typeface="Consolas" panose="020B0609020204030204" pitchFamily="49" charset="0"/>
+              </a:rPr>
+              <a:t> to </a:t>
+            </a:r>
+            <a:r>
+              <a:rPr lang="sk-SK" dirty="0" err="1">
+                <a:latin typeface="Consolas" panose="020B0609020204030204" pitchFamily="49" charset="0"/>
+                <a:cs typeface="Consolas" panose="020B0609020204030204" pitchFamily="49" charset="0"/>
+              </a:rPr>
+              <a:t>create</a:t>
+            </a:r>
+            <a:r>
+              <a:rPr lang="sk-SK" dirty="0">
+                <a:latin typeface="Consolas" panose="020B0609020204030204" pitchFamily="49" charset="0"/>
+                <a:cs typeface="Consolas" panose="020B0609020204030204" pitchFamily="49" charset="0"/>
+              </a:rPr>
+              <a:t> </a:t>
+            </a:r>
+            <a:r>
+              <a:rPr lang="sk-SK" dirty="0" err="1">
+                <a:latin typeface="Consolas" panose="020B0609020204030204" pitchFamily="49" charset="0"/>
+                <a:cs typeface="Consolas" panose="020B0609020204030204" pitchFamily="49" charset="0"/>
+              </a:rPr>
+              <a:t>an</a:t>
+            </a:r>
+            <a:r>
+              <a:rPr lang="sk-SK" dirty="0">
+                <a:latin typeface="Consolas" panose="020B0609020204030204" pitchFamily="49" charset="0"/>
+                <a:cs typeface="Consolas" panose="020B0609020204030204" pitchFamily="49" charset="0"/>
+              </a:rPr>
+              <a:t> </a:t>
+            </a:r>
+            <a:r>
+              <a:rPr lang="sk-SK" dirty="0" err="1">
+                <a:latin typeface="Consolas" panose="020B0609020204030204" pitchFamily="49" charset="0"/>
+                <a:cs typeface="Consolas" panose="020B0609020204030204" pitchFamily="49" charset="0"/>
+              </a:rPr>
+              <a:t>instance</a:t>
+            </a:r>
+            <a:r>
+              <a:rPr lang="sk-SK" dirty="0">
+                <a:latin typeface="Consolas" panose="020B0609020204030204" pitchFamily="49" charset="0"/>
+                <a:cs typeface="Consolas" panose="020B0609020204030204" pitchFamily="49" charset="0"/>
+              </a:rPr>
+              <a:t> and a proxy</a:t>
+            </a:r>
+          </a:p>
+          <a:p>
+            <a:r>
+              <a:rPr lang="sk-SK" dirty="0">
+                <a:latin typeface="Consolas" panose="020B0609020204030204" pitchFamily="49" charset="0"/>
+                <a:cs typeface="Consolas" panose="020B0609020204030204" pitchFamily="49" charset="0"/>
+              </a:rPr>
+              <a:t>  </a:t>
+            </a:r>
+            <a:r>
+              <a:rPr lang="sk-SK" dirty="0" err="1">
+                <a:latin typeface="Consolas" panose="020B0609020204030204" pitchFamily="49" charset="0"/>
+                <a:cs typeface="Consolas" panose="020B0609020204030204" pitchFamily="49" charset="0"/>
+              </a:rPr>
+              <a:t>static</a:t>
+            </a:r>
+            <a:r>
+              <a:rPr lang="sk-SK" dirty="0">
+                <a:latin typeface="Consolas" panose="020B0609020204030204" pitchFamily="49" charset="0"/>
+                <a:cs typeface="Consolas" panose="020B0609020204030204" pitchFamily="49" charset="0"/>
+              </a:rPr>
+              <a:t> </a:t>
+            </a:r>
+            <a:r>
+              <a:rPr lang="sk-SK" dirty="0" err="1">
+                <a:latin typeface="Consolas" panose="020B0609020204030204" pitchFamily="49" charset="0"/>
+                <a:cs typeface="Consolas" panose="020B0609020204030204" pitchFamily="49" charset="0"/>
+              </a:rPr>
+              <a:t>SomeDatabaseService</a:t>
+            </a:r>
+            <a:r>
+              <a:rPr lang="sk-SK" dirty="0">
+                <a:latin typeface="Consolas" panose="020B0609020204030204" pitchFamily="49" charset="0"/>
+                <a:cs typeface="Consolas" panose="020B0609020204030204" pitchFamily="49" charset="0"/>
+              </a:rPr>
+              <a:t> </a:t>
+            </a:r>
+            <a:r>
+              <a:rPr lang="sk-SK" dirty="0" err="1">
+                <a:latin typeface="Consolas" panose="020B0609020204030204" pitchFamily="49" charset="0"/>
+                <a:cs typeface="Consolas" panose="020B0609020204030204" pitchFamily="49" charset="0"/>
+              </a:rPr>
+              <a:t>create</a:t>
+            </a:r>
+            <a:r>
+              <a:rPr lang="sk-SK" dirty="0">
+                <a:latin typeface="Consolas" panose="020B0609020204030204" pitchFamily="49" charset="0"/>
+                <a:cs typeface="Consolas" panose="020B0609020204030204" pitchFamily="49" charset="0"/>
+              </a:rPr>
+              <a:t>(</a:t>
+            </a:r>
+            <a:r>
+              <a:rPr lang="sk-SK" dirty="0" err="1">
+                <a:latin typeface="Consolas" panose="020B0609020204030204" pitchFamily="49" charset="0"/>
+                <a:cs typeface="Consolas" panose="020B0609020204030204" pitchFamily="49" charset="0"/>
+              </a:rPr>
+              <a:t>Vertx</a:t>
+            </a:r>
+            <a:r>
+              <a:rPr lang="sk-SK" dirty="0">
+                <a:latin typeface="Consolas" panose="020B0609020204030204" pitchFamily="49" charset="0"/>
+                <a:cs typeface="Consolas" panose="020B0609020204030204" pitchFamily="49" charset="0"/>
+              </a:rPr>
+              <a:t> </a:t>
+            </a:r>
+            <a:r>
+              <a:rPr lang="sk-SK" dirty="0" err="1">
+                <a:latin typeface="Consolas" panose="020B0609020204030204" pitchFamily="49" charset="0"/>
+                <a:cs typeface="Consolas" panose="020B0609020204030204" pitchFamily="49" charset="0"/>
+              </a:rPr>
+              <a:t>vertx</a:t>
+            </a:r>
+            <a:r>
+              <a:rPr lang="sk-SK" dirty="0">
+                <a:latin typeface="Consolas" panose="020B0609020204030204" pitchFamily="49" charset="0"/>
+                <a:cs typeface="Consolas" panose="020B0609020204030204" pitchFamily="49" charset="0"/>
+              </a:rPr>
+              <a:t>) {</a:t>
+            </a:r>
+          </a:p>
+          <a:p>
+            <a:r>
+              <a:rPr lang="sk-SK" dirty="0">
+                <a:latin typeface="Consolas" panose="020B0609020204030204" pitchFamily="49" charset="0"/>
+                <a:cs typeface="Consolas" panose="020B0609020204030204" pitchFamily="49" charset="0"/>
+              </a:rPr>
+              <a:t>    </a:t>
+            </a:r>
+            <a:r>
+              <a:rPr lang="sk-SK" dirty="0" err="1">
+                <a:latin typeface="Consolas" panose="020B0609020204030204" pitchFamily="49" charset="0"/>
+                <a:cs typeface="Consolas" panose="020B0609020204030204" pitchFamily="49" charset="0"/>
+              </a:rPr>
+              <a:t>return</a:t>
+            </a:r>
+            <a:r>
+              <a:rPr lang="sk-SK" dirty="0">
+                <a:latin typeface="Consolas" panose="020B0609020204030204" pitchFamily="49" charset="0"/>
+                <a:cs typeface="Consolas" panose="020B0609020204030204" pitchFamily="49" charset="0"/>
+              </a:rPr>
+              <a:t> new </a:t>
+            </a:r>
+            <a:r>
+              <a:rPr lang="sk-SK" dirty="0" err="1">
+                <a:latin typeface="Consolas" panose="020B0609020204030204" pitchFamily="49" charset="0"/>
+                <a:cs typeface="Consolas" panose="020B0609020204030204" pitchFamily="49" charset="0"/>
+              </a:rPr>
+              <a:t>SomeDatabaseServiceImpl</a:t>
+            </a:r>
+            <a:r>
+              <a:rPr lang="sk-SK" dirty="0">
+                <a:latin typeface="Consolas" panose="020B0609020204030204" pitchFamily="49" charset="0"/>
+                <a:cs typeface="Consolas" panose="020B0609020204030204" pitchFamily="49" charset="0"/>
+              </a:rPr>
+              <a:t>(</a:t>
+            </a:r>
+            <a:r>
+              <a:rPr lang="sk-SK" dirty="0" err="1">
+                <a:latin typeface="Consolas" panose="020B0609020204030204" pitchFamily="49" charset="0"/>
+                <a:cs typeface="Consolas" panose="020B0609020204030204" pitchFamily="49" charset="0"/>
+              </a:rPr>
+              <a:t>vertx</a:t>
+            </a:r>
+            <a:r>
+              <a:rPr lang="sk-SK" dirty="0">
+                <a:latin typeface="Consolas" panose="020B0609020204030204" pitchFamily="49" charset="0"/>
+                <a:cs typeface="Consolas" panose="020B0609020204030204" pitchFamily="49" charset="0"/>
+              </a:rPr>
+              <a:t>);</a:t>
+            </a:r>
+          </a:p>
+          <a:p>
+            <a:r>
+              <a:rPr lang="sk-SK" dirty="0">
+                <a:latin typeface="Consolas" panose="020B0609020204030204" pitchFamily="49" charset="0"/>
+                <a:cs typeface="Consolas" panose="020B0609020204030204" pitchFamily="49" charset="0"/>
+              </a:rPr>
+              <a:t>  }</a:t>
+            </a:r>
+          </a:p>
+          <a:p>
+            <a:endParaRPr lang="sk-SK" dirty="0">
+              <a:latin typeface="Consolas" panose="020B0609020204030204" pitchFamily="49" charset="0"/>
+              <a:cs typeface="Consolas" panose="020B0609020204030204" pitchFamily="49" charset="0"/>
+            </a:endParaRPr>
+          </a:p>
+          <a:p>
+            <a:r>
+              <a:rPr lang="sk-SK" dirty="0">
+                <a:latin typeface="Consolas" panose="020B0609020204030204" pitchFamily="49" charset="0"/>
+                <a:cs typeface="Consolas" panose="020B0609020204030204" pitchFamily="49" charset="0"/>
+              </a:rPr>
+              <a:t>  </a:t>
+            </a:r>
+            <a:r>
+              <a:rPr lang="sk-SK" dirty="0" err="1">
+                <a:latin typeface="Consolas" panose="020B0609020204030204" pitchFamily="49" charset="0"/>
+                <a:cs typeface="Consolas" panose="020B0609020204030204" pitchFamily="49" charset="0"/>
+              </a:rPr>
+              <a:t>static</a:t>
+            </a:r>
+            <a:r>
+              <a:rPr lang="sk-SK" dirty="0">
+                <a:latin typeface="Consolas" panose="020B0609020204030204" pitchFamily="49" charset="0"/>
+                <a:cs typeface="Consolas" panose="020B0609020204030204" pitchFamily="49" charset="0"/>
+              </a:rPr>
+              <a:t> </a:t>
+            </a:r>
+            <a:r>
+              <a:rPr lang="sk-SK" dirty="0" err="1">
+                <a:latin typeface="Consolas" panose="020B0609020204030204" pitchFamily="49" charset="0"/>
+                <a:cs typeface="Consolas" panose="020B0609020204030204" pitchFamily="49" charset="0"/>
+              </a:rPr>
+              <a:t>SomeDatabaseService</a:t>
+            </a:r>
+            <a:r>
+              <a:rPr lang="sk-SK" dirty="0">
+                <a:latin typeface="Consolas" panose="020B0609020204030204" pitchFamily="49" charset="0"/>
+                <a:cs typeface="Consolas" panose="020B0609020204030204" pitchFamily="49" charset="0"/>
+              </a:rPr>
+              <a:t> </a:t>
+            </a:r>
+            <a:r>
+              <a:rPr lang="sk-SK" dirty="0" err="1">
+                <a:latin typeface="Consolas" panose="020B0609020204030204" pitchFamily="49" charset="0"/>
+                <a:cs typeface="Consolas" panose="020B0609020204030204" pitchFamily="49" charset="0"/>
+              </a:rPr>
+              <a:t>createProxy</a:t>
+            </a:r>
+            <a:r>
+              <a:rPr lang="sk-SK" dirty="0">
+                <a:latin typeface="Consolas" panose="020B0609020204030204" pitchFamily="49" charset="0"/>
+                <a:cs typeface="Consolas" panose="020B0609020204030204" pitchFamily="49" charset="0"/>
+              </a:rPr>
+              <a:t>(</a:t>
+            </a:r>
+            <a:r>
+              <a:rPr lang="sk-SK" dirty="0" err="1">
+                <a:latin typeface="Consolas" panose="020B0609020204030204" pitchFamily="49" charset="0"/>
+                <a:cs typeface="Consolas" panose="020B0609020204030204" pitchFamily="49" charset="0"/>
+              </a:rPr>
+              <a:t>Vertx</a:t>
+            </a:r>
+            <a:r>
+              <a:rPr lang="sk-SK" dirty="0">
+                <a:latin typeface="Consolas" panose="020B0609020204030204" pitchFamily="49" charset="0"/>
+                <a:cs typeface="Consolas" panose="020B0609020204030204" pitchFamily="49" charset="0"/>
+              </a:rPr>
+              <a:t> </a:t>
+            </a:r>
+            <a:r>
+              <a:rPr lang="sk-SK" dirty="0" err="1">
+                <a:latin typeface="Consolas" panose="020B0609020204030204" pitchFamily="49" charset="0"/>
+                <a:cs typeface="Consolas" panose="020B0609020204030204" pitchFamily="49" charset="0"/>
+              </a:rPr>
+              <a:t>vertx</a:t>
+            </a:r>
+            <a:r>
+              <a:rPr lang="sk-SK" dirty="0">
+                <a:latin typeface="Consolas" panose="020B0609020204030204" pitchFamily="49" charset="0"/>
+                <a:cs typeface="Consolas" panose="020B0609020204030204" pitchFamily="49" charset="0"/>
+              </a:rPr>
+              <a:t>,</a:t>
+            </a:r>
+          </a:p>
+          <a:p>
+            <a:r>
+              <a:rPr lang="sk-SK" dirty="0">
+                <a:latin typeface="Consolas" panose="020B0609020204030204" pitchFamily="49" charset="0"/>
+                <a:cs typeface="Consolas" panose="020B0609020204030204" pitchFamily="49" charset="0"/>
+              </a:rPr>
+              <a:t>    </a:t>
+            </a:r>
+            <a:r>
+              <a:rPr lang="sk-SK" dirty="0" err="1">
+                <a:latin typeface="Consolas" panose="020B0609020204030204" pitchFamily="49" charset="0"/>
+                <a:cs typeface="Consolas" panose="020B0609020204030204" pitchFamily="49" charset="0"/>
+              </a:rPr>
+              <a:t>String</a:t>
+            </a:r>
+            <a:r>
+              <a:rPr lang="sk-SK" dirty="0">
+                <a:latin typeface="Consolas" panose="020B0609020204030204" pitchFamily="49" charset="0"/>
+                <a:cs typeface="Consolas" panose="020B0609020204030204" pitchFamily="49" charset="0"/>
+              </a:rPr>
+              <a:t> </a:t>
+            </a:r>
+            <a:r>
+              <a:rPr lang="sk-SK" dirty="0" err="1">
+                <a:latin typeface="Consolas" panose="020B0609020204030204" pitchFamily="49" charset="0"/>
+                <a:cs typeface="Consolas" panose="020B0609020204030204" pitchFamily="49" charset="0"/>
+              </a:rPr>
+              <a:t>address</a:t>
+            </a:r>
+            <a:r>
+              <a:rPr lang="sk-SK" dirty="0">
+                <a:latin typeface="Consolas" panose="020B0609020204030204" pitchFamily="49" charset="0"/>
+                <a:cs typeface="Consolas" panose="020B0609020204030204" pitchFamily="49" charset="0"/>
+              </a:rPr>
+              <a:t>) {</a:t>
+            </a:r>
+          </a:p>
+          <a:p>
+            <a:r>
+              <a:rPr lang="sk-SK" dirty="0">
+                <a:latin typeface="Consolas" panose="020B0609020204030204" pitchFamily="49" charset="0"/>
+                <a:cs typeface="Consolas" panose="020B0609020204030204" pitchFamily="49" charset="0"/>
+              </a:rPr>
+              <a:t>    </a:t>
+            </a:r>
+            <a:r>
+              <a:rPr lang="sk-SK" dirty="0" err="1">
+                <a:latin typeface="Consolas" panose="020B0609020204030204" pitchFamily="49" charset="0"/>
+                <a:cs typeface="Consolas" panose="020B0609020204030204" pitchFamily="49" charset="0"/>
+              </a:rPr>
+              <a:t>return</a:t>
+            </a:r>
+            <a:r>
+              <a:rPr lang="sk-SK" dirty="0">
+                <a:latin typeface="Consolas" panose="020B0609020204030204" pitchFamily="49" charset="0"/>
+                <a:cs typeface="Consolas" panose="020B0609020204030204" pitchFamily="49" charset="0"/>
+              </a:rPr>
+              <a:t> new </a:t>
+            </a:r>
+            <a:r>
+              <a:rPr lang="sk-SK" dirty="0" err="1">
+                <a:latin typeface="Consolas" panose="020B0609020204030204" pitchFamily="49" charset="0"/>
+                <a:cs typeface="Consolas" panose="020B0609020204030204" pitchFamily="49" charset="0"/>
+              </a:rPr>
+              <a:t>SomeDatabaseServiceVertxEBProxy</a:t>
+            </a:r>
+            <a:r>
+              <a:rPr lang="sk-SK" dirty="0">
+                <a:latin typeface="Consolas" panose="020B0609020204030204" pitchFamily="49" charset="0"/>
+                <a:cs typeface="Consolas" panose="020B0609020204030204" pitchFamily="49" charset="0"/>
+              </a:rPr>
+              <a:t>(</a:t>
+            </a:r>
+            <a:r>
+              <a:rPr lang="sk-SK" dirty="0" err="1">
+                <a:latin typeface="Consolas" panose="020B0609020204030204" pitchFamily="49" charset="0"/>
+                <a:cs typeface="Consolas" panose="020B0609020204030204" pitchFamily="49" charset="0"/>
+              </a:rPr>
+              <a:t>vertx</a:t>
+            </a:r>
+            <a:r>
+              <a:rPr lang="sk-SK" dirty="0">
+                <a:latin typeface="Consolas" panose="020B0609020204030204" pitchFamily="49" charset="0"/>
+                <a:cs typeface="Consolas" panose="020B0609020204030204" pitchFamily="49" charset="0"/>
+              </a:rPr>
+              <a:t>, </a:t>
+            </a:r>
+            <a:r>
+              <a:rPr lang="sk-SK" dirty="0" err="1">
+                <a:latin typeface="Consolas" panose="020B0609020204030204" pitchFamily="49" charset="0"/>
+                <a:cs typeface="Consolas" panose="020B0609020204030204" pitchFamily="49" charset="0"/>
+              </a:rPr>
+              <a:t>address</a:t>
+            </a:r>
+            <a:r>
+              <a:rPr lang="sk-SK" dirty="0">
+                <a:latin typeface="Consolas" panose="020B0609020204030204" pitchFamily="49" charset="0"/>
+                <a:cs typeface="Consolas" panose="020B0609020204030204" pitchFamily="49" charset="0"/>
+              </a:rPr>
+              <a:t>);</a:t>
+            </a:r>
+          </a:p>
+          <a:p>
+            <a:r>
+              <a:rPr lang="sk-SK" dirty="0">
+                <a:latin typeface="Consolas" panose="020B0609020204030204" pitchFamily="49" charset="0"/>
+                <a:cs typeface="Consolas" panose="020B0609020204030204" pitchFamily="49" charset="0"/>
+              </a:rPr>
+              <a:t>  }</a:t>
+            </a:r>
+          </a:p>
+          <a:p>
+            <a:endParaRPr lang="sk-SK" dirty="0">
+              <a:latin typeface="Consolas" panose="020B0609020204030204" pitchFamily="49" charset="0"/>
+              <a:cs typeface="Consolas" panose="020B0609020204030204" pitchFamily="49" charset="0"/>
+            </a:endParaRPr>
+          </a:p>
+          <a:p>
+            <a:r>
+              <a:rPr lang="sk-SK" dirty="0">
+                <a:latin typeface="Consolas" panose="020B0609020204030204" pitchFamily="49" charset="0"/>
+                <a:cs typeface="Consolas" panose="020B0609020204030204" pitchFamily="49" charset="0"/>
+              </a:rPr>
+              <a:t> // </a:t>
+            </a:r>
+            <a:r>
+              <a:rPr lang="sk-SK" dirty="0" err="1">
+                <a:latin typeface="Consolas" panose="020B0609020204030204" pitchFamily="49" charset="0"/>
+                <a:cs typeface="Consolas" panose="020B0609020204030204" pitchFamily="49" charset="0"/>
+              </a:rPr>
+              <a:t>Actual</a:t>
+            </a:r>
+            <a:r>
+              <a:rPr lang="sk-SK" dirty="0">
+                <a:latin typeface="Consolas" panose="020B0609020204030204" pitchFamily="49" charset="0"/>
+                <a:cs typeface="Consolas" panose="020B0609020204030204" pitchFamily="49" charset="0"/>
+              </a:rPr>
+              <a:t> </a:t>
+            </a:r>
+            <a:r>
+              <a:rPr lang="sk-SK" dirty="0" err="1">
+                <a:latin typeface="Consolas" panose="020B0609020204030204" pitchFamily="49" charset="0"/>
+                <a:cs typeface="Consolas" panose="020B0609020204030204" pitchFamily="49" charset="0"/>
+              </a:rPr>
+              <a:t>service</a:t>
+            </a:r>
+            <a:r>
+              <a:rPr lang="sk-SK" dirty="0">
+                <a:latin typeface="Consolas" panose="020B0609020204030204" pitchFamily="49" charset="0"/>
+                <a:cs typeface="Consolas" panose="020B0609020204030204" pitchFamily="49" charset="0"/>
+              </a:rPr>
+              <a:t> </a:t>
+            </a:r>
+            <a:r>
+              <a:rPr lang="sk-SK" dirty="0" err="1">
+                <a:latin typeface="Consolas" panose="020B0609020204030204" pitchFamily="49" charset="0"/>
+                <a:cs typeface="Consolas" panose="020B0609020204030204" pitchFamily="49" charset="0"/>
+              </a:rPr>
+              <a:t>operations</a:t>
+            </a:r>
+            <a:r>
+              <a:rPr lang="sk-SK" dirty="0">
+                <a:latin typeface="Consolas" panose="020B0609020204030204" pitchFamily="49" charset="0"/>
+                <a:cs typeface="Consolas" panose="020B0609020204030204" pitchFamily="49" charset="0"/>
+              </a:rPr>
+              <a:t> </a:t>
+            </a:r>
+            <a:r>
+              <a:rPr lang="sk-SK" dirty="0" err="1">
+                <a:latin typeface="Consolas" panose="020B0609020204030204" pitchFamily="49" charset="0"/>
+                <a:cs typeface="Consolas" panose="020B0609020204030204" pitchFamily="49" charset="0"/>
+              </a:rPr>
+              <a:t>here</a:t>
+            </a:r>
+            <a:r>
+              <a:rPr lang="sk-SK" dirty="0">
+                <a:latin typeface="Consolas" panose="020B0609020204030204" pitchFamily="49" charset="0"/>
+                <a:cs typeface="Consolas" panose="020B0609020204030204" pitchFamily="49" charset="0"/>
+              </a:rPr>
+              <a:t>...</a:t>
+            </a:r>
+          </a:p>
+          <a:p>
+            <a:r>
+              <a:rPr lang="sk-SK" dirty="0">
+                <a:latin typeface="Consolas" panose="020B0609020204030204" pitchFamily="49" charset="0"/>
+                <a:cs typeface="Consolas" panose="020B0609020204030204" pitchFamily="49" charset="0"/>
+              </a:rPr>
+              <a:t> </a:t>
+            </a:r>
+            <a:r>
+              <a:rPr lang="sk-SK" dirty="0" err="1">
+                <a:latin typeface="Consolas" panose="020B0609020204030204" pitchFamily="49" charset="0"/>
+                <a:cs typeface="Consolas" panose="020B0609020204030204" pitchFamily="49" charset="0"/>
+              </a:rPr>
+              <a:t>void</a:t>
+            </a:r>
+            <a:r>
+              <a:rPr lang="sk-SK" dirty="0">
+                <a:latin typeface="Consolas" panose="020B0609020204030204" pitchFamily="49" charset="0"/>
+                <a:cs typeface="Consolas" panose="020B0609020204030204" pitchFamily="49" charset="0"/>
+              </a:rPr>
+              <a:t> </a:t>
+            </a:r>
+            <a:r>
+              <a:rPr lang="sk-SK" dirty="0" err="1">
+                <a:latin typeface="Consolas" panose="020B0609020204030204" pitchFamily="49" charset="0"/>
+                <a:cs typeface="Consolas" panose="020B0609020204030204" pitchFamily="49" charset="0"/>
+              </a:rPr>
+              <a:t>save</a:t>
+            </a:r>
+            <a:r>
+              <a:rPr lang="sk-SK" dirty="0">
+                <a:latin typeface="Consolas" panose="020B0609020204030204" pitchFamily="49" charset="0"/>
+                <a:cs typeface="Consolas" panose="020B0609020204030204" pitchFamily="49" charset="0"/>
+              </a:rPr>
+              <a:t>(</a:t>
+            </a:r>
+            <a:r>
+              <a:rPr lang="sk-SK" dirty="0" err="1">
+                <a:latin typeface="Consolas" panose="020B0609020204030204" pitchFamily="49" charset="0"/>
+                <a:cs typeface="Consolas" panose="020B0609020204030204" pitchFamily="49" charset="0"/>
+              </a:rPr>
+              <a:t>String</a:t>
+            </a:r>
+            <a:r>
+              <a:rPr lang="sk-SK" dirty="0">
+                <a:latin typeface="Consolas" panose="020B0609020204030204" pitchFamily="49" charset="0"/>
+                <a:cs typeface="Consolas" panose="020B0609020204030204" pitchFamily="49" charset="0"/>
+              </a:rPr>
+              <a:t> </a:t>
+            </a:r>
+            <a:r>
+              <a:rPr lang="sk-SK" dirty="0" err="1">
+                <a:latin typeface="Consolas" panose="020B0609020204030204" pitchFamily="49" charset="0"/>
+                <a:cs typeface="Consolas" panose="020B0609020204030204" pitchFamily="49" charset="0"/>
+              </a:rPr>
+              <a:t>collection</a:t>
+            </a:r>
+            <a:r>
+              <a:rPr lang="sk-SK" dirty="0">
+                <a:latin typeface="Consolas" panose="020B0609020204030204" pitchFamily="49" charset="0"/>
+                <a:cs typeface="Consolas" panose="020B0609020204030204" pitchFamily="49" charset="0"/>
+              </a:rPr>
+              <a:t>, </a:t>
+            </a:r>
+            <a:r>
+              <a:rPr lang="sk-SK" dirty="0" err="1">
+                <a:latin typeface="Consolas" panose="020B0609020204030204" pitchFamily="49" charset="0"/>
+                <a:cs typeface="Consolas" panose="020B0609020204030204" pitchFamily="49" charset="0"/>
+              </a:rPr>
+              <a:t>JsonObject</a:t>
+            </a:r>
+            <a:r>
+              <a:rPr lang="sk-SK" dirty="0">
+                <a:latin typeface="Consolas" panose="020B0609020204030204" pitchFamily="49" charset="0"/>
+                <a:cs typeface="Consolas" panose="020B0609020204030204" pitchFamily="49" charset="0"/>
+              </a:rPr>
+              <a:t> </a:t>
+            </a:r>
+            <a:r>
+              <a:rPr lang="sk-SK" dirty="0" err="1">
+                <a:latin typeface="Consolas" panose="020B0609020204030204" pitchFamily="49" charset="0"/>
+                <a:cs typeface="Consolas" panose="020B0609020204030204" pitchFamily="49" charset="0"/>
+              </a:rPr>
+              <a:t>document</a:t>
+            </a:r>
+            <a:r>
+              <a:rPr lang="sk-SK" dirty="0">
+                <a:latin typeface="Consolas" panose="020B0609020204030204" pitchFamily="49" charset="0"/>
+                <a:cs typeface="Consolas" panose="020B0609020204030204" pitchFamily="49" charset="0"/>
+              </a:rPr>
+              <a:t>,</a:t>
+            </a:r>
+          </a:p>
+          <a:p>
+            <a:r>
+              <a:rPr lang="sk-SK" dirty="0">
+                <a:latin typeface="Consolas" panose="020B0609020204030204" pitchFamily="49" charset="0"/>
+                <a:cs typeface="Consolas" panose="020B0609020204030204" pitchFamily="49" charset="0"/>
+              </a:rPr>
+              <a:t>   </a:t>
+            </a:r>
+            <a:r>
+              <a:rPr lang="sk-SK" dirty="0" err="1">
+                <a:latin typeface="Consolas" panose="020B0609020204030204" pitchFamily="49" charset="0"/>
+                <a:cs typeface="Consolas" panose="020B0609020204030204" pitchFamily="49" charset="0"/>
+              </a:rPr>
+              <a:t>Handler</a:t>
+            </a:r>
+            <a:r>
+              <a:rPr lang="sk-SK" dirty="0">
+                <a:latin typeface="Consolas" panose="020B0609020204030204" pitchFamily="49" charset="0"/>
+                <a:cs typeface="Consolas" panose="020B0609020204030204" pitchFamily="49" charset="0"/>
+              </a:rPr>
+              <a:t>&lt;</a:t>
+            </a:r>
+            <a:r>
+              <a:rPr lang="sk-SK" dirty="0" err="1">
+                <a:latin typeface="Consolas" panose="020B0609020204030204" pitchFamily="49" charset="0"/>
+                <a:cs typeface="Consolas" panose="020B0609020204030204" pitchFamily="49" charset="0"/>
+              </a:rPr>
+              <a:t>AsyncResult</a:t>
+            </a:r>
+            <a:r>
+              <a:rPr lang="sk-SK" dirty="0">
+                <a:latin typeface="Consolas" panose="020B0609020204030204" pitchFamily="49" charset="0"/>
+                <a:cs typeface="Consolas" panose="020B0609020204030204" pitchFamily="49" charset="0"/>
+              </a:rPr>
+              <a:t>&lt;</a:t>
+            </a:r>
+            <a:r>
+              <a:rPr lang="sk-SK" dirty="0" err="1">
+                <a:latin typeface="Consolas" panose="020B0609020204030204" pitchFamily="49" charset="0"/>
+                <a:cs typeface="Consolas" panose="020B0609020204030204" pitchFamily="49" charset="0"/>
+              </a:rPr>
+              <a:t>Void</a:t>
+            </a:r>
+            <a:r>
+              <a:rPr lang="sk-SK" dirty="0">
+                <a:latin typeface="Consolas" panose="020B0609020204030204" pitchFamily="49" charset="0"/>
+                <a:cs typeface="Consolas" panose="020B0609020204030204" pitchFamily="49" charset="0"/>
+              </a:rPr>
+              <a:t>&gt;&gt; </a:t>
+            </a:r>
+            <a:r>
+              <a:rPr lang="sk-SK" dirty="0" err="1">
+                <a:latin typeface="Consolas" panose="020B0609020204030204" pitchFamily="49" charset="0"/>
+                <a:cs typeface="Consolas" panose="020B0609020204030204" pitchFamily="49" charset="0"/>
+              </a:rPr>
+              <a:t>resultHandler</a:t>
+            </a:r>
+            <a:r>
+              <a:rPr lang="sk-SK" dirty="0">
+                <a:latin typeface="Consolas" panose="020B0609020204030204" pitchFamily="49" charset="0"/>
+                <a:cs typeface="Consolas" panose="020B0609020204030204" pitchFamily="49" charset="0"/>
+              </a:rPr>
+              <a:t>);</a:t>
+            </a:r>
+          </a:p>
+          <a:p>
+            <a:r>
+              <a:rPr lang="sk-SK" dirty="0">
+                <a:latin typeface="Consolas" panose="020B0609020204030204" pitchFamily="49" charset="0"/>
+                <a:cs typeface="Consolas" panose="020B0609020204030204" pitchFamily="49" charset="0"/>
+              </a:rPr>
+              <a:t>}</a:t>
+            </a:r>
+          </a:p>
+        </p:txBody>
+      </p:sp>
+    </p:spTree>
+    <p:extLst>
+      <p:ext uri="{BB962C8B-B14F-4D97-AF65-F5344CB8AC3E}">
+        <p14:creationId xmlns:p14="http://schemas.microsoft.com/office/powerpoint/2010/main" val="1493733478"/>
+      </p:ext>
+    </p:extLst>
+  </p:cSld>
+  <p:clrMapOvr>
+    <a:masterClrMapping/>
+  </p:clrMapOvr>
+</p:sld>
+</file>
+
+<file path=ppt/slides/slide13.xml><?xml version="1.0" encoding="utf-8"?>
+<p:sld xmlns:a="http://schemas.openxmlformats.org/drawingml/2006/main" xmlns:r="http://schemas.openxmlformats.org/officeDocument/2006/relationships" xmlns:p="http://schemas.openxmlformats.org/presentationml/2006/main">
+  <p:cSld>
+    <p:spTree>
+      <p:nvGrpSpPr>
+        <p:cNvPr id="1" name=""/>
+        <p:cNvGrpSpPr/>
+        <p:nvPr/>
+      </p:nvGrpSpPr>
+      <p:grpSpPr>
+        <a:xfrm>
+          <a:off x="0" y="0"/>
+          <a:ext cx="0" cy="0"/>
+          <a:chOff x="0" y="0"/>
+          <a:chExt cx="0" cy="0"/>
+        </a:xfrm>
+      </p:grpSpPr>
+      <p:sp>
+        <p:nvSpPr>
+          <p:cNvPr id="2" name="Nadpis 1"/>
+          <p:cNvSpPr>
+            <a:spLocks noGrp="1"/>
+          </p:cNvSpPr>
+          <p:nvPr>
+            <p:ph type="title"/>
+          </p:nvPr>
+        </p:nvSpPr>
+        <p:spPr/>
+        <p:txBody>
+          <a:bodyPr/>
+          <a:lstStyle/>
+          <a:p>
+            <a:r>
+              <a:rPr lang="en-US" dirty="0" err="1"/>
+              <a:t>Eventbus</a:t>
+            </a:r>
+            <a:r>
+              <a:rPr lang="en-US" dirty="0"/>
+              <a:t>: </a:t>
+            </a:r>
+            <a:br>
+              <a:rPr lang="en-US" dirty="0"/>
+            </a:br>
+            <a:r>
+              <a:rPr lang="en-US" dirty="0"/>
+              <a:t>Service proxies</a:t>
+            </a:r>
+            <a:endParaRPr lang="sk-SK" dirty="0"/>
+          </a:p>
+        </p:txBody>
+      </p:sp>
+      <p:sp>
+        <p:nvSpPr>
+          <p:cNvPr id="5" name="BlokTextu 4"/>
+          <p:cNvSpPr txBox="1"/>
+          <p:nvPr/>
+        </p:nvSpPr>
+        <p:spPr>
+          <a:xfrm>
+            <a:off x="107504" y="1600200"/>
+            <a:ext cx="8784976" cy="3416320"/>
+          </a:xfrm>
+          <a:prstGeom prst="rect">
+            <a:avLst/>
+          </a:prstGeom>
+          <a:noFill/>
+        </p:spPr>
+        <p:txBody>
+          <a:bodyPr wrap="square" rtlCol="0">
+            <a:spAutoFit/>
+          </a:bodyPr>
+          <a:lstStyle/>
+          <a:p>
+            <a:r>
+              <a:rPr lang="sk-SK" dirty="0" err="1">
+                <a:latin typeface="Consolas" panose="020B0609020204030204" pitchFamily="49" charset="0"/>
+                <a:cs typeface="Consolas" panose="020B0609020204030204" pitchFamily="49" charset="0"/>
+              </a:rPr>
+              <a:t>SomeDatabaseService</a:t>
+            </a:r>
+            <a:r>
+              <a:rPr lang="sk-SK" dirty="0">
+                <a:latin typeface="Consolas" panose="020B0609020204030204" pitchFamily="49" charset="0"/>
+                <a:cs typeface="Consolas" panose="020B0609020204030204" pitchFamily="49" charset="0"/>
+              </a:rPr>
+              <a:t> </a:t>
+            </a:r>
+            <a:r>
+              <a:rPr lang="sk-SK" dirty="0" err="1">
+                <a:latin typeface="Consolas" panose="020B0609020204030204" pitchFamily="49" charset="0"/>
+                <a:cs typeface="Consolas" panose="020B0609020204030204" pitchFamily="49" charset="0"/>
+              </a:rPr>
+              <a:t>service</a:t>
+            </a:r>
+            <a:r>
+              <a:rPr lang="sk-SK" dirty="0">
+                <a:latin typeface="Consolas" panose="020B0609020204030204" pitchFamily="49" charset="0"/>
+                <a:cs typeface="Consolas" panose="020B0609020204030204" pitchFamily="49" charset="0"/>
+              </a:rPr>
+              <a:t> = </a:t>
+            </a:r>
+            <a:r>
+              <a:rPr lang="sk-SK" dirty="0" err="1">
+                <a:latin typeface="Consolas" panose="020B0609020204030204" pitchFamily="49" charset="0"/>
+                <a:cs typeface="Consolas" panose="020B0609020204030204" pitchFamily="49" charset="0"/>
+              </a:rPr>
+              <a:t>SomeDatabaseService.createProxy</a:t>
+            </a:r>
+            <a:r>
+              <a:rPr lang="sk-SK" dirty="0">
+                <a:latin typeface="Consolas" panose="020B0609020204030204" pitchFamily="49" charset="0"/>
+                <a:cs typeface="Consolas" panose="020B0609020204030204" pitchFamily="49" charset="0"/>
+              </a:rPr>
+              <a:t>(</a:t>
+            </a:r>
+            <a:r>
+              <a:rPr lang="sk-SK" dirty="0" err="1">
+                <a:latin typeface="Consolas" panose="020B0609020204030204" pitchFamily="49" charset="0"/>
+                <a:cs typeface="Consolas" panose="020B0609020204030204" pitchFamily="49" charset="0"/>
+              </a:rPr>
+              <a:t>vertx</a:t>
+            </a:r>
+            <a:r>
+              <a:rPr lang="sk-SK" dirty="0">
+                <a:latin typeface="Consolas" panose="020B0609020204030204" pitchFamily="49" charset="0"/>
+                <a:cs typeface="Consolas" panose="020B0609020204030204" pitchFamily="49" charset="0"/>
+              </a:rPr>
+              <a:t>,</a:t>
+            </a:r>
+          </a:p>
+          <a:p>
+            <a:r>
+              <a:rPr lang="sk-SK" dirty="0">
+                <a:latin typeface="Consolas" panose="020B0609020204030204" pitchFamily="49" charset="0"/>
+                <a:cs typeface="Consolas" panose="020B0609020204030204" pitchFamily="49" charset="0"/>
+              </a:rPr>
+              <a:t>    "</a:t>
+            </a:r>
+            <a:r>
+              <a:rPr lang="sk-SK" dirty="0" err="1">
+                <a:latin typeface="Consolas" panose="020B0609020204030204" pitchFamily="49" charset="0"/>
+                <a:cs typeface="Consolas" panose="020B0609020204030204" pitchFamily="49" charset="0"/>
+              </a:rPr>
+              <a:t>database-service-address</a:t>
+            </a:r>
+            <a:r>
+              <a:rPr lang="sk-SK" dirty="0">
+                <a:latin typeface="Consolas" panose="020B0609020204030204" pitchFamily="49" charset="0"/>
+                <a:cs typeface="Consolas" panose="020B0609020204030204" pitchFamily="49" charset="0"/>
+              </a:rPr>
+              <a:t>");</a:t>
+            </a:r>
+          </a:p>
+          <a:p>
+            <a:endParaRPr lang="sk-SK" dirty="0">
+              <a:latin typeface="Consolas" panose="020B0609020204030204" pitchFamily="49" charset="0"/>
+              <a:cs typeface="Consolas" panose="020B0609020204030204" pitchFamily="49" charset="0"/>
+            </a:endParaRPr>
+          </a:p>
+          <a:p>
+            <a:r>
+              <a:rPr lang="sk-SK" dirty="0">
+                <a:latin typeface="Consolas" panose="020B0609020204030204" pitchFamily="49" charset="0"/>
+                <a:cs typeface="Consolas" panose="020B0609020204030204" pitchFamily="49" charset="0"/>
+              </a:rPr>
+              <a:t>// </a:t>
+            </a:r>
+            <a:r>
+              <a:rPr lang="sk-SK" dirty="0" err="1">
+                <a:latin typeface="Consolas" panose="020B0609020204030204" pitchFamily="49" charset="0"/>
+                <a:cs typeface="Consolas" panose="020B0609020204030204" pitchFamily="49" charset="0"/>
+              </a:rPr>
+              <a:t>Save</a:t>
+            </a:r>
+            <a:r>
+              <a:rPr lang="sk-SK" dirty="0">
+                <a:latin typeface="Consolas" panose="020B0609020204030204" pitchFamily="49" charset="0"/>
+                <a:cs typeface="Consolas" panose="020B0609020204030204" pitchFamily="49" charset="0"/>
+              </a:rPr>
+              <a:t> </a:t>
+            </a:r>
+            <a:r>
+              <a:rPr lang="sk-SK" dirty="0" err="1">
+                <a:latin typeface="Consolas" panose="020B0609020204030204" pitchFamily="49" charset="0"/>
+                <a:cs typeface="Consolas" panose="020B0609020204030204" pitchFamily="49" charset="0"/>
+              </a:rPr>
+              <a:t>some</a:t>
+            </a:r>
+            <a:r>
+              <a:rPr lang="sk-SK" dirty="0">
+                <a:latin typeface="Consolas" panose="020B0609020204030204" pitchFamily="49" charset="0"/>
+                <a:cs typeface="Consolas" panose="020B0609020204030204" pitchFamily="49" charset="0"/>
+              </a:rPr>
+              <a:t> </a:t>
+            </a:r>
+            <a:r>
+              <a:rPr lang="sk-SK" dirty="0" err="1">
+                <a:latin typeface="Consolas" panose="020B0609020204030204" pitchFamily="49" charset="0"/>
+                <a:cs typeface="Consolas" panose="020B0609020204030204" pitchFamily="49" charset="0"/>
+              </a:rPr>
+              <a:t>data</a:t>
+            </a:r>
+            <a:r>
+              <a:rPr lang="sk-SK" dirty="0">
+                <a:latin typeface="Consolas" panose="020B0609020204030204" pitchFamily="49" charset="0"/>
+                <a:cs typeface="Consolas" panose="020B0609020204030204" pitchFamily="49" charset="0"/>
+              </a:rPr>
+              <a:t> in </a:t>
+            </a:r>
+            <a:r>
+              <a:rPr lang="sk-SK" dirty="0" err="1">
+                <a:latin typeface="Consolas" panose="020B0609020204030204" pitchFamily="49" charset="0"/>
+                <a:cs typeface="Consolas" panose="020B0609020204030204" pitchFamily="49" charset="0"/>
+              </a:rPr>
+              <a:t>the</a:t>
+            </a:r>
+            <a:r>
+              <a:rPr lang="sk-SK" dirty="0">
+                <a:latin typeface="Consolas" panose="020B0609020204030204" pitchFamily="49" charset="0"/>
+                <a:cs typeface="Consolas" panose="020B0609020204030204" pitchFamily="49" charset="0"/>
+              </a:rPr>
+              <a:t> </a:t>
+            </a:r>
+            <a:r>
+              <a:rPr lang="sk-SK" dirty="0" err="1">
+                <a:latin typeface="Consolas" panose="020B0609020204030204" pitchFamily="49" charset="0"/>
+                <a:cs typeface="Consolas" panose="020B0609020204030204" pitchFamily="49" charset="0"/>
+              </a:rPr>
+              <a:t>database</a:t>
+            </a:r>
+            <a:r>
+              <a:rPr lang="sk-SK" dirty="0">
+                <a:latin typeface="Consolas" panose="020B0609020204030204" pitchFamily="49" charset="0"/>
+                <a:cs typeface="Consolas" panose="020B0609020204030204" pitchFamily="49" charset="0"/>
+              </a:rPr>
+              <a:t> - </a:t>
+            </a:r>
+            <a:r>
+              <a:rPr lang="sk-SK" dirty="0" err="1">
+                <a:latin typeface="Consolas" panose="020B0609020204030204" pitchFamily="49" charset="0"/>
+                <a:cs typeface="Consolas" panose="020B0609020204030204" pitchFamily="49" charset="0"/>
+              </a:rPr>
+              <a:t>this</a:t>
+            </a:r>
+            <a:r>
+              <a:rPr lang="sk-SK" dirty="0">
+                <a:latin typeface="Consolas" panose="020B0609020204030204" pitchFamily="49" charset="0"/>
+                <a:cs typeface="Consolas" panose="020B0609020204030204" pitchFamily="49" charset="0"/>
+              </a:rPr>
+              <a:t> </a:t>
+            </a:r>
+            <a:r>
+              <a:rPr lang="sk-SK" dirty="0" err="1">
+                <a:latin typeface="Consolas" panose="020B0609020204030204" pitchFamily="49" charset="0"/>
+                <a:cs typeface="Consolas" panose="020B0609020204030204" pitchFamily="49" charset="0"/>
+              </a:rPr>
+              <a:t>time</a:t>
+            </a:r>
+            <a:r>
+              <a:rPr lang="sk-SK" dirty="0">
+                <a:latin typeface="Consolas" panose="020B0609020204030204" pitchFamily="49" charset="0"/>
+                <a:cs typeface="Consolas" panose="020B0609020204030204" pitchFamily="49" charset="0"/>
+              </a:rPr>
+              <a:t> </a:t>
+            </a:r>
+            <a:r>
+              <a:rPr lang="sk-SK" dirty="0" err="1">
+                <a:latin typeface="Consolas" panose="020B0609020204030204" pitchFamily="49" charset="0"/>
+                <a:cs typeface="Consolas" panose="020B0609020204030204" pitchFamily="49" charset="0"/>
+              </a:rPr>
+              <a:t>using</a:t>
+            </a:r>
+            <a:r>
+              <a:rPr lang="sk-SK" dirty="0">
+                <a:latin typeface="Consolas" panose="020B0609020204030204" pitchFamily="49" charset="0"/>
+                <a:cs typeface="Consolas" panose="020B0609020204030204" pitchFamily="49" charset="0"/>
+              </a:rPr>
+              <a:t> </a:t>
+            </a:r>
+            <a:r>
+              <a:rPr lang="sk-SK" dirty="0" err="1">
+                <a:latin typeface="Consolas" panose="020B0609020204030204" pitchFamily="49" charset="0"/>
+                <a:cs typeface="Consolas" panose="020B0609020204030204" pitchFamily="49" charset="0"/>
+              </a:rPr>
+              <a:t>the</a:t>
+            </a:r>
+            <a:r>
+              <a:rPr lang="sk-SK" dirty="0">
+                <a:latin typeface="Consolas" panose="020B0609020204030204" pitchFamily="49" charset="0"/>
+                <a:cs typeface="Consolas" panose="020B0609020204030204" pitchFamily="49" charset="0"/>
+              </a:rPr>
+              <a:t> proxy</a:t>
+            </a:r>
+          </a:p>
+          <a:p>
+            <a:r>
+              <a:rPr lang="sk-SK" dirty="0" err="1">
+                <a:latin typeface="Consolas" panose="020B0609020204030204" pitchFamily="49" charset="0"/>
+                <a:cs typeface="Consolas" panose="020B0609020204030204" pitchFamily="49" charset="0"/>
+              </a:rPr>
+              <a:t>service.save</a:t>
+            </a:r>
+            <a:r>
+              <a:rPr lang="sk-SK" dirty="0">
+                <a:latin typeface="Consolas" panose="020B0609020204030204" pitchFamily="49" charset="0"/>
+                <a:cs typeface="Consolas" panose="020B0609020204030204" pitchFamily="49" charset="0"/>
+              </a:rPr>
+              <a:t>("</a:t>
+            </a:r>
+            <a:r>
+              <a:rPr lang="sk-SK" dirty="0" err="1">
+                <a:latin typeface="Consolas" panose="020B0609020204030204" pitchFamily="49" charset="0"/>
+                <a:cs typeface="Consolas" panose="020B0609020204030204" pitchFamily="49" charset="0"/>
+              </a:rPr>
+              <a:t>mycollection</a:t>
+            </a:r>
+            <a:r>
+              <a:rPr lang="sk-SK" dirty="0">
+                <a:latin typeface="Consolas" panose="020B0609020204030204" pitchFamily="49" charset="0"/>
+                <a:cs typeface="Consolas" panose="020B0609020204030204" pitchFamily="49" charset="0"/>
+              </a:rPr>
+              <a:t>", new </a:t>
+            </a:r>
+            <a:r>
+              <a:rPr lang="sk-SK" dirty="0" err="1">
+                <a:latin typeface="Consolas" panose="020B0609020204030204" pitchFamily="49" charset="0"/>
+                <a:cs typeface="Consolas" panose="020B0609020204030204" pitchFamily="49" charset="0"/>
+              </a:rPr>
+              <a:t>JsonObject</a:t>
+            </a:r>
+            <a:r>
+              <a:rPr lang="sk-SK" dirty="0">
+                <a:latin typeface="Consolas" panose="020B0609020204030204" pitchFamily="49" charset="0"/>
+                <a:cs typeface="Consolas" panose="020B0609020204030204" pitchFamily="49" charset="0"/>
+              </a:rPr>
+              <a:t>().</a:t>
+            </a:r>
+            <a:r>
+              <a:rPr lang="sk-SK" dirty="0" err="1">
+                <a:latin typeface="Consolas" panose="020B0609020204030204" pitchFamily="49" charset="0"/>
+                <a:cs typeface="Consolas" panose="020B0609020204030204" pitchFamily="49" charset="0"/>
+              </a:rPr>
+              <a:t>put</a:t>
+            </a:r>
+            <a:r>
+              <a:rPr lang="sk-SK" dirty="0">
+                <a:latin typeface="Consolas" panose="020B0609020204030204" pitchFamily="49" charset="0"/>
+                <a:cs typeface="Consolas" panose="020B0609020204030204" pitchFamily="49" charset="0"/>
+              </a:rPr>
+              <a:t>("</a:t>
+            </a:r>
+            <a:r>
+              <a:rPr lang="sk-SK" dirty="0" err="1">
+                <a:latin typeface="Consolas" panose="020B0609020204030204" pitchFamily="49" charset="0"/>
+                <a:cs typeface="Consolas" panose="020B0609020204030204" pitchFamily="49" charset="0"/>
+              </a:rPr>
+              <a:t>name</a:t>
+            </a:r>
+            <a:r>
+              <a:rPr lang="sk-SK" dirty="0">
+                <a:latin typeface="Consolas" panose="020B0609020204030204" pitchFamily="49" charset="0"/>
+                <a:cs typeface="Consolas" panose="020B0609020204030204" pitchFamily="49" charset="0"/>
+              </a:rPr>
+              <a:t>", "</a:t>
+            </a:r>
+            <a:r>
+              <a:rPr lang="sk-SK" dirty="0" err="1">
+                <a:latin typeface="Consolas" panose="020B0609020204030204" pitchFamily="49" charset="0"/>
+                <a:cs typeface="Consolas" panose="020B0609020204030204" pitchFamily="49" charset="0"/>
+              </a:rPr>
+              <a:t>tim</a:t>
+            </a:r>
+            <a:r>
+              <a:rPr lang="sk-SK" dirty="0">
+                <a:latin typeface="Consolas" panose="020B0609020204030204" pitchFamily="49" charset="0"/>
+                <a:cs typeface="Consolas" panose="020B0609020204030204" pitchFamily="49" charset="0"/>
+              </a:rPr>
+              <a:t>"), res2 -&gt; {</a:t>
+            </a:r>
+          </a:p>
+          <a:p>
+            <a:r>
+              <a:rPr lang="sk-SK" dirty="0">
+                <a:latin typeface="Consolas" panose="020B0609020204030204" pitchFamily="49" charset="0"/>
+                <a:cs typeface="Consolas" panose="020B0609020204030204" pitchFamily="49" charset="0"/>
+              </a:rPr>
+              <a:t>  </a:t>
+            </a:r>
+            <a:r>
+              <a:rPr lang="sk-SK" dirty="0" err="1">
+                <a:latin typeface="Consolas" panose="020B0609020204030204" pitchFamily="49" charset="0"/>
+                <a:cs typeface="Consolas" panose="020B0609020204030204" pitchFamily="49" charset="0"/>
+              </a:rPr>
+              <a:t>if</a:t>
+            </a:r>
+            <a:r>
+              <a:rPr lang="sk-SK" dirty="0">
+                <a:latin typeface="Consolas" panose="020B0609020204030204" pitchFamily="49" charset="0"/>
+                <a:cs typeface="Consolas" panose="020B0609020204030204" pitchFamily="49" charset="0"/>
+              </a:rPr>
+              <a:t> (res2.succeeded()) {</a:t>
+            </a:r>
+          </a:p>
+          <a:p>
+            <a:r>
+              <a:rPr lang="sk-SK" dirty="0">
+                <a:latin typeface="Consolas" panose="020B0609020204030204" pitchFamily="49" charset="0"/>
+                <a:cs typeface="Consolas" panose="020B0609020204030204" pitchFamily="49" charset="0"/>
+              </a:rPr>
+              <a:t>    // done</a:t>
+            </a:r>
+          </a:p>
+          <a:p>
+            <a:r>
+              <a:rPr lang="sk-SK" dirty="0">
+                <a:latin typeface="Consolas" panose="020B0609020204030204" pitchFamily="49" charset="0"/>
+                <a:cs typeface="Consolas" panose="020B0609020204030204" pitchFamily="49" charset="0"/>
+              </a:rPr>
+              <a:t>  }</a:t>
+            </a:r>
+          </a:p>
+          <a:p>
+            <a:r>
+              <a:rPr lang="sk-SK" dirty="0">
+                <a:latin typeface="Consolas" panose="020B0609020204030204" pitchFamily="49" charset="0"/>
+                <a:cs typeface="Consolas" panose="020B0609020204030204" pitchFamily="49" charset="0"/>
+              </a:rPr>
+              <a:t>});</a:t>
+            </a:r>
+            <a:endParaRPr lang="en-US" dirty="0">
+              <a:latin typeface="Consolas" panose="020B0609020204030204" pitchFamily="49" charset="0"/>
+              <a:cs typeface="Consolas" panose="020B0609020204030204" pitchFamily="49" charset="0"/>
+            </a:endParaRPr>
+          </a:p>
+          <a:p>
+            <a:endParaRPr lang="en-US" dirty="0">
+              <a:latin typeface="Consolas" panose="020B0609020204030204" pitchFamily="49" charset="0"/>
+              <a:cs typeface="Consolas" panose="020B0609020204030204" pitchFamily="49" charset="0"/>
+            </a:endParaRPr>
+          </a:p>
+          <a:p>
+            <a:endParaRPr lang="sk-SK" dirty="0">
+              <a:latin typeface="Consolas" panose="020B0609020204030204" pitchFamily="49" charset="0"/>
+              <a:cs typeface="Consolas" panose="020B0609020204030204" pitchFamily="49" charset="0"/>
+            </a:endParaRPr>
+          </a:p>
+        </p:txBody>
+      </p:sp>
+      <p:sp>
+        <p:nvSpPr>
+          <p:cNvPr id="4" name="BlokTextu 3"/>
+          <p:cNvSpPr txBox="1"/>
+          <p:nvPr/>
+        </p:nvSpPr>
+        <p:spPr>
+          <a:xfrm>
+            <a:off x="6588224" y="4077072"/>
+            <a:ext cx="576064" cy="1200329"/>
+          </a:xfrm>
+          <a:prstGeom prst="rect">
+            <a:avLst/>
+          </a:prstGeom>
+          <a:noFill/>
+        </p:spPr>
+        <p:txBody>
+          <a:bodyPr wrap="square" rtlCol="0">
+            <a:spAutoFit/>
+          </a:bodyPr>
+          <a:lstStyle/>
+          <a:p>
+            <a:r>
+              <a:rPr lang="en-US" sz="7200" dirty="0">
+                <a:sym typeface="Wingdings" panose="05000000000000000000" pitchFamily="2" charset="2"/>
+              </a:rPr>
+              <a:t></a:t>
+            </a:r>
+            <a:endParaRPr lang="sk-SK" sz="7200" dirty="0"/>
+          </a:p>
+        </p:txBody>
+      </p:sp>
+    </p:spTree>
+    <p:extLst>
+      <p:ext uri="{BB962C8B-B14F-4D97-AF65-F5344CB8AC3E}">
+        <p14:creationId xmlns:p14="http://schemas.microsoft.com/office/powerpoint/2010/main" val="3464598624"/>
+      </p:ext>
+    </p:extLst>
+  </p:cSld>
+  <p:clrMapOvr>
+    <a:masterClrMapping/>
+  </p:clrMapOvr>
+  <p:timing>
+    <p:tnLst>
+      <p:par>
+        <p:cTn id="1" dur="indefinite" restart="never" nodeType="tmRoot">
+          <p:childTnLst>
+            <p:seq concurrent="1" nextAc="seek">
+              <p:cTn id="2" dur="indefinite" nodeType="mainSeq">
+                <p:childTnLst>
+                  <p:par>
+                    <p:cTn id="3" fill="hold">
+                      <p:stCondLst>
+                        <p:cond delay="indefinite"/>
+                      </p:stCondLst>
+                      <p:childTnLst>
+                        <p:par>
+                          <p:cTn id="4" fill="hold">
+                            <p:stCondLst>
+                              <p:cond delay="0"/>
+                            </p:stCondLst>
+                            <p:childTnLst>
+                              <p:par>
+                                <p:cTn id="5" presetID="10" presetClass="entr" presetSubtype="0" fill="hold" grpId="0" nodeType="clickEffect">
+                                  <p:stCondLst>
+                                    <p:cond delay="0"/>
+                                  </p:stCondLst>
+                                  <p:childTnLst>
+                                    <p:set>
+                                      <p:cBhvr>
+                                        <p:cTn id="6" dur="1" fill="hold">
+                                          <p:stCondLst>
+                                            <p:cond delay="0"/>
+                                          </p:stCondLst>
+                                        </p:cTn>
+                                        <p:tgtEl>
+                                          <p:spTgt spid="4"/>
+                                        </p:tgtEl>
+                                        <p:attrNameLst>
+                                          <p:attrName>style.visibility</p:attrName>
+                                        </p:attrNameLst>
+                                      </p:cBhvr>
+                                      <p:to>
+                                        <p:strVal val="visible"/>
+                                      </p:to>
+                                    </p:set>
+                                    <p:animEffect transition="in" filter="fade">
+                                      <p:cBhvr>
+                                        <p:cTn id="7" dur="500"/>
+                                        <p:tgtEl>
+                                          <p:spTgt spid="4"/>
+                                        </p:tgtEl>
+                                      </p:cBhvr>
+                                    </p:animEffect>
+                                  </p:childTnLst>
+                                </p:cTn>
+                              </p:par>
+                            </p:childTnLst>
+                          </p:cTn>
+                        </p:par>
+                      </p:childTnLst>
+                    </p:cTn>
+                  </p:par>
+                </p:childTnLst>
+              </p:cTn>
+              <p:prevCondLst>
+                <p:cond evt="onPrev" delay="0">
+                  <p:tgtEl>
+                    <p:sldTgt/>
+                  </p:tgtEl>
+                </p:cond>
+              </p:prevCondLst>
+              <p:nextCondLst>
+                <p:cond evt="onNext" delay="0">
+                  <p:tgtEl>
+                    <p:sldTgt/>
+                  </p:tgtEl>
+                </p:cond>
+              </p:nextCondLst>
+            </p:seq>
+          </p:childTnLst>
+        </p:cTn>
+      </p:par>
+    </p:tnLst>
+    <p:bldLst>
+      <p:bldP spid="4" grpId="0"/>
+    </p:bldLst>
+  </p:timing>
+</p:sld>
+</file>
+
+<file path=ppt/slides/slide14.xml><?xml version="1.0" encoding="utf-8"?>
+<p:sld xmlns:a="http://schemas.openxmlformats.org/drawingml/2006/main" xmlns:r="http://schemas.openxmlformats.org/officeDocument/2006/relationships" xmlns:p="http://schemas.openxmlformats.org/presentationml/2006/main">
+  <p:cSld>
+    <p:spTree>
+      <p:nvGrpSpPr>
+        <p:cNvPr id="1" name=""/>
+        <p:cNvGrpSpPr/>
+        <p:nvPr/>
+      </p:nvGrpSpPr>
+      <p:grpSpPr>
+        <a:xfrm>
+          <a:off x="0" y="0"/>
+          <a:ext cx="0" cy="0"/>
+          <a:chOff x="0" y="0"/>
+          <a:chExt cx="0" cy="0"/>
+        </a:xfrm>
+      </p:grpSpPr>
+      <p:sp>
+        <p:nvSpPr>
+          <p:cNvPr id="2" name="Nadpis 1"/>
+          <p:cNvSpPr>
+            <a:spLocks noGrp="1"/>
+          </p:cNvSpPr>
+          <p:nvPr>
+            <p:ph type="title"/>
+          </p:nvPr>
+        </p:nvSpPr>
+        <p:spPr/>
+        <p:txBody>
+          <a:bodyPr/>
+          <a:lstStyle/>
+          <a:p>
+            <a:r>
+              <a:rPr lang="en-US" dirty="0" err="1"/>
+              <a:t>Eventbus</a:t>
+            </a:r>
+            <a:r>
+              <a:rPr lang="en-US" dirty="0"/>
+              <a:t>: </a:t>
+            </a:r>
+            <a:br>
+              <a:rPr lang="en-US" dirty="0"/>
+            </a:br>
+            <a:r>
+              <a:rPr lang="en-US" dirty="0"/>
+              <a:t>Service proxies</a:t>
+            </a:r>
+            <a:endParaRPr lang="sk-SK" dirty="0"/>
+          </a:p>
+        </p:txBody>
+      </p:sp>
+      <p:sp>
+        <p:nvSpPr>
+          <p:cNvPr id="5" name="BlokTextu 4"/>
+          <p:cNvSpPr txBox="1"/>
+          <p:nvPr/>
+        </p:nvSpPr>
+        <p:spPr>
+          <a:xfrm>
+            <a:off x="107504" y="1600200"/>
+            <a:ext cx="8784976" cy="2585323"/>
+          </a:xfrm>
+          <a:prstGeom prst="rect">
+            <a:avLst/>
+          </a:prstGeom>
+          <a:noFill/>
+        </p:spPr>
+        <p:txBody>
+          <a:bodyPr wrap="square" rtlCol="0">
+            <a:spAutoFit/>
+          </a:bodyPr>
+          <a:lstStyle/>
+          <a:p>
+            <a:r>
+              <a:rPr lang="en-US" dirty="0">
+                <a:latin typeface="Consolas" panose="020B0609020204030204" pitchFamily="49" charset="0"/>
+                <a:cs typeface="Consolas" panose="020B0609020204030204" pitchFamily="49" charset="0"/>
+              </a:rPr>
+              <a:t>Future&lt;...&gt; future = ...;</a:t>
+            </a:r>
+          </a:p>
+          <a:p>
+            <a:r>
+              <a:rPr lang="en-US" dirty="0" err="1">
+                <a:latin typeface="Consolas" panose="020B0609020204030204" pitchFamily="49" charset="0"/>
+                <a:cs typeface="Consolas" panose="020B0609020204030204" pitchFamily="49" charset="0"/>
+              </a:rPr>
+              <a:t>service.save</a:t>
+            </a:r>
+            <a:r>
+              <a:rPr lang="en-US" dirty="0">
+                <a:latin typeface="Consolas" panose="020B0609020204030204" pitchFamily="49" charset="0"/>
+                <a:cs typeface="Consolas" panose="020B0609020204030204" pitchFamily="49" charset="0"/>
+              </a:rPr>
+              <a:t>(“...”, new </a:t>
+            </a:r>
+            <a:r>
+              <a:rPr lang="en-US" dirty="0" err="1">
+                <a:latin typeface="Consolas" panose="020B0609020204030204" pitchFamily="49" charset="0"/>
+                <a:cs typeface="Consolas" panose="020B0609020204030204" pitchFamily="49" charset="0"/>
+              </a:rPr>
+              <a:t>JsonObject</a:t>
+            </a:r>
+            <a:r>
+              <a:rPr lang="en-US" dirty="0">
+                <a:latin typeface="Consolas" panose="020B0609020204030204" pitchFamily="49" charset="0"/>
+                <a:cs typeface="Consolas" panose="020B0609020204030204" pitchFamily="49" charset="0"/>
+              </a:rPr>
+              <a:t>(...), </a:t>
+            </a:r>
+            <a:r>
+              <a:rPr lang="en-US" dirty="0" err="1">
+                <a:latin typeface="Consolas" panose="020B0609020204030204" pitchFamily="49" charset="0"/>
+                <a:cs typeface="Consolas" panose="020B0609020204030204" pitchFamily="49" charset="0"/>
+              </a:rPr>
+              <a:t>future.toHandler</a:t>
+            </a:r>
+            <a:r>
+              <a:rPr lang="en-US" dirty="0">
+                <a:latin typeface="Consolas" panose="020B0609020204030204" pitchFamily="49" charset="0"/>
+                <a:cs typeface="Consolas" panose="020B0609020204030204" pitchFamily="49" charset="0"/>
+              </a:rPr>
+              <a:t>());</a:t>
+            </a:r>
+          </a:p>
+          <a:p>
+            <a:r>
+              <a:rPr lang="en-US" dirty="0" err="1">
+                <a:latin typeface="Consolas" panose="020B0609020204030204" pitchFamily="49" charset="0"/>
+                <a:cs typeface="Consolas" panose="020B0609020204030204" pitchFamily="49" charset="0"/>
+              </a:rPr>
+              <a:t>future.subscribe</a:t>
+            </a:r>
+            <a:r>
+              <a:rPr lang="en-US" dirty="0">
+                <a:latin typeface="Consolas" panose="020B0609020204030204" pitchFamily="49" charset="0"/>
+                <a:cs typeface="Consolas" panose="020B0609020204030204" pitchFamily="49" charset="0"/>
+              </a:rPr>
+              <a:t>(value -&gt; {</a:t>
+            </a:r>
+          </a:p>
+          <a:p>
+            <a:r>
+              <a:rPr lang="en-US" dirty="0">
+                <a:latin typeface="Consolas" panose="020B0609020204030204" pitchFamily="49" charset="0"/>
+                <a:cs typeface="Consolas" panose="020B0609020204030204" pitchFamily="49" charset="0"/>
+              </a:rPr>
+              <a:t>	//replied message</a:t>
+            </a:r>
+          </a:p>
+          <a:p>
+            <a:r>
+              <a:rPr lang="en-US" dirty="0">
+                <a:latin typeface="Consolas" panose="020B0609020204030204" pitchFamily="49" charset="0"/>
+                <a:cs typeface="Consolas" panose="020B0609020204030204" pitchFamily="49" charset="0"/>
+              </a:rPr>
+              <a:t>}, </a:t>
+            </a:r>
+            <a:r>
+              <a:rPr lang="en-US" dirty="0" err="1">
+                <a:latin typeface="Consolas" panose="020B0609020204030204" pitchFamily="49" charset="0"/>
+                <a:cs typeface="Consolas" panose="020B0609020204030204" pitchFamily="49" charset="0"/>
+              </a:rPr>
+              <a:t>throwable</a:t>
+            </a:r>
+            <a:r>
+              <a:rPr lang="en-US" dirty="0">
+                <a:latin typeface="Consolas" panose="020B0609020204030204" pitchFamily="49" charset="0"/>
+                <a:cs typeface="Consolas" panose="020B0609020204030204" pitchFamily="49" charset="0"/>
+              </a:rPr>
+              <a:t> -&gt; {</a:t>
+            </a:r>
+          </a:p>
+          <a:p>
+            <a:r>
+              <a:rPr lang="en-US" dirty="0">
+                <a:latin typeface="Consolas" panose="020B0609020204030204" pitchFamily="49" charset="0"/>
+                <a:cs typeface="Consolas" panose="020B0609020204030204" pitchFamily="49" charset="0"/>
+              </a:rPr>
+              <a:t>	//error </a:t>
+            </a:r>
+            <a:r>
+              <a:rPr lang="en-US" dirty="0" err="1">
+                <a:latin typeface="Consolas" panose="020B0609020204030204" pitchFamily="49" charset="0"/>
+                <a:cs typeface="Consolas" panose="020B0609020204030204" pitchFamily="49" charset="0"/>
+              </a:rPr>
+              <a:t>occured</a:t>
+            </a:r>
+            <a:endParaRPr lang="en-US" dirty="0">
+              <a:latin typeface="Consolas" panose="020B0609020204030204" pitchFamily="49" charset="0"/>
+              <a:cs typeface="Consolas" panose="020B0609020204030204" pitchFamily="49" charset="0"/>
+            </a:endParaRPr>
+          </a:p>
+          <a:p>
+            <a:r>
+              <a:rPr lang="en-US" dirty="0">
+                <a:latin typeface="Consolas" panose="020B0609020204030204" pitchFamily="49" charset="0"/>
+                <a:cs typeface="Consolas" panose="020B0609020204030204" pitchFamily="49" charset="0"/>
+              </a:rPr>
+              <a:t>}, () -&gt; {</a:t>
+            </a:r>
+          </a:p>
+          <a:p>
+            <a:r>
+              <a:rPr lang="en-US" dirty="0">
+                <a:latin typeface="Consolas" panose="020B0609020204030204" pitchFamily="49" charset="0"/>
+                <a:cs typeface="Consolas" panose="020B0609020204030204" pitchFamily="49" charset="0"/>
+              </a:rPr>
+              <a:t>	//completed</a:t>
+            </a:r>
+          </a:p>
+          <a:p>
+            <a:r>
+              <a:rPr lang="en-US" dirty="0">
+                <a:latin typeface="Consolas" panose="020B0609020204030204" pitchFamily="49" charset="0"/>
+                <a:cs typeface="Consolas" panose="020B0609020204030204" pitchFamily="49" charset="0"/>
+              </a:rPr>
+              <a:t>});</a:t>
+            </a:r>
+            <a:endParaRPr lang="sk-SK" sz="2000" dirty="0">
+              <a:latin typeface="Consolas" panose="020B0609020204030204" pitchFamily="49" charset="0"/>
+              <a:cs typeface="Consolas" panose="020B0609020204030204" pitchFamily="49" charset="0"/>
+            </a:endParaRPr>
+          </a:p>
+        </p:txBody>
+      </p:sp>
+      <p:sp>
+        <p:nvSpPr>
+          <p:cNvPr id="6" name="BlokTextu 5"/>
+          <p:cNvSpPr txBox="1"/>
+          <p:nvPr/>
+        </p:nvSpPr>
+        <p:spPr>
+          <a:xfrm>
+            <a:off x="5292080" y="3200400"/>
+            <a:ext cx="576064" cy="1200329"/>
+          </a:xfrm>
+          <a:prstGeom prst="rect">
+            <a:avLst/>
+          </a:prstGeom>
+          <a:noFill/>
+        </p:spPr>
+        <p:txBody>
+          <a:bodyPr wrap="square" rtlCol="0">
+            <a:spAutoFit/>
+          </a:bodyPr>
+          <a:lstStyle/>
+          <a:p>
+            <a:r>
+              <a:rPr lang="en-US" sz="7200" dirty="0">
+                <a:sym typeface="Wingdings" panose="05000000000000000000" pitchFamily="2" charset="2"/>
+              </a:rPr>
+              <a:t></a:t>
+            </a:r>
+            <a:endParaRPr lang="sk-SK" sz="7200" dirty="0"/>
+          </a:p>
+        </p:txBody>
+      </p:sp>
+    </p:spTree>
+    <p:extLst>
+      <p:ext uri="{BB962C8B-B14F-4D97-AF65-F5344CB8AC3E}">
+        <p14:creationId xmlns:p14="http://schemas.microsoft.com/office/powerpoint/2010/main" val="1733565577"/>
+      </p:ext>
+    </p:extLst>
+  </p:cSld>
+  <p:clrMapOvr>
+    <a:masterClrMapping/>
+  </p:clrMapOvr>
+  <p:timing>
+    <p:tnLst>
+      <p:par>
+        <p:cTn id="1" dur="indefinite" restart="never" nodeType="tmRoot">
+          <p:childTnLst>
+            <p:seq concurrent="1" nextAc="seek">
+              <p:cTn id="2" dur="indefinite" nodeType="mainSeq">
+                <p:childTnLst>
+                  <p:par>
+                    <p:cTn id="3" fill="hold">
+                      <p:stCondLst>
+                        <p:cond delay="indefinite"/>
+                      </p:stCondLst>
+                      <p:childTnLst>
+                        <p:par>
+                          <p:cTn id="4" fill="hold">
+                            <p:stCondLst>
+                              <p:cond delay="0"/>
+                            </p:stCondLst>
+                            <p:childTnLst>
+                              <p:par>
+                                <p:cTn id="5" presetID="10" presetClass="entr" presetSubtype="0" fill="hold" grpId="0" nodeType="clickEffect">
+                                  <p:stCondLst>
+                                    <p:cond delay="0"/>
+                                  </p:stCondLst>
+                                  <p:childTnLst>
+                                    <p:set>
+                                      <p:cBhvr>
+                                        <p:cTn id="6" dur="1" fill="hold">
+                                          <p:stCondLst>
+                                            <p:cond delay="0"/>
+                                          </p:stCondLst>
+                                        </p:cTn>
+                                        <p:tgtEl>
+                                          <p:spTgt spid="6"/>
+                                        </p:tgtEl>
+                                        <p:attrNameLst>
+                                          <p:attrName>style.visibility</p:attrName>
+                                        </p:attrNameLst>
+                                      </p:cBhvr>
+                                      <p:to>
+                                        <p:strVal val="visible"/>
+                                      </p:to>
+                                    </p:set>
+                                    <p:animEffect transition="in" filter="fade">
+                                      <p:cBhvr>
+                                        <p:cTn id="7" dur="500"/>
+                                        <p:tgtEl>
+                                          <p:spTgt spid="6"/>
+                                        </p:tgtEl>
+                                      </p:cBhvr>
+                                    </p:animEffect>
+                                  </p:childTnLst>
+                                </p:cTn>
+                              </p:par>
+                            </p:childTnLst>
+                          </p:cTn>
+                        </p:par>
+                      </p:childTnLst>
+                    </p:cTn>
+                  </p:par>
+                </p:childTnLst>
+              </p:cTn>
+              <p:prevCondLst>
+                <p:cond evt="onPrev" delay="0">
+                  <p:tgtEl>
+                    <p:sldTgt/>
+                  </p:tgtEl>
+                </p:cond>
+              </p:prevCondLst>
+              <p:nextCondLst>
+                <p:cond evt="onNext" delay="0">
+                  <p:tgtEl>
+                    <p:sldTgt/>
+                  </p:tgtEl>
+                </p:cond>
+              </p:nextCondLst>
+            </p:seq>
+          </p:childTnLst>
+        </p:cTn>
+      </p:par>
+    </p:tnLst>
+    <p:bldLst>
+      <p:bldP spid="6" grpId="0"/>
+    </p:bldLst>
+  </p:timing>
+</p:sld>
+</file>
+
+<file path=ppt/slides/slide15.xml><?xml version="1.0" encoding="utf-8"?>
+<p:sld xmlns:a="http://schemas.openxmlformats.org/drawingml/2006/main" xmlns:r="http://schemas.openxmlformats.org/officeDocument/2006/relationships" xmlns:p="http://schemas.openxmlformats.org/presentationml/2006/main">
+  <p:cSld>
+    <p:spTree>
+      <p:nvGrpSpPr>
+        <p:cNvPr id="1" name=""/>
+        <p:cNvGrpSpPr/>
+        <p:nvPr/>
+      </p:nvGrpSpPr>
+      <p:grpSpPr>
+        <a:xfrm>
+          <a:off x="0" y="0"/>
+          <a:ext cx="0" cy="0"/>
+          <a:chOff x="0" y="0"/>
+          <a:chExt cx="0" cy="0"/>
+        </a:xfrm>
+      </p:grpSpPr>
+      <p:sp>
+        <p:nvSpPr>
+          <p:cNvPr id="3" name="Zástupný symbol obsahu 2"/>
+          <p:cNvSpPr>
+            <a:spLocks noGrp="1"/>
+          </p:cNvSpPr>
+          <p:nvPr>
+            <p:ph idx="1"/>
+          </p:nvPr>
+        </p:nvSpPr>
+        <p:spPr>
+          <a:xfrm>
+            <a:off x="460158" y="3140968"/>
+            <a:ext cx="8229600" cy="3024336"/>
+          </a:xfrm>
+        </p:spPr>
+        <p:txBody>
+          <a:bodyPr>
+            <a:normAutofit fontScale="92500" lnSpcReduction="10000"/>
+          </a:bodyPr>
+          <a:lstStyle/>
+          <a:p>
+            <a:r>
+              <a:rPr lang="en-US" sz="2000" dirty="0">
+                <a:solidFill>
+                  <a:schemeClr val="tx1"/>
+                </a:solidFill>
+              </a:rPr>
+              <a:t>To start coding, clone this repository: </a:t>
+            </a:r>
+            <a:r>
+              <a:rPr lang="en-US" sz="2000" b="1" dirty="0">
+                <a:hlinkClick r:id="rId2"/>
+              </a:rPr>
+              <a:t>https://github.com/michalboska/vertx3-techsession</a:t>
+            </a:r>
+            <a:r>
+              <a:rPr lang="en-US" sz="2000" b="1" dirty="0"/>
+              <a:t> </a:t>
+            </a:r>
+          </a:p>
+          <a:p>
+            <a:pPr marL="0" indent="0">
+              <a:buNone/>
+            </a:pPr>
+            <a:r>
+              <a:rPr lang="en-US" sz="2000" b="1" dirty="0">
+                <a:solidFill>
+                  <a:schemeClr val="tx1"/>
+                </a:solidFill>
+              </a:rPr>
+              <a:t>	</a:t>
+            </a:r>
+            <a:r>
+              <a:rPr lang="en-US" sz="2000" dirty="0">
+                <a:solidFill>
+                  <a:schemeClr val="tx1"/>
+                </a:solidFill>
+              </a:rPr>
+              <a:t>(branch: </a:t>
+            </a:r>
+            <a:r>
+              <a:rPr lang="en-US" sz="2000" b="1" dirty="0">
+                <a:solidFill>
+                  <a:schemeClr val="tx1"/>
+                </a:solidFill>
+              </a:rPr>
+              <a:t>assignment</a:t>
+            </a:r>
+            <a:r>
+              <a:rPr lang="en-US" sz="2000" dirty="0">
+                <a:solidFill>
+                  <a:schemeClr val="tx1"/>
+                </a:solidFill>
+              </a:rPr>
+              <a:t>)</a:t>
+            </a:r>
+            <a:endParaRPr lang="en-US" sz="2000" b="1" dirty="0"/>
+          </a:p>
+          <a:p>
+            <a:pPr marL="0" indent="0">
+              <a:buNone/>
+            </a:pPr>
+            <a:endParaRPr lang="en-US" sz="2000" dirty="0">
+              <a:solidFill>
+                <a:schemeClr val="tx1"/>
+              </a:solidFill>
+            </a:endParaRPr>
+          </a:p>
+          <a:p>
+            <a:endParaRPr lang="en-US" sz="2000" dirty="0">
+              <a:solidFill>
+                <a:schemeClr val="tx1"/>
+              </a:solidFill>
+            </a:endParaRPr>
+          </a:p>
+          <a:p>
+            <a:r>
+              <a:rPr lang="en-US" sz="2000" dirty="0">
+                <a:solidFill>
+                  <a:schemeClr val="tx1"/>
+                </a:solidFill>
+              </a:rPr>
+              <a:t>To see the complete code, see </a:t>
+            </a:r>
+            <a:r>
+              <a:rPr lang="en-US" sz="2000" b="1" dirty="0">
+                <a:hlinkClick r:id="rId2"/>
+              </a:rPr>
+              <a:t>https://github.com/michalboska/vertx3-techsession</a:t>
+            </a:r>
+            <a:r>
+              <a:rPr lang="en-US" sz="2000" b="1" dirty="0"/>
+              <a:t> </a:t>
+            </a:r>
+            <a:r>
+              <a:rPr lang="en-US" sz="2000" dirty="0"/>
+              <a:t> </a:t>
+            </a:r>
+          </a:p>
+          <a:p>
+            <a:pPr marL="0" indent="0">
+              <a:buNone/>
+            </a:pPr>
+            <a:r>
+              <a:rPr lang="en-US" sz="2000" dirty="0"/>
+              <a:t>	</a:t>
+            </a:r>
+            <a:r>
+              <a:rPr lang="en-US" sz="2000" dirty="0">
+                <a:solidFill>
+                  <a:schemeClr val="tx1"/>
+                </a:solidFill>
+              </a:rPr>
+              <a:t> (branch: </a:t>
+            </a:r>
+            <a:r>
+              <a:rPr lang="en-US" sz="2000" b="1" dirty="0">
+                <a:solidFill>
+                  <a:schemeClr val="tx1"/>
+                </a:solidFill>
+              </a:rPr>
+              <a:t>master</a:t>
+            </a:r>
+            <a:r>
+              <a:rPr lang="en-US" sz="2000" dirty="0">
+                <a:solidFill>
+                  <a:schemeClr val="tx1"/>
+                </a:solidFill>
+              </a:rPr>
+              <a:t>)</a:t>
+            </a:r>
+            <a:endParaRPr lang="en-US" sz="2000" dirty="0"/>
+          </a:p>
+          <a:p>
+            <a:pPr marL="0" indent="0">
+              <a:buNone/>
+            </a:pPr>
+            <a:r>
+              <a:rPr lang="en-US" sz="3600" b="1" dirty="0">
+                <a:solidFill>
+                  <a:srgbClr val="FF0000"/>
+                </a:solidFill>
+              </a:rPr>
+              <a:t>    </a:t>
+            </a:r>
+            <a:endParaRPr lang="sk-SK" sz="3600" b="1" dirty="0">
+              <a:solidFill>
+                <a:srgbClr val="FF0000"/>
+              </a:solidFill>
+            </a:endParaRPr>
+          </a:p>
+        </p:txBody>
+      </p:sp>
+      <p:sp>
+        <p:nvSpPr>
+          <p:cNvPr id="4" name="Title 1"/>
+          <p:cNvSpPr>
+            <a:spLocks noGrp="1"/>
+          </p:cNvSpPr>
+          <p:nvPr>
+            <p:ph type="title"/>
+          </p:nvPr>
+        </p:nvSpPr>
+        <p:spPr>
+          <a:xfrm>
+            <a:off x="457200" y="0"/>
+            <a:ext cx="8229600" cy="1600200"/>
+          </a:xfrm>
+        </p:spPr>
+        <p:txBody>
+          <a:bodyPr/>
+          <a:lstStyle/>
+          <a:p>
+            <a:r>
+              <a:rPr lang="en-US" dirty="0"/>
+              <a:t>&lt;*)))&gt;{</a:t>
+            </a:r>
+          </a:p>
+        </p:txBody>
+      </p:sp>
+    </p:spTree>
+    <p:extLst>
+      <p:ext uri="{BB962C8B-B14F-4D97-AF65-F5344CB8AC3E}">
+        <p14:creationId xmlns:p14="http://schemas.microsoft.com/office/powerpoint/2010/main" val="3622538159"/>
+      </p:ext>
+    </p:extLst>
+  </p:cSld>
+  <p:clrMapOvr>
+    <a:masterClrMapping/>
+  </p:clrMapOvr>
+</p:sld>
+</file>
+
+<file path=ppt/slides/slide16.xml><?xml version="1.0" encoding="utf-8"?>
+<p:sld xmlns:a="http://schemas.openxmlformats.org/drawingml/2006/main" xmlns:r="http://schemas.openxmlformats.org/officeDocument/2006/relationships" xmlns:p="http://schemas.openxmlformats.org/presentationml/2006/main">
+  <p:cSld>
+    <p:spTree>
+      <p:nvGrpSpPr>
+        <p:cNvPr id="1" name=""/>
+        <p:cNvGrpSpPr/>
+        <p:nvPr/>
+      </p:nvGrpSpPr>
+      <p:grpSpPr>
+        <a:xfrm>
+          <a:off x="0" y="0"/>
+          <a:ext cx="0" cy="0"/>
+          <a:chOff x="0" y="0"/>
+          <a:chExt cx="0" cy="0"/>
+        </a:xfrm>
+      </p:grpSpPr>
+      <p:sp>
+        <p:nvSpPr>
+          <p:cNvPr id="2" name="Nadpis 1"/>
+          <p:cNvSpPr>
+            <a:spLocks noGrp="1"/>
+          </p:cNvSpPr>
+          <p:nvPr>
+            <p:ph type="title"/>
+          </p:nvPr>
+        </p:nvSpPr>
+        <p:spPr/>
+        <p:txBody>
+          <a:bodyPr/>
+          <a:lstStyle/>
+          <a:p>
+            <a:r>
+              <a:rPr lang="en-US" dirty="0"/>
               <a:t>Enjoy!</a:t>
             </a:r>
             <a:endParaRPr lang="sk-SK" dirty="0"/>
@@ -3497,7 +6572,7 @@
         </p:blipFill>
         <p:spPr bwMode="auto">
           <a:xfrm>
-            <a:off x="1115616" y="2780928"/>
+            <a:off x="1115616" y="1642482"/>
             <a:ext cx="2688299" cy="2016224"/>
           </a:xfrm>
           <a:prstGeom prst="rect">
@@ -3538,7 +6613,7 @@
         </p:blipFill>
         <p:spPr bwMode="auto">
           <a:xfrm>
-            <a:off x="5220072" y="2564904"/>
+            <a:off x="5364088" y="1630400"/>
             <a:ext cx="2880320" cy="2163441"/>
           </a:xfrm>
           <a:prstGeom prst="rect">
@@ -3556,6 +6631,45 @@
           </a:extLst>
         </p:spPr>
       </p:pic>
+      <p:sp>
+        <p:nvSpPr>
+          <p:cNvPr id="4" name="Obdĺžnik 3"/>
+          <p:cNvSpPr/>
+          <p:nvPr/>
+        </p:nvSpPr>
+        <p:spPr>
+          <a:xfrm>
+            <a:off x="1590254" y="5085184"/>
+            <a:ext cx="5963492" cy="369332"/>
+          </a:xfrm>
+          <a:prstGeom prst="rect">
+            <a:avLst/>
+          </a:prstGeom>
+        </p:spPr>
+        <p:txBody>
+          <a:bodyPr wrap="none">
+            <a:spAutoFit/>
+          </a:bodyPr>
+          <a:lstStyle/>
+          <a:p>
+            <a:r>
+              <a:rPr lang="en-US" dirty="0"/>
+              <a:t>Please fill out the feedback form at </a:t>
+            </a:r>
+            <a:r>
+              <a:rPr lang="sk-SK" dirty="0">
+                <a:hlinkClick r:id="rId4"/>
+              </a:rPr>
+              <a:t>https://goo.gl/7m55Ii</a:t>
+            </a:r>
+            <a:r>
+              <a:rPr lang="en-US" dirty="0"/>
+              <a:t> </a:t>
+            </a:r>
+            <a:endParaRPr lang="sk-SK" dirty="0"/>
+          </a:p>
+        </p:txBody>
+      </p:sp>
     </p:spTree>
     <p:extLst>
       <p:ext uri="{BB962C8B-B14F-4D97-AF65-F5344CB8AC3E}">
@@ -3586,41 +6700,163 @@
           <a:chExt cx="0" cy="0"/>
         </a:xfrm>
       </p:grpSpPr>
-      <p:sp>
-        <p:nvSpPr>
-          <p:cNvPr id="2" name="Nadpis 1"/>
-          <p:cNvSpPr>
-            <a:spLocks noGrp="1"/>
-          </p:cNvSpPr>
-          <p:nvPr>
-            <p:ph type="title"/>
-          </p:nvPr>
-        </p:nvSpPr>
-        <p:spPr/>
-        <p:txBody>
-          <a:bodyPr/>
-          <a:lstStyle/>
-          <a:p>
-            <a:endParaRPr lang="sk-SK"/>
-          </a:p>
-        </p:txBody>
-      </p:sp>
-      <p:sp>
-        <p:nvSpPr>
-          <p:cNvPr id="3" name="Zástupný objekt pre obsah 2"/>
-          <p:cNvSpPr>
-            <a:spLocks noGrp="1"/>
-          </p:cNvSpPr>
+      <p:pic>
+        <p:nvPicPr>
+          <p:cNvPr id="4" name="Zástupný objekt pre obsah 3"/>
+          <p:cNvPicPr>
+            <a:picLocks noGrp="1" noChangeAspect="1"/>
+          </p:cNvPicPr>
           <p:nvPr>
             <p:ph idx="1"/>
           </p:nvPr>
-        </p:nvSpPr>
-        <p:spPr/>
-        <p:txBody>
-          <a:bodyPr/>
+        </p:nvPicPr>
+        <p:blipFill>
+          <a:blip r:embed="rId2">
+            <a:extLst>
+              <a:ext uri="{28A0092B-C50C-407E-A947-70E740481C1C}">
+                <a14:useLocalDpi xmlns:a14="http://schemas.microsoft.com/office/drawing/2010/main" val="0"/>
+              </a:ext>
+            </a:extLst>
+          </a:blip>
+          <a:stretch>
+            <a:fillRect/>
+          </a:stretch>
+        </p:blipFill>
+        <p:spPr>
+          <a:xfrm>
+            <a:off x="1476810" y="1052736"/>
+            <a:ext cx="3492063" cy="952381"/>
+          </a:xfrm>
+        </p:spPr>
+      </p:pic>
+      <p:pic>
+        <p:nvPicPr>
+          <p:cNvPr id="6" name="Obrázok 5"/>
+          <p:cNvPicPr>
+            <a:picLocks noChangeAspect="1"/>
+          </p:cNvPicPr>
+          <p:nvPr/>
+        </p:nvPicPr>
+        <p:blipFill>
+          <a:blip r:embed="rId3">
+            <a:extLst>
+              <a:ext uri="{28A0092B-C50C-407E-A947-70E740481C1C}">
+                <a14:useLocalDpi xmlns:a14="http://schemas.microsoft.com/office/drawing/2010/main" val="0"/>
+              </a:ext>
+            </a:extLst>
+          </a:blip>
+          <a:stretch>
+            <a:fillRect/>
+          </a:stretch>
+        </p:blipFill>
+        <p:spPr>
+          <a:xfrm>
+            <a:off x="3470081" y="4221088"/>
+            <a:ext cx="2095500" cy="857250"/>
+          </a:xfrm>
+          <a:prstGeom prst="rect">
+            <a:avLst/>
+          </a:prstGeom>
+        </p:spPr>
+      </p:pic>
+      <p:pic>
+        <p:nvPicPr>
+          <p:cNvPr id="7" name="Obrázok 6"/>
+          <p:cNvPicPr>
+            <a:picLocks noChangeAspect="1"/>
+          </p:cNvPicPr>
+          <p:nvPr/>
+        </p:nvPicPr>
+        <p:blipFill>
+          <a:blip r:embed="rId4">
+            <a:extLst>
+              <a:ext uri="{28A0092B-C50C-407E-A947-70E740481C1C}">
+                <a14:useLocalDpi xmlns:a14="http://schemas.microsoft.com/office/drawing/2010/main" val="0"/>
+              </a:ext>
+            </a:extLst>
+          </a:blip>
+          <a:stretch>
+            <a:fillRect/>
+          </a:stretch>
+        </p:blipFill>
+        <p:spPr>
+          <a:xfrm>
+            <a:off x="7781925" y="0"/>
+            <a:ext cx="1362075" cy="1362075"/>
+          </a:xfrm>
+          <a:prstGeom prst="rect">
+            <a:avLst/>
+          </a:prstGeom>
+        </p:spPr>
+      </p:pic>
+      <p:pic>
+        <p:nvPicPr>
+          <p:cNvPr id="1026" name="Picture 2" descr="ReactiveX"/>
+          <p:cNvPicPr>
+            <a:picLocks noChangeAspect="1" noChangeArrowheads="1"/>
+          </p:cNvPicPr>
+          <p:nvPr/>
+        </p:nvPicPr>
+        <p:blipFill>
+          <a:blip r:embed="rId5">
+            <a:extLst>
+              <a:ext uri="{28A0092B-C50C-407E-A947-70E740481C1C}">
+                <a14:useLocalDpi xmlns:a14="http://schemas.microsoft.com/office/drawing/2010/main" val="0"/>
+              </a:ext>
+            </a:extLst>
+          </a:blip>
+          <a:srcRect/>
+          <a:stretch>
+            <a:fillRect/>
+          </a:stretch>
+        </p:blipFill>
+        <p:spPr bwMode="auto">
+          <a:xfrm>
+            <a:off x="6435577" y="980728"/>
+            <a:ext cx="952500" cy="952500"/>
+          </a:xfrm>
+          <a:prstGeom prst="rect">
+            <a:avLst/>
+          </a:prstGeom>
+          <a:noFill/>
+          <a:extLst>
+            <a:ext uri="{909E8E84-426E-40DD-AFC4-6F175D3DCCD1}">
+              <a14:hiddenFill xmlns:a14="http://schemas.microsoft.com/office/drawing/2010/main">
+                <a:solidFill>
+                  <a:srgbClr val="FFFFFF"/>
+                </a:solidFill>
+              </a14:hiddenFill>
+            </a:ext>
+          </a:extLst>
+        </p:spPr>
+      </p:pic>
+      <p:sp>
+        <p:nvSpPr>
+          <p:cNvPr id="8" name="BlokTextu 7"/>
+          <p:cNvSpPr txBox="1"/>
+          <p:nvPr/>
+        </p:nvSpPr>
+        <p:spPr>
+          <a:xfrm>
+            <a:off x="5220072" y="525954"/>
+            <a:ext cx="1440160" cy="1862048"/>
+          </a:xfrm>
+          <a:prstGeom prst="rect">
+            <a:avLst/>
+          </a:prstGeom>
+          <a:noFill/>
+        </p:spPr>
+        <p:txBody>
+          <a:bodyPr wrap="square" rtlCol="0">
+            <a:spAutoFit/>
+          </a:bodyPr>
           <a:lstStyle/>
           <a:p>
-            <a:endParaRPr lang="sk-SK"/>
+            <a:r>
+              <a:rPr lang="en-US" sz="11500" dirty="0"/>
+              <a:t>+</a:t>
+            </a:r>
+            <a:endParaRPr lang="sk-SK" sz="11500" dirty="0"/>
           </a:p>
         </p:txBody>
       </p:sp>
@@ -3634,6 +6870,233 @@
   <p:clrMapOvr>
     <a:masterClrMapping/>
   </p:clrMapOvr>
+  <p:timing>
+    <p:tnLst>
+      <p:par>
+        <p:cTn id="1" dur="indefinite" restart="never" nodeType="tmRoot">
+          <p:childTnLst>
+            <p:seq concurrent="1" nextAc="seek">
+              <p:cTn id="2" dur="indefinite" nodeType="mainSeq">
+                <p:childTnLst>
+                  <p:par>
+                    <p:cTn id="3" fill="hold">
+                      <p:stCondLst>
+                        <p:cond delay="indefinite"/>
+                      </p:stCondLst>
+                      <p:childTnLst>
+                        <p:par>
+                          <p:cTn id="4" fill="hold">
+                            <p:stCondLst>
+                              <p:cond delay="0"/>
+                            </p:stCondLst>
+                            <p:childTnLst>
+                              <p:par>
+                                <p:cTn id="5" presetID="10" presetClass="entr" presetSubtype="0" fill="hold" grpId="0" nodeType="clickEffect">
+                                  <p:stCondLst>
+                                    <p:cond delay="0"/>
+                                  </p:stCondLst>
+                                  <p:childTnLst>
+                                    <p:set>
+                                      <p:cBhvr>
+                                        <p:cTn id="6" dur="1" fill="hold">
+                                          <p:stCondLst>
+                                            <p:cond delay="0"/>
+                                          </p:stCondLst>
+                                        </p:cTn>
+                                        <p:tgtEl>
+                                          <p:spTgt spid="8"/>
+                                        </p:tgtEl>
+                                        <p:attrNameLst>
+                                          <p:attrName>style.visibility</p:attrName>
+                                        </p:attrNameLst>
+                                      </p:cBhvr>
+                                      <p:to>
+                                        <p:strVal val="visible"/>
+                                      </p:to>
+                                    </p:set>
+                                    <p:animEffect transition="in" filter="fade">
+                                      <p:cBhvr>
+                                        <p:cTn id="7" dur="500"/>
+                                        <p:tgtEl>
+                                          <p:spTgt spid="8"/>
+                                        </p:tgtEl>
+                                      </p:cBhvr>
+                                    </p:animEffect>
+                                  </p:childTnLst>
+                                </p:cTn>
+                              </p:par>
+                              <p:par>
+                                <p:cTn id="8" presetID="10" presetClass="entr" presetSubtype="0" fill="hold" nodeType="withEffect">
+                                  <p:stCondLst>
+                                    <p:cond delay="0"/>
+                                  </p:stCondLst>
+                                  <p:childTnLst>
+                                    <p:set>
+                                      <p:cBhvr>
+                                        <p:cTn id="9" dur="1" fill="hold">
+                                          <p:stCondLst>
+                                            <p:cond delay="0"/>
+                                          </p:stCondLst>
+                                        </p:cTn>
+                                        <p:tgtEl>
+                                          <p:spTgt spid="1026"/>
+                                        </p:tgtEl>
+                                        <p:attrNameLst>
+                                          <p:attrName>style.visibility</p:attrName>
+                                        </p:attrNameLst>
+                                      </p:cBhvr>
+                                      <p:to>
+                                        <p:strVal val="visible"/>
+                                      </p:to>
+                                    </p:set>
+                                    <p:animEffect transition="in" filter="fade">
+                                      <p:cBhvr>
+                                        <p:cTn id="10" dur="500"/>
+                                        <p:tgtEl>
+                                          <p:spTgt spid="1026"/>
+                                        </p:tgtEl>
+                                      </p:cBhvr>
+                                    </p:animEffect>
+                                  </p:childTnLst>
+                                </p:cTn>
+                              </p:par>
+                            </p:childTnLst>
+                          </p:cTn>
+                        </p:par>
+                      </p:childTnLst>
+                    </p:cTn>
+                  </p:par>
+                  <p:par>
+                    <p:cTn id="11" fill="hold">
+                      <p:stCondLst>
+                        <p:cond delay="indefinite"/>
+                      </p:stCondLst>
+                      <p:childTnLst>
+                        <p:par>
+                          <p:cTn id="12" fill="hold">
+                            <p:stCondLst>
+                              <p:cond delay="0"/>
+                            </p:stCondLst>
+                            <p:childTnLst>
+                              <p:par>
+                                <p:cTn id="13" presetID="10" presetClass="entr" presetSubtype="0" fill="hold" nodeType="clickEffect">
+                                  <p:stCondLst>
+                                    <p:cond delay="0"/>
+                                  </p:stCondLst>
+                                  <p:childTnLst>
+                                    <p:set>
+                                      <p:cBhvr>
+                                        <p:cTn id="14" dur="1" fill="hold">
+                                          <p:stCondLst>
+                                            <p:cond delay="0"/>
+                                          </p:stCondLst>
+                                        </p:cTn>
+                                        <p:tgtEl>
+                                          <p:spTgt spid="6"/>
+                                        </p:tgtEl>
+                                        <p:attrNameLst>
+                                          <p:attrName>style.visibility</p:attrName>
+                                        </p:attrNameLst>
+                                      </p:cBhvr>
+                                      <p:to>
+                                        <p:strVal val="visible"/>
+                                      </p:to>
+                                    </p:set>
+                                    <p:animEffect transition="in" filter="fade">
+                                      <p:cBhvr>
+                                        <p:cTn id="15" dur="500"/>
+                                        <p:tgtEl>
+                                          <p:spTgt spid="6"/>
+                                        </p:tgtEl>
+                                      </p:cBhvr>
+                                    </p:animEffect>
+                                  </p:childTnLst>
+                                </p:cTn>
+                              </p:par>
+                            </p:childTnLst>
+                          </p:cTn>
+                        </p:par>
+                      </p:childTnLst>
+                    </p:cTn>
+                  </p:par>
+                  <p:par>
+                    <p:cTn id="16" fill="hold">
+                      <p:stCondLst>
+                        <p:cond delay="indefinite"/>
+                      </p:stCondLst>
+                      <p:childTnLst>
+                        <p:par>
+                          <p:cTn id="17" fill="hold">
+                            <p:stCondLst>
+                              <p:cond delay="0"/>
+                            </p:stCondLst>
+                            <p:childTnLst>
+                              <p:par>
+                                <p:cTn id="18" presetID="10" presetClass="entr" presetSubtype="0" fill="hold" nodeType="clickEffect">
+                                  <p:stCondLst>
+                                    <p:cond delay="0"/>
+                                  </p:stCondLst>
+                                  <p:childTnLst>
+                                    <p:set>
+                                      <p:cBhvr>
+                                        <p:cTn id="19" dur="1" fill="hold">
+                                          <p:stCondLst>
+                                            <p:cond delay="0"/>
+                                          </p:stCondLst>
+                                        </p:cTn>
+                                        <p:tgtEl>
+                                          <p:spTgt spid="7"/>
+                                        </p:tgtEl>
+                                        <p:attrNameLst>
+                                          <p:attrName>style.visibility</p:attrName>
+                                        </p:attrNameLst>
+                                      </p:cBhvr>
+                                      <p:to>
+                                        <p:strVal val="visible"/>
+                                      </p:to>
+                                    </p:set>
+                                    <p:animEffect transition="in" filter="fade">
+                                      <p:cBhvr>
+                                        <p:cTn id="20" dur="500"/>
+                                        <p:tgtEl>
+                                          <p:spTgt spid="7"/>
+                                        </p:tgtEl>
+                                      </p:cBhvr>
+                                    </p:animEffect>
+                                  </p:childTnLst>
+                                </p:cTn>
+                              </p:par>
+                            </p:childTnLst>
+                          </p:cTn>
+                        </p:par>
+                      </p:childTnLst>
+                    </p:cTn>
+                  </p:par>
+                </p:childTnLst>
+              </p:cTn>
+              <p:prevCondLst>
+                <p:cond evt="onPrev" delay="0">
+                  <p:tgtEl>
+                    <p:sldTgt/>
+                  </p:tgtEl>
+                </p:cond>
+              </p:prevCondLst>
+              <p:nextCondLst>
+                <p:cond evt="onNext" delay="0">
+                  <p:tgtEl>
+                    <p:sldTgt/>
+                  </p:tgtEl>
+                </p:cond>
+              </p:nextCondLst>
+            </p:seq>
+          </p:childTnLst>
+        </p:cTn>
+      </p:par>
+    </p:tnLst>
+    <p:bldLst>
+      <p:bldP spid="8" grpId="0"/>
+    </p:bldLst>
+  </p:timing>
 </p:sld>
 </file>
 
@@ -6886,7 +10349,37 @@
       </p:grpSpPr>
       <p:sp>
         <p:nvSpPr>
-          <p:cNvPr id="3" name="Zástupný symbol obsahu 2"/>
+          <p:cNvPr id="2" name="Nadpis 1"/>
+          <p:cNvSpPr>
+            <a:spLocks noGrp="1"/>
+          </p:cNvSpPr>
+          <p:nvPr>
+            <p:ph type="title"/>
+          </p:nvPr>
+        </p:nvSpPr>
+        <p:spPr/>
+        <p:txBody>
+          <a:bodyPr/>
+          <a:lstStyle/>
+          <a:p>
+            <a:r>
+              <a:rPr lang="en-US" dirty="0"/>
+              <a:t>Communication: </a:t>
+            </a:r>
+            <a:br>
+              <a:rPr lang="en-US" dirty="0"/>
+            </a:br>
+            <a:r>
+              <a:rPr lang="en-US" dirty="0"/>
+              <a:t>The event bus</a:t>
+            </a:r>
+            <a:endParaRPr lang="sk-SK" dirty="0"/>
+          </a:p>
+        </p:txBody>
+      </p:sp>
+      <p:sp>
+        <p:nvSpPr>
+          <p:cNvPr id="3" name="Zástupný objekt pre obsah 2"/>
           <p:cNvSpPr>
             <a:spLocks noGrp="1"/>
           </p:cNvSpPr>
@@ -6894,105 +10387,444 @@
             <p:ph idx="1"/>
           </p:nvPr>
         </p:nvSpPr>
-        <p:spPr>
-          <a:xfrm>
-            <a:off x="457200" y="2852936"/>
-            <a:ext cx="8229600" cy="3273227"/>
-          </a:xfrm>
-        </p:spPr>
+        <p:spPr/>
         <p:txBody>
           <a:bodyPr>
-            <a:normAutofit/>
+            <a:normAutofit lnSpcReduction="10000"/>
           </a:bodyPr>
           <a:lstStyle/>
-          <a:p>
-            <a:r>
-              <a:rPr lang="en-US" sz="2000" dirty="0">
-                <a:solidFill>
-                  <a:schemeClr val="tx1"/>
-                </a:solidFill>
-              </a:rPr>
-              <a:t>To start coding, clone this repository: </a:t>
-            </a:r>
-            <a:r>
-              <a:rPr lang="en-US" sz="2000" b="1" dirty="0">
-                <a:hlinkClick r:id="rId2"/>
-              </a:rPr>
-              <a:t>https://github.com/michalboska/codingbeer-vertx-template</a:t>
-            </a:r>
-            <a:endParaRPr lang="en-US" sz="2000" b="1" dirty="0"/>
-          </a:p>
-          <a:p>
-            <a:r>
-              <a:rPr lang="en-US" sz="2000" dirty="0">
-                <a:solidFill>
-                  <a:schemeClr val="tx1"/>
-                </a:solidFill>
-              </a:rPr>
-              <a:t>To see the complete code, see </a:t>
-            </a:r>
-            <a:r>
-              <a:rPr lang="en-US" sz="2000" b="1" dirty="0">
-                <a:hlinkClick r:id="rId3"/>
-              </a:rPr>
-              <a:t>https://github.com/michalboska/codingbeer-vertx</a:t>
-            </a:r>
-            <a:r>
-              <a:rPr lang="en-US" sz="2000" dirty="0"/>
-              <a:t> </a:t>
-            </a:r>
-          </a:p>
           <a:p>
             <a:pPr marL="0" indent="0">
               <a:buNone/>
             </a:pPr>
             <a:r>
-              <a:rPr lang="en-US" sz="3600" b="1" dirty="0">
-                <a:solidFill>
-                  <a:srgbClr val="FF0000"/>
-                </a:solidFill>
-              </a:rPr>
-              <a:t>    (don’t cheat :P )</a:t>
-            </a:r>
-            <a:endParaRPr lang="sk-SK" sz="3600" b="1" dirty="0">
+              <a:rPr lang="sk-SK" dirty="0" err="1">
+                <a:solidFill>
+                  <a:schemeClr val="tx1"/>
+                </a:solidFill>
+                <a:latin typeface="Consolas" panose="020B0609020204030204" pitchFamily="49" charset="0"/>
+                <a:cs typeface="Consolas" panose="020B0609020204030204" pitchFamily="49" charset="0"/>
+              </a:rPr>
+              <a:t>EventBus</a:t>
+            </a:r>
+            <a:r>
+              <a:rPr lang="sk-SK" dirty="0">
+                <a:solidFill>
+                  <a:schemeClr val="tx1"/>
+                </a:solidFill>
+                <a:latin typeface="Consolas" panose="020B0609020204030204" pitchFamily="49" charset="0"/>
+                <a:cs typeface="Consolas" panose="020B0609020204030204" pitchFamily="49" charset="0"/>
+              </a:rPr>
+              <a:t> </a:t>
+            </a:r>
+            <a:r>
+              <a:rPr lang="sk-SK" dirty="0" err="1">
+                <a:solidFill>
+                  <a:schemeClr val="tx1"/>
+                </a:solidFill>
+                <a:latin typeface="Consolas" panose="020B0609020204030204" pitchFamily="49" charset="0"/>
+                <a:cs typeface="Consolas" panose="020B0609020204030204" pitchFamily="49" charset="0"/>
+              </a:rPr>
+              <a:t>eb</a:t>
+            </a:r>
+            <a:r>
+              <a:rPr lang="sk-SK" dirty="0">
+                <a:solidFill>
+                  <a:schemeClr val="tx1"/>
+                </a:solidFill>
+                <a:latin typeface="Consolas" panose="020B0609020204030204" pitchFamily="49" charset="0"/>
+                <a:cs typeface="Consolas" panose="020B0609020204030204" pitchFamily="49" charset="0"/>
+              </a:rPr>
+              <a:t> = </a:t>
+            </a:r>
+            <a:r>
+              <a:rPr lang="sk-SK" dirty="0" err="1">
+                <a:solidFill>
+                  <a:schemeClr val="tx1"/>
+                </a:solidFill>
+                <a:latin typeface="Consolas" panose="020B0609020204030204" pitchFamily="49" charset="0"/>
+                <a:cs typeface="Consolas" panose="020B0609020204030204" pitchFamily="49" charset="0"/>
+              </a:rPr>
+              <a:t>vertx.eventBus</a:t>
+            </a:r>
+            <a:r>
+              <a:rPr lang="sk-SK" dirty="0">
+                <a:solidFill>
+                  <a:schemeClr val="tx1"/>
+                </a:solidFill>
+                <a:latin typeface="Consolas" panose="020B0609020204030204" pitchFamily="49" charset="0"/>
+                <a:cs typeface="Consolas" panose="020B0609020204030204" pitchFamily="49" charset="0"/>
+              </a:rPr>
+              <a:t>();</a:t>
+            </a:r>
+            <a:endParaRPr lang="en-US" dirty="0">
               <a:solidFill>
-                <a:srgbClr val="FF0000"/>
+                <a:schemeClr val="tx1"/>
+              </a:solidFill>
+              <a:latin typeface="Consolas" panose="020B0609020204030204" pitchFamily="49" charset="0"/>
+              <a:cs typeface="Consolas" panose="020B0609020204030204" pitchFamily="49" charset="0"/>
+            </a:endParaRPr>
+          </a:p>
+          <a:p>
+            <a:pPr marL="0" indent="0">
+              <a:buNone/>
+            </a:pPr>
+            <a:endParaRPr lang="en-US" dirty="0">
+              <a:solidFill>
+                <a:schemeClr val="tx1"/>
+              </a:solidFill>
+              <a:latin typeface="Consolas" panose="020B0609020204030204" pitchFamily="49" charset="0"/>
+              <a:cs typeface="Consolas" panose="020B0609020204030204" pitchFamily="49" charset="0"/>
+            </a:endParaRPr>
+          </a:p>
+          <a:p>
+            <a:pPr marL="0" indent="0">
+              <a:buNone/>
+            </a:pPr>
+            <a:r>
+              <a:rPr lang="en-US" dirty="0" err="1">
+                <a:solidFill>
+                  <a:schemeClr val="tx1"/>
+                </a:solidFill>
+                <a:latin typeface="Consolas" panose="020B0609020204030204" pitchFamily="49" charset="0"/>
+                <a:cs typeface="Consolas" panose="020B0609020204030204" pitchFamily="49" charset="0"/>
+              </a:rPr>
+              <a:t>MessageConsumer</a:t>
+            </a:r>
+            <a:r>
+              <a:rPr lang="en-US" dirty="0">
+                <a:solidFill>
+                  <a:schemeClr val="tx1"/>
+                </a:solidFill>
+                <a:latin typeface="Consolas" panose="020B0609020204030204" pitchFamily="49" charset="0"/>
+                <a:cs typeface="Consolas" panose="020B0609020204030204" pitchFamily="49" charset="0"/>
+              </a:rPr>
+              <a:t>&lt;String&gt; consumer;</a:t>
+            </a:r>
+          </a:p>
+          <a:p>
+            <a:pPr marL="0" indent="0">
+              <a:buNone/>
+            </a:pPr>
+            <a:endParaRPr lang="en-US" dirty="0">
+              <a:solidFill>
+                <a:schemeClr val="tx1"/>
+              </a:solidFill>
+              <a:latin typeface="Consolas" panose="020B0609020204030204" pitchFamily="49" charset="0"/>
+              <a:cs typeface="Consolas" panose="020B0609020204030204" pitchFamily="49" charset="0"/>
+            </a:endParaRPr>
+          </a:p>
+          <a:p>
+            <a:pPr marL="0" indent="0">
+              <a:buNone/>
+            </a:pPr>
+            <a:r>
+              <a:rPr lang="en-US" dirty="0">
+                <a:solidFill>
+                  <a:schemeClr val="tx1"/>
+                </a:solidFill>
+                <a:latin typeface="Consolas" panose="020B0609020204030204" pitchFamily="49" charset="0"/>
+                <a:cs typeface="Consolas" panose="020B0609020204030204" pitchFamily="49" charset="0"/>
+              </a:rPr>
+              <a:t>Consumer = </a:t>
+            </a:r>
+            <a:r>
+              <a:rPr lang="sk-SK" dirty="0" err="1">
+                <a:solidFill>
+                  <a:schemeClr val="tx1"/>
+                </a:solidFill>
+                <a:latin typeface="Consolas" panose="020B0609020204030204" pitchFamily="49" charset="0"/>
+                <a:cs typeface="Consolas" panose="020B0609020204030204" pitchFamily="49" charset="0"/>
+              </a:rPr>
+              <a:t>eb.consumer</a:t>
+            </a:r>
+            <a:r>
+              <a:rPr lang="sk-SK" dirty="0">
+                <a:solidFill>
+                  <a:schemeClr val="tx1"/>
+                </a:solidFill>
+                <a:latin typeface="Consolas" panose="020B0609020204030204" pitchFamily="49" charset="0"/>
+                <a:cs typeface="Consolas" panose="020B0609020204030204" pitchFamily="49" charset="0"/>
+              </a:rPr>
+              <a:t>(“</a:t>
+            </a:r>
+            <a:r>
+              <a:rPr lang="en-US" dirty="0" err="1">
+                <a:solidFill>
+                  <a:schemeClr val="tx1"/>
+                </a:solidFill>
+                <a:latin typeface="Consolas" panose="020B0609020204030204" pitchFamily="49" charset="0"/>
+                <a:cs typeface="Consolas" panose="020B0609020204030204" pitchFamily="49" charset="0"/>
+              </a:rPr>
+              <a:t>sk.mimacom.hello</a:t>
+            </a:r>
+            <a:r>
+              <a:rPr lang="sk-SK" dirty="0">
+                <a:solidFill>
+                  <a:schemeClr val="tx1"/>
+                </a:solidFill>
+                <a:latin typeface="Consolas" panose="020B0609020204030204" pitchFamily="49" charset="0"/>
+                <a:cs typeface="Consolas" panose="020B0609020204030204" pitchFamily="49" charset="0"/>
+              </a:rPr>
+              <a:t>", </a:t>
+            </a:r>
+            <a:endParaRPr lang="en-US" dirty="0">
+              <a:solidFill>
+                <a:schemeClr val="tx1"/>
+              </a:solidFill>
+              <a:latin typeface="Consolas" panose="020B0609020204030204" pitchFamily="49" charset="0"/>
+              <a:cs typeface="Consolas" panose="020B0609020204030204" pitchFamily="49" charset="0"/>
+            </a:endParaRPr>
+          </a:p>
+          <a:p>
+            <a:pPr marL="0" indent="0">
+              <a:buNone/>
+            </a:pPr>
+            <a:r>
+              <a:rPr lang="en-US" dirty="0">
+                <a:solidFill>
+                  <a:schemeClr val="tx1"/>
+                </a:solidFill>
+                <a:latin typeface="Consolas" panose="020B0609020204030204" pitchFamily="49" charset="0"/>
+                <a:cs typeface="Consolas" panose="020B0609020204030204" pitchFamily="49" charset="0"/>
+              </a:rPr>
+              <a:t>	</a:t>
+            </a:r>
+            <a:r>
+              <a:rPr lang="sk-SK" dirty="0" err="1">
+                <a:solidFill>
+                  <a:schemeClr val="tx1"/>
+                </a:solidFill>
+                <a:latin typeface="Consolas" panose="020B0609020204030204" pitchFamily="49" charset="0"/>
+                <a:cs typeface="Consolas" panose="020B0609020204030204" pitchFamily="49" charset="0"/>
+              </a:rPr>
+              <a:t>message</a:t>
+            </a:r>
+            <a:r>
+              <a:rPr lang="sk-SK" dirty="0">
+                <a:solidFill>
+                  <a:schemeClr val="tx1"/>
+                </a:solidFill>
+                <a:latin typeface="Consolas" panose="020B0609020204030204" pitchFamily="49" charset="0"/>
+                <a:cs typeface="Consolas" panose="020B0609020204030204" pitchFamily="49" charset="0"/>
+              </a:rPr>
+              <a:t> -&gt; {</a:t>
+            </a:r>
+            <a:endParaRPr lang="en-US" dirty="0">
+              <a:solidFill>
+                <a:schemeClr val="tx1"/>
+              </a:solidFill>
+              <a:latin typeface="Consolas" panose="020B0609020204030204" pitchFamily="49" charset="0"/>
+              <a:cs typeface="Consolas" panose="020B0609020204030204" pitchFamily="49" charset="0"/>
+            </a:endParaRPr>
+          </a:p>
+          <a:p>
+            <a:pPr marL="0" indent="0">
+              <a:buNone/>
+            </a:pPr>
+            <a:r>
+              <a:rPr lang="sk-SK" dirty="0">
+                <a:solidFill>
+                  <a:schemeClr val="tx1"/>
+                </a:solidFill>
+                <a:latin typeface="Consolas" panose="020B0609020204030204" pitchFamily="49" charset="0"/>
+                <a:cs typeface="Consolas" panose="020B0609020204030204" pitchFamily="49" charset="0"/>
+              </a:rPr>
+              <a:t> </a:t>
+            </a:r>
+            <a:r>
+              <a:rPr lang="en-US" dirty="0">
+                <a:solidFill>
+                  <a:schemeClr val="tx1"/>
+                </a:solidFill>
+                <a:latin typeface="Consolas" panose="020B0609020204030204" pitchFamily="49" charset="0"/>
+                <a:cs typeface="Consolas" panose="020B0609020204030204" pitchFamily="49" charset="0"/>
+              </a:rPr>
+              <a:t>	</a:t>
+            </a:r>
+            <a:r>
+              <a:rPr lang="sk-SK" dirty="0" err="1">
+                <a:solidFill>
+                  <a:schemeClr val="tx1"/>
+                </a:solidFill>
+                <a:latin typeface="Consolas" panose="020B0609020204030204" pitchFamily="49" charset="0"/>
+                <a:cs typeface="Consolas" panose="020B0609020204030204" pitchFamily="49" charset="0"/>
+              </a:rPr>
+              <a:t>System.out.println</a:t>
+            </a:r>
+            <a:r>
+              <a:rPr lang="sk-SK" dirty="0">
+                <a:solidFill>
+                  <a:schemeClr val="tx1"/>
+                </a:solidFill>
+                <a:latin typeface="Consolas" panose="020B0609020204030204" pitchFamily="49" charset="0"/>
+                <a:cs typeface="Consolas" panose="020B0609020204030204" pitchFamily="49" charset="0"/>
+              </a:rPr>
+              <a:t>(“</a:t>
+            </a:r>
+            <a:r>
+              <a:rPr lang="en-US" dirty="0">
+                <a:solidFill>
+                  <a:schemeClr val="tx1"/>
+                </a:solidFill>
+                <a:latin typeface="Consolas" panose="020B0609020204030204" pitchFamily="49" charset="0"/>
+                <a:cs typeface="Consolas" panose="020B0609020204030204" pitchFamily="49" charset="0"/>
+              </a:rPr>
+              <a:t>M</a:t>
+            </a:r>
+            <a:r>
+              <a:rPr lang="sk-SK" dirty="0" err="1">
+                <a:solidFill>
+                  <a:schemeClr val="tx1"/>
+                </a:solidFill>
+                <a:latin typeface="Consolas" panose="020B0609020204030204" pitchFamily="49" charset="0"/>
+                <a:cs typeface="Consolas" panose="020B0609020204030204" pitchFamily="49" charset="0"/>
+              </a:rPr>
+              <a:t>essage</a:t>
+            </a:r>
+            <a:r>
+              <a:rPr lang="sk-SK" dirty="0">
+                <a:solidFill>
+                  <a:schemeClr val="tx1"/>
+                </a:solidFill>
+                <a:latin typeface="Consolas" panose="020B0609020204030204" pitchFamily="49" charset="0"/>
+                <a:cs typeface="Consolas" panose="020B0609020204030204" pitchFamily="49" charset="0"/>
+              </a:rPr>
+              <a:t>: " </a:t>
+            </a:r>
+            <a:r>
+              <a:rPr lang="en-US" dirty="0">
+                <a:solidFill>
+                  <a:schemeClr val="tx1"/>
+                </a:solidFill>
+                <a:latin typeface="Consolas" panose="020B0609020204030204" pitchFamily="49" charset="0"/>
+                <a:cs typeface="Consolas" panose="020B0609020204030204" pitchFamily="49" charset="0"/>
+              </a:rPr>
+              <a:t>	</a:t>
+            </a:r>
+            <a:r>
+              <a:rPr lang="sk-SK" dirty="0">
+                <a:solidFill>
+                  <a:schemeClr val="tx1"/>
+                </a:solidFill>
+                <a:latin typeface="Consolas" panose="020B0609020204030204" pitchFamily="49" charset="0"/>
+                <a:cs typeface="Consolas" panose="020B0609020204030204" pitchFamily="49" charset="0"/>
+              </a:rPr>
+              <a:t>+ </a:t>
+            </a:r>
+            <a:r>
+              <a:rPr lang="en-US" dirty="0">
+                <a:solidFill>
+                  <a:schemeClr val="tx1"/>
+                </a:solidFill>
+                <a:latin typeface="Consolas" panose="020B0609020204030204" pitchFamily="49" charset="0"/>
+                <a:cs typeface="Consolas" panose="020B0609020204030204" pitchFamily="49" charset="0"/>
+              </a:rPr>
+              <a:t>				</a:t>
+            </a:r>
+            <a:r>
+              <a:rPr lang="sk-SK" dirty="0" err="1">
+                <a:solidFill>
+                  <a:schemeClr val="tx1"/>
+                </a:solidFill>
+                <a:latin typeface="Consolas" panose="020B0609020204030204" pitchFamily="49" charset="0"/>
+                <a:cs typeface="Consolas" panose="020B0609020204030204" pitchFamily="49" charset="0"/>
+              </a:rPr>
+              <a:t>message.body</a:t>
+            </a:r>
+            <a:r>
+              <a:rPr lang="sk-SK" dirty="0">
+                <a:solidFill>
+                  <a:schemeClr val="tx1"/>
+                </a:solidFill>
+                <a:latin typeface="Consolas" panose="020B0609020204030204" pitchFamily="49" charset="0"/>
+                <a:cs typeface="Consolas" panose="020B0609020204030204" pitchFamily="49" charset="0"/>
+              </a:rPr>
+              <a:t>()); </a:t>
+            </a:r>
+            <a:endParaRPr lang="en-US" dirty="0">
+              <a:solidFill>
+                <a:schemeClr val="tx1"/>
+              </a:solidFill>
+              <a:latin typeface="Consolas" panose="020B0609020204030204" pitchFamily="49" charset="0"/>
+              <a:cs typeface="Consolas" panose="020B0609020204030204" pitchFamily="49" charset="0"/>
+            </a:endParaRPr>
+          </a:p>
+          <a:p>
+            <a:pPr marL="0" indent="0">
+              <a:buNone/>
+            </a:pPr>
+            <a:r>
+              <a:rPr lang="sk-SK" dirty="0">
+                <a:solidFill>
+                  <a:schemeClr val="tx1"/>
+                </a:solidFill>
+                <a:latin typeface="Consolas" panose="020B0609020204030204" pitchFamily="49" charset="0"/>
+                <a:cs typeface="Consolas" panose="020B0609020204030204" pitchFamily="49" charset="0"/>
+              </a:rPr>
+              <a:t>});</a:t>
+            </a:r>
+            <a:endParaRPr lang="en-US" dirty="0">
+              <a:solidFill>
+                <a:schemeClr val="tx1"/>
+              </a:solidFill>
+              <a:latin typeface="Consolas" panose="020B0609020204030204" pitchFamily="49" charset="0"/>
+              <a:cs typeface="Consolas" panose="020B0609020204030204" pitchFamily="49" charset="0"/>
+            </a:endParaRPr>
+          </a:p>
+          <a:p>
+            <a:pPr marL="0" indent="0">
+              <a:buNone/>
+            </a:pPr>
+            <a:endParaRPr lang="en-US" dirty="0">
+              <a:solidFill>
+                <a:schemeClr val="tx1"/>
+              </a:solidFill>
+              <a:latin typeface="Consolas" panose="020B0609020204030204" pitchFamily="49" charset="0"/>
+              <a:cs typeface="Consolas" panose="020B0609020204030204" pitchFamily="49" charset="0"/>
+            </a:endParaRPr>
+          </a:p>
+          <a:p>
+            <a:pPr marL="0" indent="0">
+              <a:buNone/>
+            </a:pPr>
+            <a:r>
+              <a:rPr lang="en-US" dirty="0" err="1">
+                <a:solidFill>
+                  <a:schemeClr val="tx1"/>
+                </a:solidFill>
+                <a:latin typeface="Consolas" panose="020B0609020204030204" pitchFamily="49" charset="0"/>
+                <a:cs typeface="Consolas" panose="020B0609020204030204" pitchFamily="49" charset="0"/>
+              </a:rPr>
+              <a:t>consumer.unregister</a:t>
+            </a:r>
+            <a:r>
+              <a:rPr lang="en-US" dirty="0">
+                <a:solidFill>
+                  <a:schemeClr val="tx1"/>
+                </a:solidFill>
+                <a:latin typeface="Consolas" panose="020B0609020204030204" pitchFamily="49" charset="0"/>
+                <a:cs typeface="Consolas" panose="020B0609020204030204" pitchFamily="49" charset="0"/>
+              </a:rPr>
+              <a:t>();</a:t>
+            </a:r>
+          </a:p>
+          <a:p>
+            <a:pPr marL="0" indent="0">
+              <a:buNone/>
+            </a:pPr>
+            <a:endParaRPr lang="en-US" dirty="0">
+              <a:solidFill>
+                <a:schemeClr val="tx1"/>
               </a:solidFill>
             </a:endParaRPr>
-          </a:p>
-        </p:txBody>
-      </p:sp>
-      <p:sp>
-        <p:nvSpPr>
-          <p:cNvPr id="4" name="Title 1"/>
-          <p:cNvSpPr>
-            <a:spLocks noGrp="1"/>
-          </p:cNvSpPr>
-          <p:nvPr>
-            <p:ph type="title"/>
-          </p:nvPr>
-        </p:nvSpPr>
-        <p:spPr>
-          <a:xfrm>
-            <a:off x="457200" y="0"/>
-            <a:ext cx="8229600" cy="1600200"/>
-          </a:xfrm>
-        </p:spPr>
-        <p:txBody>
-          <a:bodyPr/>
-          <a:lstStyle/>
-          <a:p>
-            <a:r>
-              <a:rPr lang="en-US" dirty="0"/>
-              <a:t>&lt;*)))&gt;{</a:t>
-            </a:r>
           </a:p>
         </p:txBody>
       </p:sp>
     </p:spTree>
     <p:extLst>
       <p:ext uri="{BB962C8B-B14F-4D97-AF65-F5344CB8AC3E}">
-        <p14:creationId xmlns:p14="http://schemas.microsoft.com/office/powerpoint/2010/main" val="3622538159"/>
+        <p14:creationId xmlns:p14="http://schemas.microsoft.com/office/powerpoint/2010/main" val="4152905626"/>
       </p:ext>
     </p:extLst>
   </p:cSld>

--- a/vertx.pptx
+++ b/vertx.pptx
@@ -6,14 +6,21 @@
   </p:sldMasterIdLst>
   <p:sldIdLst>
     <p:sldId id="256" r:id="rId2"/>
-    <p:sldId id="257" r:id="rId3"/>
-    <p:sldId id="258" r:id="rId4"/>
-    <p:sldId id="259" r:id="rId5"/>
-    <p:sldId id="260" r:id="rId6"/>
-    <p:sldId id="262" r:id="rId7"/>
-    <p:sldId id="261" r:id="rId8"/>
-    <p:sldId id="263" r:id="rId9"/>
-    <p:sldId id="264" r:id="rId10"/>
+    <p:sldId id="265" r:id="rId3"/>
+    <p:sldId id="257" r:id="rId4"/>
+    <p:sldId id="258" r:id="rId5"/>
+    <p:sldId id="259" r:id="rId6"/>
+    <p:sldId id="260" r:id="rId7"/>
+    <p:sldId id="262" r:id="rId8"/>
+    <p:sldId id="261" r:id="rId9"/>
+    <p:sldId id="266" r:id="rId10"/>
+    <p:sldId id="267" r:id="rId11"/>
+    <p:sldId id="268" r:id="rId12"/>
+    <p:sldId id="269" r:id="rId13"/>
+    <p:sldId id="270" r:id="rId14"/>
+    <p:sldId id="271" r:id="rId15"/>
+    <p:sldId id="263" r:id="rId16"/>
+    <p:sldId id="264" r:id="rId17"/>
   </p:sldIdLst>
   <p:sldSz cx="9144000" cy="6858000" type="screen4x3"/>
   <p:notesSz cx="6858000" cy="9144000"/>
@@ -112,6 +119,22 @@
       </a:defRPr>
     </a:lvl9pPr>
   </p:defaultTextStyle>
+  <p:extLst>
+    <p:ext uri="{EFAFB233-063F-42B5-8137-9DF3F51BA10A}">
+      <p15:sldGuideLst xmlns:p15="http://schemas.microsoft.com/office/powerpoint/2012/main">
+        <p15:guide id="1" orient="horz" pos="2160">
+          <p15:clr>
+            <a:srgbClr val="A4A3A4"/>
+          </p15:clr>
+        </p15:guide>
+        <p15:guide id="2" pos="2880">
+          <p15:clr>
+            <a:srgbClr val="A4A3A4"/>
+          </p15:clr>
+        </p15:guide>
+      </p15:sldGuideLst>
+    </p:ext>
+  </p:extLst>
 </p:presentation>
 </file>
 
@@ -162,7 +185,7 @@
           </a:lstStyle>
           <a:p>
             <a:r>
-              <a:rPr lang="sk-SK" smtClean="0"/>
+              <a:rPr lang="sk-SK"/>
               <a:t>Upravte štýly predlohy textu</a:t>
             </a:r>
             <a:endParaRPr lang="en-US" dirty="0"/>
@@ -283,7 +306,7 @@
           </a:lstStyle>
           <a:p>
             <a:r>
-              <a:rPr lang="sk-SK" smtClean="0"/>
+              <a:rPr lang="sk-SK"/>
               <a:t>Upravte štýl predlohy podnadpisov</a:t>
             </a:r>
             <a:endParaRPr lang="en-US" dirty="0"/>
@@ -307,7 +330,7 @@
           <a:p>
             <a:fld id="{BF92E2F3-A957-4897-AE39-228CC061DCDB}" type="datetimeFigureOut">
               <a:rPr lang="sk-SK" smtClean="0"/>
-              <a:t>16. 12. 2014</a:t>
+              <a:t>30.6.2016</a:t>
             </a:fld>
             <a:endParaRPr lang="sk-SK"/>
           </a:p>
@@ -396,7 +419,7 @@
           <a:lstStyle/>
           <a:p>
             <a:r>
-              <a:rPr lang="sk-SK" smtClean="0"/>
+              <a:rPr lang="sk-SK"/>
               <a:t>Upravte štýly predlohy textu</a:t>
             </a:r>
             <a:endParaRPr lang="en-US" dirty="0"/>
@@ -420,35 +443,35 @@
           <a:p>
             <a:pPr lvl="0"/>
             <a:r>
-              <a:rPr lang="sk-SK" smtClean="0"/>
+              <a:rPr lang="sk-SK"/>
               <a:t>Upravte štýl predlohy textu.</a:t>
             </a:r>
           </a:p>
           <a:p>
             <a:pPr lvl="1"/>
             <a:r>
-              <a:rPr lang="sk-SK" smtClean="0"/>
+              <a:rPr lang="sk-SK"/>
               <a:t>Druhá úroveň</a:t>
             </a:r>
           </a:p>
           <a:p>
             <a:pPr lvl="2"/>
             <a:r>
-              <a:rPr lang="sk-SK" smtClean="0"/>
+              <a:rPr lang="sk-SK"/>
               <a:t>Tretia úroveň</a:t>
             </a:r>
           </a:p>
           <a:p>
             <a:pPr lvl="3"/>
             <a:r>
-              <a:rPr lang="sk-SK" smtClean="0"/>
+              <a:rPr lang="sk-SK"/>
               <a:t>Štvrtá úroveň</a:t>
             </a:r>
           </a:p>
           <a:p>
             <a:pPr lvl="4"/>
             <a:r>
-              <a:rPr lang="sk-SK" smtClean="0"/>
+              <a:rPr lang="sk-SK"/>
               <a:t>Piata úroveň</a:t>
             </a:r>
             <a:endParaRPr lang="en-US"/>
@@ -472,7 +495,7 @@
           <a:p>
             <a:fld id="{BF92E2F3-A957-4897-AE39-228CC061DCDB}" type="datetimeFigureOut">
               <a:rPr lang="sk-SK" smtClean="0"/>
-              <a:t>16. 12. 2014</a:t>
+              <a:t>30.6.2016</a:t>
             </a:fld>
             <a:endParaRPr lang="sk-SK"/>
           </a:p>
@@ -566,7 +589,7 @@
           <a:lstStyle/>
           <a:p>
             <a:r>
-              <a:rPr lang="sk-SK" smtClean="0"/>
+              <a:rPr lang="sk-SK"/>
               <a:t>Upravte štýly predlohy textu</a:t>
             </a:r>
             <a:endParaRPr lang="en-US" dirty="0"/>
@@ -595,35 +618,35 @@
           <a:p>
             <a:pPr lvl="0"/>
             <a:r>
-              <a:rPr lang="sk-SK" smtClean="0"/>
+              <a:rPr lang="sk-SK"/>
               <a:t>Upravte štýl predlohy textu.</a:t>
             </a:r>
           </a:p>
           <a:p>
             <a:pPr lvl="1"/>
             <a:r>
-              <a:rPr lang="sk-SK" smtClean="0"/>
+              <a:rPr lang="sk-SK"/>
               <a:t>Druhá úroveň</a:t>
             </a:r>
           </a:p>
           <a:p>
             <a:pPr lvl="2"/>
             <a:r>
-              <a:rPr lang="sk-SK" smtClean="0"/>
+              <a:rPr lang="sk-SK"/>
               <a:t>Tretia úroveň</a:t>
             </a:r>
           </a:p>
           <a:p>
             <a:pPr lvl="3"/>
             <a:r>
-              <a:rPr lang="sk-SK" smtClean="0"/>
+              <a:rPr lang="sk-SK"/>
               <a:t>Štvrtá úroveň</a:t>
             </a:r>
           </a:p>
           <a:p>
             <a:pPr lvl="4"/>
             <a:r>
-              <a:rPr lang="sk-SK" smtClean="0"/>
+              <a:rPr lang="sk-SK"/>
               <a:t>Piata úroveň</a:t>
             </a:r>
             <a:endParaRPr lang="en-US"/>
@@ -647,7 +670,7 @@
           <a:p>
             <a:fld id="{BF92E2F3-A957-4897-AE39-228CC061DCDB}" type="datetimeFigureOut">
               <a:rPr lang="sk-SK" smtClean="0"/>
-              <a:t>16. 12. 2014</a:t>
+              <a:t>30.6.2016</a:t>
             </a:fld>
             <a:endParaRPr lang="sk-SK"/>
           </a:p>
@@ -736,7 +759,7 @@
           <a:lstStyle/>
           <a:p>
             <a:r>
-              <a:rPr lang="sk-SK" smtClean="0"/>
+              <a:rPr lang="sk-SK"/>
               <a:t>Upravte štýly predlohy textu</a:t>
             </a:r>
             <a:endParaRPr lang="en-US" dirty="0"/>
@@ -778,38 +801,38 @@
           <a:p>
             <a:pPr lvl="0"/>
             <a:r>
-              <a:rPr lang="sk-SK" smtClean="0"/>
+              <a:rPr lang="sk-SK"/>
               <a:t>Upravte štýl predlohy textu.</a:t>
             </a:r>
           </a:p>
           <a:p>
             <a:pPr lvl="1"/>
             <a:r>
-              <a:rPr lang="sk-SK" smtClean="0"/>
+              <a:rPr lang="sk-SK"/>
               <a:t>Druhá úroveň</a:t>
             </a:r>
           </a:p>
           <a:p>
             <a:pPr lvl="2"/>
             <a:r>
-              <a:rPr lang="sk-SK" smtClean="0"/>
+              <a:rPr lang="sk-SK"/>
               <a:t>Tretia úroveň</a:t>
             </a:r>
           </a:p>
           <a:p>
             <a:pPr lvl="3"/>
             <a:r>
-              <a:rPr lang="sk-SK" smtClean="0"/>
+              <a:rPr lang="sk-SK"/>
               <a:t>Štvrtá úroveň</a:t>
             </a:r>
           </a:p>
           <a:p>
             <a:pPr lvl="4"/>
             <a:r>
-              <a:rPr lang="sk-SK" smtClean="0"/>
+              <a:rPr lang="sk-SK"/>
               <a:t>Piata úroveň</a:t>
             </a:r>
-            <a:endParaRPr lang="en-US" dirty="0" smtClean="0"/>
+            <a:endParaRPr lang="en-US" dirty="0"/>
           </a:p>
         </p:txBody>
       </p:sp>
@@ -830,7 +853,7 @@
           <a:p>
             <a:fld id="{BF92E2F3-A957-4897-AE39-228CC061DCDB}" type="datetimeFigureOut">
               <a:rPr lang="sk-SK" smtClean="0"/>
-              <a:t>16. 12. 2014</a:t>
+              <a:t>30.6.2016</a:t>
             </a:fld>
             <a:endParaRPr lang="sk-SK"/>
           </a:p>
@@ -949,7 +972,7 @@
           </a:lstStyle>
           <a:p>
             <a:r>
-              <a:rPr lang="sk-SK" smtClean="0"/>
+              <a:rPr lang="sk-SK"/>
               <a:t>Upravte štýly predlohy textu</a:t>
             </a:r>
             <a:endParaRPr lang="en-US" dirty="0"/>
@@ -1069,7 +1092,7 @@
           <a:p>
             <a:pPr lvl="0"/>
             <a:r>
-              <a:rPr lang="sk-SK" smtClean="0"/>
+              <a:rPr lang="sk-SK"/>
               <a:t>Upravte štýl predlohy textu.</a:t>
             </a:r>
           </a:p>
@@ -1092,7 +1115,7 @@
           <a:p>
             <a:fld id="{BF92E2F3-A957-4897-AE39-228CC061DCDB}" type="datetimeFigureOut">
               <a:rPr lang="sk-SK" smtClean="0"/>
-              <a:t>16. 12. 2014</a:t>
+              <a:t>30.6.2016</a:t>
             </a:fld>
             <a:endParaRPr lang="sk-SK"/>
           </a:p>
@@ -1331,7 +1354,7 @@
           <a:lstStyle/>
           <a:p>
             <a:r>
-              <a:rPr lang="sk-SK" smtClean="0"/>
+              <a:rPr lang="sk-SK"/>
               <a:t>Upravte štýly predlohy textu</a:t>
             </a:r>
             <a:endParaRPr lang="en-US"/>
@@ -1388,38 +1411,38 @@
           <a:p>
             <a:pPr lvl="0"/>
             <a:r>
-              <a:rPr lang="sk-SK" smtClean="0"/>
+              <a:rPr lang="sk-SK"/>
               <a:t>Upravte štýl predlohy textu.</a:t>
             </a:r>
           </a:p>
           <a:p>
             <a:pPr lvl="1"/>
             <a:r>
-              <a:rPr lang="sk-SK" smtClean="0"/>
+              <a:rPr lang="sk-SK"/>
               <a:t>Druhá úroveň</a:t>
             </a:r>
           </a:p>
           <a:p>
             <a:pPr lvl="2"/>
             <a:r>
-              <a:rPr lang="sk-SK" smtClean="0"/>
+              <a:rPr lang="sk-SK"/>
               <a:t>Tretia úroveň</a:t>
             </a:r>
           </a:p>
           <a:p>
             <a:pPr lvl="3"/>
             <a:r>
-              <a:rPr lang="sk-SK" smtClean="0"/>
+              <a:rPr lang="sk-SK"/>
               <a:t>Štvrtá úroveň</a:t>
             </a:r>
           </a:p>
           <a:p>
             <a:pPr lvl="4"/>
             <a:r>
-              <a:rPr lang="sk-SK" smtClean="0"/>
+              <a:rPr lang="sk-SK"/>
               <a:t>Piata úroveň</a:t>
             </a:r>
-            <a:endParaRPr lang="en-US" dirty="0" smtClean="0"/>
+            <a:endParaRPr lang="en-US" dirty="0"/>
           </a:p>
         </p:txBody>
       </p:sp>
@@ -1440,7 +1463,7 @@
           <a:p>
             <a:fld id="{BF92E2F3-A957-4897-AE39-228CC061DCDB}" type="datetimeFigureOut">
               <a:rPr lang="sk-SK" smtClean="0"/>
-              <a:t>16. 12. 2014</a:t>
+              <a:t>30.6.2016</a:t>
             </a:fld>
             <a:endParaRPr lang="sk-SK"/>
           </a:p>
@@ -1510,35 +1533,35 @@
           <a:p>
             <a:pPr lvl="0"/>
             <a:r>
-              <a:rPr lang="sk-SK" smtClean="0"/>
+              <a:rPr lang="sk-SK"/>
               <a:t>Upravte štýl predlohy textu.</a:t>
             </a:r>
           </a:p>
           <a:p>
             <a:pPr lvl="1"/>
             <a:r>
-              <a:rPr lang="sk-SK" smtClean="0"/>
+              <a:rPr lang="sk-SK"/>
               <a:t>Druhá úroveň</a:t>
             </a:r>
           </a:p>
           <a:p>
             <a:pPr lvl="2"/>
             <a:r>
-              <a:rPr lang="sk-SK" smtClean="0"/>
+              <a:rPr lang="sk-SK"/>
               <a:t>Tretia úroveň</a:t>
             </a:r>
           </a:p>
           <a:p>
             <a:pPr lvl="3"/>
             <a:r>
-              <a:rPr lang="sk-SK" smtClean="0"/>
+              <a:rPr lang="sk-SK"/>
               <a:t>Štvrtá úroveň</a:t>
             </a:r>
           </a:p>
           <a:p>
             <a:pPr lvl="4"/>
             <a:r>
-              <a:rPr lang="sk-SK" smtClean="0"/>
+              <a:rPr lang="sk-SK"/>
               <a:t>Piata úroveň</a:t>
             </a:r>
             <a:endParaRPr lang="en-US"/>
@@ -1590,7 +1613,7 @@
           </a:lstStyle>
           <a:p>
             <a:r>
-              <a:rPr lang="sk-SK" smtClean="0"/>
+              <a:rPr lang="sk-SK"/>
               <a:t>Upravte štýly predlohy textu</a:t>
             </a:r>
             <a:endParaRPr lang="en-US"/>
@@ -1658,7 +1681,7 @@
           <a:p>
             <a:pPr lvl="0"/>
             <a:r>
-              <a:rPr lang="sk-SK" smtClean="0"/>
+              <a:rPr lang="sk-SK"/>
               <a:t>Upravte štýl predlohy textu.</a:t>
             </a:r>
           </a:p>
@@ -1725,7 +1748,7 @@
           <a:p>
             <a:pPr lvl="0"/>
             <a:r>
-              <a:rPr lang="sk-SK" smtClean="0"/>
+              <a:rPr lang="sk-SK"/>
               <a:t>Upravte štýl predlohy textu.</a:t>
             </a:r>
           </a:p>
@@ -1748,7 +1771,7 @@
           <a:p>
             <a:fld id="{BF92E2F3-A957-4897-AE39-228CC061DCDB}" type="datetimeFigureOut">
               <a:rPr lang="sk-SK" smtClean="0"/>
-              <a:t>16. 12. 2014</a:t>
+              <a:t>30.6.2016</a:t>
             </a:fld>
             <a:endParaRPr lang="sk-SK"/>
           </a:p>
@@ -1818,35 +1841,35 @@
           <a:p>
             <a:pPr lvl="0"/>
             <a:r>
-              <a:rPr lang="sk-SK" smtClean="0"/>
+              <a:rPr lang="sk-SK"/>
               <a:t>Upravte štýl predlohy textu.</a:t>
             </a:r>
           </a:p>
           <a:p>
             <a:pPr lvl="1"/>
             <a:r>
-              <a:rPr lang="sk-SK" smtClean="0"/>
+              <a:rPr lang="sk-SK"/>
               <a:t>Druhá úroveň</a:t>
             </a:r>
           </a:p>
           <a:p>
             <a:pPr lvl="2"/>
             <a:r>
-              <a:rPr lang="sk-SK" smtClean="0"/>
+              <a:rPr lang="sk-SK"/>
               <a:t>Tretia úroveň</a:t>
             </a:r>
           </a:p>
           <a:p>
             <a:pPr lvl="3"/>
             <a:r>
-              <a:rPr lang="sk-SK" smtClean="0"/>
+              <a:rPr lang="sk-SK"/>
               <a:t>Štvrtá úroveň</a:t>
             </a:r>
           </a:p>
           <a:p>
             <a:pPr lvl="4"/>
             <a:r>
-              <a:rPr lang="sk-SK" smtClean="0"/>
+              <a:rPr lang="sk-SK"/>
               <a:t>Piata úroveň</a:t>
             </a:r>
             <a:endParaRPr lang="en-US" dirty="0"/>
@@ -1875,35 +1898,35 @@
           <a:p>
             <a:pPr lvl="0"/>
             <a:r>
-              <a:rPr lang="sk-SK" smtClean="0"/>
+              <a:rPr lang="sk-SK"/>
               <a:t>Upravte štýl predlohy textu.</a:t>
             </a:r>
           </a:p>
           <a:p>
             <a:pPr lvl="1"/>
             <a:r>
-              <a:rPr lang="sk-SK" smtClean="0"/>
+              <a:rPr lang="sk-SK"/>
               <a:t>Druhá úroveň</a:t>
             </a:r>
           </a:p>
           <a:p>
             <a:pPr lvl="2"/>
             <a:r>
-              <a:rPr lang="sk-SK" smtClean="0"/>
+              <a:rPr lang="sk-SK"/>
               <a:t>Tretia úroveň</a:t>
             </a:r>
           </a:p>
           <a:p>
             <a:pPr lvl="3"/>
             <a:r>
-              <a:rPr lang="sk-SK" smtClean="0"/>
+              <a:rPr lang="sk-SK"/>
               <a:t>Štvrtá úroveň</a:t>
             </a:r>
           </a:p>
           <a:p>
             <a:pPr lvl="4"/>
             <a:r>
-              <a:rPr lang="sk-SK" smtClean="0"/>
+              <a:rPr lang="sk-SK"/>
               <a:t>Piata úroveň</a:t>
             </a:r>
             <a:endParaRPr lang="en-US" dirty="0"/>
@@ -1951,7 +1974,7 @@
           <a:lstStyle/>
           <a:p>
             <a:r>
-              <a:rPr lang="sk-SK" smtClean="0"/>
+              <a:rPr lang="sk-SK"/>
               <a:t>Upravte štýly predlohy textu</a:t>
             </a:r>
             <a:endParaRPr lang="en-US" dirty="0"/>
@@ -1975,7 +1998,7 @@
           <a:p>
             <a:fld id="{BF92E2F3-A957-4897-AE39-228CC061DCDB}" type="datetimeFigureOut">
               <a:rPr lang="sk-SK" smtClean="0"/>
-              <a:t>16. 12. 2014</a:t>
+              <a:t>30.6.2016</a:t>
             </a:fld>
             <a:endParaRPr lang="sk-SK"/>
           </a:p>
@@ -2065,7 +2088,7 @@
           <a:p>
             <a:fld id="{BF92E2F3-A957-4897-AE39-228CC061DCDB}" type="datetimeFigureOut">
               <a:rPr lang="sk-SK" smtClean="0"/>
-              <a:t>16. 12. 2014</a:t>
+              <a:t>30.6.2016</a:t>
             </a:fld>
             <a:endParaRPr lang="sk-SK"/>
           </a:p>
@@ -2174,7 +2197,7 @@
           </a:lstStyle>
           <a:p>
             <a:r>
-              <a:rPr lang="sk-SK" smtClean="0"/>
+              <a:rPr lang="sk-SK"/>
               <a:t>Upravte štýly predlohy textu</a:t>
             </a:r>
             <a:endParaRPr lang="en-US" dirty="0"/>
@@ -2231,35 +2254,35 @@
           <a:p>
             <a:pPr lvl="0"/>
             <a:r>
-              <a:rPr lang="sk-SK" smtClean="0"/>
+              <a:rPr lang="sk-SK"/>
               <a:t>Upravte štýl predlohy textu.</a:t>
             </a:r>
           </a:p>
           <a:p>
             <a:pPr lvl="1"/>
             <a:r>
-              <a:rPr lang="sk-SK" smtClean="0"/>
+              <a:rPr lang="sk-SK"/>
               <a:t>Druhá úroveň</a:t>
             </a:r>
           </a:p>
           <a:p>
             <a:pPr lvl="2"/>
             <a:r>
-              <a:rPr lang="sk-SK" smtClean="0"/>
+              <a:rPr lang="sk-SK"/>
               <a:t>Tretia úroveň</a:t>
             </a:r>
           </a:p>
           <a:p>
             <a:pPr lvl="3"/>
             <a:r>
-              <a:rPr lang="sk-SK" smtClean="0"/>
+              <a:rPr lang="sk-SK"/>
               <a:t>Štvrtá úroveň</a:t>
             </a:r>
           </a:p>
           <a:p>
             <a:pPr lvl="4"/>
             <a:r>
-              <a:rPr lang="sk-SK" smtClean="0"/>
+              <a:rPr lang="sk-SK"/>
               <a:t>Piata úroveň</a:t>
             </a:r>
             <a:endParaRPr lang="en-US" dirty="0"/>
@@ -2330,7 +2353,7 @@
           <a:p>
             <a:pPr lvl="0"/>
             <a:r>
-              <a:rPr lang="sk-SK" smtClean="0"/>
+              <a:rPr lang="sk-SK"/>
               <a:t>Upravte štýl predlohy textu.</a:t>
             </a:r>
           </a:p>
@@ -2353,7 +2376,7 @@
           <a:p>
             <a:fld id="{BF92E2F3-A957-4897-AE39-228CC061DCDB}" type="datetimeFigureOut">
               <a:rPr lang="sk-SK" smtClean="0"/>
-              <a:t>16. 12. 2014</a:t>
+              <a:t>30.6.2016</a:t>
             </a:fld>
             <a:endParaRPr lang="sk-SK"/>
           </a:p>
@@ -2454,7 +2477,7 @@
           </a:lstStyle>
           <a:p>
             <a:r>
-              <a:rPr lang="sk-SK" smtClean="0"/>
+              <a:rPr lang="sk-SK"/>
               <a:t>Upravte štýly predlohy textu</a:t>
             </a:r>
             <a:endParaRPr lang="en-US" dirty="0"/>
@@ -2531,7 +2554,7 @@
           </a:lstStyle>
           <a:p>
             <a:r>
-              <a:rPr lang="sk-SK" smtClean="0"/>
+              <a:rPr lang="sk-SK"/>
               <a:t>Ak chcete pridať obrázok, kliknite na ikonu</a:t>
             </a:r>
             <a:endParaRPr lang="en-US" dirty="0"/>
@@ -2599,7 +2622,7 @@
           <a:p>
             <a:pPr lvl="0"/>
             <a:r>
-              <a:rPr lang="sk-SK" smtClean="0"/>
+              <a:rPr lang="sk-SK"/>
               <a:t>Upravte štýl predlohy textu.</a:t>
             </a:r>
           </a:p>
@@ -2622,7 +2645,7 @@
           <a:p>
             <a:fld id="{BF92E2F3-A957-4897-AE39-228CC061DCDB}" type="datetimeFigureOut">
               <a:rPr lang="sk-SK" smtClean="0"/>
-              <a:t>16. 12. 2014</a:t>
+              <a:t>30.6.2016</a:t>
             </a:fld>
             <a:endParaRPr lang="sk-SK"/>
           </a:p>
@@ -2726,7 +2749,7 @@
           <a:lstStyle/>
           <a:p>
             <a:r>
-              <a:rPr lang="sk-SK" smtClean="0"/>
+              <a:rPr lang="sk-SK"/>
               <a:t>Upravte štýly predlohy textu</a:t>
             </a:r>
             <a:endParaRPr lang="en-US" dirty="0"/>
@@ -2760,38 +2783,38 @@
           <a:p>
             <a:pPr lvl="0"/>
             <a:r>
-              <a:rPr lang="sk-SK" smtClean="0"/>
+              <a:rPr lang="sk-SK"/>
               <a:t>Upravte štýl predlohy textu.</a:t>
             </a:r>
           </a:p>
           <a:p>
             <a:pPr lvl="1"/>
             <a:r>
-              <a:rPr lang="sk-SK" smtClean="0"/>
+              <a:rPr lang="sk-SK"/>
               <a:t>Druhá úroveň</a:t>
             </a:r>
           </a:p>
           <a:p>
             <a:pPr lvl="2"/>
             <a:r>
-              <a:rPr lang="sk-SK" smtClean="0"/>
+              <a:rPr lang="sk-SK"/>
               <a:t>Tretia úroveň</a:t>
             </a:r>
           </a:p>
           <a:p>
             <a:pPr lvl="3"/>
             <a:r>
-              <a:rPr lang="sk-SK" smtClean="0"/>
+              <a:rPr lang="sk-SK"/>
               <a:t>Štvrtá úroveň</a:t>
             </a:r>
           </a:p>
           <a:p>
             <a:pPr lvl="4"/>
             <a:r>
-              <a:rPr lang="sk-SK" smtClean="0"/>
+              <a:rPr lang="sk-SK"/>
               <a:t>Piata úroveň</a:t>
             </a:r>
-            <a:endParaRPr lang="en-US" dirty="0" smtClean="0"/>
+            <a:endParaRPr lang="en-US" dirty="0"/>
           </a:p>
         </p:txBody>
       </p:sp>
@@ -2832,7 +2855,7 @@
           <a:p>
             <a:fld id="{BF92E2F3-A957-4897-AE39-228CC061DCDB}" type="datetimeFigureOut">
               <a:rPr lang="sk-SK" smtClean="0"/>
-              <a:t>16. 12. 2014</a:t>
+              <a:t>30.6.2016</a:t>
             </a:fld>
             <a:endParaRPr lang="sk-SK"/>
           </a:p>
@@ -3366,12 +3389,8 @@
           <a:lstStyle/>
           <a:p>
             <a:r>
-              <a:rPr lang="en-US" dirty="0" err="1" smtClean="0"/>
-              <a:t>Vert.x</a:t>
-            </a:r>
-            <a:r>
-              <a:rPr lang="en-US" dirty="0" smtClean="0"/>
-              <a:t> coding beer</a:t>
+              <a:rPr lang="en-US" dirty="0"/>
+              <a:t>Node.js – like development in Java</a:t>
             </a:r>
             <a:endParaRPr lang="sk-SK" dirty="0"/>
           </a:p>
@@ -3393,8 +3412,16 @@
           <a:lstStyle/>
           <a:p>
             <a:r>
-              <a:rPr lang="en-US" dirty="0" smtClean="0"/>
-              <a:t>16. 12. 2014 @ ERNI SK</a:t>
+              <a:rPr lang="en-US" dirty="0"/>
+              <a:t>30. 6. 2016 @ </a:t>
+            </a:r>
+            <a:r>
+              <a:rPr lang="en-US" dirty="0" err="1"/>
+              <a:t>Mimacom</a:t>
+            </a:r>
+            <a:r>
+              <a:rPr lang="en-US" dirty="0"/>
+              <a:t> SK</a:t>
             </a:r>
             <a:endParaRPr lang="sk-SK" dirty="0"/>
           </a:p>
@@ -3410,13 +3437,3249 @@
   <p:clrMapOvr>
     <a:masterClrMapping/>
   </p:clrMapOvr>
+</p:sld>
+</file>
+
+<file path=ppt/slides/slide10.xml><?xml version="1.0" encoding="utf-8"?>
+<p:sld xmlns:a="http://schemas.openxmlformats.org/drawingml/2006/main" xmlns:r="http://schemas.openxmlformats.org/officeDocument/2006/relationships" xmlns:p="http://schemas.openxmlformats.org/presentationml/2006/main">
+  <p:cSld>
+    <p:spTree>
+      <p:nvGrpSpPr>
+        <p:cNvPr id="1" name=""/>
+        <p:cNvGrpSpPr/>
+        <p:nvPr/>
+      </p:nvGrpSpPr>
+      <p:grpSpPr>
+        <a:xfrm>
+          <a:off x="0" y="0"/>
+          <a:ext cx="0" cy="0"/>
+          <a:chOff x="0" y="0"/>
+          <a:chExt cx="0" cy="0"/>
+        </a:xfrm>
+      </p:grpSpPr>
+      <p:sp>
+        <p:nvSpPr>
+          <p:cNvPr id="2" name="Nadpis 1"/>
+          <p:cNvSpPr>
+            <a:spLocks noGrp="1"/>
+          </p:cNvSpPr>
+          <p:nvPr>
+            <p:ph type="title"/>
+          </p:nvPr>
+        </p:nvSpPr>
+        <p:spPr/>
+        <p:txBody>
+          <a:bodyPr/>
+          <a:lstStyle/>
+          <a:p>
+            <a:r>
+              <a:rPr lang="en-US" dirty="0"/>
+              <a:t>Communication: </a:t>
+            </a:r>
+            <a:br>
+              <a:rPr lang="en-US" dirty="0"/>
+            </a:br>
+            <a:r>
+              <a:rPr lang="en-US" dirty="0"/>
+              <a:t>The event bus</a:t>
+            </a:r>
+            <a:endParaRPr lang="sk-SK" dirty="0"/>
+          </a:p>
+        </p:txBody>
+      </p:sp>
+      <p:sp>
+        <p:nvSpPr>
+          <p:cNvPr id="3" name="Zástupný objekt pre obsah 2"/>
+          <p:cNvSpPr>
+            <a:spLocks noGrp="1"/>
+          </p:cNvSpPr>
+          <p:nvPr>
+            <p:ph idx="1"/>
+          </p:nvPr>
+        </p:nvSpPr>
+        <p:spPr/>
+        <p:txBody>
+          <a:bodyPr>
+            <a:normAutofit lnSpcReduction="10000"/>
+          </a:bodyPr>
+          <a:lstStyle/>
+          <a:p>
+            <a:pPr marL="0" indent="0">
+              <a:buNone/>
+            </a:pPr>
+            <a:r>
+              <a:rPr lang="sk-SK" dirty="0" err="1">
+                <a:solidFill>
+                  <a:schemeClr val="tx1"/>
+                </a:solidFill>
+                <a:latin typeface="Consolas" panose="020B0609020204030204" pitchFamily="49" charset="0"/>
+                <a:cs typeface="Consolas" panose="020B0609020204030204" pitchFamily="49" charset="0"/>
+              </a:rPr>
+              <a:t>EventBus</a:t>
+            </a:r>
+            <a:r>
+              <a:rPr lang="sk-SK" dirty="0">
+                <a:solidFill>
+                  <a:schemeClr val="tx1"/>
+                </a:solidFill>
+                <a:latin typeface="Consolas" panose="020B0609020204030204" pitchFamily="49" charset="0"/>
+                <a:cs typeface="Consolas" panose="020B0609020204030204" pitchFamily="49" charset="0"/>
+              </a:rPr>
+              <a:t> </a:t>
+            </a:r>
+            <a:r>
+              <a:rPr lang="sk-SK" dirty="0" err="1">
+                <a:solidFill>
+                  <a:schemeClr val="tx1"/>
+                </a:solidFill>
+                <a:latin typeface="Consolas" panose="020B0609020204030204" pitchFamily="49" charset="0"/>
+                <a:cs typeface="Consolas" panose="020B0609020204030204" pitchFamily="49" charset="0"/>
+              </a:rPr>
+              <a:t>eb</a:t>
+            </a:r>
+            <a:r>
+              <a:rPr lang="sk-SK" dirty="0">
+                <a:solidFill>
+                  <a:schemeClr val="tx1"/>
+                </a:solidFill>
+                <a:latin typeface="Consolas" panose="020B0609020204030204" pitchFamily="49" charset="0"/>
+                <a:cs typeface="Consolas" panose="020B0609020204030204" pitchFamily="49" charset="0"/>
+              </a:rPr>
+              <a:t> = </a:t>
+            </a:r>
+            <a:r>
+              <a:rPr lang="sk-SK" dirty="0" err="1">
+                <a:solidFill>
+                  <a:schemeClr val="tx1"/>
+                </a:solidFill>
+                <a:latin typeface="Consolas" panose="020B0609020204030204" pitchFamily="49" charset="0"/>
+                <a:cs typeface="Consolas" panose="020B0609020204030204" pitchFamily="49" charset="0"/>
+              </a:rPr>
+              <a:t>vertx.eventBus</a:t>
+            </a:r>
+            <a:r>
+              <a:rPr lang="sk-SK" dirty="0">
+                <a:solidFill>
+                  <a:schemeClr val="tx1"/>
+                </a:solidFill>
+                <a:latin typeface="Consolas" panose="020B0609020204030204" pitchFamily="49" charset="0"/>
+                <a:cs typeface="Consolas" panose="020B0609020204030204" pitchFamily="49" charset="0"/>
+              </a:rPr>
+              <a:t>();</a:t>
+            </a:r>
+            <a:endParaRPr lang="en-US" dirty="0">
+              <a:solidFill>
+                <a:schemeClr val="tx1"/>
+              </a:solidFill>
+              <a:latin typeface="Consolas" panose="020B0609020204030204" pitchFamily="49" charset="0"/>
+              <a:cs typeface="Consolas" panose="020B0609020204030204" pitchFamily="49" charset="0"/>
+            </a:endParaRPr>
+          </a:p>
+          <a:p>
+            <a:pPr marL="0" indent="0">
+              <a:buNone/>
+            </a:pPr>
+            <a:endParaRPr lang="en-US" dirty="0">
+              <a:solidFill>
+                <a:schemeClr val="tx1"/>
+              </a:solidFill>
+              <a:latin typeface="Consolas" panose="020B0609020204030204" pitchFamily="49" charset="0"/>
+              <a:cs typeface="Consolas" panose="020B0609020204030204" pitchFamily="49" charset="0"/>
+            </a:endParaRPr>
+          </a:p>
+          <a:p>
+            <a:pPr marL="0" indent="0">
+              <a:buNone/>
+            </a:pPr>
+            <a:r>
+              <a:rPr lang="en-US" dirty="0" err="1">
+                <a:solidFill>
+                  <a:schemeClr val="tx1"/>
+                </a:solidFill>
+                <a:latin typeface="Consolas" panose="020B0609020204030204" pitchFamily="49" charset="0"/>
+                <a:cs typeface="Consolas" panose="020B0609020204030204" pitchFamily="49" charset="0"/>
+              </a:rPr>
+              <a:t>eb.send</a:t>
+            </a:r>
+            <a:r>
+              <a:rPr lang="en-US" dirty="0">
+                <a:solidFill>
+                  <a:schemeClr val="tx1"/>
+                </a:solidFill>
+                <a:latin typeface="Consolas" panose="020B0609020204030204" pitchFamily="49" charset="0"/>
+                <a:cs typeface="Consolas" panose="020B0609020204030204" pitchFamily="49" charset="0"/>
+              </a:rPr>
+              <a:t>(“</a:t>
+            </a:r>
+            <a:r>
+              <a:rPr lang="en-US" dirty="0" err="1">
+                <a:solidFill>
+                  <a:schemeClr val="tx1"/>
+                </a:solidFill>
+                <a:latin typeface="Consolas" panose="020B0609020204030204" pitchFamily="49" charset="0"/>
+                <a:cs typeface="Consolas" panose="020B0609020204030204" pitchFamily="49" charset="0"/>
+              </a:rPr>
+              <a:t>sk.mimacom.hello</a:t>
+            </a:r>
+            <a:r>
+              <a:rPr lang="en-US" dirty="0">
+                <a:solidFill>
+                  <a:schemeClr val="tx1"/>
+                </a:solidFill>
+                <a:latin typeface="Consolas" panose="020B0609020204030204" pitchFamily="49" charset="0"/>
+                <a:cs typeface="Consolas" panose="020B0609020204030204" pitchFamily="49" charset="0"/>
+              </a:rPr>
+              <a:t>”, “</a:t>
+            </a:r>
+            <a:r>
+              <a:rPr lang="en-US" dirty="0" err="1">
+                <a:solidFill>
+                  <a:schemeClr val="tx1"/>
+                </a:solidFill>
+                <a:latin typeface="Consolas" panose="020B0609020204030204" pitchFamily="49" charset="0"/>
+                <a:cs typeface="Consolas" panose="020B0609020204030204" pitchFamily="49" charset="0"/>
+              </a:rPr>
+              <a:t>Hello,world</a:t>
+            </a:r>
+            <a:r>
+              <a:rPr lang="en-US" dirty="0">
+                <a:solidFill>
+                  <a:schemeClr val="tx1"/>
+                </a:solidFill>
+                <a:latin typeface="Consolas" panose="020B0609020204030204" pitchFamily="49" charset="0"/>
+                <a:cs typeface="Consolas" panose="020B0609020204030204" pitchFamily="49" charset="0"/>
+              </a:rPr>
+              <a:t>!”);</a:t>
+            </a:r>
+          </a:p>
+          <a:p>
+            <a:pPr marL="0" indent="0">
+              <a:buNone/>
+            </a:pPr>
+            <a:endParaRPr lang="en-US" dirty="0">
+              <a:solidFill>
+                <a:schemeClr val="tx1"/>
+              </a:solidFill>
+              <a:latin typeface="Consolas" panose="020B0609020204030204" pitchFamily="49" charset="0"/>
+              <a:cs typeface="Consolas" panose="020B0609020204030204" pitchFamily="49" charset="0"/>
+            </a:endParaRPr>
+          </a:p>
+          <a:p>
+            <a:pPr marL="0" indent="0">
+              <a:buNone/>
+            </a:pPr>
+            <a:r>
+              <a:rPr lang="en-US" dirty="0" err="1">
+                <a:solidFill>
+                  <a:schemeClr val="tx1"/>
+                </a:solidFill>
+                <a:latin typeface="Consolas" panose="020B0609020204030204" pitchFamily="49" charset="0"/>
+                <a:cs typeface="Consolas" panose="020B0609020204030204" pitchFamily="49" charset="0"/>
+              </a:rPr>
+              <a:t>eb.publish</a:t>
+            </a:r>
+            <a:r>
+              <a:rPr lang="en-US" dirty="0">
+                <a:solidFill>
+                  <a:schemeClr val="tx1"/>
+                </a:solidFill>
+                <a:latin typeface="Consolas" panose="020B0609020204030204" pitchFamily="49" charset="0"/>
+                <a:cs typeface="Consolas" panose="020B0609020204030204" pitchFamily="49" charset="0"/>
+              </a:rPr>
+              <a:t>(“</a:t>
+            </a:r>
+            <a:r>
+              <a:rPr lang="en-US" dirty="0" err="1">
+                <a:solidFill>
+                  <a:schemeClr val="tx1"/>
+                </a:solidFill>
+                <a:latin typeface="Consolas" panose="020B0609020204030204" pitchFamily="49" charset="0"/>
+                <a:cs typeface="Consolas" panose="020B0609020204030204" pitchFamily="49" charset="0"/>
+              </a:rPr>
+              <a:t>sk.mimacom.hello</a:t>
+            </a:r>
+            <a:r>
+              <a:rPr lang="en-US" dirty="0">
+                <a:solidFill>
+                  <a:schemeClr val="tx1"/>
+                </a:solidFill>
+                <a:latin typeface="Consolas" panose="020B0609020204030204" pitchFamily="49" charset="0"/>
+                <a:cs typeface="Consolas" panose="020B0609020204030204" pitchFamily="49" charset="0"/>
+              </a:rPr>
+              <a:t>”, “</a:t>
+            </a:r>
+            <a:r>
+              <a:rPr lang="en-US" dirty="0" err="1">
+                <a:solidFill>
+                  <a:schemeClr val="tx1"/>
+                </a:solidFill>
+                <a:latin typeface="Consolas" panose="020B0609020204030204" pitchFamily="49" charset="0"/>
+                <a:cs typeface="Consolas" panose="020B0609020204030204" pitchFamily="49" charset="0"/>
+              </a:rPr>
+              <a:t>Hello,world</a:t>
+            </a:r>
+            <a:r>
+              <a:rPr lang="en-US" dirty="0">
+                <a:solidFill>
+                  <a:schemeClr val="tx1"/>
+                </a:solidFill>
+                <a:latin typeface="Consolas" panose="020B0609020204030204" pitchFamily="49" charset="0"/>
+                <a:cs typeface="Consolas" panose="020B0609020204030204" pitchFamily="49" charset="0"/>
+              </a:rPr>
+              <a:t>!”);</a:t>
+            </a:r>
+          </a:p>
+          <a:p>
+            <a:pPr marL="0" indent="0">
+              <a:buNone/>
+            </a:pPr>
+            <a:endParaRPr lang="en-US" dirty="0">
+              <a:solidFill>
+                <a:schemeClr val="tx1"/>
+              </a:solidFill>
+            </a:endParaRPr>
+          </a:p>
+          <a:p>
+            <a:pPr marL="0" indent="0">
+              <a:buNone/>
+            </a:pPr>
+            <a:r>
+              <a:rPr lang="en-US" dirty="0" err="1">
+                <a:solidFill>
+                  <a:schemeClr val="tx1"/>
+                </a:solidFill>
+                <a:latin typeface="Consolas" panose="020B0609020204030204" pitchFamily="49" charset="0"/>
+                <a:cs typeface="Consolas" panose="020B0609020204030204" pitchFamily="49" charset="0"/>
+              </a:rPr>
+              <a:t>eb.send</a:t>
+            </a:r>
+            <a:r>
+              <a:rPr lang="en-US" dirty="0">
+                <a:solidFill>
+                  <a:schemeClr val="tx1"/>
+                </a:solidFill>
+                <a:latin typeface="Consolas" panose="020B0609020204030204" pitchFamily="49" charset="0"/>
+                <a:cs typeface="Consolas" panose="020B0609020204030204" pitchFamily="49" charset="0"/>
+              </a:rPr>
+              <a:t>(“</a:t>
+            </a:r>
+            <a:r>
+              <a:rPr lang="en-US" dirty="0" err="1">
+                <a:solidFill>
+                  <a:schemeClr val="tx1"/>
+                </a:solidFill>
+                <a:latin typeface="Consolas" panose="020B0609020204030204" pitchFamily="49" charset="0"/>
+                <a:cs typeface="Consolas" panose="020B0609020204030204" pitchFamily="49" charset="0"/>
+              </a:rPr>
+              <a:t>sk.mimacom.hello</a:t>
+            </a:r>
+            <a:r>
+              <a:rPr lang="en-US" dirty="0">
+                <a:solidFill>
+                  <a:schemeClr val="tx1"/>
+                </a:solidFill>
+                <a:latin typeface="Consolas" panose="020B0609020204030204" pitchFamily="49" charset="0"/>
+                <a:cs typeface="Consolas" panose="020B0609020204030204" pitchFamily="49" charset="0"/>
+              </a:rPr>
+              <a:t>”, “</a:t>
+            </a:r>
+            <a:r>
+              <a:rPr lang="en-US" dirty="0" err="1">
+                <a:solidFill>
+                  <a:schemeClr val="tx1"/>
+                </a:solidFill>
+                <a:latin typeface="Consolas" panose="020B0609020204030204" pitchFamily="49" charset="0"/>
+                <a:cs typeface="Consolas" panose="020B0609020204030204" pitchFamily="49" charset="0"/>
+              </a:rPr>
+              <a:t>Hello,world</a:t>
+            </a:r>
+            <a:r>
+              <a:rPr lang="en-US" dirty="0">
+                <a:solidFill>
+                  <a:schemeClr val="tx1"/>
+                </a:solidFill>
+                <a:latin typeface="Consolas" panose="020B0609020204030204" pitchFamily="49" charset="0"/>
+                <a:cs typeface="Consolas" panose="020B0609020204030204" pitchFamily="49" charset="0"/>
+              </a:rPr>
+              <a:t>!”, reply -&gt; { //</a:t>
+            </a:r>
+            <a:r>
+              <a:rPr lang="en-US" dirty="0" err="1">
+                <a:solidFill>
+                  <a:schemeClr val="tx1"/>
+                </a:solidFill>
+                <a:latin typeface="Consolas" panose="020B0609020204030204" pitchFamily="49" charset="0"/>
+                <a:cs typeface="Consolas" panose="020B0609020204030204" pitchFamily="49" charset="0"/>
+              </a:rPr>
+              <a:t>AsyncResult</a:t>
+            </a:r>
+            <a:r>
+              <a:rPr lang="en-US" dirty="0">
+                <a:solidFill>
+                  <a:schemeClr val="tx1"/>
+                </a:solidFill>
+                <a:latin typeface="Consolas" panose="020B0609020204030204" pitchFamily="49" charset="0"/>
+                <a:cs typeface="Consolas" panose="020B0609020204030204" pitchFamily="49" charset="0"/>
+              </a:rPr>
+              <a:t>&lt;Message&lt;String&gt;&gt;</a:t>
+            </a:r>
+          </a:p>
+          <a:p>
+            <a:pPr marL="0" indent="0">
+              <a:buNone/>
+            </a:pPr>
+            <a:r>
+              <a:rPr lang="en-US" dirty="0">
+                <a:solidFill>
+                  <a:schemeClr val="tx1"/>
+                </a:solidFill>
+                <a:latin typeface="Consolas" panose="020B0609020204030204" pitchFamily="49" charset="0"/>
+                <a:cs typeface="Consolas" panose="020B0609020204030204" pitchFamily="49" charset="0"/>
+              </a:rPr>
+              <a:t>	</a:t>
+            </a:r>
+            <a:r>
+              <a:rPr lang="en-US" u="sng" dirty="0" err="1">
+                <a:solidFill>
+                  <a:schemeClr val="tx1"/>
+                </a:solidFill>
+                <a:latin typeface="Consolas" panose="020B0609020204030204" pitchFamily="49" charset="0"/>
+                <a:cs typeface="Consolas" panose="020B0609020204030204" pitchFamily="49" charset="0"/>
+              </a:rPr>
+              <a:t>ar.result</a:t>
+            </a:r>
+            <a:r>
+              <a:rPr lang="en-US" dirty="0" err="1">
+                <a:solidFill>
+                  <a:schemeClr val="tx1"/>
+                </a:solidFill>
+                <a:latin typeface="Consolas" panose="020B0609020204030204" pitchFamily="49" charset="0"/>
+                <a:cs typeface="Consolas" panose="020B0609020204030204" pitchFamily="49" charset="0"/>
+              </a:rPr>
+              <a:t>.reply</a:t>
+            </a:r>
+            <a:r>
+              <a:rPr lang="en-US" dirty="0">
+                <a:solidFill>
+                  <a:schemeClr val="tx1"/>
+                </a:solidFill>
+                <a:latin typeface="Consolas" panose="020B0609020204030204" pitchFamily="49" charset="0"/>
+                <a:cs typeface="Consolas" panose="020B0609020204030204" pitchFamily="49" charset="0"/>
+              </a:rPr>
+              <a:t>(“...”); </a:t>
+            </a:r>
+          </a:p>
+          <a:p>
+            <a:pPr marL="0" indent="0">
+              <a:buNone/>
+            </a:pPr>
+            <a:r>
+              <a:rPr lang="en-US" dirty="0">
+                <a:solidFill>
+                  <a:schemeClr val="tx1"/>
+                </a:solidFill>
+                <a:latin typeface="Consolas" panose="020B0609020204030204" pitchFamily="49" charset="0"/>
+                <a:cs typeface="Consolas" panose="020B0609020204030204" pitchFamily="49" charset="0"/>
+              </a:rPr>
+              <a:t>	</a:t>
+            </a:r>
+            <a:r>
+              <a:rPr lang="en-US" u="sng" dirty="0" err="1">
+                <a:solidFill>
+                  <a:schemeClr val="tx1"/>
+                </a:solidFill>
+                <a:latin typeface="Consolas" panose="020B0609020204030204" pitchFamily="49" charset="0"/>
+                <a:cs typeface="Consolas" panose="020B0609020204030204" pitchFamily="49" charset="0"/>
+              </a:rPr>
+              <a:t>ar.result</a:t>
+            </a:r>
+            <a:r>
+              <a:rPr lang="en-US" dirty="0" err="1">
+                <a:solidFill>
+                  <a:schemeClr val="tx1"/>
+                </a:solidFill>
+                <a:latin typeface="Consolas" panose="020B0609020204030204" pitchFamily="49" charset="0"/>
+                <a:cs typeface="Consolas" panose="020B0609020204030204" pitchFamily="49" charset="0"/>
+              </a:rPr>
+              <a:t>.fail</a:t>
+            </a:r>
+            <a:r>
+              <a:rPr lang="en-US" dirty="0">
+                <a:solidFill>
+                  <a:schemeClr val="tx1"/>
+                </a:solidFill>
+                <a:latin typeface="Consolas" panose="020B0609020204030204" pitchFamily="49" charset="0"/>
+                <a:cs typeface="Consolas" panose="020B0609020204030204" pitchFamily="49" charset="0"/>
+              </a:rPr>
+              <a:t> (“...”);</a:t>
+            </a:r>
+          </a:p>
+          <a:p>
+            <a:pPr marL="0" indent="0">
+              <a:buNone/>
+            </a:pPr>
+            <a:r>
+              <a:rPr lang="en-US" dirty="0">
+                <a:solidFill>
+                  <a:schemeClr val="tx1"/>
+                </a:solidFill>
+                <a:latin typeface="Consolas" panose="020B0609020204030204" pitchFamily="49" charset="0"/>
+                <a:cs typeface="Consolas" panose="020B0609020204030204" pitchFamily="49" charset="0"/>
+              </a:rPr>
+              <a:t>});</a:t>
+            </a:r>
+            <a:endParaRPr lang="en-US" dirty="0">
+              <a:solidFill>
+                <a:schemeClr val="tx1"/>
+              </a:solidFill>
+            </a:endParaRPr>
+          </a:p>
+          <a:p>
+            <a:pPr marL="0" indent="0">
+              <a:buNone/>
+            </a:pPr>
+            <a:endParaRPr lang="en-US" dirty="0">
+              <a:solidFill>
+                <a:schemeClr val="tx1"/>
+              </a:solidFill>
+            </a:endParaRPr>
+          </a:p>
+        </p:txBody>
+      </p:sp>
+    </p:spTree>
+    <p:extLst>
+      <p:ext uri="{BB962C8B-B14F-4D97-AF65-F5344CB8AC3E}">
+        <p14:creationId xmlns:p14="http://schemas.microsoft.com/office/powerpoint/2010/main" val="1840203008"/>
+      </p:ext>
+    </p:extLst>
+  </p:cSld>
+  <p:clrMapOvr>
+    <a:masterClrMapping/>
+  </p:clrMapOvr>
+</p:sld>
+</file>
+
+<file path=ppt/slides/slide11.xml><?xml version="1.0" encoding="utf-8"?>
+<p:sld xmlns:a="http://schemas.openxmlformats.org/drawingml/2006/main" xmlns:r="http://schemas.openxmlformats.org/officeDocument/2006/relationships" xmlns:p="http://schemas.openxmlformats.org/presentationml/2006/main">
+  <p:cSld>
+    <p:spTree>
+      <p:nvGrpSpPr>
+        <p:cNvPr id="1" name=""/>
+        <p:cNvGrpSpPr/>
+        <p:nvPr/>
+      </p:nvGrpSpPr>
+      <p:grpSpPr>
+        <a:xfrm>
+          <a:off x="0" y="0"/>
+          <a:ext cx="0" cy="0"/>
+          <a:chOff x="0" y="0"/>
+          <a:chExt cx="0" cy="0"/>
+        </a:xfrm>
+      </p:grpSpPr>
+      <p:sp>
+        <p:nvSpPr>
+          <p:cNvPr id="2" name="Nadpis 1"/>
+          <p:cNvSpPr>
+            <a:spLocks noGrp="1"/>
+          </p:cNvSpPr>
+          <p:nvPr>
+            <p:ph type="title"/>
+          </p:nvPr>
+        </p:nvSpPr>
+        <p:spPr/>
+        <p:txBody>
+          <a:bodyPr/>
+          <a:lstStyle/>
+          <a:p>
+            <a:r>
+              <a:rPr lang="en-US" dirty="0" err="1"/>
+              <a:t>Eventbus</a:t>
+            </a:r>
+            <a:r>
+              <a:rPr lang="en-US" dirty="0"/>
+              <a:t>: </a:t>
+            </a:r>
+            <a:br>
+              <a:rPr lang="en-US" dirty="0"/>
+            </a:br>
+            <a:r>
+              <a:rPr lang="en-US" dirty="0"/>
+              <a:t>Service proxies</a:t>
+            </a:r>
+            <a:endParaRPr lang="sk-SK" dirty="0"/>
+          </a:p>
+        </p:txBody>
+      </p:sp>
+      <p:sp>
+        <p:nvSpPr>
+          <p:cNvPr id="5" name="BlokTextu 4"/>
+          <p:cNvSpPr txBox="1"/>
+          <p:nvPr/>
+        </p:nvSpPr>
+        <p:spPr>
+          <a:xfrm>
+            <a:off x="107504" y="1600200"/>
+            <a:ext cx="8784976" cy="3693319"/>
+          </a:xfrm>
+          <a:prstGeom prst="rect">
+            <a:avLst/>
+          </a:prstGeom>
+          <a:noFill/>
+        </p:spPr>
+        <p:txBody>
+          <a:bodyPr wrap="square" rtlCol="0">
+            <a:spAutoFit/>
+          </a:bodyPr>
+          <a:lstStyle/>
+          <a:p>
+            <a:r>
+              <a:rPr lang="sk-SK" dirty="0" err="1">
+                <a:latin typeface="Consolas" panose="020B0609020204030204" pitchFamily="49" charset="0"/>
+                <a:cs typeface="Consolas" panose="020B0609020204030204" pitchFamily="49" charset="0"/>
+              </a:rPr>
+              <a:t>JsonObject</a:t>
+            </a:r>
+            <a:r>
+              <a:rPr lang="sk-SK" dirty="0">
+                <a:latin typeface="Consolas" panose="020B0609020204030204" pitchFamily="49" charset="0"/>
+                <a:cs typeface="Consolas" panose="020B0609020204030204" pitchFamily="49" charset="0"/>
+              </a:rPr>
+              <a:t> </a:t>
+            </a:r>
+            <a:r>
+              <a:rPr lang="sk-SK" dirty="0" err="1">
+                <a:latin typeface="Consolas" panose="020B0609020204030204" pitchFamily="49" charset="0"/>
+                <a:cs typeface="Consolas" panose="020B0609020204030204" pitchFamily="49" charset="0"/>
+              </a:rPr>
+              <a:t>message</a:t>
+            </a:r>
+            <a:r>
+              <a:rPr lang="sk-SK" dirty="0">
+                <a:latin typeface="Consolas" panose="020B0609020204030204" pitchFamily="49" charset="0"/>
+                <a:cs typeface="Consolas" panose="020B0609020204030204" pitchFamily="49" charset="0"/>
+              </a:rPr>
+              <a:t> = new </a:t>
+            </a:r>
+            <a:r>
+              <a:rPr lang="sk-SK" dirty="0" err="1">
+                <a:latin typeface="Consolas" panose="020B0609020204030204" pitchFamily="49" charset="0"/>
+                <a:cs typeface="Consolas" panose="020B0609020204030204" pitchFamily="49" charset="0"/>
+              </a:rPr>
+              <a:t>JsonObject</a:t>
+            </a:r>
+            <a:r>
+              <a:rPr lang="sk-SK" dirty="0">
+                <a:latin typeface="Consolas" panose="020B0609020204030204" pitchFamily="49" charset="0"/>
+                <a:cs typeface="Consolas" panose="020B0609020204030204" pitchFamily="49" charset="0"/>
+              </a:rPr>
+              <a:t>();</a:t>
+            </a:r>
+            <a:endParaRPr lang="en-US" dirty="0">
+              <a:latin typeface="Consolas" panose="020B0609020204030204" pitchFamily="49" charset="0"/>
+              <a:cs typeface="Consolas" panose="020B0609020204030204" pitchFamily="49" charset="0"/>
+            </a:endParaRPr>
+          </a:p>
+          <a:p>
+            <a:endParaRPr lang="sk-SK" dirty="0">
+              <a:latin typeface="Consolas" panose="020B0609020204030204" pitchFamily="49" charset="0"/>
+              <a:cs typeface="Consolas" panose="020B0609020204030204" pitchFamily="49" charset="0"/>
+            </a:endParaRPr>
+          </a:p>
+          <a:p>
+            <a:r>
+              <a:rPr lang="sk-SK" dirty="0" err="1">
+                <a:latin typeface="Consolas" panose="020B0609020204030204" pitchFamily="49" charset="0"/>
+                <a:cs typeface="Consolas" panose="020B0609020204030204" pitchFamily="49" charset="0"/>
+              </a:rPr>
+              <a:t>message.put</a:t>
+            </a:r>
+            <a:r>
+              <a:rPr lang="sk-SK" dirty="0">
+                <a:latin typeface="Consolas" panose="020B0609020204030204" pitchFamily="49" charset="0"/>
+                <a:cs typeface="Consolas" panose="020B0609020204030204" pitchFamily="49" charset="0"/>
+              </a:rPr>
+              <a:t>("</a:t>
+            </a:r>
+            <a:r>
+              <a:rPr lang="sk-SK" dirty="0" err="1">
+                <a:latin typeface="Consolas" panose="020B0609020204030204" pitchFamily="49" charset="0"/>
+                <a:cs typeface="Consolas" panose="020B0609020204030204" pitchFamily="49" charset="0"/>
+              </a:rPr>
+              <a:t>collection</a:t>
+            </a:r>
+            <a:r>
+              <a:rPr lang="sk-SK" dirty="0">
+                <a:latin typeface="Consolas" panose="020B0609020204030204" pitchFamily="49" charset="0"/>
+                <a:cs typeface="Consolas" panose="020B0609020204030204" pitchFamily="49" charset="0"/>
+              </a:rPr>
+              <a:t>", "</a:t>
+            </a:r>
+            <a:r>
+              <a:rPr lang="sk-SK" dirty="0" err="1">
+                <a:latin typeface="Consolas" panose="020B0609020204030204" pitchFamily="49" charset="0"/>
+                <a:cs typeface="Consolas" panose="020B0609020204030204" pitchFamily="49" charset="0"/>
+              </a:rPr>
+              <a:t>mycollection</a:t>
+            </a:r>
+            <a:r>
+              <a:rPr lang="sk-SK" dirty="0">
+                <a:latin typeface="Consolas" panose="020B0609020204030204" pitchFamily="49" charset="0"/>
+                <a:cs typeface="Consolas" panose="020B0609020204030204" pitchFamily="49" charset="0"/>
+              </a:rPr>
+              <a:t>")</a:t>
+            </a:r>
+          </a:p>
+          <a:p>
+            <a:r>
+              <a:rPr lang="sk-SK" dirty="0">
+                <a:latin typeface="Consolas" panose="020B0609020204030204" pitchFamily="49" charset="0"/>
+                <a:cs typeface="Consolas" panose="020B0609020204030204" pitchFamily="49" charset="0"/>
+              </a:rPr>
+              <a:t>    .</a:t>
+            </a:r>
+            <a:r>
+              <a:rPr lang="sk-SK" dirty="0" err="1">
+                <a:latin typeface="Consolas" panose="020B0609020204030204" pitchFamily="49" charset="0"/>
+                <a:cs typeface="Consolas" panose="020B0609020204030204" pitchFamily="49" charset="0"/>
+              </a:rPr>
+              <a:t>put</a:t>
+            </a:r>
+            <a:r>
+              <a:rPr lang="sk-SK" dirty="0">
+                <a:latin typeface="Consolas" panose="020B0609020204030204" pitchFamily="49" charset="0"/>
+                <a:cs typeface="Consolas" panose="020B0609020204030204" pitchFamily="49" charset="0"/>
+              </a:rPr>
+              <a:t>("</a:t>
+            </a:r>
+            <a:r>
+              <a:rPr lang="sk-SK" dirty="0" err="1">
+                <a:latin typeface="Consolas" panose="020B0609020204030204" pitchFamily="49" charset="0"/>
+                <a:cs typeface="Consolas" panose="020B0609020204030204" pitchFamily="49" charset="0"/>
+              </a:rPr>
+              <a:t>document</a:t>
+            </a:r>
+            <a:r>
+              <a:rPr lang="sk-SK" dirty="0">
+                <a:latin typeface="Consolas" panose="020B0609020204030204" pitchFamily="49" charset="0"/>
+                <a:cs typeface="Consolas" panose="020B0609020204030204" pitchFamily="49" charset="0"/>
+              </a:rPr>
+              <a:t>", new </a:t>
+            </a:r>
+            <a:r>
+              <a:rPr lang="sk-SK" dirty="0" err="1">
+                <a:latin typeface="Consolas" panose="020B0609020204030204" pitchFamily="49" charset="0"/>
+                <a:cs typeface="Consolas" panose="020B0609020204030204" pitchFamily="49" charset="0"/>
+              </a:rPr>
+              <a:t>JsonObject</a:t>
+            </a:r>
+            <a:r>
+              <a:rPr lang="sk-SK" dirty="0">
+                <a:latin typeface="Consolas" panose="020B0609020204030204" pitchFamily="49" charset="0"/>
+                <a:cs typeface="Consolas" panose="020B0609020204030204" pitchFamily="49" charset="0"/>
+              </a:rPr>
+              <a:t>().</a:t>
+            </a:r>
+            <a:r>
+              <a:rPr lang="sk-SK" dirty="0" err="1">
+                <a:latin typeface="Consolas" panose="020B0609020204030204" pitchFamily="49" charset="0"/>
+                <a:cs typeface="Consolas" panose="020B0609020204030204" pitchFamily="49" charset="0"/>
+              </a:rPr>
+              <a:t>put</a:t>
+            </a:r>
+            <a:r>
+              <a:rPr lang="sk-SK" dirty="0">
+                <a:latin typeface="Consolas" panose="020B0609020204030204" pitchFamily="49" charset="0"/>
+                <a:cs typeface="Consolas" panose="020B0609020204030204" pitchFamily="49" charset="0"/>
+              </a:rPr>
+              <a:t>("</a:t>
+            </a:r>
+            <a:r>
+              <a:rPr lang="sk-SK" dirty="0" err="1">
+                <a:latin typeface="Consolas" panose="020B0609020204030204" pitchFamily="49" charset="0"/>
+                <a:cs typeface="Consolas" panose="020B0609020204030204" pitchFamily="49" charset="0"/>
+              </a:rPr>
+              <a:t>name</a:t>
+            </a:r>
+            <a:r>
+              <a:rPr lang="sk-SK" dirty="0">
+                <a:latin typeface="Consolas" panose="020B0609020204030204" pitchFamily="49" charset="0"/>
+                <a:cs typeface="Consolas" panose="020B0609020204030204" pitchFamily="49" charset="0"/>
+              </a:rPr>
+              <a:t>", "</a:t>
+            </a:r>
+            <a:r>
+              <a:rPr lang="sk-SK" dirty="0" err="1">
+                <a:latin typeface="Consolas" panose="020B0609020204030204" pitchFamily="49" charset="0"/>
+                <a:cs typeface="Consolas" panose="020B0609020204030204" pitchFamily="49" charset="0"/>
+              </a:rPr>
+              <a:t>tim</a:t>
+            </a:r>
+            <a:r>
+              <a:rPr lang="sk-SK" dirty="0">
+                <a:latin typeface="Consolas" panose="020B0609020204030204" pitchFamily="49" charset="0"/>
+                <a:cs typeface="Consolas" panose="020B0609020204030204" pitchFamily="49" charset="0"/>
+              </a:rPr>
+              <a:t>"));</a:t>
+            </a:r>
+            <a:endParaRPr lang="en-US" dirty="0">
+              <a:latin typeface="Consolas" panose="020B0609020204030204" pitchFamily="49" charset="0"/>
+              <a:cs typeface="Consolas" panose="020B0609020204030204" pitchFamily="49" charset="0"/>
+            </a:endParaRPr>
+          </a:p>
+          <a:p>
+            <a:endParaRPr lang="sk-SK" dirty="0">
+              <a:latin typeface="Consolas" panose="020B0609020204030204" pitchFamily="49" charset="0"/>
+              <a:cs typeface="Consolas" panose="020B0609020204030204" pitchFamily="49" charset="0"/>
+            </a:endParaRPr>
+          </a:p>
+          <a:p>
+            <a:r>
+              <a:rPr lang="sk-SK" dirty="0" err="1">
+                <a:latin typeface="Consolas" panose="020B0609020204030204" pitchFamily="49" charset="0"/>
+                <a:cs typeface="Consolas" panose="020B0609020204030204" pitchFamily="49" charset="0"/>
+              </a:rPr>
+              <a:t>vertx.eventBus</a:t>
+            </a:r>
+            <a:r>
+              <a:rPr lang="sk-SK" dirty="0">
+                <a:latin typeface="Consolas" panose="020B0609020204030204" pitchFamily="49" charset="0"/>
+                <a:cs typeface="Consolas" panose="020B0609020204030204" pitchFamily="49" charset="0"/>
+              </a:rPr>
+              <a:t>().</a:t>
+            </a:r>
+            <a:r>
+              <a:rPr lang="sk-SK" dirty="0" err="1">
+                <a:latin typeface="Consolas" panose="020B0609020204030204" pitchFamily="49" charset="0"/>
+                <a:cs typeface="Consolas" panose="020B0609020204030204" pitchFamily="49" charset="0"/>
+              </a:rPr>
+              <a:t>send</a:t>
+            </a:r>
+            <a:r>
+              <a:rPr lang="sk-SK" dirty="0">
+                <a:latin typeface="Consolas" panose="020B0609020204030204" pitchFamily="49" charset="0"/>
+                <a:cs typeface="Consolas" panose="020B0609020204030204" pitchFamily="49" charset="0"/>
+              </a:rPr>
+              <a:t>("</a:t>
+            </a:r>
+            <a:r>
+              <a:rPr lang="sk-SK" dirty="0" err="1">
+                <a:latin typeface="Consolas" panose="020B0609020204030204" pitchFamily="49" charset="0"/>
+                <a:cs typeface="Consolas" panose="020B0609020204030204" pitchFamily="49" charset="0"/>
+              </a:rPr>
+              <a:t>database-service-address</a:t>
+            </a:r>
+            <a:r>
+              <a:rPr lang="sk-SK" dirty="0">
+                <a:latin typeface="Consolas" panose="020B0609020204030204" pitchFamily="49" charset="0"/>
+                <a:cs typeface="Consolas" panose="020B0609020204030204" pitchFamily="49" charset="0"/>
+              </a:rPr>
+              <a:t>", </a:t>
+            </a:r>
+            <a:r>
+              <a:rPr lang="sk-SK" dirty="0" err="1">
+                <a:latin typeface="Consolas" panose="020B0609020204030204" pitchFamily="49" charset="0"/>
+                <a:cs typeface="Consolas" panose="020B0609020204030204" pitchFamily="49" charset="0"/>
+              </a:rPr>
+              <a:t>message</a:t>
+            </a:r>
+            <a:r>
+              <a:rPr lang="sk-SK" dirty="0">
+                <a:latin typeface="Consolas" panose="020B0609020204030204" pitchFamily="49" charset="0"/>
+                <a:cs typeface="Consolas" panose="020B0609020204030204" pitchFamily="49" charset="0"/>
+              </a:rPr>
+              <a:t>, </a:t>
+            </a:r>
+            <a:r>
+              <a:rPr lang="sk-SK" dirty="0" err="1">
+                <a:latin typeface="Consolas" panose="020B0609020204030204" pitchFamily="49" charset="0"/>
+                <a:cs typeface="Consolas" panose="020B0609020204030204" pitchFamily="49" charset="0"/>
+              </a:rPr>
+              <a:t>options</a:t>
+            </a:r>
+            <a:r>
+              <a:rPr lang="sk-SK" dirty="0">
+                <a:latin typeface="Consolas" panose="020B0609020204030204" pitchFamily="49" charset="0"/>
+                <a:cs typeface="Consolas" panose="020B0609020204030204" pitchFamily="49" charset="0"/>
+              </a:rPr>
+              <a:t>, res2 -&gt; {</a:t>
+            </a:r>
+          </a:p>
+          <a:p>
+            <a:r>
+              <a:rPr lang="sk-SK" dirty="0">
+                <a:latin typeface="Consolas" panose="020B0609020204030204" pitchFamily="49" charset="0"/>
+                <a:cs typeface="Consolas" panose="020B0609020204030204" pitchFamily="49" charset="0"/>
+              </a:rPr>
+              <a:t>  </a:t>
+            </a:r>
+            <a:r>
+              <a:rPr lang="sk-SK" dirty="0" err="1">
+                <a:latin typeface="Consolas" panose="020B0609020204030204" pitchFamily="49" charset="0"/>
+                <a:cs typeface="Consolas" panose="020B0609020204030204" pitchFamily="49" charset="0"/>
+              </a:rPr>
+              <a:t>if</a:t>
+            </a:r>
+            <a:r>
+              <a:rPr lang="sk-SK" dirty="0">
+                <a:latin typeface="Consolas" panose="020B0609020204030204" pitchFamily="49" charset="0"/>
+                <a:cs typeface="Consolas" panose="020B0609020204030204" pitchFamily="49" charset="0"/>
+              </a:rPr>
+              <a:t> (res2.succeeded()) {</a:t>
+            </a:r>
+          </a:p>
+          <a:p>
+            <a:r>
+              <a:rPr lang="sk-SK" dirty="0">
+                <a:latin typeface="Consolas" panose="020B0609020204030204" pitchFamily="49" charset="0"/>
+                <a:cs typeface="Consolas" panose="020B0609020204030204" pitchFamily="49" charset="0"/>
+              </a:rPr>
+              <a:t>    // done</a:t>
+            </a:r>
+          </a:p>
+          <a:p>
+            <a:r>
+              <a:rPr lang="sk-SK" dirty="0">
+                <a:latin typeface="Consolas" panose="020B0609020204030204" pitchFamily="49" charset="0"/>
+                <a:cs typeface="Consolas" panose="020B0609020204030204" pitchFamily="49" charset="0"/>
+              </a:rPr>
+              <a:t>  } </a:t>
+            </a:r>
+            <a:r>
+              <a:rPr lang="sk-SK" dirty="0" err="1">
+                <a:latin typeface="Consolas" panose="020B0609020204030204" pitchFamily="49" charset="0"/>
+                <a:cs typeface="Consolas" panose="020B0609020204030204" pitchFamily="49" charset="0"/>
+              </a:rPr>
+              <a:t>else</a:t>
+            </a:r>
+            <a:r>
+              <a:rPr lang="sk-SK" dirty="0">
+                <a:latin typeface="Consolas" panose="020B0609020204030204" pitchFamily="49" charset="0"/>
+                <a:cs typeface="Consolas" panose="020B0609020204030204" pitchFamily="49" charset="0"/>
+              </a:rPr>
+              <a:t> {</a:t>
+            </a:r>
+          </a:p>
+          <a:p>
+            <a:r>
+              <a:rPr lang="sk-SK" dirty="0">
+                <a:latin typeface="Consolas" panose="020B0609020204030204" pitchFamily="49" charset="0"/>
+                <a:cs typeface="Consolas" panose="020B0609020204030204" pitchFamily="49" charset="0"/>
+              </a:rPr>
+              <a:t>    // </a:t>
+            </a:r>
+            <a:r>
+              <a:rPr lang="sk-SK" dirty="0" err="1">
+                <a:latin typeface="Consolas" panose="020B0609020204030204" pitchFamily="49" charset="0"/>
+                <a:cs typeface="Consolas" panose="020B0609020204030204" pitchFamily="49" charset="0"/>
+              </a:rPr>
+              <a:t>failure</a:t>
+            </a:r>
+            <a:endParaRPr lang="sk-SK" dirty="0">
+              <a:latin typeface="Consolas" panose="020B0609020204030204" pitchFamily="49" charset="0"/>
+              <a:cs typeface="Consolas" panose="020B0609020204030204" pitchFamily="49" charset="0"/>
+            </a:endParaRPr>
+          </a:p>
+          <a:p>
+            <a:r>
+              <a:rPr lang="sk-SK" dirty="0">
+                <a:latin typeface="Consolas" panose="020B0609020204030204" pitchFamily="49" charset="0"/>
+                <a:cs typeface="Consolas" panose="020B0609020204030204" pitchFamily="49" charset="0"/>
+              </a:rPr>
+              <a:t>  }</a:t>
+            </a:r>
+          </a:p>
+          <a:p>
+            <a:r>
+              <a:rPr lang="sk-SK" dirty="0">
+                <a:latin typeface="Consolas" panose="020B0609020204030204" pitchFamily="49" charset="0"/>
+                <a:cs typeface="Consolas" panose="020B0609020204030204" pitchFamily="49" charset="0"/>
+              </a:rPr>
+              <a:t>});</a:t>
+            </a:r>
+          </a:p>
+        </p:txBody>
+      </p:sp>
+      <p:sp>
+        <p:nvSpPr>
+          <p:cNvPr id="7" name="BlokTextu 6"/>
+          <p:cNvSpPr txBox="1"/>
+          <p:nvPr/>
+        </p:nvSpPr>
+        <p:spPr>
+          <a:xfrm>
+            <a:off x="2483768" y="5293519"/>
+            <a:ext cx="504056" cy="1323439"/>
+          </a:xfrm>
+          <a:prstGeom prst="rect">
+            <a:avLst/>
+          </a:prstGeom>
+          <a:noFill/>
+        </p:spPr>
+        <p:txBody>
+          <a:bodyPr wrap="square" rtlCol="0">
+            <a:spAutoFit/>
+          </a:bodyPr>
+          <a:lstStyle/>
+          <a:p>
+            <a:r>
+              <a:rPr lang="en-US" sz="8000" dirty="0">
+                <a:latin typeface="+mj-lt"/>
+                <a:sym typeface="Wingdings" panose="05000000000000000000" pitchFamily="2" charset="2"/>
+              </a:rPr>
+              <a:t></a:t>
+            </a:r>
+            <a:endParaRPr lang="sk-SK" sz="8000" dirty="0">
+              <a:latin typeface="+mj-lt"/>
+            </a:endParaRPr>
+          </a:p>
+        </p:txBody>
+      </p:sp>
+    </p:spTree>
+    <p:extLst>
+      <p:ext uri="{BB962C8B-B14F-4D97-AF65-F5344CB8AC3E}">
+        <p14:creationId xmlns:p14="http://schemas.microsoft.com/office/powerpoint/2010/main" val="714993289"/>
+      </p:ext>
+    </p:extLst>
+  </p:cSld>
+  <p:clrMapOvr>
+    <a:masterClrMapping/>
+  </p:clrMapOvr>
   <p:timing>
     <p:tnLst>
       <p:par>
-        <p:cTn id="1" dur="indefinite" restart="never" nodeType="tmRoot"/>
+        <p:cTn id="1" dur="indefinite" restart="never" nodeType="tmRoot">
+          <p:childTnLst>
+            <p:seq concurrent="1" nextAc="seek">
+              <p:cTn id="2" dur="indefinite" nodeType="mainSeq">
+                <p:childTnLst>
+                  <p:par>
+                    <p:cTn id="3" fill="hold">
+                      <p:stCondLst>
+                        <p:cond delay="indefinite"/>
+                      </p:stCondLst>
+                      <p:childTnLst>
+                        <p:par>
+                          <p:cTn id="4" fill="hold">
+                            <p:stCondLst>
+                              <p:cond delay="0"/>
+                            </p:stCondLst>
+                            <p:childTnLst>
+                              <p:par>
+                                <p:cTn id="5" presetID="10" presetClass="entr" presetSubtype="0" fill="hold" grpId="0" nodeType="clickEffect">
+                                  <p:stCondLst>
+                                    <p:cond delay="0"/>
+                                  </p:stCondLst>
+                                  <p:childTnLst>
+                                    <p:set>
+                                      <p:cBhvr>
+                                        <p:cTn id="6" dur="1" fill="hold">
+                                          <p:stCondLst>
+                                            <p:cond delay="0"/>
+                                          </p:stCondLst>
+                                        </p:cTn>
+                                        <p:tgtEl>
+                                          <p:spTgt spid="7"/>
+                                        </p:tgtEl>
+                                        <p:attrNameLst>
+                                          <p:attrName>style.visibility</p:attrName>
+                                        </p:attrNameLst>
+                                      </p:cBhvr>
+                                      <p:to>
+                                        <p:strVal val="visible"/>
+                                      </p:to>
+                                    </p:set>
+                                    <p:animEffect transition="in" filter="fade">
+                                      <p:cBhvr>
+                                        <p:cTn id="7" dur="500"/>
+                                        <p:tgtEl>
+                                          <p:spTgt spid="7"/>
+                                        </p:tgtEl>
+                                      </p:cBhvr>
+                                    </p:animEffect>
+                                  </p:childTnLst>
+                                </p:cTn>
+                              </p:par>
+                            </p:childTnLst>
+                          </p:cTn>
+                        </p:par>
+                      </p:childTnLst>
+                    </p:cTn>
+                  </p:par>
+                </p:childTnLst>
+              </p:cTn>
+              <p:prevCondLst>
+                <p:cond evt="onPrev" delay="0">
+                  <p:tgtEl>
+                    <p:sldTgt/>
+                  </p:tgtEl>
+                </p:cond>
+              </p:prevCondLst>
+              <p:nextCondLst>
+                <p:cond evt="onNext" delay="0">
+                  <p:tgtEl>
+                    <p:sldTgt/>
+                  </p:tgtEl>
+                </p:cond>
+              </p:nextCondLst>
+            </p:seq>
+          </p:childTnLst>
+        </p:cTn>
       </p:par>
     </p:tnLst>
+    <p:bldLst>
+      <p:bldP spid="7" grpId="0"/>
+    </p:bldLst>
   </p:timing>
+</p:sld>
+</file>
+
+<file path=ppt/slides/slide12.xml><?xml version="1.0" encoding="utf-8"?>
+<p:sld xmlns:a="http://schemas.openxmlformats.org/drawingml/2006/main" xmlns:r="http://schemas.openxmlformats.org/officeDocument/2006/relationships" xmlns:p="http://schemas.openxmlformats.org/presentationml/2006/main">
+  <p:cSld>
+    <p:spTree>
+      <p:nvGrpSpPr>
+        <p:cNvPr id="1" name=""/>
+        <p:cNvGrpSpPr/>
+        <p:nvPr/>
+      </p:nvGrpSpPr>
+      <p:grpSpPr>
+        <a:xfrm>
+          <a:off x="0" y="0"/>
+          <a:ext cx="0" cy="0"/>
+          <a:chOff x="0" y="0"/>
+          <a:chExt cx="0" cy="0"/>
+        </a:xfrm>
+      </p:grpSpPr>
+      <p:sp>
+        <p:nvSpPr>
+          <p:cNvPr id="2" name="Nadpis 1"/>
+          <p:cNvSpPr>
+            <a:spLocks noGrp="1"/>
+          </p:cNvSpPr>
+          <p:nvPr>
+            <p:ph type="title"/>
+          </p:nvPr>
+        </p:nvSpPr>
+        <p:spPr/>
+        <p:txBody>
+          <a:bodyPr/>
+          <a:lstStyle/>
+          <a:p>
+            <a:r>
+              <a:rPr lang="en-US" dirty="0" err="1"/>
+              <a:t>Eventbus</a:t>
+            </a:r>
+            <a:r>
+              <a:rPr lang="en-US" dirty="0"/>
+              <a:t>: </a:t>
+            </a:r>
+            <a:br>
+              <a:rPr lang="en-US" dirty="0"/>
+            </a:br>
+            <a:r>
+              <a:rPr lang="en-US" dirty="0"/>
+              <a:t>Service proxies</a:t>
+            </a:r>
+            <a:endParaRPr lang="sk-SK" dirty="0"/>
+          </a:p>
+        </p:txBody>
+      </p:sp>
+      <p:sp>
+        <p:nvSpPr>
+          <p:cNvPr id="5" name="BlokTextu 4"/>
+          <p:cNvSpPr txBox="1"/>
+          <p:nvPr/>
+        </p:nvSpPr>
+        <p:spPr>
+          <a:xfrm>
+            <a:off x="107504" y="1600200"/>
+            <a:ext cx="8784976" cy="4801314"/>
+          </a:xfrm>
+          <a:prstGeom prst="rect">
+            <a:avLst/>
+          </a:prstGeom>
+          <a:noFill/>
+        </p:spPr>
+        <p:txBody>
+          <a:bodyPr wrap="square" rtlCol="0">
+            <a:spAutoFit/>
+          </a:bodyPr>
+          <a:lstStyle/>
+          <a:p>
+            <a:r>
+              <a:rPr lang="sk-SK" dirty="0">
+                <a:latin typeface="Consolas" panose="020B0609020204030204" pitchFamily="49" charset="0"/>
+                <a:cs typeface="Consolas" panose="020B0609020204030204" pitchFamily="49" charset="0"/>
+              </a:rPr>
+              <a:t>@</a:t>
+            </a:r>
+            <a:r>
+              <a:rPr lang="sk-SK" dirty="0" err="1">
+                <a:latin typeface="Consolas" panose="020B0609020204030204" pitchFamily="49" charset="0"/>
+                <a:cs typeface="Consolas" panose="020B0609020204030204" pitchFamily="49" charset="0"/>
+              </a:rPr>
+              <a:t>ProxyGen</a:t>
+            </a:r>
+            <a:endParaRPr lang="sk-SK" dirty="0">
+              <a:latin typeface="Consolas" panose="020B0609020204030204" pitchFamily="49" charset="0"/>
+              <a:cs typeface="Consolas" panose="020B0609020204030204" pitchFamily="49" charset="0"/>
+            </a:endParaRPr>
+          </a:p>
+          <a:p>
+            <a:r>
+              <a:rPr lang="sk-SK" dirty="0" err="1">
+                <a:latin typeface="Consolas" panose="020B0609020204030204" pitchFamily="49" charset="0"/>
+                <a:cs typeface="Consolas" panose="020B0609020204030204" pitchFamily="49" charset="0"/>
+              </a:rPr>
+              <a:t>public</a:t>
+            </a:r>
+            <a:r>
+              <a:rPr lang="sk-SK" dirty="0">
+                <a:latin typeface="Consolas" panose="020B0609020204030204" pitchFamily="49" charset="0"/>
+                <a:cs typeface="Consolas" panose="020B0609020204030204" pitchFamily="49" charset="0"/>
+              </a:rPr>
+              <a:t> interface </a:t>
+            </a:r>
+            <a:r>
+              <a:rPr lang="sk-SK" dirty="0" err="1">
+                <a:latin typeface="Consolas" panose="020B0609020204030204" pitchFamily="49" charset="0"/>
+                <a:cs typeface="Consolas" panose="020B0609020204030204" pitchFamily="49" charset="0"/>
+              </a:rPr>
+              <a:t>SomeDatabaseService</a:t>
+            </a:r>
+            <a:r>
+              <a:rPr lang="sk-SK" dirty="0">
+                <a:latin typeface="Consolas" panose="020B0609020204030204" pitchFamily="49" charset="0"/>
+                <a:cs typeface="Consolas" panose="020B0609020204030204" pitchFamily="49" charset="0"/>
+              </a:rPr>
+              <a:t> {</a:t>
+            </a:r>
+          </a:p>
+          <a:p>
+            <a:endParaRPr lang="sk-SK" dirty="0">
+              <a:latin typeface="Consolas" panose="020B0609020204030204" pitchFamily="49" charset="0"/>
+              <a:cs typeface="Consolas" panose="020B0609020204030204" pitchFamily="49" charset="0"/>
+            </a:endParaRPr>
+          </a:p>
+          <a:p>
+            <a:r>
+              <a:rPr lang="sk-SK" dirty="0">
+                <a:latin typeface="Consolas" panose="020B0609020204030204" pitchFamily="49" charset="0"/>
+                <a:cs typeface="Consolas" panose="020B0609020204030204" pitchFamily="49" charset="0"/>
+              </a:rPr>
+              <a:t>  // A </a:t>
+            </a:r>
+            <a:r>
+              <a:rPr lang="sk-SK" dirty="0" err="1">
+                <a:latin typeface="Consolas" panose="020B0609020204030204" pitchFamily="49" charset="0"/>
+                <a:cs typeface="Consolas" panose="020B0609020204030204" pitchFamily="49" charset="0"/>
+              </a:rPr>
+              <a:t>couple</a:t>
+            </a:r>
+            <a:r>
+              <a:rPr lang="sk-SK" dirty="0">
+                <a:latin typeface="Consolas" panose="020B0609020204030204" pitchFamily="49" charset="0"/>
+                <a:cs typeface="Consolas" panose="020B0609020204030204" pitchFamily="49" charset="0"/>
+              </a:rPr>
+              <a:t> of </a:t>
+            </a:r>
+            <a:r>
+              <a:rPr lang="sk-SK" dirty="0" err="1">
+                <a:latin typeface="Consolas" panose="020B0609020204030204" pitchFamily="49" charset="0"/>
+                <a:cs typeface="Consolas" panose="020B0609020204030204" pitchFamily="49" charset="0"/>
+              </a:rPr>
+              <a:t>factory</a:t>
+            </a:r>
+            <a:r>
+              <a:rPr lang="sk-SK" dirty="0">
+                <a:latin typeface="Consolas" panose="020B0609020204030204" pitchFamily="49" charset="0"/>
+                <a:cs typeface="Consolas" panose="020B0609020204030204" pitchFamily="49" charset="0"/>
+              </a:rPr>
+              <a:t> </a:t>
+            </a:r>
+            <a:r>
+              <a:rPr lang="sk-SK" dirty="0" err="1">
+                <a:latin typeface="Consolas" panose="020B0609020204030204" pitchFamily="49" charset="0"/>
+                <a:cs typeface="Consolas" panose="020B0609020204030204" pitchFamily="49" charset="0"/>
+              </a:rPr>
+              <a:t>methods</a:t>
+            </a:r>
+            <a:r>
+              <a:rPr lang="sk-SK" dirty="0">
+                <a:latin typeface="Consolas" panose="020B0609020204030204" pitchFamily="49" charset="0"/>
+                <a:cs typeface="Consolas" panose="020B0609020204030204" pitchFamily="49" charset="0"/>
+              </a:rPr>
+              <a:t> to </a:t>
+            </a:r>
+            <a:r>
+              <a:rPr lang="sk-SK" dirty="0" err="1">
+                <a:latin typeface="Consolas" panose="020B0609020204030204" pitchFamily="49" charset="0"/>
+                <a:cs typeface="Consolas" panose="020B0609020204030204" pitchFamily="49" charset="0"/>
+              </a:rPr>
+              <a:t>create</a:t>
+            </a:r>
+            <a:r>
+              <a:rPr lang="sk-SK" dirty="0">
+                <a:latin typeface="Consolas" panose="020B0609020204030204" pitchFamily="49" charset="0"/>
+                <a:cs typeface="Consolas" panose="020B0609020204030204" pitchFamily="49" charset="0"/>
+              </a:rPr>
+              <a:t> </a:t>
+            </a:r>
+            <a:r>
+              <a:rPr lang="sk-SK" dirty="0" err="1">
+                <a:latin typeface="Consolas" panose="020B0609020204030204" pitchFamily="49" charset="0"/>
+                <a:cs typeface="Consolas" panose="020B0609020204030204" pitchFamily="49" charset="0"/>
+              </a:rPr>
+              <a:t>an</a:t>
+            </a:r>
+            <a:r>
+              <a:rPr lang="sk-SK" dirty="0">
+                <a:latin typeface="Consolas" panose="020B0609020204030204" pitchFamily="49" charset="0"/>
+                <a:cs typeface="Consolas" panose="020B0609020204030204" pitchFamily="49" charset="0"/>
+              </a:rPr>
+              <a:t> </a:t>
+            </a:r>
+            <a:r>
+              <a:rPr lang="sk-SK" dirty="0" err="1">
+                <a:latin typeface="Consolas" panose="020B0609020204030204" pitchFamily="49" charset="0"/>
+                <a:cs typeface="Consolas" panose="020B0609020204030204" pitchFamily="49" charset="0"/>
+              </a:rPr>
+              <a:t>instance</a:t>
+            </a:r>
+            <a:r>
+              <a:rPr lang="sk-SK" dirty="0">
+                <a:latin typeface="Consolas" panose="020B0609020204030204" pitchFamily="49" charset="0"/>
+                <a:cs typeface="Consolas" panose="020B0609020204030204" pitchFamily="49" charset="0"/>
+              </a:rPr>
+              <a:t> and a proxy</a:t>
+            </a:r>
+          </a:p>
+          <a:p>
+            <a:r>
+              <a:rPr lang="sk-SK" dirty="0">
+                <a:latin typeface="Consolas" panose="020B0609020204030204" pitchFamily="49" charset="0"/>
+                <a:cs typeface="Consolas" panose="020B0609020204030204" pitchFamily="49" charset="0"/>
+              </a:rPr>
+              <a:t>  </a:t>
+            </a:r>
+            <a:r>
+              <a:rPr lang="sk-SK" dirty="0" err="1">
+                <a:latin typeface="Consolas" panose="020B0609020204030204" pitchFamily="49" charset="0"/>
+                <a:cs typeface="Consolas" panose="020B0609020204030204" pitchFamily="49" charset="0"/>
+              </a:rPr>
+              <a:t>static</a:t>
+            </a:r>
+            <a:r>
+              <a:rPr lang="sk-SK" dirty="0">
+                <a:latin typeface="Consolas" panose="020B0609020204030204" pitchFamily="49" charset="0"/>
+                <a:cs typeface="Consolas" panose="020B0609020204030204" pitchFamily="49" charset="0"/>
+              </a:rPr>
+              <a:t> </a:t>
+            </a:r>
+            <a:r>
+              <a:rPr lang="sk-SK" dirty="0" err="1">
+                <a:latin typeface="Consolas" panose="020B0609020204030204" pitchFamily="49" charset="0"/>
+                <a:cs typeface="Consolas" panose="020B0609020204030204" pitchFamily="49" charset="0"/>
+              </a:rPr>
+              <a:t>SomeDatabaseService</a:t>
+            </a:r>
+            <a:r>
+              <a:rPr lang="sk-SK" dirty="0">
+                <a:latin typeface="Consolas" panose="020B0609020204030204" pitchFamily="49" charset="0"/>
+                <a:cs typeface="Consolas" panose="020B0609020204030204" pitchFamily="49" charset="0"/>
+              </a:rPr>
+              <a:t> </a:t>
+            </a:r>
+            <a:r>
+              <a:rPr lang="sk-SK" dirty="0" err="1">
+                <a:latin typeface="Consolas" panose="020B0609020204030204" pitchFamily="49" charset="0"/>
+                <a:cs typeface="Consolas" panose="020B0609020204030204" pitchFamily="49" charset="0"/>
+              </a:rPr>
+              <a:t>create</a:t>
+            </a:r>
+            <a:r>
+              <a:rPr lang="sk-SK" dirty="0">
+                <a:latin typeface="Consolas" panose="020B0609020204030204" pitchFamily="49" charset="0"/>
+                <a:cs typeface="Consolas" panose="020B0609020204030204" pitchFamily="49" charset="0"/>
+              </a:rPr>
+              <a:t>(</a:t>
+            </a:r>
+            <a:r>
+              <a:rPr lang="sk-SK" dirty="0" err="1">
+                <a:latin typeface="Consolas" panose="020B0609020204030204" pitchFamily="49" charset="0"/>
+                <a:cs typeface="Consolas" panose="020B0609020204030204" pitchFamily="49" charset="0"/>
+              </a:rPr>
+              <a:t>Vertx</a:t>
+            </a:r>
+            <a:r>
+              <a:rPr lang="sk-SK" dirty="0">
+                <a:latin typeface="Consolas" panose="020B0609020204030204" pitchFamily="49" charset="0"/>
+                <a:cs typeface="Consolas" panose="020B0609020204030204" pitchFamily="49" charset="0"/>
+              </a:rPr>
+              <a:t> </a:t>
+            </a:r>
+            <a:r>
+              <a:rPr lang="sk-SK" dirty="0" err="1">
+                <a:latin typeface="Consolas" panose="020B0609020204030204" pitchFamily="49" charset="0"/>
+                <a:cs typeface="Consolas" panose="020B0609020204030204" pitchFamily="49" charset="0"/>
+              </a:rPr>
+              <a:t>vertx</a:t>
+            </a:r>
+            <a:r>
+              <a:rPr lang="sk-SK" dirty="0">
+                <a:latin typeface="Consolas" panose="020B0609020204030204" pitchFamily="49" charset="0"/>
+                <a:cs typeface="Consolas" panose="020B0609020204030204" pitchFamily="49" charset="0"/>
+              </a:rPr>
+              <a:t>) {</a:t>
+            </a:r>
+          </a:p>
+          <a:p>
+            <a:r>
+              <a:rPr lang="sk-SK" dirty="0">
+                <a:latin typeface="Consolas" panose="020B0609020204030204" pitchFamily="49" charset="0"/>
+                <a:cs typeface="Consolas" panose="020B0609020204030204" pitchFamily="49" charset="0"/>
+              </a:rPr>
+              <a:t>    </a:t>
+            </a:r>
+            <a:r>
+              <a:rPr lang="sk-SK" dirty="0" err="1">
+                <a:latin typeface="Consolas" panose="020B0609020204030204" pitchFamily="49" charset="0"/>
+                <a:cs typeface="Consolas" panose="020B0609020204030204" pitchFamily="49" charset="0"/>
+              </a:rPr>
+              <a:t>return</a:t>
+            </a:r>
+            <a:r>
+              <a:rPr lang="sk-SK" dirty="0">
+                <a:latin typeface="Consolas" panose="020B0609020204030204" pitchFamily="49" charset="0"/>
+                <a:cs typeface="Consolas" panose="020B0609020204030204" pitchFamily="49" charset="0"/>
+              </a:rPr>
+              <a:t> new </a:t>
+            </a:r>
+            <a:r>
+              <a:rPr lang="sk-SK" dirty="0" err="1">
+                <a:latin typeface="Consolas" panose="020B0609020204030204" pitchFamily="49" charset="0"/>
+                <a:cs typeface="Consolas" panose="020B0609020204030204" pitchFamily="49" charset="0"/>
+              </a:rPr>
+              <a:t>SomeDatabaseServiceImpl</a:t>
+            </a:r>
+            <a:r>
+              <a:rPr lang="sk-SK" dirty="0">
+                <a:latin typeface="Consolas" panose="020B0609020204030204" pitchFamily="49" charset="0"/>
+                <a:cs typeface="Consolas" panose="020B0609020204030204" pitchFamily="49" charset="0"/>
+              </a:rPr>
+              <a:t>(</a:t>
+            </a:r>
+            <a:r>
+              <a:rPr lang="sk-SK" dirty="0" err="1">
+                <a:latin typeface="Consolas" panose="020B0609020204030204" pitchFamily="49" charset="0"/>
+                <a:cs typeface="Consolas" panose="020B0609020204030204" pitchFamily="49" charset="0"/>
+              </a:rPr>
+              <a:t>vertx</a:t>
+            </a:r>
+            <a:r>
+              <a:rPr lang="sk-SK" dirty="0">
+                <a:latin typeface="Consolas" panose="020B0609020204030204" pitchFamily="49" charset="0"/>
+                <a:cs typeface="Consolas" panose="020B0609020204030204" pitchFamily="49" charset="0"/>
+              </a:rPr>
+              <a:t>);</a:t>
+            </a:r>
+          </a:p>
+          <a:p>
+            <a:r>
+              <a:rPr lang="sk-SK" dirty="0">
+                <a:latin typeface="Consolas" panose="020B0609020204030204" pitchFamily="49" charset="0"/>
+                <a:cs typeface="Consolas" panose="020B0609020204030204" pitchFamily="49" charset="0"/>
+              </a:rPr>
+              <a:t>  }</a:t>
+            </a:r>
+          </a:p>
+          <a:p>
+            <a:endParaRPr lang="sk-SK" dirty="0">
+              <a:latin typeface="Consolas" panose="020B0609020204030204" pitchFamily="49" charset="0"/>
+              <a:cs typeface="Consolas" panose="020B0609020204030204" pitchFamily="49" charset="0"/>
+            </a:endParaRPr>
+          </a:p>
+          <a:p>
+            <a:r>
+              <a:rPr lang="sk-SK" dirty="0">
+                <a:latin typeface="Consolas" panose="020B0609020204030204" pitchFamily="49" charset="0"/>
+                <a:cs typeface="Consolas" panose="020B0609020204030204" pitchFamily="49" charset="0"/>
+              </a:rPr>
+              <a:t>  </a:t>
+            </a:r>
+            <a:r>
+              <a:rPr lang="sk-SK" dirty="0" err="1">
+                <a:latin typeface="Consolas" panose="020B0609020204030204" pitchFamily="49" charset="0"/>
+                <a:cs typeface="Consolas" panose="020B0609020204030204" pitchFamily="49" charset="0"/>
+              </a:rPr>
+              <a:t>static</a:t>
+            </a:r>
+            <a:r>
+              <a:rPr lang="sk-SK" dirty="0">
+                <a:latin typeface="Consolas" panose="020B0609020204030204" pitchFamily="49" charset="0"/>
+                <a:cs typeface="Consolas" panose="020B0609020204030204" pitchFamily="49" charset="0"/>
+              </a:rPr>
+              <a:t> </a:t>
+            </a:r>
+            <a:r>
+              <a:rPr lang="sk-SK" dirty="0" err="1">
+                <a:latin typeface="Consolas" panose="020B0609020204030204" pitchFamily="49" charset="0"/>
+                <a:cs typeface="Consolas" panose="020B0609020204030204" pitchFamily="49" charset="0"/>
+              </a:rPr>
+              <a:t>SomeDatabaseService</a:t>
+            </a:r>
+            <a:r>
+              <a:rPr lang="sk-SK" dirty="0">
+                <a:latin typeface="Consolas" panose="020B0609020204030204" pitchFamily="49" charset="0"/>
+                <a:cs typeface="Consolas" panose="020B0609020204030204" pitchFamily="49" charset="0"/>
+              </a:rPr>
+              <a:t> </a:t>
+            </a:r>
+            <a:r>
+              <a:rPr lang="sk-SK" dirty="0" err="1">
+                <a:latin typeface="Consolas" panose="020B0609020204030204" pitchFamily="49" charset="0"/>
+                <a:cs typeface="Consolas" panose="020B0609020204030204" pitchFamily="49" charset="0"/>
+              </a:rPr>
+              <a:t>createProxy</a:t>
+            </a:r>
+            <a:r>
+              <a:rPr lang="sk-SK" dirty="0">
+                <a:latin typeface="Consolas" panose="020B0609020204030204" pitchFamily="49" charset="0"/>
+                <a:cs typeface="Consolas" panose="020B0609020204030204" pitchFamily="49" charset="0"/>
+              </a:rPr>
+              <a:t>(</a:t>
+            </a:r>
+            <a:r>
+              <a:rPr lang="sk-SK" dirty="0" err="1">
+                <a:latin typeface="Consolas" panose="020B0609020204030204" pitchFamily="49" charset="0"/>
+                <a:cs typeface="Consolas" panose="020B0609020204030204" pitchFamily="49" charset="0"/>
+              </a:rPr>
+              <a:t>Vertx</a:t>
+            </a:r>
+            <a:r>
+              <a:rPr lang="sk-SK" dirty="0">
+                <a:latin typeface="Consolas" panose="020B0609020204030204" pitchFamily="49" charset="0"/>
+                <a:cs typeface="Consolas" panose="020B0609020204030204" pitchFamily="49" charset="0"/>
+              </a:rPr>
+              <a:t> </a:t>
+            </a:r>
+            <a:r>
+              <a:rPr lang="sk-SK" dirty="0" err="1">
+                <a:latin typeface="Consolas" panose="020B0609020204030204" pitchFamily="49" charset="0"/>
+                <a:cs typeface="Consolas" panose="020B0609020204030204" pitchFamily="49" charset="0"/>
+              </a:rPr>
+              <a:t>vertx</a:t>
+            </a:r>
+            <a:r>
+              <a:rPr lang="sk-SK" dirty="0">
+                <a:latin typeface="Consolas" panose="020B0609020204030204" pitchFamily="49" charset="0"/>
+                <a:cs typeface="Consolas" panose="020B0609020204030204" pitchFamily="49" charset="0"/>
+              </a:rPr>
+              <a:t>,</a:t>
+            </a:r>
+          </a:p>
+          <a:p>
+            <a:r>
+              <a:rPr lang="sk-SK" dirty="0">
+                <a:latin typeface="Consolas" panose="020B0609020204030204" pitchFamily="49" charset="0"/>
+                <a:cs typeface="Consolas" panose="020B0609020204030204" pitchFamily="49" charset="0"/>
+              </a:rPr>
+              <a:t>    </a:t>
+            </a:r>
+            <a:r>
+              <a:rPr lang="sk-SK" dirty="0" err="1">
+                <a:latin typeface="Consolas" panose="020B0609020204030204" pitchFamily="49" charset="0"/>
+                <a:cs typeface="Consolas" panose="020B0609020204030204" pitchFamily="49" charset="0"/>
+              </a:rPr>
+              <a:t>String</a:t>
+            </a:r>
+            <a:r>
+              <a:rPr lang="sk-SK" dirty="0">
+                <a:latin typeface="Consolas" panose="020B0609020204030204" pitchFamily="49" charset="0"/>
+                <a:cs typeface="Consolas" panose="020B0609020204030204" pitchFamily="49" charset="0"/>
+              </a:rPr>
+              <a:t> </a:t>
+            </a:r>
+            <a:r>
+              <a:rPr lang="sk-SK" dirty="0" err="1">
+                <a:latin typeface="Consolas" panose="020B0609020204030204" pitchFamily="49" charset="0"/>
+                <a:cs typeface="Consolas" panose="020B0609020204030204" pitchFamily="49" charset="0"/>
+              </a:rPr>
+              <a:t>address</a:t>
+            </a:r>
+            <a:r>
+              <a:rPr lang="sk-SK" dirty="0">
+                <a:latin typeface="Consolas" panose="020B0609020204030204" pitchFamily="49" charset="0"/>
+                <a:cs typeface="Consolas" panose="020B0609020204030204" pitchFamily="49" charset="0"/>
+              </a:rPr>
+              <a:t>) {</a:t>
+            </a:r>
+          </a:p>
+          <a:p>
+            <a:r>
+              <a:rPr lang="sk-SK" dirty="0">
+                <a:latin typeface="Consolas" panose="020B0609020204030204" pitchFamily="49" charset="0"/>
+                <a:cs typeface="Consolas" panose="020B0609020204030204" pitchFamily="49" charset="0"/>
+              </a:rPr>
+              <a:t>    </a:t>
+            </a:r>
+            <a:r>
+              <a:rPr lang="sk-SK" dirty="0" err="1">
+                <a:latin typeface="Consolas" panose="020B0609020204030204" pitchFamily="49" charset="0"/>
+                <a:cs typeface="Consolas" panose="020B0609020204030204" pitchFamily="49" charset="0"/>
+              </a:rPr>
+              <a:t>return</a:t>
+            </a:r>
+            <a:r>
+              <a:rPr lang="sk-SK" dirty="0">
+                <a:latin typeface="Consolas" panose="020B0609020204030204" pitchFamily="49" charset="0"/>
+                <a:cs typeface="Consolas" panose="020B0609020204030204" pitchFamily="49" charset="0"/>
+              </a:rPr>
+              <a:t> new </a:t>
+            </a:r>
+            <a:r>
+              <a:rPr lang="sk-SK" dirty="0" err="1">
+                <a:latin typeface="Consolas" panose="020B0609020204030204" pitchFamily="49" charset="0"/>
+                <a:cs typeface="Consolas" panose="020B0609020204030204" pitchFamily="49" charset="0"/>
+              </a:rPr>
+              <a:t>SomeDatabaseServiceVertxEBProxy</a:t>
+            </a:r>
+            <a:r>
+              <a:rPr lang="sk-SK" dirty="0">
+                <a:latin typeface="Consolas" panose="020B0609020204030204" pitchFamily="49" charset="0"/>
+                <a:cs typeface="Consolas" panose="020B0609020204030204" pitchFamily="49" charset="0"/>
+              </a:rPr>
+              <a:t>(</a:t>
+            </a:r>
+            <a:r>
+              <a:rPr lang="sk-SK" dirty="0" err="1">
+                <a:latin typeface="Consolas" panose="020B0609020204030204" pitchFamily="49" charset="0"/>
+                <a:cs typeface="Consolas" panose="020B0609020204030204" pitchFamily="49" charset="0"/>
+              </a:rPr>
+              <a:t>vertx</a:t>
+            </a:r>
+            <a:r>
+              <a:rPr lang="sk-SK" dirty="0">
+                <a:latin typeface="Consolas" panose="020B0609020204030204" pitchFamily="49" charset="0"/>
+                <a:cs typeface="Consolas" panose="020B0609020204030204" pitchFamily="49" charset="0"/>
+              </a:rPr>
+              <a:t>, </a:t>
+            </a:r>
+            <a:r>
+              <a:rPr lang="sk-SK" dirty="0" err="1">
+                <a:latin typeface="Consolas" panose="020B0609020204030204" pitchFamily="49" charset="0"/>
+                <a:cs typeface="Consolas" panose="020B0609020204030204" pitchFamily="49" charset="0"/>
+              </a:rPr>
+              <a:t>address</a:t>
+            </a:r>
+            <a:r>
+              <a:rPr lang="sk-SK" dirty="0">
+                <a:latin typeface="Consolas" panose="020B0609020204030204" pitchFamily="49" charset="0"/>
+                <a:cs typeface="Consolas" panose="020B0609020204030204" pitchFamily="49" charset="0"/>
+              </a:rPr>
+              <a:t>);</a:t>
+            </a:r>
+          </a:p>
+          <a:p>
+            <a:r>
+              <a:rPr lang="sk-SK" dirty="0">
+                <a:latin typeface="Consolas" panose="020B0609020204030204" pitchFamily="49" charset="0"/>
+                <a:cs typeface="Consolas" panose="020B0609020204030204" pitchFamily="49" charset="0"/>
+              </a:rPr>
+              <a:t>  }</a:t>
+            </a:r>
+          </a:p>
+          <a:p>
+            <a:endParaRPr lang="sk-SK" dirty="0">
+              <a:latin typeface="Consolas" panose="020B0609020204030204" pitchFamily="49" charset="0"/>
+              <a:cs typeface="Consolas" panose="020B0609020204030204" pitchFamily="49" charset="0"/>
+            </a:endParaRPr>
+          </a:p>
+          <a:p>
+            <a:r>
+              <a:rPr lang="sk-SK" dirty="0">
+                <a:latin typeface="Consolas" panose="020B0609020204030204" pitchFamily="49" charset="0"/>
+                <a:cs typeface="Consolas" panose="020B0609020204030204" pitchFamily="49" charset="0"/>
+              </a:rPr>
+              <a:t> // </a:t>
+            </a:r>
+            <a:r>
+              <a:rPr lang="sk-SK" dirty="0" err="1">
+                <a:latin typeface="Consolas" panose="020B0609020204030204" pitchFamily="49" charset="0"/>
+                <a:cs typeface="Consolas" panose="020B0609020204030204" pitchFamily="49" charset="0"/>
+              </a:rPr>
+              <a:t>Actual</a:t>
+            </a:r>
+            <a:r>
+              <a:rPr lang="sk-SK" dirty="0">
+                <a:latin typeface="Consolas" panose="020B0609020204030204" pitchFamily="49" charset="0"/>
+                <a:cs typeface="Consolas" panose="020B0609020204030204" pitchFamily="49" charset="0"/>
+              </a:rPr>
+              <a:t> </a:t>
+            </a:r>
+            <a:r>
+              <a:rPr lang="sk-SK" dirty="0" err="1">
+                <a:latin typeface="Consolas" panose="020B0609020204030204" pitchFamily="49" charset="0"/>
+                <a:cs typeface="Consolas" panose="020B0609020204030204" pitchFamily="49" charset="0"/>
+              </a:rPr>
+              <a:t>service</a:t>
+            </a:r>
+            <a:r>
+              <a:rPr lang="sk-SK" dirty="0">
+                <a:latin typeface="Consolas" panose="020B0609020204030204" pitchFamily="49" charset="0"/>
+                <a:cs typeface="Consolas" panose="020B0609020204030204" pitchFamily="49" charset="0"/>
+              </a:rPr>
+              <a:t> </a:t>
+            </a:r>
+            <a:r>
+              <a:rPr lang="sk-SK" dirty="0" err="1">
+                <a:latin typeface="Consolas" panose="020B0609020204030204" pitchFamily="49" charset="0"/>
+                <a:cs typeface="Consolas" panose="020B0609020204030204" pitchFamily="49" charset="0"/>
+              </a:rPr>
+              <a:t>operations</a:t>
+            </a:r>
+            <a:r>
+              <a:rPr lang="sk-SK" dirty="0">
+                <a:latin typeface="Consolas" panose="020B0609020204030204" pitchFamily="49" charset="0"/>
+                <a:cs typeface="Consolas" panose="020B0609020204030204" pitchFamily="49" charset="0"/>
+              </a:rPr>
+              <a:t> </a:t>
+            </a:r>
+            <a:r>
+              <a:rPr lang="sk-SK" dirty="0" err="1">
+                <a:latin typeface="Consolas" panose="020B0609020204030204" pitchFamily="49" charset="0"/>
+                <a:cs typeface="Consolas" panose="020B0609020204030204" pitchFamily="49" charset="0"/>
+              </a:rPr>
+              <a:t>here</a:t>
+            </a:r>
+            <a:r>
+              <a:rPr lang="sk-SK" dirty="0">
+                <a:latin typeface="Consolas" panose="020B0609020204030204" pitchFamily="49" charset="0"/>
+                <a:cs typeface="Consolas" panose="020B0609020204030204" pitchFamily="49" charset="0"/>
+              </a:rPr>
+              <a:t>...</a:t>
+            </a:r>
+          </a:p>
+          <a:p>
+            <a:r>
+              <a:rPr lang="sk-SK" dirty="0">
+                <a:latin typeface="Consolas" panose="020B0609020204030204" pitchFamily="49" charset="0"/>
+                <a:cs typeface="Consolas" panose="020B0609020204030204" pitchFamily="49" charset="0"/>
+              </a:rPr>
+              <a:t> </a:t>
+            </a:r>
+            <a:r>
+              <a:rPr lang="sk-SK" dirty="0" err="1">
+                <a:latin typeface="Consolas" panose="020B0609020204030204" pitchFamily="49" charset="0"/>
+                <a:cs typeface="Consolas" panose="020B0609020204030204" pitchFamily="49" charset="0"/>
+              </a:rPr>
+              <a:t>void</a:t>
+            </a:r>
+            <a:r>
+              <a:rPr lang="sk-SK" dirty="0">
+                <a:latin typeface="Consolas" panose="020B0609020204030204" pitchFamily="49" charset="0"/>
+                <a:cs typeface="Consolas" panose="020B0609020204030204" pitchFamily="49" charset="0"/>
+              </a:rPr>
+              <a:t> </a:t>
+            </a:r>
+            <a:r>
+              <a:rPr lang="sk-SK" dirty="0" err="1">
+                <a:latin typeface="Consolas" panose="020B0609020204030204" pitchFamily="49" charset="0"/>
+                <a:cs typeface="Consolas" panose="020B0609020204030204" pitchFamily="49" charset="0"/>
+              </a:rPr>
+              <a:t>save</a:t>
+            </a:r>
+            <a:r>
+              <a:rPr lang="sk-SK" dirty="0">
+                <a:latin typeface="Consolas" panose="020B0609020204030204" pitchFamily="49" charset="0"/>
+                <a:cs typeface="Consolas" panose="020B0609020204030204" pitchFamily="49" charset="0"/>
+              </a:rPr>
+              <a:t>(</a:t>
+            </a:r>
+            <a:r>
+              <a:rPr lang="sk-SK" dirty="0" err="1">
+                <a:latin typeface="Consolas" panose="020B0609020204030204" pitchFamily="49" charset="0"/>
+                <a:cs typeface="Consolas" panose="020B0609020204030204" pitchFamily="49" charset="0"/>
+              </a:rPr>
+              <a:t>String</a:t>
+            </a:r>
+            <a:r>
+              <a:rPr lang="sk-SK" dirty="0">
+                <a:latin typeface="Consolas" panose="020B0609020204030204" pitchFamily="49" charset="0"/>
+                <a:cs typeface="Consolas" panose="020B0609020204030204" pitchFamily="49" charset="0"/>
+              </a:rPr>
+              <a:t> </a:t>
+            </a:r>
+            <a:r>
+              <a:rPr lang="sk-SK" dirty="0" err="1">
+                <a:latin typeface="Consolas" panose="020B0609020204030204" pitchFamily="49" charset="0"/>
+                <a:cs typeface="Consolas" panose="020B0609020204030204" pitchFamily="49" charset="0"/>
+              </a:rPr>
+              <a:t>collection</a:t>
+            </a:r>
+            <a:r>
+              <a:rPr lang="sk-SK" dirty="0">
+                <a:latin typeface="Consolas" panose="020B0609020204030204" pitchFamily="49" charset="0"/>
+                <a:cs typeface="Consolas" panose="020B0609020204030204" pitchFamily="49" charset="0"/>
+              </a:rPr>
+              <a:t>, </a:t>
+            </a:r>
+            <a:r>
+              <a:rPr lang="sk-SK" dirty="0" err="1">
+                <a:latin typeface="Consolas" panose="020B0609020204030204" pitchFamily="49" charset="0"/>
+                <a:cs typeface="Consolas" panose="020B0609020204030204" pitchFamily="49" charset="0"/>
+              </a:rPr>
+              <a:t>JsonObject</a:t>
+            </a:r>
+            <a:r>
+              <a:rPr lang="sk-SK" dirty="0">
+                <a:latin typeface="Consolas" panose="020B0609020204030204" pitchFamily="49" charset="0"/>
+                <a:cs typeface="Consolas" panose="020B0609020204030204" pitchFamily="49" charset="0"/>
+              </a:rPr>
+              <a:t> </a:t>
+            </a:r>
+            <a:r>
+              <a:rPr lang="sk-SK" dirty="0" err="1">
+                <a:latin typeface="Consolas" panose="020B0609020204030204" pitchFamily="49" charset="0"/>
+                <a:cs typeface="Consolas" panose="020B0609020204030204" pitchFamily="49" charset="0"/>
+              </a:rPr>
+              <a:t>document</a:t>
+            </a:r>
+            <a:r>
+              <a:rPr lang="sk-SK" dirty="0">
+                <a:latin typeface="Consolas" panose="020B0609020204030204" pitchFamily="49" charset="0"/>
+                <a:cs typeface="Consolas" panose="020B0609020204030204" pitchFamily="49" charset="0"/>
+              </a:rPr>
+              <a:t>,</a:t>
+            </a:r>
+          </a:p>
+          <a:p>
+            <a:r>
+              <a:rPr lang="sk-SK" dirty="0">
+                <a:latin typeface="Consolas" panose="020B0609020204030204" pitchFamily="49" charset="0"/>
+                <a:cs typeface="Consolas" panose="020B0609020204030204" pitchFamily="49" charset="0"/>
+              </a:rPr>
+              <a:t>   </a:t>
+            </a:r>
+            <a:r>
+              <a:rPr lang="sk-SK" dirty="0" err="1">
+                <a:latin typeface="Consolas" panose="020B0609020204030204" pitchFamily="49" charset="0"/>
+                <a:cs typeface="Consolas" panose="020B0609020204030204" pitchFamily="49" charset="0"/>
+              </a:rPr>
+              <a:t>Handler</a:t>
+            </a:r>
+            <a:r>
+              <a:rPr lang="sk-SK" dirty="0">
+                <a:latin typeface="Consolas" panose="020B0609020204030204" pitchFamily="49" charset="0"/>
+                <a:cs typeface="Consolas" panose="020B0609020204030204" pitchFamily="49" charset="0"/>
+              </a:rPr>
+              <a:t>&lt;</a:t>
+            </a:r>
+            <a:r>
+              <a:rPr lang="sk-SK" dirty="0" err="1">
+                <a:latin typeface="Consolas" panose="020B0609020204030204" pitchFamily="49" charset="0"/>
+                <a:cs typeface="Consolas" panose="020B0609020204030204" pitchFamily="49" charset="0"/>
+              </a:rPr>
+              <a:t>AsyncResult</a:t>
+            </a:r>
+            <a:r>
+              <a:rPr lang="sk-SK" dirty="0">
+                <a:latin typeface="Consolas" panose="020B0609020204030204" pitchFamily="49" charset="0"/>
+                <a:cs typeface="Consolas" panose="020B0609020204030204" pitchFamily="49" charset="0"/>
+              </a:rPr>
+              <a:t>&lt;</a:t>
+            </a:r>
+            <a:r>
+              <a:rPr lang="sk-SK" dirty="0" err="1">
+                <a:latin typeface="Consolas" panose="020B0609020204030204" pitchFamily="49" charset="0"/>
+                <a:cs typeface="Consolas" panose="020B0609020204030204" pitchFamily="49" charset="0"/>
+              </a:rPr>
+              <a:t>Void</a:t>
+            </a:r>
+            <a:r>
+              <a:rPr lang="sk-SK" dirty="0">
+                <a:latin typeface="Consolas" panose="020B0609020204030204" pitchFamily="49" charset="0"/>
+                <a:cs typeface="Consolas" panose="020B0609020204030204" pitchFamily="49" charset="0"/>
+              </a:rPr>
+              <a:t>&gt;&gt; </a:t>
+            </a:r>
+            <a:r>
+              <a:rPr lang="sk-SK" dirty="0" err="1">
+                <a:latin typeface="Consolas" panose="020B0609020204030204" pitchFamily="49" charset="0"/>
+                <a:cs typeface="Consolas" panose="020B0609020204030204" pitchFamily="49" charset="0"/>
+              </a:rPr>
+              <a:t>resultHandler</a:t>
+            </a:r>
+            <a:r>
+              <a:rPr lang="sk-SK" dirty="0">
+                <a:latin typeface="Consolas" panose="020B0609020204030204" pitchFamily="49" charset="0"/>
+                <a:cs typeface="Consolas" panose="020B0609020204030204" pitchFamily="49" charset="0"/>
+              </a:rPr>
+              <a:t>);</a:t>
+            </a:r>
+          </a:p>
+          <a:p>
+            <a:r>
+              <a:rPr lang="sk-SK" dirty="0">
+                <a:latin typeface="Consolas" panose="020B0609020204030204" pitchFamily="49" charset="0"/>
+                <a:cs typeface="Consolas" panose="020B0609020204030204" pitchFamily="49" charset="0"/>
+              </a:rPr>
+              <a:t>}</a:t>
+            </a:r>
+          </a:p>
+        </p:txBody>
+      </p:sp>
+    </p:spTree>
+    <p:extLst>
+      <p:ext uri="{BB962C8B-B14F-4D97-AF65-F5344CB8AC3E}">
+        <p14:creationId xmlns:p14="http://schemas.microsoft.com/office/powerpoint/2010/main" val="1493733478"/>
+      </p:ext>
+    </p:extLst>
+  </p:cSld>
+  <p:clrMapOvr>
+    <a:masterClrMapping/>
+  </p:clrMapOvr>
+</p:sld>
+</file>
+
+<file path=ppt/slides/slide13.xml><?xml version="1.0" encoding="utf-8"?>
+<p:sld xmlns:a="http://schemas.openxmlformats.org/drawingml/2006/main" xmlns:r="http://schemas.openxmlformats.org/officeDocument/2006/relationships" xmlns:p="http://schemas.openxmlformats.org/presentationml/2006/main">
+  <p:cSld>
+    <p:spTree>
+      <p:nvGrpSpPr>
+        <p:cNvPr id="1" name=""/>
+        <p:cNvGrpSpPr/>
+        <p:nvPr/>
+      </p:nvGrpSpPr>
+      <p:grpSpPr>
+        <a:xfrm>
+          <a:off x="0" y="0"/>
+          <a:ext cx="0" cy="0"/>
+          <a:chOff x="0" y="0"/>
+          <a:chExt cx="0" cy="0"/>
+        </a:xfrm>
+      </p:grpSpPr>
+      <p:sp>
+        <p:nvSpPr>
+          <p:cNvPr id="2" name="Nadpis 1"/>
+          <p:cNvSpPr>
+            <a:spLocks noGrp="1"/>
+          </p:cNvSpPr>
+          <p:nvPr>
+            <p:ph type="title"/>
+          </p:nvPr>
+        </p:nvSpPr>
+        <p:spPr/>
+        <p:txBody>
+          <a:bodyPr/>
+          <a:lstStyle/>
+          <a:p>
+            <a:r>
+              <a:rPr lang="en-US" dirty="0" err="1"/>
+              <a:t>Eventbus</a:t>
+            </a:r>
+            <a:r>
+              <a:rPr lang="en-US" dirty="0"/>
+              <a:t>: </a:t>
+            </a:r>
+            <a:br>
+              <a:rPr lang="en-US" dirty="0"/>
+            </a:br>
+            <a:r>
+              <a:rPr lang="en-US" dirty="0"/>
+              <a:t>Service proxies</a:t>
+            </a:r>
+            <a:endParaRPr lang="sk-SK" dirty="0"/>
+          </a:p>
+        </p:txBody>
+      </p:sp>
+      <p:sp>
+        <p:nvSpPr>
+          <p:cNvPr id="5" name="BlokTextu 4"/>
+          <p:cNvSpPr txBox="1"/>
+          <p:nvPr/>
+        </p:nvSpPr>
+        <p:spPr>
+          <a:xfrm>
+            <a:off x="107504" y="1600200"/>
+            <a:ext cx="8784976" cy="3416320"/>
+          </a:xfrm>
+          <a:prstGeom prst="rect">
+            <a:avLst/>
+          </a:prstGeom>
+          <a:noFill/>
+        </p:spPr>
+        <p:txBody>
+          <a:bodyPr wrap="square" rtlCol="0">
+            <a:spAutoFit/>
+          </a:bodyPr>
+          <a:lstStyle/>
+          <a:p>
+            <a:r>
+              <a:rPr lang="sk-SK" dirty="0" err="1">
+                <a:latin typeface="Consolas" panose="020B0609020204030204" pitchFamily="49" charset="0"/>
+                <a:cs typeface="Consolas" panose="020B0609020204030204" pitchFamily="49" charset="0"/>
+              </a:rPr>
+              <a:t>SomeDatabaseService</a:t>
+            </a:r>
+            <a:r>
+              <a:rPr lang="sk-SK" dirty="0">
+                <a:latin typeface="Consolas" panose="020B0609020204030204" pitchFamily="49" charset="0"/>
+                <a:cs typeface="Consolas" panose="020B0609020204030204" pitchFamily="49" charset="0"/>
+              </a:rPr>
+              <a:t> </a:t>
+            </a:r>
+            <a:r>
+              <a:rPr lang="sk-SK" dirty="0" err="1">
+                <a:latin typeface="Consolas" panose="020B0609020204030204" pitchFamily="49" charset="0"/>
+                <a:cs typeface="Consolas" panose="020B0609020204030204" pitchFamily="49" charset="0"/>
+              </a:rPr>
+              <a:t>service</a:t>
+            </a:r>
+            <a:r>
+              <a:rPr lang="sk-SK" dirty="0">
+                <a:latin typeface="Consolas" panose="020B0609020204030204" pitchFamily="49" charset="0"/>
+                <a:cs typeface="Consolas" panose="020B0609020204030204" pitchFamily="49" charset="0"/>
+              </a:rPr>
+              <a:t> = </a:t>
+            </a:r>
+            <a:r>
+              <a:rPr lang="sk-SK" dirty="0" err="1">
+                <a:latin typeface="Consolas" panose="020B0609020204030204" pitchFamily="49" charset="0"/>
+                <a:cs typeface="Consolas" panose="020B0609020204030204" pitchFamily="49" charset="0"/>
+              </a:rPr>
+              <a:t>SomeDatabaseService.createProxy</a:t>
+            </a:r>
+            <a:r>
+              <a:rPr lang="sk-SK" dirty="0">
+                <a:latin typeface="Consolas" panose="020B0609020204030204" pitchFamily="49" charset="0"/>
+                <a:cs typeface="Consolas" panose="020B0609020204030204" pitchFamily="49" charset="0"/>
+              </a:rPr>
+              <a:t>(</a:t>
+            </a:r>
+            <a:r>
+              <a:rPr lang="sk-SK" dirty="0" err="1">
+                <a:latin typeface="Consolas" panose="020B0609020204030204" pitchFamily="49" charset="0"/>
+                <a:cs typeface="Consolas" panose="020B0609020204030204" pitchFamily="49" charset="0"/>
+              </a:rPr>
+              <a:t>vertx</a:t>
+            </a:r>
+            <a:r>
+              <a:rPr lang="sk-SK" dirty="0">
+                <a:latin typeface="Consolas" panose="020B0609020204030204" pitchFamily="49" charset="0"/>
+                <a:cs typeface="Consolas" panose="020B0609020204030204" pitchFamily="49" charset="0"/>
+              </a:rPr>
+              <a:t>,</a:t>
+            </a:r>
+          </a:p>
+          <a:p>
+            <a:r>
+              <a:rPr lang="sk-SK" dirty="0">
+                <a:latin typeface="Consolas" panose="020B0609020204030204" pitchFamily="49" charset="0"/>
+                <a:cs typeface="Consolas" panose="020B0609020204030204" pitchFamily="49" charset="0"/>
+              </a:rPr>
+              <a:t>    "</a:t>
+            </a:r>
+            <a:r>
+              <a:rPr lang="sk-SK" dirty="0" err="1">
+                <a:latin typeface="Consolas" panose="020B0609020204030204" pitchFamily="49" charset="0"/>
+                <a:cs typeface="Consolas" panose="020B0609020204030204" pitchFamily="49" charset="0"/>
+              </a:rPr>
+              <a:t>database-service-address</a:t>
+            </a:r>
+            <a:r>
+              <a:rPr lang="sk-SK" dirty="0">
+                <a:latin typeface="Consolas" panose="020B0609020204030204" pitchFamily="49" charset="0"/>
+                <a:cs typeface="Consolas" panose="020B0609020204030204" pitchFamily="49" charset="0"/>
+              </a:rPr>
+              <a:t>");</a:t>
+            </a:r>
+          </a:p>
+          <a:p>
+            <a:endParaRPr lang="sk-SK" dirty="0">
+              <a:latin typeface="Consolas" panose="020B0609020204030204" pitchFamily="49" charset="0"/>
+              <a:cs typeface="Consolas" panose="020B0609020204030204" pitchFamily="49" charset="0"/>
+            </a:endParaRPr>
+          </a:p>
+          <a:p>
+            <a:r>
+              <a:rPr lang="sk-SK" dirty="0">
+                <a:latin typeface="Consolas" panose="020B0609020204030204" pitchFamily="49" charset="0"/>
+                <a:cs typeface="Consolas" panose="020B0609020204030204" pitchFamily="49" charset="0"/>
+              </a:rPr>
+              <a:t>// </a:t>
+            </a:r>
+            <a:r>
+              <a:rPr lang="sk-SK" dirty="0" err="1">
+                <a:latin typeface="Consolas" panose="020B0609020204030204" pitchFamily="49" charset="0"/>
+                <a:cs typeface="Consolas" panose="020B0609020204030204" pitchFamily="49" charset="0"/>
+              </a:rPr>
+              <a:t>Save</a:t>
+            </a:r>
+            <a:r>
+              <a:rPr lang="sk-SK" dirty="0">
+                <a:latin typeface="Consolas" panose="020B0609020204030204" pitchFamily="49" charset="0"/>
+                <a:cs typeface="Consolas" panose="020B0609020204030204" pitchFamily="49" charset="0"/>
+              </a:rPr>
+              <a:t> </a:t>
+            </a:r>
+            <a:r>
+              <a:rPr lang="sk-SK" dirty="0" err="1">
+                <a:latin typeface="Consolas" panose="020B0609020204030204" pitchFamily="49" charset="0"/>
+                <a:cs typeface="Consolas" panose="020B0609020204030204" pitchFamily="49" charset="0"/>
+              </a:rPr>
+              <a:t>some</a:t>
+            </a:r>
+            <a:r>
+              <a:rPr lang="sk-SK" dirty="0">
+                <a:latin typeface="Consolas" panose="020B0609020204030204" pitchFamily="49" charset="0"/>
+                <a:cs typeface="Consolas" panose="020B0609020204030204" pitchFamily="49" charset="0"/>
+              </a:rPr>
+              <a:t> </a:t>
+            </a:r>
+            <a:r>
+              <a:rPr lang="sk-SK" dirty="0" err="1">
+                <a:latin typeface="Consolas" panose="020B0609020204030204" pitchFamily="49" charset="0"/>
+                <a:cs typeface="Consolas" panose="020B0609020204030204" pitchFamily="49" charset="0"/>
+              </a:rPr>
+              <a:t>data</a:t>
+            </a:r>
+            <a:r>
+              <a:rPr lang="sk-SK" dirty="0">
+                <a:latin typeface="Consolas" panose="020B0609020204030204" pitchFamily="49" charset="0"/>
+                <a:cs typeface="Consolas" panose="020B0609020204030204" pitchFamily="49" charset="0"/>
+              </a:rPr>
+              <a:t> in </a:t>
+            </a:r>
+            <a:r>
+              <a:rPr lang="sk-SK" dirty="0" err="1">
+                <a:latin typeface="Consolas" panose="020B0609020204030204" pitchFamily="49" charset="0"/>
+                <a:cs typeface="Consolas" panose="020B0609020204030204" pitchFamily="49" charset="0"/>
+              </a:rPr>
+              <a:t>the</a:t>
+            </a:r>
+            <a:r>
+              <a:rPr lang="sk-SK" dirty="0">
+                <a:latin typeface="Consolas" panose="020B0609020204030204" pitchFamily="49" charset="0"/>
+                <a:cs typeface="Consolas" panose="020B0609020204030204" pitchFamily="49" charset="0"/>
+              </a:rPr>
+              <a:t> </a:t>
+            </a:r>
+            <a:r>
+              <a:rPr lang="sk-SK" dirty="0" err="1">
+                <a:latin typeface="Consolas" panose="020B0609020204030204" pitchFamily="49" charset="0"/>
+                <a:cs typeface="Consolas" panose="020B0609020204030204" pitchFamily="49" charset="0"/>
+              </a:rPr>
+              <a:t>database</a:t>
+            </a:r>
+            <a:r>
+              <a:rPr lang="sk-SK" dirty="0">
+                <a:latin typeface="Consolas" panose="020B0609020204030204" pitchFamily="49" charset="0"/>
+                <a:cs typeface="Consolas" panose="020B0609020204030204" pitchFamily="49" charset="0"/>
+              </a:rPr>
+              <a:t> - </a:t>
+            </a:r>
+            <a:r>
+              <a:rPr lang="sk-SK" dirty="0" err="1">
+                <a:latin typeface="Consolas" panose="020B0609020204030204" pitchFamily="49" charset="0"/>
+                <a:cs typeface="Consolas" panose="020B0609020204030204" pitchFamily="49" charset="0"/>
+              </a:rPr>
+              <a:t>this</a:t>
+            </a:r>
+            <a:r>
+              <a:rPr lang="sk-SK" dirty="0">
+                <a:latin typeface="Consolas" panose="020B0609020204030204" pitchFamily="49" charset="0"/>
+                <a:cs typeface="Consolas" panose="020B0609020204030204" pitchFamily="49" charset="0"/>
+              </a:rPr>
+              <a:t> </a:t>
+            </a:r>
+            <a:r>
+              <a:rPr lang="sk-SK" dirty="0" err="1">
+                <a:latin typeface="Consolas" panose="020B0609020204030204" pitchFamily="49" charset="0"/>
+                <a:cs typeface="Consolas" panose="020B0609020204030204" pitchFamily="49" charset="0"/>
+              </a:rPr>
+              <a:t>time</a:t>
+            </a:r>
+            <a:r>
+              <a:rPr lang="sk-SK" dirty="0">
+                <a:latin typeface="Consolas" panose="020B0609020204030204" pitchFamily="49" charset="0"/>
+                <a:cs typeface="Consolas" panose="020B0609020204030204" pitchFamily="49" charset="0"/>
+              </a:rPr>
+              <a:t> </a:t>
+            </a:r>
+            <a:r>
+              <a:rPr lang="sk-SK" dirty="0" err="1">
+                <a:latin typeface="Consolas" panose="020B0609020204030204" pitchFamily="49" charset="0"/>
+                <a:cs typeface="Consolas" panose="020B0609020204030204" pitchFamily="49" charset="0"/>
+              </a:rPr>
+              <a:t>using</a:t>
+            </a:r>
+            <a:r>
+              <a:rPr lang="sk-SK" dirty="0">
+                <a:latin typeface="Consolas" panose="020B0609020204030204" pitchFamily="49" charset="0"/>
+                <a:cs typeface="Consolas" panose="020B0609020204030204" pitchFamily="49" charset="0"/>
+              </a:rPr>
+              <a:t> </a:t>
+            </a:r>
+            <a:r>
+              <a:rPr lang="sk-SK" dirty="0" err="1">
+                <a:latin typeface="Consolas" panose="020B0609020204030204" pitchFamily="49" charset="0"/>
+                <a:cs typeface="Consolas" panose="020B0609020204030204" pitchFamily="49" charset="0"/>
+              </a:rPr>
+              <a:t>the</a:t>
+            </a:r>
+            <a:r>
+              <a:rPr lang="sk-SK" dirty="0">
+                <a:latin typeface="Consolas" panose="020B0609020204030204" pitchFamily="49" charset="0"/>
+                <a:cs typeface="Consolas" panose="020B0609020204030204" pitchFamily="49" charset="0"/>
+              </a:rPr>
+              <a:t> proxy</a:t>
+            </a:r>
+          </a:p>
+          <a:p>
+            <a:r>
+              <a:rPr lang="sk-SK" dirty="0" err="1">
+                <a:latin typeface="Consolas" panose="020B0609020204030204" pitchFamily="49" charset="0"/>
+                <a:cs typeface="Consolas" panose="020B0609020204030204" pitchFamily="49" charset="0"/>
+              </a:rPr>
+              <a:t>service.save</a:t>
+            </a:r>
+            <a:r>
+              <a:rPr lang="sk-SK" dirty="0">
+                <a:latin typeface="Consolas" panose="020B0609020204030204" pitchFamily="49" charset="0"/>
+                <a:cs typeface="Consolas" panose="020B0609020204030204" pitchFamily="49" charset="0"/>
+              </a:rPr>
+              <a:t>("</a:t>
+            </a:r>
+            <a:r>
+              <a:rPr lang="sk-SK" dirty="0" err="1">
+                <a:latin typeface="Consolas" panose="020B0609020204030204" pitchFamily="49" charset="0"/>
+                <a:cs typeface="Consolas" panose="020B0609020204030204" pitchFamily="49" charset="0"/>
+              </a:rPr>
+              <a:t>mycollection</a:t>
+            </a:r>
+            <a:r>
+              <a:rPr lang="sk-SK" dirty="0">
+                <a:latin typeface="Consolas" panose="020B0609020204030204" pitchFamily="49" charset="0"/>
+                <a:cs typeface="Consolas" panose="020B0609020204030204" pitchFamily="49" charset="0"/>
+              </a:rPr>
+              <a:t>", new </a:t>
+            </a:r>
+            <a:r>
+              <a:rPr lang="sk-SK" dirty="0" err="1">
+                <a:latin typeface="Consolas" panose="020B0609020204030204" pitchFamily="49" charset="0"/>
+                <a:cs typeface="Consolas" panose="020B0609020204030204" pitchFamily="49" charset="0"/>
+              </a:rPr>
+              <a:t>JsonObject</a:t>
+            </a:r>
+            <a:r>
+              <a:rPr lang="sk-SK" dirty="0">
+                <a:latin typeface="Consolas" panose="020B0609020204030204" pitchFamily="49" charset="0"/>
+                <a:cs typeface="Consolas" panose="020B0609020204030204" pitchFamily="49" charset="0"/>
+              </a:rPr>
+              <a:t>().</a:t>
+            </a:r>
+            <a:r>
+              <a:rPr lang="sk-SK" dirty="0" err="1">
+                <a:latin typeface="Consolas" panose="020B0609020204030204" pitchFamily="49" charset="0"/>
+                <a:cs typeface="Consolas" panose="020B0609020204030204" pitchFamily="49" charset="0"/>
+              </a:rPr>
+              <a:t>put</a:t>
+            </a:r>
+            <a:r>
+              <a:rPr lang="sk-SK" dirty="0">
+                <a:latin typeface="Consolas" panose="020B0609020204030204" pitchFamily="49" charset="0"/>
+                <a:cs typeface="Consolas" panose="020B0609020204030204" pitchFamily="49" charset="0"/>
+              </a:rPr>
+              <a:t>("</a:t>
+            </a:r>
+            <a:r>
+              <a:rPr lang="sk-SK" dirty="0" err="1">
+                <a:latin typeface="Consolas" panose="020B0609020204030204" pitchFamily="49" charset="0"/>
+                <a:cs typeface="Consolas" panose="020B0609020204030204" pitchFamily="49" charset="0"/>
+              </a:rPr>
+              <a:t>name</a:t>
+            </a:r>
+            <a:r>
+              <a:rPr lang="sk-SK" dirty="0">
+                <a:latin typeface="Consolas" panose="020B0609020204030204" pitchFamily="49" charset="0"/>
+                <a:cs typeface="Consolas" panose="020B0609020204030204" pitchFamily="49" charset="0"/>
+              </a:rPr>
+              <a:t>", "</a:t>
+            </a:r>
+            <a:r>
+              <a:rPr lang="sk-SK" dirty="0" err="1">
+                <a:latin typeface="Consolas" panose="020B0609020204030204" pitchFamily="49" charset="0"/>
+                <a:cs typeface="Consolas" panose="020B0609020204030204" pitchFamily="49" charset="0"/>
+              </a:rPr>
+              <a:t>tim</a:t>
+            </a:r>
+            <a:r>
+              <a:rPr lang="sk-SK" dirty="0">
+                <a:latin typeface="Consolas" panose="020B0609020204030204" pitchFamily="49" charset="0"/>
+                <a:cs typeface="Consolas" panose="020B0609020204030204" pitchFamily="49" charset="0"/>
+              </a:rPr>
+              <a:t>"), res2 -&gt; {</a:t>
+            </a:r>
+          </a:p>
+          <a:p>
+            <a:r>
+              <a:rPr lang="sk-SK" dirty="0">
+                <a:latin typeface="Consolas" panose="020B0609020204030204" pitchFamily="49" charset="0"/>
+                <a:cs typeface="Consolas" panose="020B0609020204030204" pitchFamily="49" charset="0"/>
+              </a:rPr>
+              <a:t>  </a:t>
+            </a:r>
+            <a:r>
+              <a:rPr lang="sk-SK" dirty="0" err="1">
+                <a:latin typeface="Consolas" panose="020B0609020204030204" pitchFamily="49" charset="0"/>
+                <a:cs typeface="Consolas" panose="020B0609020204030204" pitchFamily="49" charset="0"/>
+              </a:rPr>
+              <a:t>if</a:t>
+            </a:r>
+            <a:r>
+              <a:rPr lang="sk-SK" dirty="0">
+                <a:latin typeface="Consolas" panose="020B0609020204030204" pitchFamily="49" charset="0"/>
+                <a:cs typeface="Consolas" panose="020B0609020204030204" pitchFamily="49" charset="0"/>
+              </a:rPr>
+              <a:t> (res2.succeeded()) {</a:t>
+            </a:r>
+          </a:p>
+          <a:p>
+            <a:r>
+              <a:rPr lang="sk-SK" dirty="0">
+                <a:latin typeface="Consolas" panose="020B0609020204030204" pitchFamily="49" charset="0"/>
+                <a:cs typeface="Consolas" panose="020B0609020204030204" pitchFamily="49" charset="0"/>
+              </a:rPr>
+              <a:t>    // done</a:t>
+            </a:r>
+          </a:p>
+          <a:p>
+            <a:r>
+              <a:rPr lang="sk-SK" dirty="0">
+                <a:latin typeface="Consolas" panose="020B0609020204030204" pitchFamily="49" charset="0"/>
+                <a:cs typeface="Consolas" panose="020B0609020204030204" pitchFamily="49" charset="0"/>
+              </a:rPr>
+              <a:t>  }</a:t>
+            </a:r>
+          </a:p>
+          <a:p>
+            <a:r>
+              <a:rPr lang="sk-SK" dirty="0">
+                <a:latin typeface="Consolas" panose="020B0609020204030204" pitchFamily="49" charset="0"/>
+                <a:cs typeface="Consolas" panose="020B0609020204030204" pitchFamily="49" charset="0"/>
+              </a:rPr>
+              <a:t>});</a:t>
+            </a:r>
+            <a:endParaRPr lang="en-US" dirty="0">
+              <a:latin typeface="Consolas" panose="020B0609020204030204" pitchFamily="49" charset="0"/>
+              <a:cs typeface="Consolas" panose="020B0609020204030204" pitchFamily="49" charset="0"/>
+            </a:endParaRPr>
+          </a:p>
+          <a:p>
+            <a:endParaRPr lang="en-US" dirty="0">
+              <a:latin typeface="Consolas" panose="020B0609020204030204" pitchFamily="49" charset="0"/>
+              <a:cs typeface="Consolas" panose="020B0609020204030204" pitchFamily="49" charset="0"/>
+            </a:endParaRPr>
+          </a:p>
+          <a:p>
+            <a:endParaRPr lang="sk-SK" dirty="0">
+              <a:latin typeface="Consolas" panose="020B0609020204030204" pitchFamily="49" charset="0"/>
+              <a:cs typeface="Consolas" panose="020B0609020204030204" pitchFamily="49" charset="0"/>
+            </a:endParaRPr>
+          </a:p>
+        </p:txBody>
+      </p:sp>
+      <p:sp>
+        <p:nvSpPr>
+          <p:cNvPr id="4" name="BlokTextu 3"/>
+          <p:cNvSpPr txBox="1"/>
+          <p:nvPr/>
+        </p:nvSpPr>
+        <p:spPr>
+          <a:xfrm>
+            <a:off x="6588224" y="4077072"/>
+            <a:ext cx="576064" cy="1200329"/>
+          </a:xfrm>
+          <a:prstGeom prst="rect">
+            <a:avLst/>
+          </a:prstGeom>
+          <a:noFill/>
+        </p:spPr>
+        <p:txBody>
+          <a:bodyPr wrap="square" rtlCol="0">
+            <a:spAutoFit/>
+          </a:bodyPr>
+          <a:lstStyle/>
+          <a:p>
+            <a:r>
+              <a:rPr lang="en-US" sz="7200" dirty="0">
+                <a:sym typeface="Wingdings" panose="05000000000000000000" pitchFamily="2" charset="2"/>
+              </a:rPr>
+              <a:t></a:t>
+            </a:r>
+            <a:endParaRPr lang="sk-SK" sz="7200" dirty="0"/>
+          </a:p>
+        </p:txBody>
+      </p:sp>
+    </p:spTree>
+    <p:extLst>
+      <p:ext uri="{BB962C8B-B14F-4D97-AF65-F5344CB8AC3E}">
+        <p14:creationId xmlns:p14="http://schemas.microsoft.com/office/powerpoint/2010/main" val="3464598624"/>
+      </p:ext>
+    </p:extLst>
+  </p:cSld>
+  <p:clrMapOvr>
+    <a:masterClrMapping/>
+  </p:clrMapOvr>
+  <p:timing>
+    <p:tnLst>
+      <p:par>
+        <p:cTn id="1" dur="indefinite" restart="never" nodeType="tmRoot">
+          <p:childTnLst>
+            <p:seq concurrent="1" nextAc="seek">
+              <p:cTn id="2" dur="indefinite" nodeType="mainSeq">
+                <p:childTnLst>
+                  <p:par>
+                    <p:cTn id="3" fill="hold">
+                      <p:stCondLst>
+                        <p:cond delay="indefinite"/>
+                      </p:stCondLst>
+                      <p:childTnLst>
+                        <p:par>
+                          <p:cTn id="4" fill="hold">
+                            <p:stCondLst>
+                              <p:cond delay="0"/>
+                            </p:stCondLst>
+                            <p:childTnLst>
+                              <p:par>
+                                <p:cTn id="5" presetID="10" presetClass="entr" presetSubtype="0" fill="hold" grpId="0" nodeType="clickEffect">
+                                  <p:stCondLst>
+                                    <p:cond delay="0"/>
+                                  </p:stCondLst>
+                                  <p:childTnLst>
+                                    <p:set>
+                                      <p:cBhvr>
+                                        <p:cTn id="6" dur="1" fill="hold">
+                                          <p:stCondLst>
+                                            <p:cond delay="0"/>
+                                          </p:stCondLst>
+                                        </p:cTn>
+                                        <p:tgtEl>
+                                          <p:spTgt spid="4"/>
+                                        </p:tgtEl>
+                                        <p:attrNameLst>
+                                          <p:attrName>style.visibility</p:attrName>
+                                        </p:attrNameLst>
+                                      </p:cBhvr>
+                                      <p:to>
+                                        <p:strVal val="visible"/>
+                                      </p:to>
+                                    </p:set>
+                                    <p:animEffect transition="in" filter="fade">
+                                      <p:cBhvr>
+                                        <p:cTn id="7" dur="500"/>
+                                        <p:tgtEl>
+                                          <p:spTgt spid="4"/>
+                                        </p:tgtEl>
+                                      </p:cBhvr>
+                                    </p:animEffect>
+                                  </p:childTnLst>
+                                </p:cTn>
+                              </p:par>
+                            </p:childTnLst>
+                          </p:cTn>
+                        </p:par>
+                      </p:childTnLst>
+                    </p:cTn>
+                  </p:par>
+                </p:childTnLst>
+              </p:cTn>
+              <p:prevCondLst>
+                <p:cond evt="onPrev" delay="0">
+                  <p:tgtEl>
+                    <p:sldTgt/>
+                  </p:tgtEl>
+                </p:cond>
+              </p:prevCondLst>
+              <p:nextCondLst>
+                <p:cond evt="onNext" delay="0">
+                  <p:tgtEl>
+                    <p:sldTgt/>
+                  </p:tgtEl>
+                </p:cond>
+              </p:nextCondLst>
+            </p:seq>
+          </p:childTnLst>
+        </p:cTn>
+      </p:par>
+    </p:tnLst>
+    <p:bldLst>
+      <p:bldP spid="4" grpId="0"/>
+    </p:bldLst>
+  </p:timing>
+</p:sld>
+</file>
+
+<file path=ppt/slides/slide14.xml><?xml version="1.0" encoding="utf-8"?>
+<p:sld xmlns:a="http://schemas.openxmlformats.org/drawingml/2006/main" xmlns:r="http://schemas.openxmlformats.org/officeDocument/2006/relationships" xmlns:p="http://schemas.openxmlformats.org/presentationml/2006/main">
+  <p:cSld>
+    <p:spTree>
+      <p:nvGrpSpPr>
+        <p:cNvPr id="1" name=""/>
+        <p:cNvGrpSpPr/>
+        <p:nvPr/>
+      </p:nvGrpSpPr>
+      <p:grpSpPr>
+        <a:xfrm>
+          <a:off x="0" y="0"/>
+          <a:ext cx="0" cy="0"/>
+          <a:chOff x="0" y="0"/>
+          <a:chExt cx="0" cy="0"/>
+        </a:xfrm>
+      </p:grpSpPr>
+      <p:sp>
+        <p:nvSpPr>
+          <p:cNvPr id="2" name="Nadpis 1"/>
+          <p:cNvSpPr>
+            <a:spLocks noGrp="1"/>
+          </p:cNvSpPr>
+          <p:nvPr>
+            <p:ph type="title"/>
+          </p:nvPr>
+        </p:nvSpPr>
+        <p:spPr/>
+        <p:txBody>
+          <a:bodyPr/>
+          <a:lstStyle/>
+          <a:p>
+            <a:r>
+              <a:rPr lang="en-US" dirty="0" err="1"/>
+              <a:t>Eventbus</a:t>
+            </a:r>
+            <a:r>
+              <a:rPr lang="en-US" dirty="0"/>
+              <a:t>: </a:t>
+            </a:r>
+            <a:br>
+              <a:rPr lang="en-US" dirty="0"/>
+            </a:br>
+            <a:r>
+              <a:rPr lang="en-US" dirty="0"/>
+              <a:t>Service proxies</a:t>
+            </a:r>
+            <a:endParaRPr lang="sk-SK" dirty="0"/>
+          </a:p>
+        </p:txBody>
+      </p:sp>
+      <p:sp>
+        <p:nvSpPr>
+          <p:cNvPr id="5" name="BlokTextu 4"/>
+          <p:cNvSpPr txBox="1"/>
+          <p:nvPr/>
+        </p:nvSpPr>
+        <p:spPr>
+          <a:xfrm>
+            <a:off x="107504" y="1600200"/>
+            <a:ext cx="8784976" cy="2585323"/>
+          </a:xfrm>
+          <a:prstGeom prst="rect">
+            <a:avLst/>
+          </a:prstGeom>
+          <a:noFill/>
+        </p:spPr>
+        <p:txBody>
+          <a:bodyPr wrap="square" rtlCol="0">
+            <a:spAutoFit/>
+          </a:bodyPr>
+          <a:lstStyle/>
+          <a:p>
+            <a:r>
+              <a:rPr lang="en-US" dirty="0">
+                <a:latin typeface="Consolas" panose="020B0609020204030204" pitchFamily="49" charset="0"/>
+                <a:cs typeface="Consolas" panose="020B0609020204030204" pitchFamily="49" charset="0"/>
+              </a:rPr>
+              <a:t>Future&lt;...&gt; future = ...;</a:t>
+            </a:r>
+          </a:p>
+          <a:p>
+            <a:r>
+              <a:rPr lang="en-US" dirty="0" err="1">
+                <a:latin typeface="Consolas" panose="020B0609020204030204" pitchFamily="49" charset="0"/>
+                <a:cs typeface="Consolas" panose="020B0609020204030204" pitchFamily="49" charset="0"/>
+              </a:rPr>
+              <a:t>service.save</a:t>
+            </a:r>
+            <a:r>
+              <a:rPr lang="en-US" dirty="0">
+                <a:latin typeface="Consolas" panose="020B0609020204030204" pitchFamily="49" charset="0"/>
+                <a:cs typeface="Consolas" panose="020B0609020204030204" pitchFamily="49" charset="0"/>
+              </a:rPr>
+              <a:t>(“...”, new </a:t>
+            </a:r>
+            <a:r>
+              <a:rPr lang="en-US" dirty="0" err="1">
+                <a:latin typeface="Consolas" panose="020B0609020204030204" pitchFamily="49" charset="0"/>
+                <a:cs typeface="Consolas" panose="020B0609020204030204" pitchFamily="49" charset="0"/>
+              </a:rPr>
+              <a:t>JsonObject</a:t>
+            </a:r>
+            <a:r>
+              <a:rPr lang="en-US" dirty="0">
+                <a:latin typeface="Consolas" panose="020B0609020204030204" pitchFamily="49" charset="0"/>
+                <a:cs typeface="Consolas" panose="020B0609020204030204" pitchFamily="49" charset="0"/>
+              </a:rPr>
+              <a:t>(...), </a:t>
+            </a:r>
+            <a:r>
+              <a:rPr lang="en-US" dirty="0" err="1">
+                <a:latin typeface="Consolas" panose="020B0609020204030204" pitchFamily="49" charset="0"/>
+                <a:cs typeface="Consolas" panose="020B0609020204030204" pitchFamily="49" charset="0"/>
+              </a:rPr>
+              <a:t>future.toHandler</a:t>
+            </a:r>
+            <a:r>
+              <a:rPr lang="en-US" dirty="0">
+                <a:latin typeface="Consolas" panose="020B0609020204030204" pitchFamily="49" charset="0"/>
+                <a:cs typeface="Consolas" panose="020B0609020204030204" pitchFamily="49" charset="0"/>
+              </a:rPr>
+              <a:t>());</a:t>
+            </a:r>
+          </a:p>
+          <a:p>
+            <a:r>
+              <a:rPr lang="en-US" dirty="0" err="1">
+                <a:latin typeface="Consolas" panose="020B0609020204030204" pitchFamily="49" charset="0"/>
+                <a:cs typeface="Consolas" panose="020B0609020204030204" pitchFamily="49" charset="0"/>
+              </a:rPr>
+              <a:t>future.subscribe</a:t>
+            </a:r>
+            <a:r>
+              <a:rPr lang="en-US" dirty="0">
+                <a:latin typeface="Consolas" panose="020B0609020204030204" pitchFamily="49" charset="0"/>
+                <a:cs typeface="Consolas" panose="020B0609020204030204" pitchFamily="49" charset="0"/>
+              </a:rPr>
+              <a:t>(value -&gt; {</a:t>
+            </a:r>
+          </a:p>
+          <a:p>
+            <a:r>
+              <a:rPr lang="en-US" dirty="0">
+                <a:latin typeface="Consolas" panose="020B0609020204030204" pitchFamily="49" charset="0"/>
+                <a:cs typeface="Consolas" panose="020B0609020204030204" pitchFamily="49" charset="0"/>
+              </a:rPr>
+              <a:t>	//replied message</a:t>
+            </a:r>
+          </a:p>
+          <a:p>
+            <a:r>
+              <a:rPr lang="en-US" dirty="0">
+                <a:latin typeface="Consolas" panose="020B0609020204030204" pitchFamily="49" charset="0"/>
+                <a:cs typeface="Consolas" panose="020B0609020204030204" pitchFamily="49" charset="0"/>
+              </a:rPr>
+              <a:t>}, </a:t>
+            </a:r>
+            <a:r>
+              <a:rPr lang="en-US" dirty="0" err="1">
+                <a:latin typeface="Consolas" panose="020B0609020204030204" pitchFamily="49" charset="0"/>
+                <a:cs typeface="Consolas" panose="020B0609020204030204" pitchFamily="49" charset="0"/>
+              </a:rPr>
+              <a:t>throwable</a:t>
+            </a:r>
+            <a:r>
+              <a:rPr lang="en-US" dirty="0">
+                <a:latin typeface="Consolas" panose="020B0609020204030204" pitchFamily="49" charset="0"/>
+                <a:cs typeface="Consolas" panose="020B0609020204030204" pitchFamily="49" charset="0"/>
+              </a:rPr>
+              <a:t> -&gt; {</a:t>
+            </a:r>
+          </a:p>
+          <a:p>
+            <a:r>
+              <a:rPr lang="en-US" dirty="0">
+                <a:latin typeface="Consolas" panose="020B0609020204030204" pitchFamily="49" charset="0"/>
+                <a:cs typeface="Consolas" panose="020B0609020204030204" pitchFamily="49" charset="0"/>
+              </a:rPr>
+              <a:t>	//error </a:t>
+            </a:r>
+            <a:r>
+              <a:rPr lang="en-US" dirty="0" err="1">
+                <a:latin typeface="Consolas" panose="020B0609020204030204" pitchFamily="49" charset="0"/>
+                <a:cs typeface="Consolas" panose="020B0609020204030204" pitchFamily="49" charset="0"/>
+              </a:rPr>
+              <a:t>occured</a:t>
+            </a:r>
+            <a:endParaRPr lang="en-US" dirty="0">
+              <a:latin typeface="Consolas" panose="020B0609020204030204" pitchFamily="49" charset="0"/>
+              <a:cs typeface="Consolas" panose="020B0609020204030204" pitchFamily="49" charset="0"/>
+            </a:endParaRPr>
+          </a:p>
+          <a:p>
+            <a:r>
+              <a:rPr lang="en-US" dirty="0">
+                <a:latin typeface="Consolas" panose="020B0609020204030204" pitchFamily="49" charset="0"/>
+                <a:cs typeface="Consolas" panose="020B0609020204030204" pitchFamily="49" charset="0"/>
+              </a:rPr>
+              <a:t>}, () -&gt; {</a:t>
+            </a:r>
+          </a:p>
+          <a:p>
+            <a:r>
+              <a:rPr lang="en-US" dirty="0">
+                <a:latin typeface="Consolas" panose="020B0609020204030204" pitchFamily="49" charset="0"/>
+                <a:cs typeface="Consolas" panose="020B0609020204030204" pitchFamily="49" charset="0"/>
+              </a:rPr>
+              <a:t>	//completed</a:t>
+            </a:r>
+          </a:p>
+          <a:p>
+            <a:r>
+              <a:rPr lang="en-US" dirty="0">
+                <a:latin typeface="Consolas" panose="020B0609020204030204" pitchFamily="49" charset="0"/>
+                <a:cs typeface="Consolas" panose="020B0609020204030204" pitchFamily="49" charset="0"/>
+              </a:rPr>
+              <a:t>});</a:t>
+            </a:r>
+            <a:endParaRPr lang="sk-SK" sz="2000" dirty="0">
+              <a:latin typeface="Consolas" panose="020B0609020204030204" pitchFamily="49" charset="0"/>
+              <a:cs typeface="Consolas" panose="020B0609020204030204" pitchFamily="49" charset="0"/>
+            </a:endParaRPr>
+          </a:p>
+        </p:txBody>
+      </p:sp>
+      <p:sp>
+        <p:nvSpPr>
+          <p:cNvPr id="6" name="BlokTextu 5"/>
+          <p:cNvSpPr txBox="1"/>
+          <p:nvPr/>
+        </p:nvSpPr>
+        <p:spPr>
+          <a:xfrm>
+            <a:off x="5292080" y="3200400"/>
+            <a:ext cx="576064" cy="1200329"/>
+          </a:xfrm>
+          <a:prstGeom prst="rect">
+            <a:avLst/>
+          </a:prstGeom>
+          <a:noFill/>
+        </p:spPr>
+        <p:txBody>
+          <a:bodyPr wrap="square" rtlCol="0">
+            <a:spAutoFit/>
+          </a:bodyPr>
+          <a:lstStyle/>
+          <a:p>
+            <a:r>
+              <a:rPr lang="en-US" sz="7200" dirty="0">
+                <a:sym typeface="Wingdings" panose="05000000000000000000" pitchFamily="2" charset="2"/>
+              </a:rPr>
+              <a:t></a:t>
+            </a:r>
+            <a:endParaRPr lang="sk-SK" sz="7200" dirty="0"/>
+          </a:p>
+        </p:txBody>
+      </p:sp>
+    </p:spTree>
+    <p:extLst>
+      <p:ext uri="{BB962C8B-B14F-4D97-AF65-F5344CB8AC3E}">
+        <p14:creationId xmlns:p14="http://schemas.microsoft.com/office/powerpoint/2010/main" val="1733565577"/>
+      </p:ext>
+    </p:extLst>
+  </p:cSld>
+  <p:clrMapOvr>
+    <a:masterClrMapping/>
+  </p:clrMapOvr>
+  <p:timing>
+    <p:tnLst>
+      <p:par>
+        <p:cTn id="1" dur="indefinite" restart="never" nodeType="tmRoot">
+          <p:childTnLst>
+            <p:seq concurrent="1" nextAc="seek">
+              <p:cTn id="2" dur="indefinite" nodeType="mainSeq">
+                <p:childTnLst>
+                  <p:par>
+                    <p:cTn id="3" fill="hold">
+                      <p:stCondLst>
+                        <p:cond delay="indefinite"/>
+                      </p:stCondLst>
+                      <p:childTnLst>
+                        <p:par>
+                          <p:cTn id="4" fill="hold">
+                            <p:stCondLst>
+                              <p:cond delay="0"/>
+                            </p:stCondLst>
+                            <p:childTnLst>
+                              <p:par>
+                                <p:cTn id="5" presetID="10" presetClass="entr" presetSubtype="0" fill="hold" grpId="0" nodeType="clickEffect">
+                                  <p:stCondLst>
+                                    <p:cond delay="0"/>
+                                  </p:stCondLst>
+                                  <p:childTnLst>
+                                    <p:set>
+                                      <p:cBhvr>
+                                        <p:cTn id="6" dur="1" fill="hold">
+                                          <p:stCondLst>
+                                            <p:cond delay="0"/>
+                                          </p:stCondLst>
+                                        </p:cTn>
+                                        <p:tgtEl>
+                                          <p:spTgt spid="6"/>
+                                        </p:tgtEl>
+                                        <p:attrNameLst>
+                                          <p:attrName>style.visibility</p:attrName>
+                                        </p:attrNameLst>
+                                      </p:cBhvr>
+                                      <p:to>
+                                        <p:strVal val="visible"/>
+                                      </p:to>
+                                    </p:set>
+                                    <p:animEffect transition="in" filter="fade">
+                                      <p:cBhvr>
+                                        <p:cTn id="7" dur="500"/>
+                                        <p:tgtEl>
+                                          <p:spTgt spid="6"/>
+                                        </p:tgtEl>
+                                      </p:cBhvr>
+                                    </p:animEffect>
+                                  </p:childTnLst>
+                                </p:cTn>
+                              </p:par>
+                            </p:childTnLst>
+                          </p:cTn>
+                        </p:par>
+                      </p:childTnLst>
+                    </p:cTn>
+                  </p:par>
+                </p:childTnLst>
+              </p:cTn>
+              <p:prevCondLst>
+                <p:cond evt="onPrev" delay="0">
+                  <p:tgtEl>
+                    <p:sldTgt/>
+                  </p:tgtEl>
+                </p:cond>
+              </p:prevCondLst>
+              <p:nextCondLst>
+                <p:cond evt="onNext" delay="0">
+                  <p:tgtEl>
+                    <p:sldTgt/>
+                  </p:tgtEl>
+                </p:cond>
+              </p:nextCondLst>
+            </p:seq>
+          </p:childTnLst>
+        </p:cTn>
+      </p:par>
+    </p:tnLst>
+    <p:bldLst>
+      <p:bldP spid="6" grpId="0"/>
+    </p:bldLst>
+  </p:timing>
+</p:sld>
+</file>
+
+<file path=ppt/slides/slide15.xml><?xml version="1.0" encoding="utf-8"?>
+<p:sld xmlns:a="http://schemas.openxmlformats.org/drawingml/2006/main" xmlns:r="http://schemas.openxmlformats.org/officeDocument/2006/relationships" xmlns:p="http://schemas.openxmlformats.org/presentationml/2006/main">
+  <p:cSld>
+    <p:spTree>
+      <p:nvGrpSpPr>
+        <p:cNvPr id="1" name=""/>
+        <p:cNvGrpSpPr/>
+        <p:nvPr/>
+      </p:nvGrpSpPr>
+      <p:grpSpPr>
+        <a:xfrm>
+          <a:off x="0" y="0"/>
+          <a:ext cx="0" cy="0"/>
+          <a:chOff x="0" y="0"/>
+          <a:chExt cx="0" cy="0"/>
+        </a:xfrm>
+      </p:grpSpPr>
+      <p:sp>
+        <p:nvSpPr>
+          <p:cNvPr id="3" name="Zástupný symbol obsahu 2"/>
+          <p:cNvSpPr>
+            <a:spLocks noGrp="1"/>
+          </p:cNvSpPr>
+          <p:nvPr>
+            <p:ph idx="1"/>
+          </p:nvPr>
+        </p:nvSpPr>
+        <p:spPr>
+          <a:xfrm>
+            <a:off x="460158" y="3140968"/>
+            <a:ext cx="8229600" cy="3024336"/>
+          </a:xfrm>
+        </p:spPr>
+        <p:txBody>
+          <a:bodyPr>
+            <a:normAutofit fontScale="92500" lnSpcReduction="10000"/>
+          </a:bodyPr>
+          <a:lstStyle/>
+          <a:p>
+            <a:r>
+              <a:rPr lang="en-US" sz="2000" dirty="0">
+                <a:solidFill>
+                  <a:schemeClr val="tx1"/>
+                </a:solidFill>
+              </a:rPr>
+              <a:t>To start coding, clone this repository: </a:t>
+            </a:r>
+            <a:r>
+              <a:rPr lang="en-US" sz="2000" b="1" dirty="0">
+                <a:hlinkClick r:id="rId2"/>
+              </a:rPr>
+              <a:t>https://github.com/michalboska/vertx3-techsession</a:t>
+            </a:r>
+            <a:r>
+              <a:rPr lang="en-US" sz="2000" b="1" dirty="0"/>
+              <a:t> </a:t>
+            </a:r>
+          </a:p>
+          <a:p>
+            <a:pPr marL="0" indent="0">
+              <a:buNone/>
+            </a:pPr>
+            <a:r>
+              <a:rPr lang="en-US" sz="2000" b="1" dirty="0">
+                <a:solidFill>
+                  <a:schemeClr val="tx1"/>
+                </a:solidFill>
+              </a:rPr>
+              <a:t>	</a:t>
+            </a:r>
+            <a:r>
+              <a:rPr lang="en-US" sz="2000" dirty="0">
+                <a:solidFill>
+                  <a:schemeClr val="tx1"/>
+                </a:solidFill>
+              </a:rPr>
+              <a:t>(branch: </a:t>
+            </a:r>
+            <a:r>
+              <a:rPr lang="en-US" sz="2000" b="1" dirty="0">
+                <a:solidFill>
+                  <a:schemeClr val="tx1"/>
+                </a:solidFill>
+              </a:rPr>
+              <a:t>assignment</a:t>
+            </a:r>
+            <a:r>
+              <a:rPr lang="en-US" sz="2000" dirty="0">
+                <a:solidFill>
+                  <a:schemeClr val="tx1"/>
+                </a:solidFill>
+              </a:rPr>
+              <a:t>)</a:t>
+            </a:r>
+            <a:endParaRPr lang="en-US" sz="2000" b="1" dirty="0"/>
+          </a:p>
+          <a:p>
+            <a:pPr marL="0" indent="0">
+              <a:buNone/>
+            </a:pPr>
+            <a:endParaRPr lang="en-US" sz="2000" dirty="0">
+              <a:solidFill>
+                <a:schemeClr val="tx1"/>
+              </a:solidFill>
+            </a:endParaRPr>
+          </a:p>
+          <a:p>
+            <a:endParaRPr lang="en-US" sz="2000" dirty="0">
+              <a:solidFill>
+                <a:schemeClr val="tx1"/>
+              </a:solidFill>
+            </a:endParaRPr>
+          </a:p>
+          <a:p>
+            <a:r>
+              <a:rPr lang="en-US" sz="2000" dirty="0">
+                <a:solidFill>
+                  <a:schemeClr val="tx1"/>
+                </a:solidFill>
+              </a:rPr>
+              <a:t>To see the complete code, see </a:t>
+            </a:r>
+            <a:r>
+              <a:rPr lang="en-US" sz="2000" b="1" dirty="0">
+                <a:hlinkClick r:id="rId2"/>
+              </a:rPr>
+              <a:t>https://github.com/michalboska/vertx3-techsession</a:t>
+            </a:r>
+            <a:r>
+              <a:rPr lang="en-US" sz="2000" b="1" dirty="0"/>
+              <a:t> </a:t>
+            </a:r>
+            <a:r>
+              <a:rPr lang="en-US" sz="2000" dirty="0"/>
+              <a:t> </a:t>
+            </a:r>
+          </a:p>
+          <a:p>
+            <a:pPr marL="0" indent="0">
+              <a:buNone/>
+            </a:pPr>
+            <a:r>
+              <a:rPr lang="en-US" sz="2000" dirty="0"/>
+              <a:t>	</a:t>
+            </a:r>
+            <a:r>
+              <a:rPr lang="en-US" sz="2000" dirty="0">
+                <a:solidFill>
+                  <a:schemeClr val="tx1"/>
+                </a:solidFill>
+              </a:rPr>
+              <a:t> (branch: </a:t>
+            </a:r>
+            <a:r>
+              <a:rPr lang="en-US" sz="2000" b="1" dirty="0">
+                <a:solidFill>
+                  <a:schemeClr val="tx1"/>
+                </a:solidFill>
+              </a:rPr>
+              <a:t>master</a:t>
+            </a:r>
+            <a:r>
+              <a:rPr lang="en-US" sz="2000" dirty="0">
+                <a:solidFill>
+                  <a:schemeClr val="tx1"/>
+                </a:solidFill>
+              </a:rPr>
+              <a:t>)</a:t>
+            </a:r>
+            <a:endParaRPr lang="en-US" sz="2000" dirty="0"/>
+          </a:p>
+          <a:p>
+            <a:pPr marL="0" indent="0">
+              <a:buNone/>
+            </a:pPr>
+            <a:r>
+              <a:rPr lang="en-US" sz="3600" b="1" dirty="0">
+                <a:solidFill>
+                  <a:srgbClr val="FF0000"/>
+                </a:solidFill>
+              </a:rPr>
+              <a:t>    </a:t>
+            </a:r>
+            <a:endParaRPr lang="sk-SK" sz="3600" b="1" dirty="0">
+              <a:solidFill>
+                <a:srgbClr val="FF0000"/>
+              </a:solidFill>
+            </a:endParaRPr>
+          </a:p>
+        </p:txBody>
+      </p:sp>
+      <p:sp>
+        <p:nvSpPr>
+          <p:cNvPr id="4" name="Title 1"/>
+          <p:cNvSpPr>
+            <a:spLocks noGrp="1"/>
+          </p:cNvSpPr>
+          <p:nvPr>
+            <p:ph type="title"/>
+          </p:nvPr>
+        </p:nvSpPr>
+        <p:spPr>
+          <a:xfrm>
+            <a:off x="457200" y="0"/>
+            <a:ext cx="8229600" cy="1600200"/>
+          </a:xfrm>
+        </p:spPr>
+        <p:txBody>
+          <a:bodyPr/>
+          <a:lstStyle/>
+          <a:p>
+            <a:r>
+              <a:rPr lang="en-US" dirty="0"/>
+              <a:t>&lt;*)))&gt;{</a:t>
+            </a:r>
+          </a:p>
+        </p:txBody>
+      </p:sp>
+    </p:spTree>
+    <p:extLst>
+      <p:ext uri="{BB962C8B-B14F-4D97-AF65-F5344CB8AC3E}">
+        <p14:creationId xmlns:p14="http://schemas.microsoft.com/office/powerpoint/2010/main" val="3622538159"/>
+      </p:ext>
+    </p:extLst>
+  </p:cSld>
+  <p:clrMapOvr>
+    <a:masterClrMapping/>
+  </p:clrMapOvr>
+</p:sld>
+</file>
+
+<file path=ppt/slides/slide16.xml><?xml version="1.0" encoding="utf-8"?>
+<p:sld xmlns:a="http://schemas.openxmlformats.org/drawingml/2006/main" xmlns:r="http://schemas.openxmlformats.org/officeDocument/2006/relationships" xmlns:p="http://schemas.openxmlformats.org/presentationml/2006/main">
+  <p:cSld>
+    <p:spTree>
+      <p:nvGrpSpPr>
+        <p:cNvPr id="1" name=""/>
+        <p:cNvGrpSpPr/>
+        <p:nvPr/>
+      </p:nvGrpSpPr>
+      <p:grpSpPr>
+        <a:xfrm>
+          <a:off x="0" y="0"/>
+          <a:ext cx="0" cy="0"/>
+          <a:chOff x="0" y="0"/>
+          <a:chExt cx="0" cy="0"/>
+        </a:xfrm>
+      </p:grpSpPr>
+      <p:sp>
+        <p:nvSpPr>
+          <p:cNvPr id="2" name="Nadpis 1"/>
+          <p:cNvSpPr>
+            <a:spLocks noGrp="1"/>
+          </p:cNvSpPr>
+          <p:nvPr>
+            <p:ph type="title"/>
+          </p:nvPr>
+        </p:nvSpPr>
+        <p:spPr/>
+        <p:txBody>
+          <a:bodyPr/>
+          <a:lstStyle/>
+          <a:p>
+            <a:r>
+              <a:rPr lang="en-US" dirty="0"/>
+              <a:t>Enjoy!</a:t>
+            </a:r>
+            <a:endParaRPr lang="sk-SK" dirty="0"/>
+          </a:p>
+        </p:txBody>
+      </p:sp>
+      <p:pic>
+        <p:nvPicPr>
+          <p:cNvPr id="7170" name="Picture 2" descr="http://www.citymania.cz/wp-content/uploads/pizza_kreslena2.jpg"/>
+          <p:cNvPicPr>
+            <a:picLocks noChangeAspect="1" noChangeArrowheads="1"/>
+          </p:cNvPicPr>
+          <p:nvPr/>
+        </p:nvPicPr>
+        <p:blipFill>
+          <a:blip r:embed="rId2">
+            <a:extLst>
+              <a:ext uri="{28A0092B-C50C-407E-A947-70E740481C1C}">
+                <a14:useLocalDpi xmlns:a14="http://schemas.microsoft.com/office/drawing/2010/main" val="0"/>
+              </a:ext>
+            </a:extLst>
+          </a:blip>
+          <a:srcRect/>
+          <a:stretch>
+            <a:fillRect/>
+          </a:stretch>
+        </p:blipFill>
+        <p:spPr bwMode="auto">
+          <a:xfrm>
+            <a:off x="1115616" y="1642482"/>
+            <a:ext cx="2688299" cy="2016224"/>
+          </a:xfrm>
+          <a:prstGeom prst="rect">
+            <a:avLst/>
+          </a:prstGeom>
+          <a:noFill/>
+          <a:extLst>
+            <a:ext uri="{909E8E84-426E-40DD-AFC4-6F175D3DCCD1}">
+              <a14:hiddenFill xmlns:a14="http://schemas.microsoft.com/office/drawing/2010/main">
+                <a:solidFill>
+                  <a:srgbClr val="FFFFFF"/>
+                </a:solidFill>
+              </a14:hiddenFill>
+            </a:ext>
+          </a:extLst>
+        </p:spPr>
+      </p:pic>
+      <p:pic>
+        <p:nvPicPr>
+          <p:cNvPr id="7174" name="Picture 6" descr="http://images.free-extras.com/pics/h/homer_and_duff_beer-1092.jpg"/>
+          <p:cNvPicPr>
+            <a:picLocks noChangeAspect="1" noChangeArrowheads="1"/>
+          </p:cNvPicPr>
+          <p:nvPr/>
+        </p:nvPicPr>
+        <p:blipFill>
+          <a:blip r:embed="rId3">
+            <a:extLst>
+              <a:ext uri="{28A0092B-C50C-407E-A947-70E740481C1C}">
+                <a14:useLocalDpi xmlns:a14="http://schemas.microsoft.com/office/drawing/2010/main" val="0"/>
+              </a:ext>
+            </a:extLst>
+          </a:blip>
+          <a:srcRect/>
+          <a:stretch>
+            <a:fillRect/>
+          </a:stretch>
+        </p:blipFill>
+        <p:spPr bwMode="auto">
+          <a:xfrm>
+            <a:off x="5364088" y="1630400"/>
+            <a:ext cx="2880320" cy="2163441"/>
+          </a:xfrm>
+          <a:prstGeom prst="rect">
+            <a:avLst/>
+          </a:prstGeom>
+          <a:noFill/>
+          <a:extLst>
+            <a:ext uri="{909E8E84-426E-40DD-AFC4-6F175D3DCCD1}">
+              <a14:hiddenFill xmlns:a14="http://schemas.microsoft.com/office/drawing/2010/main">
+                <a:solidFill>
+                  <a:srgbClr val="FFFFFF"/>
+                </a:solidFill>
+              </a14:hiddenFill>
+            </a:ext>
+          </a:extLst>
+        </p:spPr>
+      </p:pic>
+      <p:sp>
+        <p:nvSpPr>
+          <p:cNvPr id="4" name="Obdĺžnik 3"/>
+          <p:cNvSpPr/>
+          <p:nvPr/>
+        </p:nvSpPr>
+        <p:spPr>
+          <a:xfrm>
+            <a:off x="1590254" y="5085184"/>
+            <a:ext cx="5963492" cy="369332"/>
+          </a:xfrm>
+          <a:prstGeom prst="rect">
+            <a:avLst/>
+          </a:prstGeom>
+        </p:spPr>
+        <p:txBody>
+          <a:bodyPr wrap="none">
+            <a:spAutoFit/>
+          </a:bodyPr>
+          <a:lstStyle/>
+          <a:p>
+            <a:r>
+              <a:rPr lang="en-US" dirty="0"/>
+              <a:t>Please fill out the feedback form at </a:t>
+            </a:r>
+            <a:r>
+              <a:rPr lang="sk-SK" dirty="0">
+                <a:hlinkClick r:id="rId4"/>
+              </a:rPr>
+              <a:t>https://goo.gl/7m55Ii</a:t>
+            </a:r>
+            <a:r>
+              <a:rPr lang="en-US" dirty="0"/>
+              <a:t> </a:t>
+            </a:r>
+            <a:endParaRPr lang="sk-SK" dirty="0"/>
+          </a:p>
+        </p:txBody>
+      </p:sp>
+    </p:spTree>
+    <p:extLst>
+      <p:ext uri="{BB962C8B-B14F-4D97-AF65-F5344CB8AC3E}">
+        <p14:creationId xmlns:p14="http://schemas.microsoft.com/office/powerpoint/2010/main" val="3253973345"/>
+      </p:ext>
+    </p:extLst>
+  </p:cSld>
+  <p:clrMapOvr>
+    <a:masterClrMapping/>
+  </p:clrMapOvr>
 </p:sld>
 </file>
 
@@ -3437,131 +6700,170 @@
           <a:chExt cx="0" cy="0"/>
         </a:xfrm>
       </p:grpSpPr>
-      <p:sp>
-        <p:nvSpPr>
-          <p:cNvPr id="2" name="Nadpis 1"/>
-          <p:cNvSpPr>
-            <a:spLocks noGrp="1"/>
-          </p:cNvSpPr>
-          <p:nvPr>
-            <p:ph type="title"/>
-          </p:nvPr>
-        </p:nvSpPr>
-        <p:spPr/>
-        <p:txBody>
-          <a:bodyPr/>
-          <a:lstStyle/>
-          <a:p>
-            <a:r>
-              <a:rPr lang="en-US" dirty="0" err="1" smtClean="0"/>
-              <a:t>Vert.x</a:t>
-            </a:r>
-            <a:endParaRPr lang="sk-SK" dirty="0"/>
-          </a:p>
-        </p:txBody>
-      </p:sp>
-      <p:sp>
-        <p:nvSpPr>
-          <p:cNvPr id="3" name="Zástupný symbol obsahu 2"/>
-          <p:cNvSpPr>
-            <a:spLocks noGrp="1"/>
-          </p:cNvSpPr>
+      <p:pic>
+        <p:nvPicPr>
+          <p:cNvPr id="4" name="Zástupný objekt pre obsah 3"/>
+          <p:cNvPicPr>
+            <a:picLocks noGrp="1" noChangeAspect="1"/>
+          </p:cNvPicPr>
           <p:nvPr>
             <p:ph idx="1"/>
           </p:nvPr>
-        </p:nvSpPr>
-        <p:spPr/>
-        <p:txBody>
-          <a:bodyPr/>
+        </p:nvPicPr>
+        <p:blipFill>
+          <a:blip r:embed="rId2">
+            <a:extLst>
+              <a:ext uri="{28A0092B-C50C-407E-A947-70E740481C1C}">
+                <a14:useLocalDpi xmlns:a14="http://schemas.microsoft.com/office/drawing/2010/main" val="0"/>
+              </a:ext>
+            </a:extLst>
+          </a:blip>
+          <a:stretch>
+            <a:fillRect/>
+          </a:stretch>
+        </p:blipFill>
+        <p:spPr>
+          <a:xfrm>
+            <a:off x="1476810" y="1052736"/>
+            <a:ext cx="3492063" cy="952381"/>
+          </a:xfrm>
+        </p:spPr>
+      </p:pic>
+      <p:pic>
+        <p:nvPicPr>
+          <p:cNvPr id="6" name="Obrázok 5"/>
+          <p:cNvPicPr>
+            <a:picLocks noChangeAspect="1"/>
+          </p:cNvPicPr>
+          <p:nvPr/>
+        </p:nvPicPr>
+        <p:blipFill>
+          <a:blip r:embed="rId3">
+            <a:extLst>
+              <a:ext uri="{28A0092B-C50C-407E-A947-70E740481C1C}">
+                <a14:useLocalDpi xmlns:a14="http://schemas.microsoft.com/office/drawing/2010/main" val="0"/>
+              </a:ext>
+            </a:extLst>
+          </a:blip>
+          <a:stretch>
+            <a:fillRect/>
+          </a:stretch>
+        </p:blipFill>
+        <p:spPr>
+          <a:xfrm>
+            <a:off x="3470081" y="4221088"/>
+            <a:ext cx="2095500" cy="857250"/>
+          </a:xfrm>
+          <a:prstGeom prst="rect">
+            <a:avLst/>
+          </a:prstGeom>
+        </p:spPr>
+      </p:pic>
+      <p:pic>
+        <p:nvPicPr>
+          <p:cNvPr id="7" name="Obrázok 6"/>
+          <p:cNvPicPr>
+            <a:picLocks noChangeAspect="1"/>
+          </p:cNvPicPr>
+          <p:nvPr/>
+        </p:nvPicPr>
+        <p:blipFill>
+          <a:blip r:embed="rId4">
+            <a:extLst>
+              <a:ext uri="{28A0092B-C50C-407E-A947-70E740481C1C}">
+                <a14:useLocalDpi xmlns:a14="http://schemas.microsoft.com/office/drawing/2010/main" val="0"/>
+              </a:ext>
+            </a:extLst>
+          </a:blip>
+          <a:stretch>
+            <a:fillRect/>
+          </a:stretch>
+        </p:blipFill>
+        <p:spPr>
+          <a:xfrm>
+            <a:off x="7781925" y="0"/>
+            <a:ext cx="1362075" cy="1362075"/>
+          </a:xfrm>
+          <a:prstGeom prst="rect">
+            <a:avLst/>
+          </a:prstGeom>
+        </p:spPr>
+      </p:pic>
+      <p:pic>
+        <p:nvPicPr>
+          <p:cNvPr id="1026" name="Picture 2" descr="ReactiveX"/>
+          <p:cNvPicPr>
+            <a:picLocks noChangeAspect="1" noChangeArrowheads="1"/>
+          </p:cNvPicPr>
+          <p:nvPr/>
+        </p:nvPicPr>
+        <p:blipFill>
+          <a:blip r:embed="rId5">
+            <a:extLst>
+              <a:ext uri="{28A0092B-C50C-407E-A947-70E740481C1C}">
+                <a14:useLocalDpi xmlns:a14="http://schemas.microsoft.com/office/drawing/2010/main" val="0"/>
+              </a:ext>
+            </a:extLst>
+          </a:blip>
+          <a:srcRect/>
+          <a:stretch>
+            <a:fillRect/>
+          </a:stretch>
+        </p:blipFill>
+        <p:spPr bwMode="auto">
+          <a:xfrm>
+            <a:off x="6435577" y="980728"/>
+            <a:ext cx="952500" cy="952500"/>
+          </a:xfrm>
+          <a:prstGeom prst="rect">
+            <a:avLst/>
+          </a:prstGeom>
+          <a:noFill/>
+          <a:extLst>
+            <a:ext uri="{909E8E84-426E-40DD-AFC4-6F175D3DCCD1}">
+              <a14:hiddenFill xmlns:a14="http://schemas.microsoft.com/office/drawing/2010/main">
+                <a:solidFill>
+                  <a:srgbClr val="FFFFFF"/>
+                </a:solidFill>
+              </a14:hiddenFill>
+            </a:ext>
+          </a:extLst>
+        </p:spPr>
+      </p:pic>
+      <p:sp>
+        <p:nvSpPr>
+          <p:cNvPr id="8" name="BlokTextu 7"/>
+          <p:cNvSpPr txBox="1"/>
+          <p:nvPr/>
+        </p:nvSpPr>
+        <p:spPr>
+          <a:xfrm>
+            <a:off x="5220072" y="525954"/>
+            <a:ext cx="1440160" cy="1862048"/>
+          </a:xfrm>
+          <a:prstGeom prst="rect">
+            <a:avLst/>
+          </a:prstGeom>
+          <a:noFill/>
+        </p:spPr>
+        <p:txBody>
+          <a:bodyPr wrap="square" rtlCol="0">
+            <a:spAutoFit/>
+          </a:bodyPr>
           <a:lstStyle/>
           <a:p>
             <a:r>
-              <a:rPr lang="en-US" dirty="0" smtClean="0">
-                <a:solidFill>
-                  <a:schemeClr val="tx1"/>
-                </a:solidFill>
-              </a:rPr>
-              <a:t>Asynchronous event-driven model (similar to node.js)</a:t>
-            </a:r>
-          </a:p>
-          <a:p>
-            <a:r>
-              <a:rPr lang="en-US" dirty="0" smtClean="0">
-                <a:solidFill>
-                  <a:schemeClr val="tx1"/>
-                </a:solidFill>
-              </a:rPr>
-              <a:t>Easy to build heavily concurrent applications thanks to simple Actor-like concurrency model</a:t>
-            </a:r>
-          </a:p>
-          <a:p>
-            <a:r>
-              <a:rPr lang="en-US" dirty="0" smtClean="0">
-                <a:solidFill>
-                  <a:schemeClr val="tx1"/>
-                </a:solidFill>
-              </a:rPr>
-              <a:t>Supports many languages (Java, </a:t>
-            </a:r>
-            <a:r>
-              <a:rPr lang="en-US" dirty="0" err="1" smtClean="0">
-                <a:solidFill>
-                  <a:schemeClr val="tx1"/>
-                </a:solidFill>
-              </a:rPr>
-              <a:t>Javascript</a:t>
-            </a:r>
-            <a:r>
-              <a:rPr lang="en-US" dirty="0" smtClean="0">
-                <a:solidFill>
-                  <a:schemeClr val="tx1"/>
-                </a:solidFill>
-              </a:rPr>
-              <a:t>, Ruby, Groovy, …) basically anything that can run on JVM</a:t>
-            </a:r>
-          </a:p>
-          <a:p>
-            <a:r>
-              <a:rPr lang="en-US" dirty="0" smtClean="0">
-                <a:solidFill>
-                  <a:schemeClr val="tx1"/>
-                </a:solidFill>
-              </a:rPr>
-              <a:t>Fully multithreaded (thanks to JVM)</a:t>
-            </a:r>
-          </a:p>
-          <a:p>
-            <a:r>
-              <a:rPr lang="en-US" dirty="0" smtClean="0">
-                <a:solidFill>
-                  <a:schemeClr val="tx1"/>
-                </a:solidFill>
-              </a:rPr>
-              <a:t>Event handlers (</a:t>
-            </a:r>
-            <a:r>
-              <a:rPr lang="en-US" dirty="0" err="1" smtClean="0">
-                <a:solidFill>
-                  <a:schemeClr val="tx1"/>
-                </a:solidFill>
-              </a:rPr>
-              <a:t>async</a:t>
-            </a:r>
-            <a:r>
-              <a:rPr lang="en-US" dirty="0" smtClean="0">
-                <a:solidFill>
-                  <a:schemeClr val="tx1"/>
-                </a:solidFill>
-              </a:rPr>
-              <a:t>) can use synchronous code as well (so the traditional Java APIs can be used)</a:t>
-            </a:r>
+              <a:rPr lang="en-US" sz="11500" dirty="0"/>
+              <a:t>+</a:t>
+            </a:r>
+            <a:endParaRPr lang="sk-SK" sz="11500" dirty="0"/>
           </a:p>
         </p:txBody>
       </p:sp>
     </p:spTree>
     <p:extLst>
       <p:ext uri="{BB962C8B-B14F-4D97-AF65-F5344CB8AC3E}">
-        <p14:creationId xmlns:p14="http://schemas.microsoft.com/office/powerpoint/2010/main" val="3200369175"/>
+        <p14:creationId xmlns:p14="http://schemas.microsoft.com/office/powerpoint/2010/main" val="328097150"/>
       </p:ext>
     </p:extLst>
   </p:cSld>
@@ -3571,9 +6873,229 @@
   <p:timing>
     <p:tnLst>
       <p:par>
-        <p:cTn id="1" dur="indefinite" restart="never" nodeType="tmRoot"/>
+        <p:cTn id="1" dur="indefinite" restart="never" nodeType="tmRoot">
+          <p:childTnLst>
+            <p:seq concurrent="1" nextAc="seek">
+              <p:cTn id="2" dur="indefinite" nodeType="mainSeq">
+                <p:childTnLst>
+                  <p:par>
+                    <p:cTn id="3" fill="hold">
+                      <p:stCondLst>
+                        <p:cond delay="indefinite"/>
+                      </p:stCondLst>
+                      <p:childTnLst>
+                        <p:par>
+                          <p:cTn id="4" fill="hold">
+                            <p:stCondLst>
+                              <p:cond delay="0"/>
+                            </p:stCondLst>
+                            <p:childTnLst>
+                              <p:par>
+                                <p:cTn id="5" presetID="10" presetClass="entr" presetSubtype="0" fill="hold" grpId="0" nodeType="clickEffect">
+                                  <p:stCondLst>
+                                    <p:cond delay="0"/>
+                                  </p:stCondLst>
+                                  <p:childTnLst>
+                                    <p:set>
+                                      <p:cBhvr>
+                                        <p:cTn id="6" dur="1" fill="hold">
+                                          <p:stCondLst>
+                                            <p:cond delay="0"/>
+                                          </p:stCondLst>
+                                        </p:cTn>
+                                        <p:tgtEl>
+                                          <p:spTgt spid="8"/>
+                                        </p:tgtEl>
+                                        <p:attrNameLst>
+                                          <p:attrName>style.visibility</p:attrName>
+                                        </p:attrNameLst>
+                                      </p:cBhvr>
+                                      <p:to>
+                                        <p:strVal val="visible"/>
+                                      </p:to>
+                                    </p:set>
+                                    <p:animEffect transition="in" filter="fade">
+                                      <p:cBhvr>
+                                        <p:cTn id="7" dur="500"/>
+                                        <p:tgtEl>
+                                          <p:spTgt spid="8"/>
+                                        </p:tgtEl>
+                                      </p:cBhvr>
+                                    </p:animEffect>
+                                  </p:childTnLst>
+                                </p:cTn>
+                              </p:par>
+                              <p:par>
+                                <p:cTn id="8" presetID="10" presetClass="entr" presetSubtype="0" fill="hold" nodeType="withEffect">
+                                  <p:stCondLst>
+                                    <p:cond delay="0"/>
+                                  </p:stCondLst>
+                                  <p:childTnLst>
+                                    <p:set>
+                                      <p:cBhvr>
+                                        <p:cTn id="9" dur="1" fill="hold">
+                                          <p:stCondLst>
+                                            <p:cond delay="0"/>
+                                          </p:stCondLst>
+                                        </p:cTn>
+                                        <p:tgtEl>
+                                          <p:spTgt spid="1026"/>
+                                        </p:tgtEl>
+                                        <p:attrNameLst>
+                                          <p:attrName>style.visibility</p:attrName>
+                                        </p:attrNameLst>
+                                      </p:cBhvr>
+                                      <p:to>
+                                        <p:strVal val="visible"/>
+                                      </p:to>
+                                    </p:set>
+                                    <p:animEffect transition="in" filter="fade">
+                                      <p:cBhvr>
+                                        <p:cTn id="10" dur="500"/>
+                                        <p:tgtEl>
+                                          <p:spTgt spid="1026"/>
+                                        </p:tgtEl>
+                                      </p:cBhvr>
+                                    </p:animEffect>
+                                  </p:childTnLst>
+                                </p:cTn>
+                              </p:par>
+                            </p:childTnLst>
+                          </p:cTn>
+                        </p:par>
+                      </p:childTnLst>
+                    </p:cTn>
+                  </p:par>
+                  <p:par>
+                    <p:cTn id="11" fill="hold">
+                      <p:stCondLst>
+                        <p:cond delay="indefinite"/>
+                      </p:stCondLst>
+                      <p:childTnLst>
+                        <p:par>
+                          <p:cTn id="12" fill="hold">
+                            <p:stCondLst>
+                              <p:cond delay="0"/>
+                            </p:stCondLst>
+                            <p:childTnLst>
+                              <p:par>
+                                <p:cTn id="13" presetID="10" presetClass="entr" presetSubtype="0" fill="hold" nodeType="clickEffect">
+                                  <p:stCondLst>
+                                    <p:cond delay="0"/>
+                                  </p:stCondLst>
+                                  <p:childTnLst>
+                                    <p:set>
+                                      <p:cBhvr>
+                                        <p:cTn id="14" dur="1" fill="hold">
+                                          <p:stCondLst>
+                                            <p:cond delay="0"/>
+                                          </p:stCondLst>
+                                        </p:cTn>
+                                        <p:tgtEl>
+                                          <p:spTgt spid="6"/>
+                                        </p:tgtEl>
+                                        <p:attrNameLst>
+                                          <p:attrName>style.visibility</p:attrName>
+                                        </p:attrNameLst>
+                                      </p:cBhvr>
+                                      <p:to>
+                                        <p:strVal val="visible"/>
+                                      </p:to>
+                                    </p:set>
+                                    <p:animEffect transition="in" filter="fade">
+                                      <p:cBhvr>
+                                        <p:cTn id="15" dur="500"/>
+                                        <p:tgtEl>
+                                          <p:spTgt spid="6"/>
+                                        </p:tgtEl>
+                                      </p:cBhvr>
+                                    </p:animEffect>
+                                  </p:childTnLst>
+                                </p:cTn>
+                              </p:par>
+                            </p:childTnLst>
+                          </p:cTn>
+                        </p:par>
+                      </p:childTnLst>
+                    </p:cTn>
+                  </p:par>
+                  <p:par>
+                    <p:cTn id="16" fill="hold">
+                      <p:stCondLst>
+                        <p:cond delay="indefinite"/>
+                      </p:stCondLst>
+                      <p:childTnLst>
+                        <p:par>
+                          <p:cTn id="17" fill="hold">
+                            <p:stCondLst>
+                              <p:cond delay="0"/>
+                            </p:stCondLst>
+                            <p:childTnLst>
+                              <p:par>
+                                <p:cTn id="18" presetID="10" presetClass="entr" presetSubtype="0" fill="hold" nodeType="clickEffect">
+                                  <p:stCondLst>
+                                    <p:cond delay="0"/>
+                                  </p:stCondLst>
+                                  <p:childTnLst>
+                                    <p:set>
+                                      <p:cBhvr>
+                                        <p:cTn id="19" dur="1" fill="hold">
+                                          <p:stCondLst>
+                                            <p:cond delay="0"/>
+                                          </p:stCondLst>
+                                        </p:cTn>
+                                        <p:tgtEl>
+                                          <p:spTgt spid="7"/>
+                                        </p:tgtEl>
+                                        <p:attrNameLst>
+                                          <p:attrName>style.visibility</p:attrName>
+                                        </p:attrNameLst>
+                                      </p:cBhvr>
+                                      <p:to>
+                                        <p:strVal val="visible"/>
+                                      </p:to>
+                                    </p:set>
+                                    <p:animEffect transition="in" filter="fade">
+                                      <p:cBhvr>
+                                        <p:cTn id="20" dur="500"/>
+                                        <p:tgtEl>
+                                          <p:spTgt spid="7"/>
+                                        </p:tgtEl>
+                                      </p:cBhvr>
+                                    </p:animEffect>
+                                  </p:childTnLst>
+                                </p:cTn>
+                              </p:par>
+                            </p:childTnLst>
+                          </p:cTn>
+                        </p:par>
+                      </p:childTnLst>
+                    </p:cTn>
+                  </p:par>
+                </p:childTnLst>
+              </p:cTn>
+              <p:prevCondLst>
+                <p:cond evt="onPrev" delay="0">
+                  <p:tgtEl>
+                    <p:sldTgt/>
+                  </p:tgtEl>
+                </p:cond>
+              </p:prevCondLst>
+              <p:nextCondLst>
+                <p:cond evt="onNext" delay="0">
+                  <p:tgtEl>
+                    <p:sldTgt/>
+                  </p:tgtEl>
+                </p:cond>
+              </p:nextCondLst>
+            </p:seq>
+          </p:childTnLst>
+        </p:cTn>
       </p:par>
     </p:tnLst>
+    <p:bldLst>
+      <p:bldP spid="8" grpId="0"/>
+    </p:bldLst>
   </p:timing>
 </p:sld>
 </file>
@@ -3611,11 +7133,162 @@
           <a:lstStyle/>
           <a:p>
             <a:r>
-              <a:rPr lang="en-US" dirty="0" err="1" smtClean="0"/>
+              <a:rPr lang="en-US" dirty="0" err="1"/>
               <a:t>Vert.x</a:t>
             </a:r>
-            <a:r>
-              <a:rPr lang="en-US" dirty="0" smtClean="0"/>
+            <a:endParaRPr lang="sk-SK" dirty="0"/>
+          </a:p>
+        </p:txBody>
+      </p:sp>
+      <p:sp>
+        <p:nvSpPr>
+          <p:cNvPr id="3" name="Zástupný symbol obsahu 2"/>
+          <p:cNvSpPr>
+            <a:spLocks noGrp="1"/>
+          </p:cNvSpPr>
+          <p:nvPr>
+            <p:ph idx="1"/>
+          </p:nvPr>
+        </p:nvSpPr>
+        <p:spPr/>
+        <p:txBody>
+          <a:bodyPr/>
+          <a:lstStyle/>
+          <a:p>
+            <a:r>
+              <a:rPr lang="en-US" dirty="0">
+                <a:solidFill>
+                  <a:schemeClr val="tx1"/>
+                </a:solidFill>
+              </a:rPr>
+              <a:t>Asynchronous event-driven model (similar to node.js)</a:t>
+            </a:r>
+          </a:p>
+          <a:p>
+            <a:r>
+              <a:rPr lang="en-US" dirty="0">
+                <a:solidFill>
+                  <a:schemeClr val="tx1"/>
+                </a:solidFill>
+              </a:rPr>
+              <a:t>Easy to build heavily concurrent applications thanks to simple Actor-like concurrency model</a:t>
+            </a:r>
+          </a:p>
+          <a:p>
+            <a:r>
+              <a:rPr lang="en-US" dirty="0">
+                <a:solidFill>
+                  <a:schemeClr val="tx1"/>
+                </a:solidFill>
+              </a:rPr>
+              <a:t>Supports many languages (Java, </a:t>
+            </a:r>
+            <a:r>
+              <a:rPr lang="en-US" dirty="0" err="1">
+                <a:solidFill>
+                  <a:schemeClr val="tx1"/>
+                </a:solidFill>
+              </a:rPr>
+              <a:t>Javascript</a:t>
+            </a:r>
+            <a:r>
+              <a:rPr lang="en-US" dirty="0">
+                <a:solidFill>
+                  <a:schemeClr val="tx1"/>
+                </a:solidFill>
+              </a:rPr>
+              <a:t>, Ruby, Groovy, …) basically anything that can run on JVM</a:t>
+            </a:r>
+          </a:p>
+          <a:p>
+            <a:r>
+              <a:rPr lang="en-US" dirty="0">
+                <a:solidFill>
+                  <a:schemeClr val="tx1"/>
+                </a:solidFill>
+              </a:rPr>
+              <a:t>Fully multithreaded (thanks to JVM)</a:t>
+            </a:r>
+          </a:p>
+          <a:p>
+            <a:r>
+              <a:rPr lang="en-US" dirty="0">
+                <a:solidFill>
+                  <a:schemeClr val="tx1"/>
+                </a:solidFill>
+              </a:rPr>
+              <a:t>Event handlers (</a:t>
+            </a:r>
+            <a:r>
+              <a:rPr lang="en-US" dirty="0" err="1">
+                <a:solidFill>
+                  <a:schemeClr val="tx1"/>
+                </a:solidFill>
+              </a:rPr>
+              <a:t>async</a:t>
+            </a:r>
+            <a:r>
+              <a:rPr lang="en-US" dirty="0">
+                <a:solidFill>
+                  <a:schemeClr val="tx1"/>
+                </a:solidFill>
+              </a:rPr>
+              <a:t>) can use synchronous code as well (so the traditional Java APIs can be used)</a:t>
+            </a:r>
+          </a:p>
+        </p:txBody>
+      </p:sp>
+    </p:spTree>
+    <p:extLst>
+      <p:ext uri="{BB962C8B-B14F-4D97-AF65-F5344CB8AC3E}">
+        <p14:creationId xmlns:p14="http://schemas.microsoft.com/office/powerpoint/2010/main" val="3200369175"/>
+      </p:ext>
+    </p:extLst>
+  </p:cSld>
+  <p:clrMapOvr>
+    <a:masterClrMapping/>
+  </p:clrMapOvr>
+</p:sld>
+</file>
+
+<file path=ppt/slides/slide4.xml><?xml version="1.0" encoding="utf-8"?>
+<p:sld xmlns:a="http://schemas.openxmlformats.org/drawingml/2006/main" xmlns:r="http://schemas.openxmlformats.org/officeDocument/2006/relationships" xmlns:p="http://schemas.openxmlformats.org/presentationml/2006/main">
+  <p:cSld>
+    <p:spTree>
+      <p:nvGrpSpPr>
+        <p:cNvPr id="1" name=""/>
+        <p:cNvGrpSpPr/>
+        <p:nvPr/>
+      </p:nvGrpSpPr>
+      <p:grpSpPr>
+        <a:xfrm>
+          <a:off x="0" y="0"/>
+          <a:ext cx="0" cy="0"/>
+          <a:chOff x="0" y="0"/>
+          <a:chExt cx="0" cy="0"/>
+        </a:xfrm>
+      </p:grpSpPr>
+      <p:sp>
+        <p:nvSpPr>
+          <p:cNvPr id="2" name="Nadpis 1"/>
+          <p:cNvSpPr>
+            <a:spLocks noGrp="1"/>
+          </p:cNvSpPr>
+          <p:nvPr>
+            <p:ph type="title"/>
+          </p:nvPr>
+        </p:nvSpPr>
+        <p:spPr/>
+        <p:txBody>
+          <a:bodyPr/>
+          <a:lstStyle/>
+          <a:p>
+            <a:r>
+              <a:rPr lang="en-US" dirty="0" err="1"/>
+              <a:t>Vert.x</a:t>
+            </a:r>
+            <a:r>
+              <a:rPr lang="en-US" dirty="0"/>
               <a:t> performance</a:t>
             </a:r>
             <a:endParaRPr lang="sk-SK" dirty="0"/>
@@ -3644,23 +7317,17 @@
           <a:lstStyle/>
           <a:p>
             <a:r>
-              <a:rPr lang="en-US" sz="1200" dirty="0" smtClean="0"/>
+              <a:rPr lang="en-US" sz="1200" dirty="0"/>
               <a:t>Source: </a:t>
             </a:r>
             <a:r>
               <a:rPr lang="sk-SK" sz="1200" dirty="0">
                 <a:hlinkClick r:id="rId2"/>
               </a:rPr>
-              <a:t>http://vertxproject.wordpress.com/2012/05/09/vert-x-vs-node-js-simple-http-benchmarks</a:t>
-            </a:r>
-            <a:r>
-              <a:rPr lang="sk-SK" sz="1200" dirty="0" smtClean="0">
-                <a:hlinkClick r:id="rId2"/>
-              </a:rPr>
-              <a:t>/</a:t>
-            </a:r>
-            <a:r>
-              <a:rPr lang="en-US" sz="1200" dirty="0" smtClean="0"/>
+              <a:t>http://vertxproject.wordpress.com/2012/05/09/vert-x-vs-node-js-simple-http-benchmarks/</a:t>
+            </a:r>
+            <a:r>
+              <a:rPr lang="en-US" sz="1200" dirty="0"/>
               <a:t>  </a:t>
             </a:r>
             <a:endParaRPr lang="sk-SK" sz="1200" dirty="0"/>
@@ -3718,17 +7385,10 @@
   <p:clrMapOvr>
     <a:masterClrMapping/>
   </p:clrMapOvr>
-  <p:timing>
-    <p:tnLst>
-      <p:par>
-        <p:cTn id="1" dur="indefinite" restart="never" nodeType="tmRoot"/>
-      </p:par>
-    </p:tnLst>
-  </p:timing>
 </p:sld>
 </file>
 
-<file path=ppt/slides/slide4.xml><?xml version="1.0" encoding="utf-8"?>
+<file path=ppt/slides/slide5.xml><?xml version="1.0" encoding="utf-8"?>
 <p:sld xmlns:a="http://schemas.openxmlformats.org/drawingml/2006/main" xmlns:r="http://schemas.openxmlformats.org/officeDocument/2006/relationships" xmlns:p="http://schemas.openxmlformats.org/presentationml/2006/main">
   <p:cSld>
     <p:spTree>
@@ -3786,7 +7446,7 @@
           <a:lstStyle/>
           <a:p>
             <a:r>
-              <a:rPr lang="en-US" dirty="0" err="1" smtClean="0">
+              <a:rPr lang="en-US" dirty="0" err="1">
                 <a:solidFill>
                   <a:schemeClr val="tx2"/>
                 </a:solidFill>
@@ -3794,7 +7454,7 @@
               <a:t>Vert.x</a:t>
             </a:r>
             <a:r>
-              <a:rPr lang="en-US" dirty="0" smtClean="0">
+              <a:rPr lang="en-US" dirty="0">
                 <a:solidFill>
                   <a:schemeClr val="tx2"/>
                 </a:solidFill>
@@ -3830,7 +7490,7 @@
           <a:lstStyle/>
           <a:p>
             <a:r>
-              <a:rPr lang="en-US" dirty="0" smtClean="0"/>
+              <a:rPr lang="en-US" dirty="0"/>
               <a:t>Architecture</a:t>
             </a:r>
             <a:endParaRPr lang="sk-SK" dirty="0"/>
@@ -3874,11 +7534,11 @@
           <a:p>
             <a:pPr algn="ctr"/>
             <a:r>
-              <a:rPr lang="en-US" dirty="0" err="1" smtClean="0"/>
+              <a:rPr lang="en-US" dirty="0" err="1"/>
               <a:t>Verticle</a:t>
             </a:r>
             <a:r>
-              <a:rPr lang="en-US" dirty="0" smtClean="0"/>
+              <a:rPr lang="en-US" dirty="0"/>
               <a:t> instance 1</a:t>
             </a:r>
             <a:endParaRPr lang="sk-SK" dirty="0"/>
@@ -3922,11 +7582,11 @@
           <a:p>
             <a:pPr algn="ctr"/>
             <a:r>
-              <a:rPr lang="en-US" dirty="0" err="1" smtClean="0"/>
+              <a:rPr lang="en-US" dirty="0" err="1"/>
               <a:t>Verticle</a:t>
             </a:r>
             <a:r>
-              <a:rPr lang="en-US" dirty="0" smtClean="0"/>
+              <a:rPr lang="en-US" dirty="0"/>
               <a:t> instance 2</a:t>
             </a:r>
             <a:endParaRPr lang="sk-SK" dirty="0"/>
@@ -3970,11 +7630,11 @@
           <a:p>
             <a:pPr algn="ctr"/>
             <a:r>
-              <a:rPr lang="en-US" dirty="0" err="1" smtClean="0"/>
+              <a:rPr lang="en-US" dirty="0" err="1"/>
               <a:t>Verticle</a:t>
             </a:r>
             <a:r>
-              <a:rPr lang="en-US" dirty="0" smtClean="0"/>
+              <a:rPr lang="en-US" dirty="0"/>
               <a:t> instance 3</a:t>
             </a:r>
             <a:endParaRPr lang="sk-SK" dirty="0"/>
@@ -4107,7 +7767,7 @@
           <a:p>
             <a:pPr algn="ctr"/>
             <a:r>
-              <a:rPr lang="en-US" dirty="0" err="1" smtClean="0">
+              <a:rPr lang="en-US" dirty="0" err="1">
                 <a:solidFill>
                   <a:schemeClr val="tx1"/>
                 </a:solidFill>
@@ -4115,7 +7775,7 @@
               <a:t>Vert.x</a:t>
             </a:r>
             <a:r>
-              <a:rPr lang="en-US" dirty="0" smtClean="0">
+              <a:rPr lang="en-US" dirty="0">
                 <a:solidFill>
                   <a:schemeClr val="tx1"/>
                 </a:solidFill>
@@ -5240,7 +8900,7 @@
 </p:sld>
 </file>
 
-<file path=ppt/slides/slide5.xml><?xml version="1.0" encoding="utf-8"?>
+<file path=ppt/slides/slide6.xml><?xml version="1.0" encoding="utf-8"?>
 <p:sld xmlns:a="http://schemas.openxmlformats.org/drawingml/2006/main" xmlns:r="http://schemas.openxmlformats.org/officeDocument/2006/relationships" xmlns:p="http://schemas.openxmlformats.org/presentationml/2006/main">
   <p:cSld>
     <p:spTree>
@@ -5278,7 +8938,7 @@
           <a:lstStyle/>
           <a:p>
             <a:r>
-              <a:rPr lang="en-US" dirty="0" smtClean="0"/>
+              <a:rPr lang="en-US" dirty="0"/>
               <a:t>Pong</a:t>
             </a:r>
             <a:endParaRPr lang="sk-SK" dirty="0"/>
@@ -5349,17 +9009,10 @@
   <p:clrMapOvr>
     <a:masterClrMapping/>
   </p:clrMapOvr>
-  <p:timing>
-    <p:tnLst>
-      <p:par>
-        <p:cTn id="1" dur="indefinite" restart="never" nodeType="tmRoot"/>
-      </p:par>
-    </p:tnLst>
-  </p:timing>
 </p:sld>
 </file>
 
-<file path=ppt/slides/slide6.xml><?xml version="1.0" encoding="utf-8"?>
+<file path=ppt/slides/slide7.xml><?xml version="1.0" encoding="utf-8"?>
 <p:sld xmlns:a="http://schemas.openxmlformats.org/drawingml/2006/main" xmlns:r="http://schemas.openxmlformats.org/officeDocument/2006/relationships" xmlns:p="http://schemas.openxmlformats.org/presentationml/2006/main">
   <p:cSld>
     <p:spTree>
@@ -5416,7 +9069,7 @@
           <a:p>
             <a:pPr algn="ctr"/>
             <a:r>
-              <a:rPr lang="en-US" sz="1600" dirty="0" smtClean="0"/>
+              <a:rPr lang="en-US" sz="1600" dirty="0"/>
               <a:t>Reply queue</a:t>
             </a:r>
             <a:endParaRPr lang="sk-SK" sz="1600" dirty="0"/>
@@ -5444,7 +9097,7 @@
           <a:lstStyle/>
           <a:p>
             <a:r>
-              <a:rPr lang="en-US" dirty="0" smtClean="0"/>
+              <a:rPr lang="en-US" dirty="0"/>
               <a:t>Pong messaging</a:t>
             </a:r>
             <a:endParaRPr lang="sk-SK" dirty="0"/>
@@ -5488,11 +9141,11 @@
           <a:p>
             <a:pPr algn="ctr"/>
             <a:r>
-              <a:rPr lang="en-US" dirty="0" smtClean="0"/>
+              <a:rPr lang="en-US" dirty="0"/>
               <a:t>Lobby </a:t>
             </a:r>
             <a:r>
-              <a:rPr lang="en-US" dirty="0" err="1" smtClean="0"/>
+              <a:rPr lang="en-US" dirty="0" err="1"/>
               <a:t>verticle</a:t>
             </a:r>
             <a:endParaRPr lang="sk-SK" dirty="0"/>
@@ -5577,11 +9230,11 @@
           <a:p>
             <a:pPr algn="ctr"/>
             <a:r>
-              <a:rPr lang="en-US" dirty="0" smtClean="0"/>
+              <a:rPr lang="en-US" dirty="0"/>
               <a:t>Game </a:t>
             </a:r>
             <a:r>
-              <a:rPr lang="en-US" dirty="0" err="1" smtClean="0"/>
+              <a:rPr lang="en-US" dirty="0" err="1"/>
               <a:t>verticle</a:t>
             </a:r>
             <a:endParaRPr lang="sk-SK" dirty="0"/>
@@ -5871,7 +9524,7 @@
           <a:lstStyle/>
           <a:p>
             <a:r>
-              <a:rPr lang="en-US" dirty="0" smtClean="0"/>
+              <a:rPr lang="en-US" dirty="0"/>
               <a:t>Game state topic</a:t>
             </a:r>
             <a:endParaRPr lang="sk-SK" dirty="0"/>
@@ -5888,17 +9541,10 @@
   <p:clrMapOvr>
     <a:masterClrMapping/>
   </p:clrMapOvr>
-  <p:timing>
-    <p:tnLst>
-      <p:par>
-        <p:cTn id="1" dur="indefinite" restart="never" nodeType="tmRoot"/>
-      </p:par>
-    </p:tnLst>
-  </p:timing>
 </p:sld>
 </file>
 
-<file path=ppt/slides/slide7.xml><?xml version="1.0" encoding="utf-8"?>
+<file path=ppt/slides/slide8.xml><?xml version="1.0" encoding="utf-8"?>
 <p:sld xmlns:a="http://schemas.openxmlformats.org/drawingml/2006/main" xmlns:r="http://schemas.openxmlformats.org/officeDocument/2006/relationships" xmlns:p="http://schemas.openxmlformats.org/presentationml/2006/main">
   <p:cSld>
     <p:spTree>
@@ -6003,7 +9649,7 @@
           <a:lstStyle/>
           <a:p>
             <a:r>
-              <a:rPr lang="en-US" dirty="0" smtClean="0">
+              <a:rPr lang="en-US" dirty="0">
                 <a:solidFill>
                   <a:schemeClr val="tx2"/>
                 </a:solidFill>
@@ -6058,7 +9704,7 @@
           <a:p>
             <a:pPr algn="ctr"/>
             <a:r>
-              <a:rPr lang="en-US" dirty="0" smtClean="0">
+              <a:rPr lang="en-US" dirty="0">
                 <a:solidFill>
                   <a:schemeClr val="tx1"/>
                 </a:solidFill>
@@ -6094,7 +9740,7 @@
           <a:lstStyle/>
           <a:p>
             <a:r>
-              <a:rPr lang="en-US" dirty="0" smtClean="0"/>
+              <a:rPr lang="en-US" dirty="0"/>
               <a:t>Pong messaging</a:t>
             </a:r>
             <a:endParaRPr lang="sk-SK" dirty="0"/>
@@ -6138,11 +9784,11 @@
           <a:p>
             <a:pPr algn="ctr"/>
             <a:r>
-              <a:rPr lang="en-US" dirty="0" smtClean="0"/>
+              <a:rPr lang="en-US" dirty="0"/>
               <a:t>Game Lobby </a:t>
             </a:r>
             <a:r>
-              <a:rPr lang="en-US" dirty="0" err="1" smtClean="0"/>
+              <a:rPr lang="en-US" dirty="0" err="1"/>
               <a:t>verticle</a:t>
             </a:r>
             <a:endParaRPr lang="sk-SK" dirty="0"/>
@@ -6205,11 +9851,11 @@
             <a:p>
               <a:pPr algn="ctr"/>
               <a:r>
-                <a:rPr lang="en-US" dirty="0" smtClean="0"/>
+                <a:rPr lang="en-US" dirty="0"/>
                 <a:t>Game </a:t>
               </a:r>
               <a:r>
-                <a:rPr lang="en-US" dirty="0" err="1" smtClean="0"/>
+                <a:rPr lang="en-US" dirty="0" err="1"/>
                 <a:t>verticle</a:t>
               </a:r>
               <a:endParaRPr lang="sk-SK" dirty="0"/>
@@ -6258,11 +9904,11 @@
             <a:p>
               <a:pPr algn="ctr"/>
               <a:r>
-                <a:rPr lang="en-US" dirty="0" smtClean="0"/>
+                <a:rPr lang="en-US" dirty="0"/>
                 <a:t>Game </a:t>
               </a:r>
               <a:r>
-                <a:rPr lang="en-US" dirty="0" err="1" smtClean="0"/>
+                <a:rPr lang="en-US" dirty="0" err="1"/>
                 <a:t>verticle</a:t>
               </a:r>
               <a:endParaRPr lang="sk-SK" dirty="0"/>
@@ -6306,15 +9952,15 @@
             <a:p>
               <a:pPr algn="ctr"/>
               <a:r>
-                <a:rPr lang="en-US" dirty="0" smtClean="0"/>
+                <a:rPr lang="en-US" dirty="0"/>
                 <a:t>Game </a:t>
               </a:r>
               <a:r>
-                <a:rPr lang="en-US" dirty="0" err="1" smtClean="0"/>
+                <a:rPr lang="en-US" dirty="0" err="1"/>
                 <a:t>verticle</a:t>
               </a:r>
               <a:r>
-                <a:rPr lang="en-US" dirty="0" smtClean="0"/>
+                <a:rPr lang="en-US" dirty="0"/>
                 <a:t> instances</a:t>
               </a:r>
               <a:endParaRPr lang="sk-SK" dirty="0"/>
@@ -6362,7 +10008,7 @@
           <a:p>
             <a:pPr algn="ctr"/>
             <a:r>
-              <a:rPr lang="en-US" dirty="0" smtClean="0">
+              <a:rPr lang="en-US" dirty="0">
                 <a:solidFill>
                   <a:schemeClr val="tx1"/>
                 </a:solidFill>
@@ -6417,7 +10063,7 @@
           <a:p>
             <a:pPr algn="ctr"/>
             <a:r>
-              <a:rPr lang="en-US" sz="1600" dirty="0" smtClean="0"/>
+              <a:rPr lang="en-US" sz="1600" dirty="0"/>
               <a:t>Public queue</a:t>
             </a:r>
             <a:endParaRPr lang="sk-SK" sz="1600" dirty="0"/>
@@ -6464,7 +10110,7 @@
           <a:p>
             <a:pPr algn="ctr"/>
             <a:r>
-              <a:rPr lang="en-US" sz="1600" dirty="0" smtClean="0"/>
+              <a:rPr lang="en-US" sz="1600" dirty="0"/>
               <a:t>Input queue</a:t>
             </a:r>
             <a:endParaRPr lang="sk-SK" sz="1600" dirty="0"/>
@@ -6634,7 +10280,7 @@
           <a:p>
             <a:pPr algn="ctr"/>
             <a:r>
-              <a:rPr lang="en-US" sz="1600" dirty="0" smtClean="0"/>
+              <a:rPr lang="en-US" sz="1600" dirty="0"/>
               <a:t>State topic</a:t>
             </a:r>
             <a:endParaRPr lang="sk-SK" sz="1600" dirty="0"/>
@@ -6664,7 +10310,7 @@
           <a:lstStyle/>
           <a:p>
             <a:r>
-              <a:rPr lang="en-US" dirty="0" smtClean="0"/>
+              <a:rPr lang="en-US" dirty="0"/>
               <a:t>Game lobby private queue</a:t>
             </a:r>
             <a:endParaRPr lang="sk-SK" dirty="0"/>
@@ -6681,192 +10327,6 @@
   <p:clrMapOvr>
     <a:masterClrMapping/>
   </p:clrMapOvr>
-  <p:timing>
-    <p:tnLst>
-      <p:par>
-        <p:cTn id="1" dur="indefinite" restart="never" nodeType="tmRoot"/>
-      </p:par>
-    </p:tnLst>
-  </p:timing>
-</p:sld>
-</file>
-
-<file path=ppt/slides/slide8.xml><?xml version="1.0" encoding="utf-8"?>
-<p:sld xmlns:a="http://schemas.openxmlformats.org/drawingml/2006/main" xmlns:r="http://schemas.openxmlformats.org/officeDocument/2006/relationships" xmlns:p="http://schemas.openxmlformats.org/presentationml/2006/main">
-  <p:cSld>
-    <p:spTree>
-      <p:nvGrpSpPr>
-        <p:cNvPr id="1" name=""/>
-        <p:cNvGrpSpPr/>
-        <p:nvPr/>
-      </p:nvGrpSpPr>
-      <p:grpSpPr>
-        <a:xfrm>
-          <a:off x="0" y="0"/>
-          <a:ext cx="0" cy="0"/>
-          <a:chOff x="0" y="0"/>
-          <a:chExt cx="0" cy="0"/>
-        </a:xfrm>
-      </p:grpSpPr>
-      <p:sp>
-        <p:nvSpPr>
-          <p:cNvPr id="3" name="Zástupný symbol obsahu 2"/>
-          <p:cNvSpPr>
-            <a:spLocks noGrp="1"/>
-          </p:cNvSpPr>
-          <p:nvPr>
-            <p:ph idx="1"/>
-          </p:nvPr>
-        </p:nvSpPr>
-        <p:spPr>
-          <a:xfrm>
-            <a:off x="457200" y="2852936"/>
-            <a:ext cx="8229600" cy="3273227"/>
-          </a:xfrm>
-        </p:spPr>
-        <p:txBody>
-          <a:bodyPr>
-            <a:normAutofit/>
-          </a:bodyPr>
-          <a:lstStyle/>
-          <a:p>
-            <a:r>
-              <a:rPr lang="en-US" sz="2000" dirty="0" smtClean="0">
-                <a:solidFill>
-                  <a:schemeClr val="tx1"/>
-                </a:solidFill>
-              </a:rPr>
-              <a:t>To start coding, clone </a:t>
-            </a:r>
-            <a:r>
-              <a:rPr lang="en-US" sz="2000" dirty="0">
-                <a:solidFill>
-                  <a:schemeClr val="tx1"/>
-                </a:solidFill>
-              </a:rPr>
-              <a:t>this repository: </a:t>
-            </a:r>
-            <a:r>
-              <a:rPr lang="en-US" sz="2000" b="1" dirty="0">
-                <a:hlinkClick r:id="rId2"/>
-              </a:rPr>
-              <a:t>https://</a:t>
-            </a:r>
-            <a:r>
-              <a:rPr lang="en-US" sz="2000" b="1" dirty="0" smtClean="0">
-                <a:hlinkClick r:id="rId2"/>
-              </a:rPr>
-              <a:t>github.com/michalboska/codingbeer-vertx-template</a:t>
-            </a:r>
-            <a:endParaRPr lang="en-US" sz="2000" b="1" dirty="0" smtClean="0"/>
-          </a:p>
-          <a:p>
-            <a:r>
-              <a:rPr lang="en-US" sz="2000" dirty="0" smtClean="0">
-                <a:solidFill>
-                  <a:schemeClr val="tx1"/>
-                </a:solidFill>
-              </a:rPr>
-              <a:t>To see the </a:t>
-            </a:r>
-            <a:r>
-              <a:rPr lang="en-US" sz="2000" dirty="0">
-                <a:solidFill>
-                  <a:schemeClr val="tx1"/>
-                </a:solidFill>
-              </a:rPr>
-              <a:t>complete code, see </a:t>
-            </a:r>
-            <a:r>
-              <a:rPr lang="en-US" sz="2000" b="1" dirty="0">
-                <a:hlinkClick r:id="rId3"/>
-              </a:rPr>
-              <a:t>https://</a:t>
-            </a:r>
-            <a:r>
-              <a:rPr lang="en-US" sz="2000" b="1" dirty="0" smtClean="0">
-                <a:hlinkClick r:id="rId3"/>
-              </a:rPr>
-              <a:t>github.com/michalboska/codingbeer-vertx</a:t>
-            </a:r>
-            <a:r>
-              <a:rPr lang="en-US" sz="2000" dirty="0" smtClean="0"/>
-              <a:t> </a:t>
-            </a:r>
-          </a:p>
-          <a:p>
-            <a:pPr marL="0" indent="0">
-              <a:buNone/>
-            </a:pPr>
-            <a:r>
-              <a:rPr lang="en-US" sz="3600" b="1" dirty="0">
-                <a:solidFill>
-                  <a:srgbClr val="FF0000"/>
-                </a:solidFill>
-              </a:rPr>
-              <a:t>  </a:t>
-            </a:r>
-            <a:r>
-              <a:rPr lang="en-US" sz="3600" b="1" dirty="0" smtClean="0">
-                <a:solidFill>
-                  <a:srgbClr val="FF0000"/>
-                </a:solidFill>
-              </a:rPr>
-              <a:t>  (don’t cheat :P )</a:t>
-            </a:r>
-            <a:endParaRPr lang="sk-SK" sz="3600" b="1" dirty="0">
-              <a:solidFill>
-                <a:srgbClr val="FF0000"/>
-              </a:solidFill>
-            </a:endParaRPr>
-          </a:p>
-        </p:txBody>
-      </p:sp>
-      <p:sp>
-        <p:nvSpPr>
-          <p:cNvPr id="4" name="Title 1"/>
-          <p:cNvSpPr>
-            <a:spLocks noGrp="1"/>
-          </p:cNvSpPr>
-          <p:nvPr>
-            <p:ph type="title"/>
-          </p:nvPr>
-        </p:nvSpPr>
-        <p:spPr>
-          <a:xfrm>
-            <a:off x="457200" y="0"/>
-            <a:ext cx="8229600" cy="1600200"/>
-          </a:xfrm>
-        </p:spPr>
-        <p:txBody>
-          <a:bodyPr/>
-          <a:lstStyle/>
-          <a:p>
-            <a:r>
-              <a:rPr lang="en-US" dirty="0" smtClean="0"/>
-              <a:t>&lt;*)))&gt;{</a:t>
-            </a:r>
-            <a:endParaRPr lang="en-US" dirty="0"/>
-          </a:p>
-        </p:txBody>
-      </p:sp>
-    </p:spTree>
-    <p:extLst>
-      <p:ext uri="{BB962C8B-B14F-4D97-AF65-F5344CB8AC3E}">
-        <p14:creationId xmlns:p14="http://schemas.microsoft.com/office/powerpoint/2010/main" val="3622538159"/>
-      </p:ext>
-    </p:extLst>
-  </p:cSld>
-  <p:clrMapOvr>
-    <a:masterClrMapping/>
-  </p:clrMapOvr>
-  <p:timing>
-    <p:tnLst>
-      <p:par>
-        <p:cTn id="1" dur="indefinite" restart="never" nodeType="tmRoot"/>
-      </p:par>
-    </p:tnLst>
-  </p:timing>
 </p:sld>
 </file>
 
@@ -6903,112 +10363,474 @@
           <a:lstStyle/>
           <a:p>
             <a:r>
-              <a:rPr lang="en-US" dirty="0" smtClean="0"/>
-              <a:t>Enjoy!</a:t>
+              <a:rPr lang="en-US" dirty="0"/>
+              <a:t>Communication: </a:t>
+            </a:r>
+            <a:br>
+              <a:rPr lang="en-US" dirty="0"/>
+            </a:br>
+            <a:r>
+              <a:rPr lang="en-US" dirty="0"/>
+              <a:t>The event bus</a:t>
             </a:r>
             <a:endParaRPr lang="sk-SK" dirty="0"/>
           </a:p>
         </p:txBody>
       </p:sp>
-      <p:pic>
-        <p:nvPicPr>
-          <p:cNvPr id="7170" name="Picture 2" descr="http://www.citymania.cz/wp-content/uploads/pizza_kreslena2.jpg"/>
-          <p:cNvPicPr>
-            <a:picLocks noChangeAspect="1" noChangeArrowheads="1"/>
-          </p:cNvPicPr>
-          <p:nvPr/>
-        </p:nvPicPr>
-        <p:blipFill>
-          <a:blip r:embed="rId2">
-            <a:extLst>
-              <a:ext uri="{28A0092B-C50C-407E-A947-70E740481C1C}">
-                <a14:useLocalDpi xmlns:a14="http://schemas.microsoft.com/office/drawing/2010/main" val="0"/>
-              </a:ext>
-            </a:extLst>
-          </a:blip>
-          <a:srcRect/>
-          <a:stretch>
-            <a:fillRect/>
-          </a:stretch>
-        </p:blipFill>
-        <p:spPr bwMode="auto">
-          <a:xfrm>
-            <a:off x="1115616" y="2780928"/>
-            <a:ext cx="2688299" cy="2016224"/>
-          </a:xfrm>
-          <a:prstGeom prst="rect">
-            <a:avLst/>
-          </a:prstGeom>
-          <a:noFill/>
-          <a:extLst>
-            <a:ext uri="{909E8E84-426E-40DD-AFC4-6F175D3DCCD1}">
-              <a14:hiddenFill xmlns:a14="http://schemas.microsoft.com/office/drawing/2010/main">
-                <a:solidFill>
-                  <a:srgbClr val="FFFFFF"/>
-                </a:solidFill>
-              </a14:hiddenFill>
-            </a:ext>
-          </a:extLst>
-        </p:spPr>
-      </p:pic>
-      <p:pic>
-        <p:nvPicPr>
-          <p:cNvPr id="7174" name="Picture 6" descr="http://images.free-extras.com/pics/h/homer_and_duff_beer-1092.jpg"/>
-          <p:cNvPicPr>
-            <a:picLocks noChangeAspect="1" noChangeArrowheads="1"/>
-          </p:cNvPicPr>
-          <p:nvPr/>
-        </p:nvPicPr>
-        <p:blipFill>
-          <a:blip r:embed="rId3">
-            <a:extLst>
-              <a:ext uri="{28A0092B-C50C-407E-A947-70E740481C1C}">
-                <a14:useLocalDpi xmlns:a14="http://schemas.microsoft.com/office/drawing/2010/main" val="0"/>
-              </a:ext>
-            </a:extLst>
-          </a:blip>
-          <a:srcRect/>
-          <a:stretch>
-            <a:fillRect/>
-          </a:stretch>
-        </p:blipFill>
-        <p:spPr bwMode="auto">
-          <a:xfrm>
-            <a:off x="5220072" y="2564904"/>
-            <a:ext cx="2880320" cy="2163441"/>
-          </a:xfrm>
-          <a:prstGeom prst="rect">
-            <a:avLst/>
-          </a:prstGeom>
-          <a:noFill/>
-          <a:extLst>
-            <a:ext uri="{909E8E84-426E-40DD-AFC4-6F175D3DCCD1}">
-              <a14:hiddenFill xmlns:a14="http://schemas.microsoft.com/office/drawing/2010/main">
-                <a:solidFill>
-                  <a:srgbClr val="FFFFFF"/>
-                </a:solidFill>
-              </a14:hiddenFill>
-            </a:ext>
-          </a:extLst>
-        </p:spPr>
-      </p:pic>
+      <p:sp>
+        <p:nvSpPr>
+          <p:cNvPr id="3" name="Zástupný objekt pre obsah 2"/>
+          <p:cNvSpPr>
+            <a:spLocks noGrp="1"/>
+          </p:cNvSpPr>
+          <p:nvPr>
+            <p:ph idx="1"/>
+          </p:nvPr>
+        </p:nvSpPr>
+        <p:spPr/>
+        <p:txBody>
+          <a:bodyPr>
+            <a:normAutofit lnSpcReduction="10000"/>
+          </a:bodyPr>
+          <a:lstStyle/>
+          <a:p>
+            <a:pPr marL="0" indent="0">
+              <a:buNone/>
+            </a:pPr>
+            <a:r>
+              <a:rPr lang="sk-SK" dirty="0" err="1">
+                <a:solidFill>
+                  <a:schemeClr val="tx1"/>
+                </a:solidFill>
+                <a:latin typeface="Consolas" panose="020B0609020204030204" pitchFamily="49" charset="0"/>
+                <a:cs typeface="Consolas" panose="020B0609020204030204" pitchFamily="49" charset="0"/>
+              </a:rPr>
+              <a:t>EventBus</a:t>
+            </a:r>
+            <a:r>
+              <a:rPr lang="sk-SK" dirty="0">
+                <a:solidFill>
+                  <a:schemeClr val="tx1"/>
+                </a:solidFill>
+                <a:latin typeface="Consolas" panose="020B0609020204030204" pitchFamily="49" charset="0"/>
+                <a:cs typeface="Consolas" panose="020B0609020204030204" pitchFamily="49" charset="0"/>
+              </a:rPr>
+              <a:t> </a:t>
+            </a:r>
+            <a:r>
+              <a:rPr lang="sk-SK" dirty="0" err="1">
+                <a:solidFill>
+                  <a:schemeClr val="tx1"/>
+                </a:solidFill>
+                <a:latin typeface="Consolas" panose="020B0609020204030204" pitchFamily="49" charset="0"/>
+                <a:cs typeface="Consolas" panose="020B0609020204030204" pitchFamily="49" charset="0"/>
+              </a:rPr>
+              <a:t>eb</a:t>
+            </a:r>
+            <a:r>
+              <a:rPr lang="sk-SK" dirty="0">
+                <a:solidFill>
+                  <a:schemeClr val="tx1"/>
+                </a:solidFill>
+                <a:latin typeface="Consolas" panose="020B0609020204030204" pitchFamily="49" charset="0"/>
+                <a:cs typeface="Consolas" panose="020B0609020204030204" pitchFamily="49" charset="0"/>
+              </a:rPr>
+              <a:t> = </a:t>
+            </a:r>
+            <a:r>
+              <a:rPr lang="sk-SK" dirty="0" err="1">
+                <a:solidFill>
+                  <a:schemeClr val="tx1"/>
+                </a:solidFill>
+                <a:latin typeface="Consolas" panose="020B0609020204030204" pitchFamily="49" charset="0"/>
+                <a:cs typeface="Consolas" panose="020B0609020204030204" pitchFamily="49" charset="0"/>
+              </a:rPr>
+              <a:t>vertx.eventBus</a:t>
+            </a:r>
+            <a:r>
+              <a:rPr lang="sk-SK" dirty="0">
+                <a:solidFill>
+                  <a:schemeClr val="tx1"/>
+                </a:solidFill>
+                <a:latin typeface="Consolas" panose="020B0609020204030204" pitchFamily="49" charset="0"/>
+                <a:cs typeface="Consolas" panose="020B0609020204030204" pitchFamily="49" charset="0"/>
+              </a:rPr>
+              <a:t>();</a:t>
+            </a:r>
+            <a:endParaRPr lang="en-US" dirty="0">
+              <a:solidFill>
+                <a:schemeClr val="tx1"/>
+              </a:solidFill>
+              <a:latin typeface="Consolas" panose="020B0609020204030204" pitchFamily="49" charset="0"/>
+              <a:cs typeface="Consolas" panose="020B0609020204030204" pitchFamily="49" charset="0"/>
+            </a:endParaRPr>
+          </a:p>
+          <a:p>
+            <a:pPr marL="0" indent="0">
+              <a:buNone/>
+            </a:pPr>
+            <a:endParaRPr lang="en-US" dirty="0">
+              <a:solidFill>
+                <a:schemeClr val="tx1"/>
+              </a:solidFill>
+              <a:latin typeface="Consolas" panose="020B0609020204030204" pitchFamily="49" charset="0"/>
+              <a:cs typeface="Consolas" panose="020B0609020204030204" pitchFamily="49" charset="0"/>
+            </a:endParaRPr>
+          </a:p>
+          <a:p>
+            <a:pPr marL="0" indent="0">
+              <a:buNone/>
+            </a:pPr>
+            <a:r>
+              <a:rPr lang="en-US" dirty="0" err="1">
+                <a:solidFill>
+                  <a:schemeClr val="tx1"/>
+                </a:solidFill>
+                <a:latin typeface="Consolas" panose="020B0609020204030204" pitchFamily="49" charset="0"/>
+                <a:cs typeface="Consolas" panose="020B0609020204030204" pitchFamily="49" charset="0"/>
+              </a:rPr>
+              <a:t>MessageConsumer</a:t>
+            </a:r>
+            <a:r>
+              <a:rPr lang="en-US" dirty="0">
+                <a:solidFill>
+                  <a:schemeClr val="tx1"/>
+                </a:solidFill>
+                <a:latin typeface="Consolas" panose="020B0609020204030204" pitchFamily="49" charset="0"/>
+                <a:cs typeface="Consolas" panose="020B0609020204030204" pitchFamily="49" charset="0"/>
+              </a:rPr>
+              <a:t>&lt;String&gt; consumer;</a:t>
+            </a:r>
+          </a:p>
+          <a:p>
+            <a:pPr marL="0" indent="0">
+              <a:buNone/>
+            </a:pPr>
+            <a:endParaRPr lang="en-US" dirty="0">
+              <a:solidFill>
+                <a:schemeClr val="tx1"/>
+              </a:solidFill>
+              <a:latin typeface="Consolas" panose="020B0609020204030204" pitchFamily="49" charset="0"/>
+              <a:cs typeface="Consolas" panose="020B0609020204030204" pitchFamily="49" charset="0"/>
+            </a:endParaRPr>
+          </a:p>
+          <a:p>
+            <a:pPr marL="0" indent="0">
+              <a:buNone/>
+            </a:pPr>
+            <a:r>
+              <a:rPr lang="en-US" dirty="0">
+                <a:solidFill>
+                  <a:schemeClr val="tx1"/>
+                </a:solidFill>
+                <a:latin typeface="Consolas" panose="020B0609020204030204" pitchFamily="49" charset="0"/>
+                <a:cs typeface="Consolas" panose="020B0609020204030204" pitchFamily="49" charset="0"/>
+              </a:rPr>
+              <a:t>Consumer = </a:t>
+            </a:r>
+            <a:r>
+              <a:rPr lang="sk-SK" dirty="0" err="1">
+                <a:solidFill>
+                  <a:schemeClr val="tx1"/>
+                </a:solidFill>
+                <a:latin typeface="Consolas" panose="020B0609020204030204" pitchFamily="49" charset="0"/>
+                <a:cs typeface="Consolas" panose="020B0609020204030204" pitchFamily="49" charset="0"/>
+              </a:rPr>
+              <a:t>eb.consumer</a:t>
+            </a:r>
+            <a:r>
+              <a:rPr lang="sk-SK" dirty="0">
+                <a:solidFill>
+                  <a:schemeClr val="tx1"/>
+                </a:solidFill>
+                <a:latin typeface="Consolas" panose="020B0609020204030204" pitchFamily="49" charset="0"/>
+                <a:cs typeface="Consolas" panose="020B0609020204030204" pitchFamily="49" charset="0"/>
+              </a:rPr>
+              <a:t>(“</a:t>
+            </a:r>
+            <a:r>
+              <a:rPr lang="en-US" dirty="0" err="1">
+                <a:solidFill>
+                  <a:schemeClr val="tx1"/>
+                </a:solidFill>
+                <a:latin typeface="Consolas" panose="020B0609020204030204" pitchFamily="49" charset="0"/>
+                <a:cs typeface="Consolas" panose="020B0609020204030204" pitchFamily="49" charset="0"/>
+              </a:rPr>
+              <a:t>sk.mimacom.hello</a:t>
+            </a:r>
+            <a:r>
+              <a:rPr lang="sk-SK" dirty="0">
+                <a:solidFill>
+                  <a:schemeClr val="tx1"/>
+                </a:solidFill>
+                <a:latin typeface="Consolas" panose="020B0609020204030204" pitchFamily="49" charset="0"/>
+                <a:cs typeface="Consolas" panose="020B0609020204030204" pitchFamily="49" charset="0"/>
+              </a:rPr>
+              <a:t>", </a:t>
+            </a:r>
+            <a:endParaRPr lang="en-US" dirty="0">
+              <a:solidFill>
+                <a:schemeClr val="tx1"/>
+              </a:solidFill>
+              <a:latin typeface="Consolas" panose="020B0609020204030204" pitchFamily="49" charset="0"/>
+              <a:cs typeface="Consolas" panose="020B0609020204030204" pitchFamily="49" charset="0"/>
+            </a:endParaRPr>
+          </a:p>
+          <a:p>
+            <a:pPr marL="0" indent="0">
+              <a:buNone/>
+            </a:pPr>
+            <a:r>
+              <a:rPr lang="en-US" dirty="0">
+                <a:solidFill>
+                  <a:schemeClr val="tx1"/>
+                </a:solidFill>
+                <a:latin typeface="Consolas" panose="020B0609020204030204" pitchFamily="49" charset="0"/>
+                <a:cs typeface="Consolas" panose="020B0609020204030204" pitchFamily="49" charset="0"/>
+              </a:rPr>
+              <a:t>	</a:t>
+            </a:r>
+            <a:r>
+              <a:rPr lang="sk-SK" dirty="0" err="1">
+                <a:solidFill>
+                  <a:schemeClr val="tx1"/>
+                </a:solidFill>
+                <a:latin typeface="Consolas" panose="020B0609020204030204" pitchFamily="49" charset="0"/>
+                <a:cs typeface="Consolas" panose="020B0609020204030204" pitchFamily="49" charset="0"/>
+              </a:rPr>
+              <a:t>message</a:t>
+            </a:r>
+            <a:r>
+              <a:rPr lang="sk-SK" dirty="0">
+                <a:solidFill>
+                  <a:schemeClr val="tx1"/>
+                </a:solidFill>
+                <a:latin typeface="Consolas" panose="020B0609020204030204" pitchFamily="49" charset="0"/>
+                <a:cs typeface="Consolas" panose="020B0609020204030204" pitchFamily="49" charset="0"/>
+              </a:rPr>
+              <a:t> -&gt; {</a:t>
+            </a:r>
+            <a:endParaRPr lang="en-US" dirty="0">
+              <a:solidFill>
+                <a:schemeClr val="tx1"/>
+              </a:solidFill>
+              <a:latin typeface="Consolas" panose="020B0609020204030204" pitchFamily="49" charset="0"/>
+              <a:cs typeface="Consolas" panose="020B0609020204030204" pitchFamily="49" charset="0"/>
+            </a:endParaRPr>
+          </a:p>
+          <a:p>
+            <a:pPr marL="0" indent="0">
+              <a:buNone/>
+            </a:pPr>
+            <a:r>
+              <a:rPr lang="sk-SK" dirty="0">
+                <a:solidFill>
+                  <a:schemeClr val="tx1"/>
+                </a:solidFill>
+                <a:latin typeface="Consolas" panose="020B0609020204030204" pitchFamily="49" charset="0"/>
+                <a:cs typeface="Consolas" panose="020B0609020204030204" pitchFamily="49" charset="0"/>
+              </a:rPr>
+              <a:t> </a:t>
+            </a:r>
+            <a:r>
+              <a:rPr lang="en-US" dirty="0">
+                <a:solidFill>
+                  <a:schemeClr val="tx1"/>
+                </a:solidFill>
+                <a:latin typeface="Consolas" panose="020B0609020204030204" pitchFamily="49" charset="0"/>
+                <a:cs typeface="Consolas" panose="020B0609020204030204" pitchFamily="49" charset="0"/>
+              </a:rPr>
+              <a:t>	</a:t>
+            </a:r>
+            <a:r>
+              <a:rPr lang="sk-SK" dirty="0" err="1">
+                <a:solidFill>
+                  <a:schemeClr val="tx1"/>
+                </a:solidFill>
+                <a:latin typeface="Consolas" panose="020B0609020204030204" pitchFamily="49" charset="0"/>
+                <a:cs typeface="Consolas" panose="020B0609020204030204" pitchFamily="49" charset="0"/>
+              </a:rPr>
+              <a:t>System.out.println</a:t>
+            </a:r>
+            <a:r>
+              <a:rPr lang="sk-SK" dirty="0">
+                <a:solidFill>
+                  <a:schemeClr val="tx1"/>
+                </a:solidFill>
+                <a:latin typeface="Consolas" panose="020B0609020204030204" pitchFamily="49" charset="0"/>
+                <a:cs typeface="Consolas" panose="020B0609020204030204" pitchFamily="49" charset="0"/>
+              </a:rPr>
+              <a:t>(“</a:t>
+            </a:r>
+            <a:r>
+              <a:rPr lang="en-US" dirty="0">
+                <a:solidFill>
+                  <a:schemeClr val="tx1"/>
+                </a:solidFill>
+                <a:latin typeface="Consolas" panose="020B0609020204030204" pitchFamily="49" charset="0"/>
+                <a:cs typeface="Consolas" panose="020B0609020204030204" pitchFamily="49" charset="0"/>
+              </a:rPr>
+              <a:t>M</a:t>
+            </a:r>
+            <a:r>
+              <a:rPr lang="sk-SK" dirty="0" err="1">
+                <a:solidFill>
+                  <a:schemeClr val="tx1"/>
+                </a:solidFill>
+                <a:latin typeface="Consolas" panose="020B0609020204030204" pitchFamily="49" charset="0"/>
+                <a:cs typeface="Consolas" panose="020B0609020204030204" pitchFamily="49" charset="0"/>
+              </a:rPr>
+              <a:t>essage</a:t>
+            </a:r>
+            <a:r>
+              <a:rPr lang="sk-SK" dirty="0">
+                <a:solidFill>
+                  <a:schemeClr val="tx1"/>
+                </a:solidFill>
+                <a:latin typeface="Consolas" panose="020B0609020204030204" pitchFamily="49" charset="0"/>
+                <a:cs typeface="Consolas" panose="020B0609020204030204" pitchFamily="49" charset="0"/>
+              </a:rPr>
+              <a:t>: " </a:t>
+            </a:r>
+            <a:r>
+              <a:rPr lang="en-US" dirty="0">
+                <a:solidFill>
+                  <a:schemeClr val="tx1"/>
+                </a:solidFill>
+                <a:latin typeface="Consolas" panose="020B0609020204030204" pitchFamily="49" charset="0"/>
+                <a:cs typeface="Consolas" panose="020B0609020204030204" pitchFamily="49" charset="0"/>
+              </a:rPr>
+              <a:t>	</a:t>
+            </a:r>
+            <a:r>
+              <a:rPr lang="sk-SK" dirty="0">
+                <a:solidFill>
+                  <a:schemeClr val="tx1"/>
+                </a:solidFill>
+                <a:latin typeface="Consolas" panose="020B0609020204030204" pitchFamily="49" charset="0"/>
+                <a:cs typeface="Consolas" panose="020B0609020204030204" pitchFamily="49" charset="0"/>
+              </a:rPr>
+              <a:t>+ </a:t>
+            </a:r>
+            <a:r>
+              <a:rPr lang="en-US" dirty="0">
+                <a:solidFill>
+                  <a:schemeClr val="tx1"/>
+                </a:solidFill>
+                <a:latin typeface="Consolas" panose="020B0609020204030204" pitchFamily="49" charset="0"/>
+                <a:cs typeface="Consolas" panose="020B0609020204030204" pitchFamily="49" charset="0"/>
+              </a:rPr>
+              <a:t>				</a:t>
+            </a:r>
+            <a:r>
+              <a:rPr lang="sk-SK" dirty="0" err="1">
+                <a:solidFill>
+                  <a:schemeClr val="tx1"/>
+                </a:solidFill>
+                <a:latin typeface="Consolas" panose="020B0609020204030204" pitchFamily="49" charset="0"/>
+                <a:cs typeface="Consolas" panose="020B0609020204030204" pitchFamily="49" charset="0"/>
+              </a:rPr>
+              <a:t>message.body</a:t>
+            </a:r>
+            <a:r>
+              <a:rPr lang="sk-SK" dirty="0">
+                <a:solidFill>
+                  <a:schemeClr val="tx1"/>
+                </a:solidFill>
+                <a:latin typeface="Consolas" panose="020B0609020204030204" pitchFamily="49" charset="0"/>
+                <a:cs typeface="Consolas" panose="020B0609020204030204" pitchFamily="49" charset="0"/>
+              </a:rPr>
+              <a:t>()); </a:t>
+            </a:r>
+            <a:endParaRPr lang="en-US" dirty="0">
+              <a:solidFill>
+                <a:schemeClr val="tx1"/>
+              </a:solidFill>
+              <a:latin typeface="Consolas" panose="020B0609020204030204" pitchFamily="49" charset="0"/>
+              <a:cs typeface="Consolas" panose="020B0609020204030204" pitchFamily="49" charset="0"/>
+            </a:endParaRPr>
+          </a:p>
+          <a:p>
+            <a:pPr marL="0" indent="0">
+              <a:buNone/>
+            </a:pPr>
+            <a:r>
+              <a:rPr lang="sk-SK" dirty="0">
+                <a:solidFill>
+                  <a:schemeClr val="tx1"/>
+                </a:solidFill>
+                <a:latin typeface="Consolas" panose="020B0609020204030204" pitchFamily="49" charset="0"/>
+                <a:cs typeface="Consolas" panose="020B0609020204030204" pitchFamily="49" charset="0"/>
+              </a:rPr>
+              <a:t>});</a:t>
+            </a:r>
+            <a:endParaRPr lang="en-US" dirty="0">
+              <a:solidFill>
+                <a:schemeClr val="tx1"/>
+              </a:solidFill>
+              <a:latin typeface="Consolas" panose="020B0609020204030204" pitchFamily="49" charset="0"/>
+              <a:cs typeface="Consolas" panose="020B0609020204030204" pitchFamily="49" charset="0"/>
+            </a:endParaRPr>
+          </a:p>
+          <a:p>
+            <a:pPr marL="0" indent="0">
+              <a:buNone/>
+            </a:pPr>
+            <a:endParaRPr lang="en-US" dirty="0">
+              <a:solidFill>
+                <a:schemeClr val="tx1"/>
+              </a:solidFill>
+              <a:latin typeface="Consolas" panose="020B0609020204030204" pitchFamily="49" charset="0"/>
+              <a:cs typeface="Consolas" panose="020B0609020204030204" pitchFamily="49" charset="0"/>
+            </a:endParaRPr>
+          </a:p>
+          <a:p>
+            <a:pPr marL="0" indent="0">
+              <a:buNone/>
+            </a:pPr>
+            <a:r>
+              <a:rPr lang="en-US" dirty="0" err="1">
+                <a:solidFill>
+                  <a:schemeClr val="tx1"/>
+                </a:solidFill>
+                <a:latin typeface="Consolas" panose="020B0609020204030204" pitchFamily="49" charset="0"/>
+                <a:cs typeface="Consolas" panose="020B0609020204030204" pitchFamily="49" charset="0"/>
+              </a:rPr>
+              <a:t>consumer.unregister</a:t>
+            </a:r>
+            <a:r>
+              <a:rPr lang="en-US" dirty="0">
+                <a:solidFill>
+                  <a:schemeClr val="tx1"/>
+                </a:solidFill>
+                <a:latin typeface="Consolas" panose="020B0609020204030204" pitchFamily="49" charset="0"/>
+                <a:cs typeface="Consolas" panose="020B0609020204030204" pitchFamily="49" charset="0"/>
+              </a:rPr>
+              <a:t>();</a:t>
+            </a:r>
+          </a:p>
+          <a:p>
+            <a:pPr marL="0" indent="0">
+              <a:buNone/>
+            </a:pPr>
+            <a:endParaRPr lang="en-US" dirty="0">
+              <a:solidFill>
+                <a:schemeClr val="tx1"/>
+              </a:solidFill>
+            </a:endParaRPr>
+          </a:p>
+        </p:txBody>
+      </p:sp>
     </p:spTree>
     <p:extLst>
       <p:ext uri="{BB962C8B-B14F-4D97-AF65-F5344CB8AC3E}">
-        <p14:creationId xmlns:p14="http://schemas.microsoft.com/office/powerpoint/2010/main" val="3253973345"/>
+        <p14:creationId xmlns:p14="http://schemas.microsoft.com/office/powerpoint/2010/main" val="4152905626"/>
       </p:ext>
     </p:extLst>
   </p:cSld>
   <p:clrMapOvr>
     <a:masterClrMapping/>
   </p:clrMapOvr>
-  <p:timing>
-    <p:tnLst>
-      <p:par>
-        <p:cTn id="1" dur="indefinite" restart="never" nodeType="tmRoot"/>
-      </p:par>
-    </p:tnLst>
-  </p:timing>
 </p:sld>
 </file>
 
